--- a/doc/Presentations/Budget_Text_ProjectPresentation.pptx
+++ b/doc/Presentations/Budget_Text_ProjectPresentation.pptx
@@ -1,26 +1,28 @@
 
 <file path=ppt/presentation.xml><?xml version="1.0" encoding="utf-8"?>
-<p:presentation xmlns:a="http://schemas.openxmlformats.org/drawingml/2006/main" xmlns:r="http://schemas.openxmlformats.org/officeDocument/2006/relationships" xmlns:p="http://schemas.openxmlformats.org/presentationml/2006/main" xmlns:m="http://schemas.openxmlformats.org/officeDocument/2006/math" xmlns:a14="http://schemas.microsoft.com/office/drawing/2010/main">
+<p:presentation xmlns:a="http://schemas.openxmlformats.org/drawingml/2006/main" xmlns:r="http://schemas.openxmlformats.org/officeDocument/2006/relationships" xmlns:p="http://schemas.openxmlformats.org/presentationml/2006/main">
   <p:sldMasterIdLst>
-    <p:sldMasterId id="2147483648" r:id="rId5"/>
+    <p:sldMasterId id="2147483648" r:id="rId1"/>
   </p:sldMasterIdLst>
   <p:notesMasterIdLst>
-    <p:notesMasterId r:id="rId7"/>
+    <p:notesMasterId r:id="rId17"/>
   </p:notesMasterIdLst>
   <p:sldIdLst>
-    <p:sldId id="256" r:id="rId8"/>
-    <p:sldId id="257" r:id="rId9"/>
-    <p:sldId id="258" r:id="rId10"/>
-    <p:sldId id="259" r:id="rId11"/>
-    <p:sldId id="260" r:id="rId12"/>
-    <p:sldId id="261" r:id="rId13"/>
-    <p:sldId id="262" r:id="rId14"/>
-    <p:sldId id="263" r:id="rId15"/>
-    <p:sldId id="264" r:id="rId16"/>
-    <p:sldId id="265" r:id="rId17"/>
-    <p:sldId id="266" r:id="rId18"/>
-    <p:sldId id="267" r:id="rId19"/>
-    <p:sldId id="268" r:id="rId20"/>
+    <p:sldId id="256" r:id="rId2"/>
+    <p:sldId id="257" r:id="rId3"/>
+    <p:sldId id="258" r:id="rId4"/>
+    <p:sldId id="259" r:id="rId5"/>
+    <p:sldId id="260" r:id="rId6"/>
+    <p:sldId id="261" r:id="rId7"/>
+    <p:sldId id="262" r:id="rId8"/>
+    <p:sldId id="263" r:id="rId9"/>
+    <p:sldId id="264" r:id="rId10"/>
+    <p:sldId id="265" r:id="rId11"/>
+    <p:sldId id="266" r:id="rId12"/>
+    <p:sldId id="269" r:id="rId13"/>
+    <p:sldId id="270" r:id="rId14"/>
+    <p:sldId id="267" r:id="rId15"/>
+    <p:sldId id="268" r:id="rId16"/>
   </p:sldIdLst>
   <p:sldSz cx="13004800" cy="9753600"/>
   <p:notesSz cx="6858000" cy="9144000"/>
@@ -40,7 +42,7 @@
       <a:buFontTx/>
       <a:buNone/>
       <a:tabLst/>
-      <a:defRPr b="0" baseline="0" cap="none" i="0" spc="0" strike="noStrike" sz="1800" u="none" kumimoji="0" normalizeH="0">
+      <a:defRPr kumimoji="0" sz="1800" b="0" i="0" u="none" strike="noStrike" cap="none" spc="0" normalizeH="0" baseline="0">
         <a:ln>
           <a:noFill/>
         </a:ln>
@@ -66,7 +68,7 @@
       <a:buFontTx/>
       <a:buNone/>
       <a:tabLst/>
-      <a:defRPr b="0" baseline="0" cap="none" i="0" spc="0" strike="noStrike" sz="2400" u="none" kumimoji="0" normalizeH="0">
+      <a:defRPr kumimoji="0" sz="2400" b="0" i="0" u="none" strike="noStrike" cap="none" spc="0" normalizeH="0" baseline="0">
         <a:ln>
           <a:noFill/>
         </a:ln>
@@ -96,7 +98,7 @@
       <a:buFontTx/>
       <a:buNone/>
       <a:tabLst/>
-      <a:defRPr b="0" baseline="0" cap="none" i="0" spc="0" strike="noStrike" sz="2400" u="none" kumimoji="0" normalizeH="0">
+      <a:defRPr kumimoji="0" sz="2400" b="0" i="0" u="none" strike="noStrike" cap="none" spc="0" normalizeH="0" baseline="0">
         <a:ln>
           <a:noFill/>
         </a:ln>
@@ -126,7 +128,7 @@
       <a:buFontTx/>
       <a:buNone/>
       <a:tabLst/>
-      <a:defRPr b="0" baseline="0" cap="none" i="0" spc="0" strike="noStrike" sz="2400" u="none" kumimoji="0" normalizeH="0">
+      <a:defRPr kumimoji="0" sz="2400" b="0" i="0" u="none" strike="noStrike" cap="none" spc="0" normalizeH="0" baseline="0">
         <a:ln>
           <a:noFill/>
         </a:ln>
@@ -156,7 +158,7 @@
       <a:buFontTx/>
       <a:buNone/>
       <a:tabLst/>
-      <a:defRPr b="0" baseline="0" cap="none" i="0" spc="0" strike="noStrike" sz="2400" u="none" kumimoji="0" normalizeH="0">
+      <a:defRPr kumimoji="0" sz="2400" b="0" i="0" u="none" strike="noStrike" cap="none" spc="0" normalizeH="0" baseline="0">
         <a:ln>
           <a:noFill/>
         </a:ln>
@@ -186,7 +188,7 @@
       <a:buFontTx/>
       <a:buNone/>
       <a:tabLst/>
-      <a:defRPr b="0" baseline="0" cap="none" i="0" spc="0" strike="noStrike" sz="2400" u="none" kumimoji="0" normalizeH="0">
+      <a:defRPr kumimoji="0" sz="2400" b="0" i="0" u="none" strike="noStrike" cap="none" spc="0" normalizeH="0" baseline="0">
         <a:ln>
           <a:noFill/>
         </a:ln>
@@ -216,7 +218,7 @@
       <a:buFontTx/>
       <a:buNone/>
       <a:tabLst/>
-      <a:defRPr b="0" baseline="0" cap="none" i="0" spc="0" strike="noStrike" sz="2400" u="none" kumimoji="0" normalizeH="0">
+      <a:defRPr kumimoji="0" sz="2400" b="0" i="0" u="none" strike="noStrike" cap="none" spc="0" normalizeH="0" baseline="0">
         <a:ln>
           <a:noFill/>
         </a:ln>
@@ -246,7 +248,7 @@
       <a:buFontTx/>
       <a:buNone/>
       <a:tabLst/>
-      <a:defRPr b="0" baseline="0" cap="none" i="0" spc="0" strike="noStrike" sz="2400" u="none" kumimoji="0" normalizeH="0">
+      <a:defRPr kumimoji="0" sz="2400" b="0" i="0" u="none" strike="noStrike" cap="none" spc="0" normalizeH="0" baseline="0">
         <a:ln>
           <a:noFill/>
         </a:ln>
@@ -276,7 +278,7 @@
       <a:buFontTx/>
       <a:buNone/>
       <a:tabLst/>
-      <a:defRPr b="0" baseline="0" cap="none" i="0" spc="0" strike="noStrike" sz="2400" u="none" kumimoji="0" normalizeH="0">
+      <a:defRPr kumimoji="0" sz="2400" b="0" i="0" u="none" strike="noStrike" cap="none" spc="0" normalizeH="0" baseline="0">
         <a:ln>
           <a:noFill/>
         </a:ln>
@@ -306,7 +308,7 @@
       <a:buFontTx/>
       <a:buNone/>
       <a:tabLst/>
-      <a:defRPr b="0" baseline="0" cap="none" i="0" spc="0" strike="noStrike" sz="2400" u="none" kumimoji="0" normalizeH="0">
+      <a:defRPr kumimoji="0" sz="2400" b="0" i="0" u="none" strike="noStrike" cap="none" spc="0" normalizeH="0" baseline="0">
         <a:ln>
           <a:noFill/>
         </a:ln>
@@ -325,13 +327,14 @@
 </p:presentation>
 </file>
 
-<file path=ppt/commentAuthors.xml><?xml version="1.0" encoding="utf-8"?>
-<p:cmAuthorLst xmlns:a="http://schemas.openxmlformats.org/drawingml/2006/main" xmlns:r="http://schemas.openxmlformats.org/officeDocument/2006/relationships" xmlns:p="http://schemas.openxmlformats.org/presentationml/2006/main" xmlns:m="http://schemas.openxmlformats.org/officeDocument/2006/math" xmlns:a14="http://schemas.microsoft.com/office/drawing/2010/main"/>
-</file>
-
 <file path=ppt/notesMasters/notesMaster1.xml><?xml version="1.0" encoding="utf-8"?>
-<p:notesMaster xmlns:a="http://schemas.openxmlformats.org/drawingml/2006/main" xmlns:r="http://schemas.openxmlformats.org/officeDocument/2006/relationships" xmlns:p="http://schemas.openxmlformats.org/presentationml/2006/main" xmlns:m="http://schemas.openxmlformats.org/officeDocument/2006/math" xmlns:a14="http://schemas.microsoft.com/office/drawing/2010/main">
+<p:notesMaster xmlns:a="http://schemas.openxmlformats.org/drawingml/2006/main" xmlns:r="http://schemas.openxmlformats.org/officeDocument/2006/relationships" xmlns:p="http://schemas.openxmlformats.org/presentationml/2006/main">
   <p:cSld>
+    <p:bg>
+      <p:bgRef idx="1001">
+        <a:schemeClr val="bg1"/>
+      </p:bgRef>
+    </p:bg>
     <p:spTree>
       <p:nvGrpSpPr>
         <p:cNvPr id="1" name=""/>
@@ -349,7 +352,9 @@
       <p:sp>
         <p:nvSpPr>
           <p:cNvPr id="116" name="Shape 116"/>
-          <p:cNvSpPr/>
+          <p:cNvSpPr>
+            <a:spLocks noGrp="1" noRot="1" noChangeAspect="1"/>
+          </p:cNvSpPr>
           <p:nvPr>
             <p:ph type="sldImg"/>
           </p:nvPr>
@@ -367,14 +372,16 @@
           <a:bodyPr/>
           <a:lstStyle/>
           <a:p>
-            <a:pPr/>
+            <a:endParaRPr/>
           </a:p>
         </p:txBody>
       </p:sp>
       <p:sp>
         <p:nvSpPr>
           <p:cNvPr id="117" name="Shape 117"/>
-          <p:cNvSpPr/>
+          <p:cNvSpPr>
+            <a:spLocks noGrp="1"/>
+          </p:cNvSpPr>
           <p:nvPr>
             <p:ph type="body" sz="quarter" idx="1"/>
           </p:nvPr>
@@ -392,7 +399,7 @@
           <a:bodyPr/>
           <a:lstStyle/>
           <a:p>
-            <a:pPr/>
+            <a:endParaRPr/>
           </a:p>
         </p:txBody>
       </p:sp>
@@ -504,7 +511,7 @@
 </file>
 
 <file path=ppt/slideLayouts/slideLayout1.xml><?xml version="1.0" encoding="utf-8"?>
-<p:sldLayout xmlns:a="http://schemas.openxmlformats.org/drawingml/2006/main" xmlns:r="http://schemas.openxmlformats.org/officeDocument/2006/relationships" xmlns:p="http://schemas.openxmlformats.org/presentationml/2006/main" xmlns:m="http://schemas.openxmlformats.org/officeDocument/2006/math" xmlns:a14="http://schemas.microsoft.com/office/drawing/2010/main" type="tx" showMasterSp="0" showMasterPhAnim="1">
+<p:sldLayout xmlns:a="http://schemas.openxmlformats.org/drawingml/2006/main" xmlns:r="http://schemas.openxmlformats.org/officeDocument/2006/relationships" xmlns:p="http://schemas.openxmlformats.org/presentationml/2006/main" showMasterSp="0" type="tx">
   <p:cSld name="Title &amp; Subtitle">
     <p:spTree>
       <p:nvGrpSpPr>
@@ -547,7 +554,7 @@
           <a:bodyPr lIns="45718" tIns="45718" rIns="45718" bIns="45718"/>
           <a:lstStyle/>
           <a:p>
-            <a:pPr/>
+            <a:endParaRPr/>
           </a:p>
         </p:txBody>
       </p:sp>
@@ -578,7 +585,7 @@
           <a:bodyPr lIns="45718" tIns="45718" rIns="45718" bIns="45718"/>
           <a:lstStyle/>
           <a:p>
-            <a:pPr/>
+            <a:endParaRPr/>
           </a:p>
         </p:txBody>
       </p:sp>
@@ -609,14 +616,16 @@
           <a:bodyPr lIns="45718" tIns="45718" rIns="45718" bIns="45718"/>
           <a:lstStyle/>
           <a:p>
-            <a:pPr/>
+            <a:endParaRPr/>
           </a:p>
         </p:txBody>
       </p:sp>
       <p:sp>
         <p:nvSpPr>
           <p:cNvPr id="16" name="Body Level One…"/>
-          <p:cNvSpPr txBox="1"/>
+          <p:cNvSpPr txBox="1">
+            <a:spLocks noGrp="1"/>
+          </p:cNvSpPr>
           <p:nvPr>
             <p:ph type="body" sz="quarter" idx="1"/>
           </p:nvPr>
@@ -644,7 +653,7 @@
               <a:buSzTx/>
               <a:buFontTx/>
               <a:buNone/>
-              <a:defRPr b="0" i="1" sz="2400">
+              <a:defRPr sz="2400" b="0" i="1">
                 <a:solidFill>
                   <a:srgbClr val="414141"/>
                 </a:solidFill>
@@ -659,7 +668,7 @@
               </a:spcBef>
               <a:buClrTx/>
               <a:buFontTx/>
-              <a:defRPr b="0" i="1" sz="2400">
+              <a:defRPr sz="2400" b="0" i="1">
                 <a:solidFill>
                   <a:srgbClr val="414141"/>
                 </a:solidFill>
@@ -674,7 +683,7 @@
               </a:spcBef>
               <a:buClrTx/>
               <a:buFontTx/>
-              <a:defRPr b="0" i="1" sz="2400">
+              <a:defRPr sz="2400" b="0" i="1">
                 <a:solidFill>
                   <a:srgbClr val="414141"/>
                 </a:solidFill>
@@ -689,7 +698,7 @@
               </a:spcBef>
               <a:buClrTx/>
               <a:buFontTx/>
-              <a:defRPr b="0" i="1" sz="2400">
+              <a:defRPr sz="2400" b="0" i="1">
                 <a:solidFill>
                   <a:srgbClr val="414141"/>
                 </a:solidFill>
@@ -704,7 +713,7 @@
               </a:spcBef>
               <a:buClrTx/>
               <a:buFontTx/>
-              <a:defRPr b="0" i="1" sz="2400">
+              <a:defRPr sz="2400" b="0" i="1">
                 <a:solidFill>
                   <a:srgbClr val="414141"/>
                 </a:solidFill>
@@ -712,7 +721,6 @@
             </a:lvl5pPr>
           </a:lstStyle>
           <a:p>
-            <a:pPr/>
             <a:r>
               <a:t>Body Level One</a:t>
             </a:r>
@@ -746,7 +754,9 @@
       <p:sp>
         <p:nvSpPr>
           <p:cNvPr id="17" name="Title Text"/>
-          <p:cNvSpPr txBox="1"/>
+          <p:cNvSpPr txBox="1">
+            <a:spLocks noGrp="1"/>
+          </p:cNvSpPr>
           <p:nvPr>
             <p:ph type="title"/>
           </p:nvPr>
@@ -772,7 +782,6 @@
             </a:lvl1pPr>
           </a:lstStyle>
           <a:p>
-            <a:pPr/>
             <a:r>
               <a:t>Title Text</a:t>
             </a:r>
@@ -782,7 +791,9 @@
       <p:sp>
         <p:nvSpPr>
           <p:cNvPr id="18" name="Body Level One…"/>
-          <p:cNvSpPr txBox="1"/>
+          <p:cNvSpPr txBox="1">
+            <a:spLocks noGrp="1"/>
+          </p:cNvSpPr>
           <p:nvPr>
             <p:ph type="body" sz="quarter" idx="13"/>
           </p:nvPr>
@@ -800,14 +811,16 @@
           <a:bodyPr/>
           <a:lstStyle/>
           <a:p>
-            <a:pPr/>
+            <a:endParaRPr/>
           </a:p>
         </p:txBody>
       </p:sp>
       <p:sp>
         <p:nvSpPr>
           <p:cNvPr id="19" name="Slide Number"/>
-          <p:cNvSpPr txBox="1"/>
+          <p:cNvSpPr txBox="1">
+            <a:spLocks noGrp="1"/>
+          </p:cNvSpPr>
           <p:nvPr>
             <p:ph type="sldNum" sz="quarter" idx="2"/>
           </p:nvPr>
@@ -821,8 +834,10 @@
           <a:bodyPr/>
           <a:lstStyle/>
           <a:p>
-            <a:pPr/>
-            <a:fld id="{86CB4B4D-7CA3-9044-876B-883B54F8677D}" type="slidenum"/>
+            <a:fld id="{86CB4B4D-7CA3-9044-876B-883B54F8677D}" type="slidenum">
+              <a:t>‹#›</a:t>
+            </a:fld>
+            <a:endParaRPr/>
           </a:p>
         </p:txBody>
       </p:sp>
@@ -831,87 +846,12 @@
   <p:clrMapOvr>
     <a:masterClrMapping/>
   </p:clrMapOvr>
-  <p:transition xmlns:p14="http://schemas.microsoft.com/office/powerpoint/2010/main" spd="med" advClick="1"/>
+  <p:transition spd="med"/>
 </p:sldLayout>
 </file>
 
 <file path=ppt/slideLayouts/slideLayout10.xml><?xml version="1.0" encoding="utf-8"?>
-<p:sldLayout xmlns:a="http://schemas.openxmlformats.org/drawingml/2006/main" xmlns:r="http://schemas.openxmlformats.org/officeDocument/2006/relationships" xmlns:p="http://schemas.openxmlformats.org/presentationml/2006/main" xmlns:m="http://schemas.openxmlformats.org/officeDocument/2006/math" xmlns:a14="http://schemas.microsoft.com/office/drawing/2010/main" type="tx" showMasterSp="0" showMasterPhAnim="1">
-  <p:cSld name="Photo">
-    <p:spTree>
-      <p:nvGrpSpPr>
-        <p:cNvPr id="1" name=""/>
-        <p:cNvGrpSpPr/>
-        <p:nvPr/>
-      </p:nvGrpSpPr>
-      <p:grpSpPr>
-        <a:xfrm>
-          <a:off x="0" y="0"/>
-          <a:ext cx="0" cy="0"/>
-          <a:chOff x="0" y="0"/>
-          <a:chExt cx="0" cy="0"/>
-        </a:xfrm>
-      </p:grpSpPr>
-      <p:sp>
-        <p:nvSpPr>
-          <p:cNvPr id="102" name="Image"/>
-          <p:cNvSpPr/>
-          <p:nvPr>
-            <p:ph type="pic" idx="13"/>
-          </p:nvPr>
-        </p:nvSpPr>
-        <p:spPr>
-          <a:xfrm>
-            <a:off x="0" y="0"/>
-            <a:ext cx="13004800" cy="9753600"/>
-          </a:xfrm>
-          <a:prstGeom prst="rect">
-            <a:avLst/>
-          </a:prstGeom>
-        </p:spPr>
-        <p:txBody>
-          <a:bodyPr lIns="91439" tIns="45719" rIns="91439" bIns="45719" anchor="t">
-            <a:noAutofit/>
-          </a:bodyPr>
-          <a:lstStyle/>
-          <a:p>
-            <a:pPr/>
-          </a:p>
-        </p:txBody>
-      </p:sp>
-      <p:sp>
-        <p:nvSpPr>
-          <p:cNvPr id="103" name="Slide Number"/>
-          <p:cNvSpPr txBox="1"/>
-          <p:nvPr>
-            <p:ph type="sldNum" sz="quarter" idx="2"/>
-          </p:nvPr>
-        </p:nvSpPr>
-        <p:spPr>
-          <a:prstGeom prst="rect">
-            <a:avLst/>
-          </a:prstGeom>
-        </p:spPr>
-        <p:txBody>
-          <a:bodyPr/>
-          <a:lstStyle/>
-          <a:p>
-            <a:pPr/>
-            <a:fld id="{86CB4B4D-7CA3-9044-876B-883B54F8677D}" type="slidenum"/>
-          </a:p>
-        </p:txBody>
-      </p:sp>
-    </p:spTree>
-  </p:cSld>
-  <p:clrMapOvr>
-    <a:masterClrMapping/>
-  </p:clrMapOvr>
-  <p:transition xmlns:p14="http://schemas.microsoft.com/office/powerpoint/2010/main" spd="med" advClick="1"/>
-</p:sldLayout>
-</file>
-
-<file path=ppt/slideLayouts/slideLayout11.xml><?xml version="1.0" encoding="utf-8"?>
-<p:sldLayout xmlns:a="http://schemas.openxmlformats.org/drawingml/2006/main" xmlns:r="http://schemas.openxmlformats.org/officeDocument/2006/relationships" xmlns:p="http://schemas.openxmlformats.org/presentationml/2006/main" xmlns:m="http://schemas.openxmlformats.org/officeDocument/2006/math" xmlns:a14="http://schemas.microsoft.com/office/drawing/2010/main" type="tx" showMasterSp="0" showMasterPhAnim="1">
+<p:sldLayout xmlns:a="http://schemas.openxmlformats.org/drawingml/2006/main" xmlns:r="http://schemas.openxmlformats.org/officeDocument/2006/relationships" xmlns:p="http://schemas.openxmlformats.org/presentationml/2006/main" showMasterSp="0" type="tx">
   <p:cSld name="Blank">
     <p:spTree>
       <p:nvGrpSpPr>
@@ -930,7 +870,9 @@
       <p:sp>
         <p:nvSpPr>
           <p:cNvPr id="110" name="Slide Number"/>
-          <p:cNvSpPr txBox="1"/>
+          <p:cNvSpPr txBox="1">
+            <a:spLocks noGrp="1"/>
+          </p:cNvSpPr>
           <p:nvPr>
             <p:ph type="sldNum" sz="quarter" idx="2"/>
           </p:nvPr>
@@ -944,8 +886,10 @@
           <a:bodyPr/>
           <a:lstStyle/>
           <a:p>
-            <a:pPr/>
-            <a:fld id="{86CB4B4D-7CA3-9044-876B-883B54F8677D}" type="slidenum"/>
+            <a:fld id="{86CB4B4D-7CA3-9044-876B-883B54F8677D}" type="slidenum">
+              <a:t>‹#›</a:t>
+            </a:fld>
+            <a:endParaRPr/>
           </a:p>
         </p:txBody>
       </p:sp>
@@ -954,12 +898,12 @@
   <p:clrMapOvr>
     <a:masterClrMapping/>
   </p:clrMapOvr>
-  <p:transition xmlns:p14="http://schemas.microsoft.com/office/powerpoint/2010/main" spd="med" advClick="1"/>
+  <p:transition spd="med"/>
 </p:sldLayout>
 </file>
 
 <file path=ppt/slideLayouts/slideLayout2.xml><?xml version="1.0" encoding="utf-8"?>
-<p:sldLayout xmlns:a="http://schemas.openxmlformats.org/drawingml/2006/main" xmlns:r="http://schemas.openxmlformats.org/officeDocument/2006/relationships" xmlns:p="http://schemas.openxmlformats.org/presentationml/2006/main" xmlns:m="http://schemas.openxmlformats.org/officeDocument/2006/math" xmlns:a14="http://schemas.microsoft.com/office/drawing/2010/main" type="tx" showMasterSp="0" showMasterPhAnim="1">
+<p:sldLayout xmlns:a="http://schemas.openxmlformats.org/drawingml/2006/main" xmlns:r="http://schemas.openxmlformats.org/officeDocument/2006/relationships" xmlns:p="http://schemas.openxmlformats.org/presentationml/2006/main" showMasterSp="0" type="tx">
   <p:cSld name="Title - Center">
     <p:spTree>
       <p:nvGrpSpPr>
@@ -978,7 +922,9 @@
       <p:sp>
         <p:nvSpPr>
           <p:cNvPr id="26" name="Title Text"/>
-          <p:cNvSpPr txBox="1"/>
+          <p:cNvSpPr txBox="1">
+            <a:spLocks noGrp="1"/>
+          </p:cNvSpPr>
           <p:nvPr>
             <p:ph type="title"/>
           </p:nvPr>
@@ -996,7 +942,6 @@
           <a:bodyPr/>
           <a:lstStyle/>
           <a:p>
-            <a:pPr/>
             <a:r>
               <a:t>Title Text</a:t>
             </a:r>
@@ -1006,7 +951,9 @@
       <p:sp>
         <p:nvSpPr>
           <p:cNvPr id="27" name="Slide Number"/>
-          <p:cNvSpPr txBox="1"/>
+          <p:cNvSpPr txBox="1">
+            <a:spLocks noGrp="1"/>
+          </p:cNvSpPr>
           <p:nvPr>
             <p:ph type="sldNum" sz="quarter" idx="2"/>
           </p:nvPr>
@@ -1020,8 +967,10 @@
           <a:bodyPr/>
           <a:lstStyle/>
           <a:p>
-            <a:pPr/>
-            <a:fld id="{86CB4B4D-7CA3-9044-876B-883B54F8677D}" type="slidenum"/>
+            <a:fld id="{86CB4B4D-7CA3-9044-876B-883B54F8677D}" type="slidenum">
+              <a:t>‹#›</a:t>
+            </a:fld>
+            <a:endParaRPr/>
           </a:p>
         </p:txBody>
       </p:sp>
@@ -1030,12 +979,12 @@
   <p:clrMapOvr>
     <a:masterClrMapping/>
   </p:clrMapOvr>
-  <p:transition xmlns:p14="http://schemas.microsoft.com/office/powerpoint/2010/main" spd="med" advClick="1"/>
+  <p:transition spd="med"/>
 </p:sldLayout>
 </file>
 
 <file path=ppt/slideLayouts/slideLayout3.xml><?xml version="1.0" encoding="utf-8"?>
-<p:sldLayout xmlns:a="http://schemas.openxmlformats.org/drawingml/2006/main" xmlns:r="http://schemas.openxmlformats.org/officeDocument/2006/relationships" xmlns:p="http://schemas.openxmlformats.org/presentationml/2006/main" xmlns:m="http://schemas.openxmlformats.org/officeDocument/2006/math" xmlns:a14="http://schemas.microsoft.com/office/drawing/2010/main" type="tx" showMasterSp="0" showMasterPhAnim="1">
+<p:sldLayout xmlns:a="http://schemas.openxmlformats.org/drawingml/2006/main" xmlns:r="http://schemas.openxmlformats.org/officeDocument/2006/relationships" xmlns:p="http://schemas.openxmlformats.org/presentationml/2006/main" showMasterSp="0" type="tx">
   <p:cSld name="Photo - Vertical">
     <p:spTree>
       <p:nvGrpSpPr>
@@ -1078,7 +1027,7 @@
           <a:bodyPr lIns="45718" tIns="45718" rIns="45718" bIns="45718"/>
           <a:lstStyle/>
           <a:p>
-            <a:pPr/>
+            <a:endParaRPr/>
           </a:p>
         </p:txBody>
       </p:sp>
@@ -1109,14 +1058,16 @@
           <a:bodyPr lIns="45718" tIns="45718" rIns="45718" bIns="45718"/>
           <a:lstStyle/>
           <a:p>
-            <a:pPr/>
+            <a:endParaRPr/>
           </a:p>
         </p:txBody>
       </p:sp>
       <p:sp>
         <p:nvSpPr>
           <p:cNvPr id="36" name="Body Level One…"/>
-          <p:cNvSpPr txBox="1"/>
+          <p:cNvSpPr txBox="1">
+            <a:spLocks noGrp="1"/>
+          </p:cNvSpPr>
           <p:nvPr>
             <p:ph type="body" sz="quarter" idx="1"/>
           </p:nvPr>
@@ -1144,7 +1095,7 @@
               <a:buSzTx/>
               <a:buFontTx/>
               <a:buNone/>
-              <a:defRPr b="0" i="1" sz="2400">
+              <a:defRPr sz="2400" b="0" i="1">
                 <a:solidFill>
                   <a:srgbClr val="414141"/>
                 </a:solidFill>
@@ -1159,7 +1110,7 @@
               </a:spcBef>
               <a:buClrTx/>
               <a:buFontTx/>
-              <a:defRPr b="0" i="1" sz="2400">
+              <a:defRPr sz="2400" b="0" i="1">
                 <a:solidFill>
                   <a:srgbClr val="414141"/>
                 </a:solidFill>
@@ -1174,7 +1125,7 @@
               </a:spcBef>
               <a:buClrTx/>
               <a:buFontTx/>
-              <a:defRPr b="0" i="1" sz="2400">
+              <a:defRPr sz="2400" b="0" i="1">
                 <a:solidFill>
                   <a:srgbClr val="414141"/>
                 </a:solidFill>
@@ -1189,7 +1140,7 @@
               </a:spcBef>
               <a:buClrTx/>
               <a:buFontTx/>
-              <a:defRPr b="0" i="1" sz="2400">
+              <a:defRPr sz="2400" b="0" i="1">
                 <a:solidFill>
                   <a:srgbClr val="414141"/>
                 </a:solidFill>
@@ -1204,7 +1155,7 @@
               </a:spcBef>
               <a:buClrTx/>
               <a:buFontTx/>
-              <a:defRPr b="0" i="1" sz="2400">
+              <a:defRPr sz="2400" b="0" i="1">
                 <a:solidFill>
                   <a:srgbClr val="414141"/>
                 </a:solidFill>
@@ -1212,7 +1163,6 @@
             </a:lvl5pPr>
           </a:lstStyle>
           <a:p>
-            <a:pPr/>
             <a:r>
               <a:t>Body Level One</a:t>
             </a:r>
@@ -1246,7 +1196,9 @@
       <p:sp>
         <p:nvSpPr>
           <p:cNvPr id="37" name="Image"/>
-          <p:cNvSpPr/>
+          <p:cNvSpPr>
+            <a:spLocks noGrp="1"/>
+          </p:cNvSpPr>
           <p:nvPr>
             <p:ph type="pic" sz="half" idx="13"/>
           </p:nvPr>
@@ -1266,14 +1218,16 @@
           </a:bodyPr>
           <a:lstStyle/>
           <a:p>
-            <a:pPr/>
+            <a:endParaRPr/>
           </a:p>
         </p:txBody>
       </p:sp>
       <p:sp>
         <p:nvSpPr>
           <p:cNvPr id="38" name="Title Text"/>
-          <p:cNvSpPr txBox="1"/>
+          <p:cNvSpPr txBox="1">
+            <a:spLocks noGrp="1"/>
+          </p:cNvSpPr>
           <p:nvPr>
             <p:ph type="title"/>
           </p:nvPr>
@@ -1299,7 +1253,6 @@
             </a:lvl1pPr>
           </a:lstStyle>
           <a:p>
-            <a:pPr/>
             <a:r>
               <a:t>Title Text</a:t>
             </a:r>
@@ -1309,7 +1262,9 @@
       <p:sp>
         <p:nvSpPr>
           <p:cNvPr id="39" name="Body Level One…"/>
-          <p:cNvSpPr txBox="1"/>
+          <p:cNvSpPr txBox="1">
+            <a:spLocks noGrp="1"/>
+          </p:cNvSpPr>
           <p:nvPr>
             <p:ph type="body" sz="quarter" idx="14"/>
           </p:nvPr>
@@ -1327,14 +1282,16 @@
           <a:bodyPr anchor="t"/>
           <a:lstStyle/>
           <a:p>
-            <a:pPr/>
+            <a:endParaRPr/>
           </a:p>
         </p:txBody>
       </p:sp>
       <p:sp>
         <p:nvSpPr>
           <p:cNvPr id="40" name="Slide Number"/>
-          <p:cNvSpPr txBox="1"/>
+          <p:cNvSpPr txBox="1">
+            <a:spLocks noGrp="1"/>
+          </p:cNvSpPr>
           <p:nvPr>
             <p:ph type="sldNum" sz="quarter" idx="2"/>
           </p:nvPr>
@@ -1348,8 +1305,10 @@
           <a:bodyPr/>
           <a:lstStyle/>
           <a:p>
-            <a:pPr/>
-            <a:fld id="{86CB4B4D-7CA3-9044-876B-883B54F8677D}" type="slidenum"/>
+            <a:fld id="{86CB4B4D-7CA3-9044-876B-883B54F8677D}" type="slidenum">
+              <a:t>‹#›</a:t>
+            </a:fld>
+            <a:endParaRPr/>
           </a:p>
         </p:txBody>
       </p:sp>
@@ -1358,84 +1317,12 @@
   <p:clrMapOvr>
     <a:masterClrMapping/>
   </p:clrMapOvr>
-  <p:transition xmlns:p14="http://schemas.microsoft.com/office/powerpoint/2010/main" spd="med" advClick="1"/>
+  <p:transition spd="med"/>
 </p:sldLayout>
 </file>
 
 <file path=ppt/slideLayouts/slideLayout4.xml><?xml version="1.0" encoding="utf-8"?>
-<p:sldLayout xmlns:a="http://schemas.openxmlformats.org/drawingml/2006/main" xmlns:r="http://schemas.openxmlformats.org/officeDocument/2006/relationships" xmlns:p="http://schemas.openxmlformats.org/presentationml/2006/main" xmlns:m="http://schemas.openxmlformats.org/officeDocument/2006/math" xmlns:a14="http://schemas.microsoft.com/office/drawing/2010/main" type="tx" showMasterSp="1" showMasterPhAnim="1">
-  <p:cSld name="Title - Top">
-    <p:spTree>
-      <p:nvGrpSpPr>
-        <p:cNvPr id="1" name=""/>
-        <p:cNvGrpSpPr/>
-        <p:nvPr/>
-      </p:nvGrpSpPr>
-      <p:grpSpPr>
-        <a:xfrm>
-          <a:off x="0" y="0"/>
-          <a:ext cx="0" cy="0"/>
-          <a:chOff x="0" y="0"/>
-          <a:chExt cx="0" cy="0"/>
-        </a:xfrm>
-      </p:grpSpPr>
-      <p:sp>
-        <p:nvSpPr>
-          <p:cNvPr id="47" name="Title Text"/>
-          <p:cNvSpPr txBox="1"/>
-          <p:nvPr>
-            <p:ph type="title"/>
-          </p:nvPr>
-        </p:nvSpPr>
-        <p:spPr>
-          <a:prstGeom prst="rect">
-            <a:avLst/>
-          </a:prstGeom>
-        </p:spPr>
-        <p:txBody>
-          <a:bodyPr/>
-          <a:lstStyle/>
-          <a:p>
-            <a:pPr/>
-            <a:r>
-              <a:t>Title Text</a:t>
-            </a:r>
-          </a:p>
-        </p:txBody>
-      </p:sp>
-      <p:sp>
-        <p:nvSpPr>
-          <p:cNvPr id="48" name="Slide Number"/>
-          <p:cNvSpPr txBox="1"/>
-          <p:nvPr>
-            <p:ph type="sldNum" sz="quarter" idx="2"/>
-          </p:nvPr>
-        </p:nvSpPr>
-        <p:spPr>
-          <a:prstGeom prst="rect">
-            <a:avLst/>
-          </a:prstGeom>
-        </p:spPr>
-        <p:txBody>
-          <a:bodyPr/>
-          <a:lstStyle/>
-          <a:p>
-            <a:pPr/>
-            <a:fld id="{86CB4B4D-7CA3-9044-876B-883B54F8677D}" type="slidenum"/>
-          </a:p>
-        </p:txBody>
-      </p:sp>
-    </p:spTree>
-  </p:cSld>
-  <p:clrMapOvr>
-    <a:masterClrMapping/>
-  </p:clrMapOvr>
-  <p:transition xmlns:p14="http://schemas.microsoft.com/office/powerpoint/2010/main" spd="med" advClick="1"/>
-</p:sldLayout>
-</file>
-
-<file path=ppt/slideLayouts/slideLayout5.xml><?xml version="1.0" encoding="utf-8"?>
-<p:sldLayout xmlns:a="http://schemas.openxmlformats.org/drawingml/2006/main" xmlns:r="http://schemas.openxmlformats.org/officeDocument/2006/relationships" xmlns:p="http://schemas.openxmlformats.org/presentationml/2006/main" xmlns:m="http://schemas.openxmlformats.org/officeDocument/2006/math" xmlns:a14="http://schemas.microsoft.com/office/drawing/2010/main" type="tx" showMasterSp="1" showMasterPhAnim="1">
+<p:sldLayout xmlns:a="http://schemas.openxmlformats.org/drawingml/2006/main" xmlns:r="http://schemas.openxmlformats.org/officeDocument/2006/relationships" xmlns:p="http://schemas.openxmlformats.org/presentationml/2006/main" type="tx">
   <p:cSld name="Title &amp; Bullets">
     <p:spTree>
       <p:nvGrpSpPr>
@@ -1454,7 +1341,9 @@
       <p:sp>
         <p:nvSpPr>
           <p:cNvPr id="55" name="Title Text"/>
-          <p:cNvSpPr txBox="1"/>
+          <p:cNvSpPr txBox="1">
+            <a:spLocks noGrp="1"/>
+          </p:cNvSpPr>
           <p:nvPr>
             <p:ph type="title"/>
           </p:nvPr>
@@ -1468,7 +1357,6 @@
           <a:bodyPr/>
           <a:lstStyle/>
           <a:p>
-            <a:pPr/>
             <a:r>
               <a:t>Title Text</a:t>
             </a:r>
@@ -1478,7 +1366,9 @@
       <p:sp>
         <p:nvSpPr>
           <p:cNvPr id="56" name="Body Level One…"/>
-          <p:cNvSpPr txBox="1"/>
+          <p:cNvSpPr txBox="1">
+            <a:spLocks noGrp="1"/>
+          </p:cNvSpPr>
           <p:nvPr>
             <p:ph type="body" idx="1"/>
           </p:nvPr>
@@ -1492,7 +1382,6 @@
           <a:bodyPr/>
           <a:lstStyle/>
           <a:p>
-            <a:pPr/>
             <a:r>
               <a:t>Body Level One</a:t>
             </a:r>
@@ -1526,7 +1415,9 @@
       <p:sp>
         <p:nvSpPr>
           <p:cNvPr id="57" name="Slide Number"/>
-          <p:cNvSpPr txBox="1"/>
+          <p:cNvSpPr txBox="1">
+            <a:spLocks noGrp="1"/>
+          </p:cNvSpPr>
           <p:nvPr>
             <p:ph type="sldNum" sz="quarter" idx="2"/>
           </p:nvPr>
@@ -1540,8 +1431,10 @@
           <a:bodyPr/>
           <a:lstStyle/>
           <a:p>
-            <a:pPr/>
-            <a:fld id="{86CB4B4D-7CA3-9044-876B-883B54F8677D}" type="slidenum"/>
+            <a:fld id="{86CB4B4D-7CA3-9044-876B-883B54F8677D}" type="slidenum">
+              <a:t>‹#›</a:t>
+            </a:fld>
+            <a:endParaRPr/>
           </a:p>
         </p:txBody>
       </p:sp>
@@ -1550,12 +1443,12 @@
   <p:clrMapOvr>
     <a:masterClrMapping/>
   </p:clrMapOvr>
-  <p:transition xmlns:p14="http://schemas.microsoft.com/office/powerpoint/2010/main" spd="med" advClick="1"/>
+  <p:transition spd="med"/>
 </p:sldLayout>
 </file>
 
-<file path=ppt/slideLayouts/slideLayout6.xml><?xml version="1.0" encoding="utf-8"?>
-<p:sldLayout xmlns:a="http://schemas.openxmlformats.org/drawingml/2006/main" xmlns:r="http://schemas.openxmlformats.org/officeDocument/2006/relationships" xmlns:p="http://schemas.openxmlformats.org/presentationml/2006/main" xmlns:m="http://schemas.openxmlformats.org/officeDocument/2006/math" xmlns:a14="http://schemas.microsoft.com/office/drawing/2010/main" type="tx" showMasterSp="1" showMasterPhAnim="1">
+<file path=ppt/slideLayouts/slideLayout5.xml><?xml version="1.0" encoding="utf-8"?>
+<p:sldLayout xmlns:a="http://schemas.openxmlformats.org/drawingml/2006/main" xmlns:r="http://schemas.openxmlformats.org/officeDocument/2006/relationships" xmlns:p="http://schemas.openxmlformats.org/presentationml/2006/main" type="tx">
   <p:cSld name="Title, Bullets &amp; Photo">
     <p:spTree>
       <p:nvGrpSpPr>
@@ -1574,7 +1467,9 @@
       <p:sp>
         <p:nvSpPr>
           <p:cNvPr id="64" name="Image"/>
-          <p:cNvSpPr/>
+          <p:cNvSpPr>
+            <a:spLocks noGrp="1"/>
+          </p:cNvSpPr>
           <p:nvPr>
             <p:ph type="pic" sz="half" idx="13"/>
           </p:nvPr>
@@ -1594,14 +1489,16 @@
           </a:bodyPr>
           <a:lstStyle/>
           <a:p>
-            <a:pPr/>
+            <a:endParaRPr/>
           </a:p>
         </p:txBody>
       </p:sp>
       <p:sp>
         <p:nvSpPr>
           <p:cNvPr id="65" name="Title Text"/>
-          <p:cNvSpPr txBox="1"/>
+          <p:cNvSpPr txBox="1">
+            <a:spLocks noGrp="1"/>
+          </p:cNvSpPr>
           <p:nvPr>
             <p:ph type="title"/>
           </p:nvPr>
@@ -1615,7 +1512,6 @@
           <a:bodyPr/>
           <a:lstStyle/>
           <a:p>
-            <a:pPr/>
             <a:r>
               <a:t>Title Text</a:t>
             </a:r>
@@ -1625,7 +1521,9 @@
       <p:sp>
         <p:nvSpPr>
           <p:cNvPr id="66" name="Body Level One…"/>
-          <p:cNvSpPr txBox="1"/>
+          <p:cNvSpPr txBox="1">
+            <a:spLocks noGrp="1"/>
+          </p:cNvSpPr>
           <p:nvPr>
             <p:ph type="body" sz="half" idx="1"/>
           </p:nvPr>
@@ -1699,7 +1597,6 @@
             </a:lvl5pPr>
           </a:lstStyle>
           <a:p>
-            <a:pPr/>
             <a:r>
               <a:t>Body Level One</a:t>
             </a:r>
@@ -1739,9 +1636,7 @@
           <p:nvPr/>
         </p:nvPicPr>
         <p:blipFill>
-          <a:blip r:embed="rId2">
-            <a:extLst/>
-          </a:blip>
+          <a:blip r:embed="rId2"/>
           <a:stretch>
             <a:fillRect/>
           </a:stretch>
@@ -1762,7 +1657,9 @@
       <p:sp>
         <p:nvSpPr>
           <p:cNvPr id="68" name="Slide Number"/>
-          <p:cNvSpPr txBox="1"/>
+          <p:cNvSpPr txBox="1">
+            <a:spLocks noGrp="1"/>
+          </p:cNvSpPr>
           <p:nvPr>
             <p:ph type="sldNum" sz="quarter" idx="2"/>
           </p:nvPr>
@@ -1776,8 +1673,10 @@
           <a:bodyPr/>
           <a:lstStyle/>
           <a:p>
-            <a:pPr/>
-            <a:fld id="{86CB4B4D-7CA3-9044-876B-883B54F8677D}" type="slidenum"/>
+            <a:fld id="{86CB4B4D-7CA3-9044-876B-883B54F8677D}" type="slidenum">
+              <a:t>‹#›</a:t>
+            </a:fld>
+            <a:endParaRPr/>
           </a:p>
         </p:txBody>
       </p:sp>
@@ -1786,12 +1685,12 @@
   <p:clrMapOvr>
     <a:masterClrMapping/>
   </p:clrMapOvr>
-  <p:transition xmlns:p14="http://schemas.microsoft.com/office/powerpoint/2010/main" spd="med" advClick="1"/>
+  <p:transition spd="med"/>
 </p:sldLayout>
 </file>
 
-<file path=ppt/slideLayouts/slideLayout7.xml><?xml version="1.0" encoding="utf-8"?>
-<p:sldLayout xmlns:a="http://schemas.openxmlformats.org/drawingml/2006/main" xmlns:r="http://schemas.openxmlformats.org/officeDocument/2006/relationships" xmlns:p="http://schemas.openxmlformats.org/presentationml/2006/main" xmlns:m="http://schemas.openxmlformats.org/officeDocument/2006/math" xmlns:a14="http://schemas.microsoft.com/office/drawing/2010/main" type="tx" showMasterSp="0" showMasterPhAnim="1">
+<file path=ppt/slideLayouts/slideLayout6.xml><?xml version="1.0" encoding="utf-8"?>
+<p:sldLayout xmlns:a="http://schemas.openxmlformats.org/drawingml/2006/main" xmlns:r="http://schemas.openxmlformats.org/officeDocument/2006/relationships" xmlns:p="http://schemas.openxmlformats.org/presentationml/2006/main" showMasterSp="0" type="tx">
   <p:cSld name="Bullets">
     <p:spTree>
       <p:nvGrpSpPr>
@@ -1810,7 +1709,9 @@
       <p:sp>
         <p:nvSpPr>
           <p:cNvPr id="75" name="Body Level One…"/>
-          <p:cNvSpPr txBox="1"/>
+          <p:cNvSpPr txBox="1">
+            <a:spLocks noGrp="1"/>
+          </p:cNvSpPr>
           <p:nvPr>
             <p:ph type="body" idx="1"/>
           </p:nvPr>
@@ -1828,7 +1729,6 @@
           <a:bodyPr/>
           <a:lstStyle/>
           <a:p>
-            <a:pPr/>
             <a:r>
               <a:t>Body Level One</a:t>
             </a:r>
@@ -1862,7 +1762,9 @@
       <p:sp>
         <p:nvSpPr>
           <p:cNvPr id="76" name="Slide Number"/>
-          <p:cNvSpPr txBox="1"/>
+          <p:cNvSpPr txBox="1">
+            <a:spLocks noGrp="1"/>
+          </p:cNvSpPr>
           <p:nvPr>
             <p:ph type="sldNum" sz="quarter" idx="2"/>
           </p:nvPr>
@@ -1876,8 +1778,10 @@
           <a:bodyPr/>
           <a:lstStyle/>
           <a:p>
-            <a:pPr/>
-            <a:fld id="{86CB4B4D-7CA3-9044-876B-883B54F8677D}" type="slidenum"/>
+            <a:fld id="{86CB4B4D-7CA3-9044-876B-883B54F8677D}" type="slidenum">
+              <a:t>‹#›</a:t>
+            </a:fld>
+            <a:endParaRPr/>
           </a:p>
         </p:txBody>
       </p:sp>
@@ -1886,12 +1790,12 @@
   <p:clrMapOvr>
     <a:masterClrMapping/>
   </p:clrMapOvr>
-  <p:transition xmlns:p14="http://schemas.microsoft.com/office/powerpoint/2010/main" spd="med" advClick="1"/>
+  <p:transition spd="med"/>
 </p:sldLayout>
 </file>
 
-<file path=ppt/slideLayouts/slideLayout8.xml><?xml version="1.0" encoding="utf-8"?>
-<p:sldLayout xmlns:a="http://schemas.openxmlformats.org/drawingml/2006/main" xmlns:r="http://schemas.openxmlformats.org/officeDocument/2006/relationships" xmlns:p="http://schemas.openxmlformats.org/presentationml/2006/main" xmlns:m="http://schemas.openxmlformats.org/officeDocument/2006/math" xmlns:a14="http://schemas.microsoft.com/office/drawing/2010/main" type="tx" showMasterSp="0" showMasterPhAnim="1">
+<file path=ppt/slideLayouts/slideLayout7.xml><?xml version="1.0" encoding="utf-8"?>
+<p:sldLayout xmlns:a="http://schemas.openxmlformats.org/drawingml/2006/main" xmlns:r="http://schemas.openxmlformats.org/officeDocument/2006/relationships" xmlns:p="http://schemas.openxmlformats.org/presentationml/2006/main" showMasterSp="0" type="tx">
   <p:cSld name="Photo - 3 Up">
     <p:spTree>
       <p:nvGrpSpPr>
@@ -1910,7 +1814,9 @@
       <p:sp>
         <p:nvSpPr>
           <p:cNvPr id="83" name="Image"/>
-          <p:cNvSpPr/>
+          <p:cNvSpPr>
+            <a:spLocks noGrp="1"/>
+          </p:cNvSpPr>
           <p:nvPr>
             <p:ph type="pic" sz="quarter" idx="13"/>
           </p:nvPr>
@@ -1930,14 +1836,16 @@
           </a:bodyPr>
           <a:lstStyle/>
           <a:p>
-            <a:pPr/>
+            <a:endParaRPr/>
           </a:p>
         </p:txBody>
       </p:sp>
       <p:sp>
         <p:nvSpPr>
           <p:cNvPr id="84" name="Image"/>
-          <p:cNvSpPr/>
+          <p:cNvSpPr>
+            <a:spLocks noGrp="1"/>
+          </p:cNvSpPr>
           <p:nvPr>
             <p:ph type="pic" sz="quarter" idx="14"/>
           </p:nvPr>
@@ -1957,14 +1865,16 @@
           </a:bodyPr>
           <a:lstStyle/>
           <a:p>
-            <a:pPr/>
+            <a:endParaRPr/>
           </a:p>
         </p:txBody>
       </p:sp>
       <p:sp>
         <p:nvSpPr>
           <p:cNvPr id="85" name="Image"/>
-          <p:cNvSpPr/>
+          <p:cNvSpPr>
+            <a:spLocks noGrp="1"/>
+          </p:cNvSpPr>
           <p:nvPr>
             <p:ph type="pic" sz="half" idx="15"/>
           </p:nvPr>
@@ -1984,14 +1894,16 @@
           </a:bodyPr>
           <a:lstStyle/>
           <a:p>
-            <a:pPr/>
+            <a:endParaRPr/>
           </a:p>
         </p:txBody>
       </p:sp>
       <p:sp>
         <p:nvSpPr>
           <p:cNvPr id="86" name="Slide Number"/>
-          <p:cNvSpPr txBox="1"/>
+          <p:cNvSpPr txBox="1">
+            <a:spLocks noGrp="1"/>
+          </p:cNvSpPr>
           <p:nvPr>
             <p:ph type="sldNum" sz="quarter" idx="2"/>
           </p:nvPr>
@@ -2005,8 +1917,10 @@
           <a:bodyPr/>
           <a:lstStyle/>
           <a:p>
-            <a:pPr/>
-            <a:fld id="{86CB4B4D-7CA3-9044-876B-883B54F8677D}" type="slidenum"/>
+            <a:fld id="{86CB4B4D-7CA3-9044-876B-883B54F8677D}" type="slidenum">
+              <a:t>‹#›</a:t>
+            </a:fld>
+            <a:endParaRPr/>
           </a:p>
         </p:txBody>
       </p:sp>
@@ -2015,12 +1929,12 @@
   <p:clrMapOvr>
     <a:masterClrMapping/>
   </p:clrMapOvr>
-  <p:transition xmlns:p14="http://schemas.microsoft.com/office/powerpoint/2010/main" spd="med" advClick="1"/>
+  <p:transition spd="med"/>
 </p:sldLayout>
 </file>
 
-<file path=ppt/slideLayouts/slideLayout9.xml><?xml version="1.0" encoding="utf-8"?>
-<p:sldLayout xmlns:a="http://schemas.openxmlformats.org/drawingml/2006/main" xmlns:r="http://schemas.openxmlformats.org/officeDocument/2006/relationships" xmlns:p="http://schemas.openxmlformats.org/presentationml/2006/main" xmlns:m="http://schemas.openxmlformats.org/officeDocument/2006/math" xmlns:a14="http://schemas.microsoft.com/office/drawing/2010/main" type="tx" showMasterSp="0" showMasterPhAnim="1">
+<file path=ppt/slideLayouts/slideLayout8.xml><?xml version="1.0" encoding="utf-8"?>
+<p:sldLayout xmlns:a="http://schemas.openxmlformats.org/drawingml/2006/main" xmlns:r="http://schemas.openxmlformats.org/officeDocument/2006/relationships" xmlns:p="http://schemas.openxmlformats.org/presentationml/2006/main" showMasterSp="0" type="tx">
   <p:cSld name="Quote">
     <p:spTree>
       <p:nvGrpSpPr>
@@ -2039,7 +1953,9 @@
       <p:sp>
         <p:nvSpPr>
           <p:cNvPr id="93" name="Body Level One…"/>
-          <p:cNvSpPr txBox="1"/>
+          <p:cNvSpPr txBox="1">
+            <a:spLocks noGrp="1"/>
+          </p:cNvSpPr>
           <p:nvPr>
             <p:ph type="body" sz="quarter" idx="1"/>
           </p:nvPr>
@@ -2064,7 +1980,7 @@
               <a:buSzTx/>
               <a:buFontTx/>
               <a:buNone/>
-              <a:defRPr b="0" i="1" sz="3000">
+              <a:defRPr sz="3000" b="0" i="1">
                 <a:solidFill>
                   <a:srgbClr val="414141"/>
                 </a:solidFill>
@@ -2076,7 +1992,7 @@
               </a:spcBef>
               <a:buClrTx/>
               <a:buFontTx/>
-              <a:defRPr b="0" i="1" sz="3000">
+              <a:defRPr sz="3000" b="0" i="1">
                 <a:solidFill>
                   <a:srgbClr val="414141"/>
                 </a:solidFill>
@@ -2088,7 +2004,7 @@
               </a:spcBef>
               <a:buClrTx/>
               <a:buFontTx/>
-              <a:defRPr b="0" i="1" sz="3000">
+              <a:defRPr sz="3000" b="0" i="1">
                 <a:solidFill>
                   <a:srgbClr val="414141"/>
                 </a:solidFill>
@@ -2100,7 +2016,7 @@
               </a:spcBef>
               <a:buClrTx/>
               <a:buFontTx/>
-              <a:defRPr b="0" i="1" sz="3000">
+              <a:defRPr sz="3000" b="0" i="1">
                 <a:solidFill>
                   <a:srgbClr val="414141"/>
                 </a:solidFill>
@@ -2112,7 +2028,7 @@
               </a:spcBef>
               <a:buClrTx/>
               <a:buFontTx/>
-              <a:defRPr b="0" i="1" sz="3000">
+              <a:defRPr sz="3000" b="0" i="1">
                 <a:solidFill>
                   <a:srgbClr val="414141"/>
                 </a:solidFill>
@@ -2120,7 +2036,6 @@
             </a:lvl5pPr>
           </a:lstStyle>
           <a:p>
-            <a:pPr/>
             <a:r>
               <a:t>Body Level One</a:t>
             </a:r>
@@ -2154,7 +2069,9 @@
       <p:sp>
         <p:nvSpPr>
           <p:cNvPr id="94" name="“Type a quote here.”"/>
-          <p:cNvSpPr txBox="1"/>
+          <p:cNvSpPr txBox="1">
+            <a:spLocks noGrp="1"/>
+          </p:cNvSpPr>
           <p:nvPr>
             <p:ph type="body" sz="quarter" idx="13"/>
           </p:nvPr>
@@ -2172,14 +2089,16 @@
           <a:bodyPr/>
           <a:lstStyle/>
           <a:p>
-            <a:pPr/>
+            <a:endParaRPr/>
           </a:p>
         </p:txBody>
       </p:sp>
       <p:sp>
         <p:nvSpPr>
           <p:cNvPr id="95" name="Slide Number"/>
-          <p:cNvSpPr txBox="1"/>
+          <p:cNvSpPr txBox="1">
+            <a:spLocks noGrp="1"/>
+          </p:cNvSpPr>
           <p:nvPr>
             <p:ph type="sldNum" sz="quarter" idx="2"/>
           </p:nvPr>
@@ -2193,8 +2112,10 @@
           <a:bodyPr/>
           <a:lstStyle/>
           <a:p>
-            <a:pPr/>
-            <a:fld id="{86CB4B4D-7CA3-9044-876B-883B54F8677D}" type="slidenum"/>
+            <a:fld id="{86CB4B4D-7CA3-9044-876B-883B54F8677D}" type="slidenum">
+              <a:t>‹#›</a:t>
+            </a:fld>
+            <a:endParaRPr/>
           </a:p>
         </p:txBody>
       </p:sp>
@@ -2203,22 +2124,104 @@
   <p:clrMapOvr>
     <a:masterClrMapping/>
   </p:clrMapOvr>
-  <p:transition xmlns:p14="http://schemas.microsoft.com/office/powerpoint/2010/main" spd="med" advClick="1"/>
+  <p:transition spd="med"/>
+</p:sldLayout>
+</file>
+
+<file path=ppt/slideLayouts/slideLayout9.xml><?xml version="1.0" encoding="utf-8"?>
+<p:sldLayout xmlns:a="http://schemas.openxmlformats.org/drawingml/2006/main" xmlns:r="http://schemas.openxmlformats.org/officeDocument/2006/relationships" xmlns:p="http://schemas.openxmlformats.org/presentationml/2006/main" showMasterSp="0" type="tx">
+  <p:cSld name="Photo">
+    <p:spTree>
+      <p:nvGrpSpPr>
+        <p:cNvPr id="1" name=""/>
+        <p:cNvGrpSpPr/>
+        <p:nvPr/>
+      </p:nvGrpSpPr>
+      <p:grpSpPr>
+        <a:xfrm>
+          <a:off x="0" y="0"/>
+          <a:ext cx="0" cy="0"/>
+          <a:chOff x="0" y="0"/>
+          <a:chExt cx="0" cy="0"/>
+        </a:xfrm>
+      </p:grpSpPr>
+      <p:sp>
+        <p:nvSpPr>
+          <p:cNvPr id="102" name="Image"/>
+          <p:cNvSpPr>
+            <a:spLocks noGrp="1"/>
+          </p:cNvSpPr>
+          <p:nvPr>
+            <p:ph type="pic" idx="13"/>
+          </p:nvPr>
+        </p:nvSpPr>
+        <p:spPr>
+          <a:xfrm>
+            <a:off x="0" y="0"/>
+            <a:ext cx="13004800" cy="9753600"/>
+          </a:xfrm>
+          <a:prstGeom prst="rect">
+            <a:avLst/>
+          </a:prstGeom>
+        </p:spPr>
+        <p:txBody>
+          <a:bodyPr lIns="91439" tIns="45719" rIns="91439" bIns="45719" anchor="t">
+            <a:noAutofit/>
+          </a:bodyPr>
+          <a:lstStyle/>
+          <a:p>
+            <a:endParaRPr/>
+          </a:p>
+        </p:txBody>
+      </p:sp>
+      <p:sp>
+        <p:nvSpPr>
+          <p:cNvPr id="103" name="Slide Number"/>
+          <p:cNvSpPr txBox="1">
+            <a:spLocks noGrp="1"/>
+          </p:cNvSpPr>
+          <p:nvPr>
+            <p:ph type="sldNum" sz="quarter" idx="2"/>
+          </p:nvPr>
+        </p:nvSpPr>
+        <p:spPr>
+          <a:prstGeom prst="rect">
+            <a:avLst/>
+          </a:prstGeom>
+        </p:spPr>
+        <p:txBody>
+          <a:bodyPr/>
+          <a:lstStyle/>
+          <a:p>
+            <a:fld id="{86CB4B4D-7CA3-9044-876B-883B54F8677D}" type="slidenum">
+              <a:t>‹#›</a:t>
+            </a:fld>
+            <a:endParaRPr/>
+          </a:p>
+        </p:txBody>
+      </p:sp>
+    </p:spTree>
+  </p:cSld>
+  <p:clrMapOvr>
+    <a:masterClrMapping/>
+  </p:clrMapOvr>
+  <p:transition spd="med"/>
 </p:sldLayout>
 </file>
 
 <file path=ppt/slideMasters/slideMaster1.xml><?xml version="1.0" encoding="utf-8"?>
-<p:sldMaster xmlns:a="http://schemas.openxmlformats.org/drawingml/2006/main" xmlns:r="http://schemas.openxmlformats.org/officeDocument/2006/relationships" xmlns:p="http://schemas.openxmlformats.org/presentationml/2006/main" xmlns:m="http://schemas.openxmlformats.org/officeDocument/2006/math" xmlns:a14="http://schemas.microsoft.com/office/drawing/2010/main">
+<p:sldMaster xmlns:a="http://schemas.openxmlformats.org/drawingml/2006/main" xmlns:r="http://schemas.openxmlformats.org/officeDocument/2006/relationships" xmlns:p="http://schemas.openxmlformats.org/presentationml/2006/main">
   <p:cSld>
     <p:bg>
       <p:bgPr>
         <a:blipFill rotWithShape="1">
-          <a:blip r:embed="rId2"/>
-          <a:srcRect l="0" t="0" r="0" b="0"/>
+          <a:blip r:embed="rId12"/>
+          <a:srcRect/>
           <a:stretch>
             <a:fillRect/>
           </a:stretch>
         </a:blipFill>
+        <a:effectLst/>
       </p:bgPr>
     </p:bg>
     <p:spTree>
@@ -2262,7 +2265,7 @@
           <a:bodyPr lIns="45718" tIns="45718" rIns="45718" bIns="45718"/>
           <a:lstStyle/>
           <a:p>
-            <a:pPr/>
+            <a:endParaRPr/>
           </a:p>
         </p:txBody>
       </p:sp>
@@ -2293,14 +2296,16 @@
           <a:bodyPr lIns="45718" tIns="45718" rIns="45718" bIns="45718"/>
           <a:lstStyle/>
           <a:p>
-            <a:pPr/>
+            <a:endParaRPr/>
           </a:p>
         </p:txBody>
       </p:sp>
       <p:sp>
         <p:nvSpPr>
           <p:cNvPr id="4" name="Title Text"/>
-          <p:cNvSpPr txBox="1"/>
+          <p:cNvSpPr txBox="1">
+            <a:spLocks noGrp="1"/>
+          </p:cNvSpPr>
           <p:nvPr>
             <p:ph type="title"/>
           </p:nvPr>
@@ -2318,17 +2323,16 @@
           </a:ln>
           <a:extLst>
             <a:ext uri="{C572A759-6A51-4108-AA02-DFA0A04FC94B}">
-              <ma14:wrappingTextBoxFlag xmlns:ma14="http://schemas.microsoft.com/office/mac/drawingml/2011/main" val="1"/>
+              <ma14:wrappingTextBoxFlag xmlns:ma14="http://schemas.microsoft.com/office/mac/drawingml/2011/main" xmlns:a14="http://schemas.microsoft.com/office/drawing/2010/main" xmlns:m="http://schemas.openxmlformats.org/officeDocument/2006/math" xmlns="" val="1"/>
             </a:ext>
           </a:extLst>
         </p:spPr>
         <p:txBody>
           <a:bodyPr lIns="50800" tIns="50800" rIns="50800" bIns="50800" anchor="ctr">
-            <a:normAutofit fontScale="100000" lnSpcReduction="0"/>
+            <a:normAutofit/>
           </a:bodyPr>
           <a:lstStyle/>
           <a:p>
-            <a:pPr/>
             <a:r>
               <a:t>Title Text</a:t>
             </a:r>
@@ -2338,7 +2342,9 @@
       <p:sp>
         <p:nvSpPr>
           <p:cNvPr id="5" name="Body Level One…"/>
-          <p:cNvSpPr txBox="1"/>
+          <p:cNvSpPr txBox="1">
+            <a:spLocks noGrp="1"/>
+          </p:cNvSpPr>
           <p:nvPr>
             <p:ph type="body" idx="1"/>
           </p:nvPr>
@@ -2356,17 +2362,16 @@
           </a:ln>
           <a:extLst>
             <a:ext uri="{C572A759-6A51-4108-AA02-DFA0A04FC94B}">
-              <ma14:wrappingTextBoxFlag xmlns:ma14="http://schemas.microsoft.com/office/mac/drawingml/2011/main" val="1"/>
+              <ma14:wrappingTextBoxFlag xmlns:ma14="http://schemas.microsoft.com/office/mac/drawingml/2011/main" xmlns:a14="http://schemas.microsoft.com/office/drawing/2010/main" xmlns:m="http://schemas.openxmlformats.org/officeDocument/2006/math" xmlns="" val="1"/>
             </a:ext>
           </a:extLst>
         </p:spPr>
         <p:txBody>
           <a:bodyPr lIns="50800" tIns="50800" rIns="50800" bIns="50800" anchor="ctr">
-            <a:normAutofit fontScale="100000" lnSpcReduction="0"/>
+            <a:normAutofit/>
           </a:bodyPr>
           <a:lstStyle/>
           <a:p>
-            <a:pPr/>
             <a:r>
               <a:t>Body Level One</a:t>
             </a:r>
@@ -2400,7 +2405,9 @@
       <p:sp>
         <p:nvSpPr>
           <p:cNvPr id="6" name="Slide Number"/>
-          <p:cNvSpPr txBox="1"/>
+          <p:cNvSpPr txBox="1">
+            <a:spLocks noGrp="1"/>
+          </p:cNvSpPr>
           <p:nvPr>
             <p:ph type="sldNum" sz="quarter" idx="2"/>
           </p:nvPr>
@@ -2435,8 +2442,10 @@
             </a:lvl1pPr>
           </a:lstStyle>
           <a:p>
-            <a:pPr/>
-            <a:fld id="{86CB4B4D-7CA3-9044-876B-883B54F8677D}" type="slidenum"/>
+            <a:fld id="{86CB4B4D-7CA3-9044-876B-883B54F8677D}" type="slidenum">
+              <a:t>‹#›</a:t>
+            </a:fld>
+            <a:endParaRPr/>
           </a:p>
         </p:txBody>
       </p:sp>
@@ -2444,19 +2453,18 @@
   </p:cSld>
   <p:clrMap bg1="lt1" tx1="dk1" bg2="lt2" tx2="dk2" accent1="accent1" accent2="accent2" accent3="accent3" accent4="accent4" accent5="accent5" accent6="accent6" hlink="hlink" folHlink="folHlink"/>
   <p:sldLayoutIdLst>
-    <p:sldLayoutId id="2147483649" r:id="rId3"/>
-    <p:sldLayoutId id="2147483650" r:id="rId4"/>
-    <p:sldLayoutId id="2147483651" r:id="rId5"/>
-    <p:sldLayoutId id="2147483652" r:id="rId6"/>
-    <p:sldLayoutId id="2147483653" r:id="rId7"/>
-    <p:sldLayoutId id="2147483654" r:id="rId8"/>
-    <p:sldLayoutId id="2147483655" r:id="rId9"/>
-    <p:sldLayoutId id="2147483656" r:id="rId10"/>
-    <p:sldLayoutId id="2147483657" r:id="rId11"/>
-    <p:sldLayoutId id="2147483658" r:id="rId12"/>
-    <p:sldLayoutId id="2147483659" r:id="rId13"/>
+    <p:sldLayoutId id="2147483649" r:id="rId1"/>
+    <p:sldLayoutId id="2147483650" r:id="rId2"/>
+    <p:sldLayoutId id="2147483651" r:id="rId3"/>
+    <p:sldLayoutId id="2147483653" r:id="rId4"/>
+    <p:sldLayoutId id="2147483654" r:id="rId5"/>
+    <p:sldLayoutId id="2147483655" r:id="rId6"/>
+    <p:sldLayoutId id="2147483656" r:id="rId7"/>
+    <p:sldLayoutId id="2147483657" r:id="rId8"/>
+    <p:sldLayoutId id="2147483658" r:id="rId9"/>
+    <p:sldLayoutId id="2147483659" r:id="rId10"/>
   </p:sldLayoutIdLst>
-  <p:transition xmlns:p14="http://schemas.microsoft.com/office/powerpoint/2010/main" spd="med" advClick="1"/>
+  <p:transition spd="med"/>
   <p:txStyles>
     <p:titleStyle>
       <a:lvl1pPr marL="0" marR="0" indent="0" algn="ctr" defTabSz="584200" rtl="0" latinLnBrk="0">
@@ -2474,7 +2482,7 @@
         <a:buFontTx/>
         <a:buNone/>
         <a:tabLst/>
-        <a:defRPr b="0" baseline="0" cap="none" i="0" spc="0" strike="noStrike" sz="7000" u="none">
+        <a:defRPr sz="7000" b="0" i="0" u="none" strike="noStrike" cap="none" spc="0" baseline="0">
           <a:solidFill>
             <a:srgbClr val="FFC067"/>
           </a:solidFill>
@@ -2500,7 +2508,7 @@
         <a:buFontTx/>
         <a:buNone/>
         <a:tabLst/>
-        <a:defRPr b="0" baseline="0" cap="none" i="0" spc="0" strike="noStrike" sz="7000" u="none">
+        <a:defRPr sz="7000" b="0" i="0" u="none" strike="noStrike" cap="none" spc="0" baseline="0">
           <a:solidFill>
             <a:srgbClr val="FFC067"/>
           </a:solidFill>
@@ -2526,7 +2534,7 @@
         <a:buFontTx/>
         <a:buNone/>
         <a:tabLst/>
-        <a:defRPr b="0" baseline="0" cap="none" i="0" spc="0" strike="noStrike" sz="7000" u="none">
+        <a:defRPr sz="7000" b="0" i="0" u="none" strike="noStrike" cap="none" spc="0" baseline="0">
           <a:solidFill>
             <a:srgbClr val="FFC067"/>
           </a:solidFill>
@@ -2552,7 +2560,7 @@
         <a:buFontTx/>
         <a:buNone/>
         <a:tabLst/>
-        <a:defRPr b="0" baseline="0" cap="none" i="0" spc="0" strike="noStrike" sz="7000" u="none">
+        <a:defRPr sz="7000" b="0" i="0" u="none" strike="noStrike" cap="none" spc="0" baseline="0">
           <a:solidFill>
             <a:srgbClr val="FFC067"/>
           </a:solidFill>
@@ -2578,7 +2586,7 @@
         <a:buFontTx/>
         <a:buNone/>
         <a:tabLst/>
-        <a:defRPr b="0" baseline="0" cap="none" i="0" spc="0" strike="noStrike" sz="7000" u="none">
+        <a:defRPr sz="7000" b="0" i="0" u="none" strike="noStrike" cap="none" spc="0" baseline="0">
           <a:solidFill>
             <a:srgbClr val="FFC067"/>
           </a:solidFill>
@@ -2604,7 +2612,7 @@
         <a:buFontTx/>
         <a:buNone/>
         <a:tabLst/>
-        <a:defRPr b="0" baseline="0" cap="none" i="0" spc="0" strike="noStrike" sz="7000" u="none">
+        <a:defRPr sz="7000" b="0" i="0" u="none" strike="noStrike" cap="none" spc="0" baseline="0">
           <a:solidFill>
             <a:srgbClr val="FFC067"/>
           </a:solidFill>
@@ -2630,7 +2638,7 @@
         <a:buFontTx/>
         <a:buNone/>
         <a:tabLst/>
-        <a:defRPr b="0" baseline="0" cap="none" i="0" spc="0" strike="noStrike" sz="7000" u="none">
+        <a:defRPr sz="7000" b="0" i="0" u="none" strike="noStrike" cap="none" spc="0" baseline="0">
           <a:solidFill>
             <a:srgbClr val="FFC067"/>
           </a:solidFill>
@@ -2656,7 +2664,7 @@
         <a:buFontTx/>
         <a:buNone/>
         <a:tabLst/>
-        <a:defRPr b="0" baseline="0" cap="none" i="0" spc="0" strike="noStrike" sz="7000" u="none">
+        <a:defRPr sz="7000" b="0" i="0" u="none" strike="noStrike" cap="none" spc="0" baseline="0">
           <a:solidFill>
             <a:srgbClr val="FFC067"/>
           </a:solidFill>
@@ -2682,7 +2690,7 @@
         <a:buFontTx/>
         <a:buNone/>
         <a:tabLst/>
-        <a:defRPr b="0" baseline="0" cap="none" i="0" spc="0" strike="noStrike" sz="7000" u="none">
+        <a:defRPr sz="7000" b="0" i="0" u="none" strike="noStrike" cap="none" spc="0" baseline="0">
           <a:solidFill>
             <a:srgbClr val="FFC067"/>
           </a:solidFill>
@@ -2712,7 +2720,7 @@
         <a:buFont typeface="Zapf Dingbats"/>
         <a:buChar char="❖"/>
         <a:tabLst/>
-        <a:defRPr b="1" baseline="0" cap="none" i="0" spc="0" strike="noStrike" sz="3600" u="none">
+        <a:defRPr sz="3600" b="1" i="0" u="none" strike="noStrike" cap="none" spc="0" baseline="0">
           <a:solidFill>
             <a:srgbClr val="1A1A1A"/>
           </a:solidFill>
@@ -2740,7 +2748,7 @@
         <a:buFont typeface="Zapf Dingbats"/>
         <a:buChar char="❖"/>
         <a:tabLst/>
-        <a:defRPr b="1" baseline="0" cap="none" i="0" spc="0" strike="noStrike" sz="3600" u="none">
+        <a:defRPr sz="3600" b="1" i="0" u="none" strike="noStrike" cap="none" spc="0" baseline="0">
           <a:solidFill>
             <a:srgbClr val="1A1A1A"/>
           </a:solidFill>
@@ -2768,7 +2776,7 @@
         <a:buFont typeface="Zapf Dingbats"/>
         <a:buChar char="❖"/>
         <a:tabLst/>
-        <a:defRPr b="1" baseline="0" cap="none" i="0" spc="0" strike="noStrike" sz="3600" u="none">
+        <a:defRPr sz="3600" b="1" i="0" u="none" strike="noStrike" cap="none" spc="0" baseline="0">
           <a:solidFill>
             <a:srgbClr val="1A1A1A"/>
           </a:solidFill>
@@ -2796,7 +2804,7 @@
         <a:buFont typeface="Zapf Dingbats"/>
         <a:buChar char="❖"/>
         <a:tabLst/>
-        <a:defRPr b="1" baseline="0" cap="none" i="0" spc="0" strike="noStrike" sz="3600" u="none">
+        <a:defRPr sz="3600" b="1" i="0" u="none" strike="noStrike" cap="none" spc="0" baseline="0">
           <a:solidFill>
             <a:srgbClr val="1A1A1A"/>
           </a:solidFill>
@@ -2824,7 +2832,7 @@
         <a:buFont typeface="Zapf Dingbats"/>
         <a:buChar char="❖"/>
         <a:tabLst/>
-        <a:defRPr b="1" baseline="0" cap="none" i="0" spc="0" strike="noStrike" sz="3600" u="none">
+        <a:defRPr sz="3600" b="1" i="0" u="none" strike="noStrike" cap="none" spc="0" baseline="0">
           <a:solidFill>
             <a:srgbClr val="1A1A1A"/>
           </a:solidFill>
@@ -2852,7 +2860,7 @@
         <a:buFont typeface="Zapf Dingbats"/>
         <a:buChar char="❖"/>
         <a:tabLst/>
-        <a:defRPr b="1" baseline="0" cap="none" i="0" spc="0" strike="noStrike" sz="3600" u="none">
+        <a:defRPr sz="3600" b="1" i="0" u="none" strike="noStrike" cap="none" spc="0" baseline="0">
           <a:solidFill>
             <a:srgbClr val="1A1A1A"/>
           </a:solidFill>
@@ -2880,7 +2888,7 @@
         <a:buFont typeface="Zapf Dingbats"/>
         <a:buChar char="❖"/>
         <a:tabLst/>
-        <a:defRPr b="1" baseline="0" cap="none" i="0" spc="0" strike="noStrike" sz="3600" u="none">
+        <a:defRPr sz="3600" b="1" i="0" u="none" strike="noStrike" cap="none" spc="0" baseline="0">
           <a:solidFill>
             <a:srgbClr val="1A1A1A"/>
           </a:solidFill>
@@ -2908,7 +2916,7 @@
         <a:buFont typeface="Zapf Dingbats"/>
         <a:buChar char="❖"/>
         <a:tabLst/>
-        <a:defRPr b="1" baseline="0" cap="none" i="0" spc="0" strike="noStrike" sz="3600" u="none">
+        <a:defRPr sz="3600" b="1" i="0" u="none" strike="noStrike" cap="none" spc="0" baseline="0">
           <a:solidFill>
             <a:srgbClr val="1A1A1A"/>
           </a:solidFill>
@@ -2936,7 +2944,7 @@
         <a:buFont typeface="Zapf Dingbats"/>
         <a:buChar char="❖"/>
         <a:tabLst/>
-        <a:defRPr b="1" baseline="0" cap="none" i="0" spc="0" strike="noStrike" sz="3600" u="none">
+        <a:defRPr sz="3600" b="1" i="0" u="none" strike="noStrike" cap="none" spc="0" baseline="0">
           <a:solidFill>
             <a:srgbClr val="1A1A1A"/>
           </a:solidFill>
@@ -2964,7 +2972,7 @@
         <a:buFontTx/>
         <a:buNone/>
         <a:tabLst/>
-        <a:defRPr b="0" baseline="0" cap="none" i="0" spc="0" strike="noStrike" sz="1800" u="none">
+        <a:defRPr sz="1800" b="0" i="0" u="none" strike="noStrike" cap="none" spc="0" baseline="0">
           <a:solidFill>
             <a:schemeClr val="tx1"/>
           </a:solidFill>
@@ -2990,7 +2998,7 @@
         <a:buFontTx/>
         <a:buNone/>
         <a:tabLst/>
-        <a:defRPr b="0" baseline="0" cap="none" i="0" spc="0" strike="noStrike" sz="1800" u="none">
+        <a:defRPr sz="1800" b="0" i="0" u="none" strike="noStrike" cap="none" spc="0" baseline="0">
           <a:solidFill>
             <a:schemeClr val="tx1"/>
           </a:solidFill>
@@ -3016,7 +3024,7 @@
         <a:buFontTx/>
         <a:buNone/>
         <a:tabLst/>
-        <a:defRPr b="0" baseline="0" cap="none" i="0" spc="0" strike="noStrike" sz="1800" u="none">
+        <a:defRPr sz="1800" b="0" i="0" u="none" strike="noStrike" cap="none" spc="0" baseline="0">
           <a:solidFill>
             <a:schemeClr val="tx1"/>
           </a:solidFill>
@@ -3042,7 +3050,7 @@
         <a:buFontTx/>
         <a:buNone/>
         <a:tabLst/>
-        <a:defRPr b="0" baseline="0" cap="none" i="0" spc="0" strike="noStrike" sz="1800" u="none">
+        <a:defRPr sz="1800" b="0" i="0" u="none" strike="noStrike" cap="none" spc="0" baseline="0">
           <a:solidFill>
             <a:schemeClr val="tx1"/>
           </a:solidFill>
@@ -3068,7 +3076,7 @@
         <a:buFontTx/>
         <a:buNone/>
         <a:tabLst/>
-        <a:defRPr b="0" baseline="0" cap="none" i="0" spc="0" strike="noStrike" sz="1800" u="none">
+        <a:defRPr sz="1800" b="0" i="0" u="none" strike="noStrike" cap="none" spc="0" baseline="0">
           <a:solidFill>
             <a:schemeClr val="tx1"/>
           </a:solidFill>
@@ -3094,7 +3102,7 @@
         <a:buFontTx/>
         <a:buNone/>
         <a:tabLst/>
-        <a:defRPr b="0" baseline="0" cap="none" i="0" spc="0" strike="noStrike" sz="1800" u="none">
+        <a:defRPr sz="1800" b="0" i="0" u="none" strike="noStrike" cap="none" spc="0" baseline="0">
           <a:solidFill>
             <a:schemeClr val="tx1"/>
           </a:solidFill>
@@ -3120,7 +3128,7 @@
         <a:buFontTx/>
         <a:buNone/>
         <a:tabLst/>
-        <a:defRPr b="0" baseline="0" cap="none" i="0" spc="0" strike="noStrike" sz="1800" u="none">
+        <a:defRPr sz="1800" b="0" i="0" u="none" strike="noStrike" cap="none" spc="0" baseline="0">
           <a:solidFill>
             <a:schemeClr val="tx1"/>
           </a:solidFill>
@@ -3146,7 +3154,7 @@
         <a:buFontTx/>
         <a:buNone/>
         <a:tabLst/>
-        <a:defRPr b="0" baseline="0" cap="none" i="0" spc="0" strike="noStrike" sz="1800" u="none">
+        <a:defRPr sz="1800" b="0" i="0" u="none" strike="noStrike" cap="none" spc="0" baseline="0">
           <a:solidFill>
             <a:schemeClr val="tx1"/>
           </a:solidFill>
@@ -3172,7 +3180,7 @@
         <a:buFontTx/>
         <a:buNone/>
         <a:tabLst/>
-        <a:defRPr b="0" baseline="0" cap="none" i="0" spc="0" strike="noStrike" sz="1800" u="none">
+        <a:defRPr sz="1800" b="0" i="0" u="none" strike="noStrike" cap="none" spc="0" baseline="0">
           <a:solidFill>
             <a:schemeClr val="tx1"/>
           </a:solidFill>
@@ -3189,13 +3197,14 @@
 </file>
 
 <file path=ppt/slides/slide1.xml><?xml version="1.0" encoding="utf-8"?>
-<p:sld xmlns:a="http://schemas.openxmlformats.org/drawingml/2006/main" xmlns:r="http://schemas.openxmlformats.org/officeDocument/2006/relationships" xmlns:p="http://schemas.openxmlformats.org/presentationml/2006/main" xmlns:m="http://schemas.openxmlformats.org/officeDocument/2006/math" xmlns:a14="http://schemas.microsoft.com/office/drawing/2010/main" showMasterSp="1" showMasterPhAnim="1">
+<p:sld xmlns:a="http://schemas.openxmlformats.org/drawingml/2006/main" xmlns:r="http://schemas.openxmlformats.org/officeDocument/2006/relationships" xmlns:p="http://schemas.openxmlformats.org/presentationml/2006/main">
   <p:cSld>
     <p:bg>
       <p:bgPr>
         <a:solidFill>
           <a:srgbClr val="FFFFFF"/>
         </a:solidFill>
+        <a:effectLst/>
       </p:bgPr>
     </p:bg>
     <p:spTree>
@@ -3215,7 +3224,9 @@
       <p:sp>
         <p:nvSpPr>
           <p:cNvPr id="119" name="Protecting fMRI Data from Unforeseen Privacy Attacks in a Distributed Machine Learning Environment"/>
-          <p:cNvSpPr txBox="1"/>
+          <p:cNvSpPr txBox="1">
+            <a:spLocks noGrp="1"/>
+          </p:cNvSpPr>
           <p:nvPr>
             <p:ph type="title"/>
           </p:nvPr>
@@ -3263,7 +3274,9 @@
       <p:sp>
         <p:nvSpPr>
           <p:cNvPr id="120" name="Michael Ellis,…"/>
-          <p:cNvSpPr txBox="1"/>
+          <p:cNvSpPr txBox="1">
+            <a:spLocks noGrp="1"/>
+          </p:cNvSpPr>
           <p:nvPr>
             <p:ph type="body" sz="quarter" idx="1"/>
           </p:nvPr>
@@ -3285,7 +3298,7 @@
               <a:lnSpc>
                 <a:spcPct val="100000"/>
               </a:lnSpc>
-              <a:defRPr i="0" sz="1632"/>
+              <a:defRPr sz="1632" i="0"/>
             </a:pPr>
             <a:r>
               <a:t>Akash Meghani, </a:t>
@@ -3296,13 +3309,10 @@
               <a:lnSpc>
                 <a:spcPct val="100000"/>
               </a:lnSpc>
-              <a:defRPr i="0" sz="1632"/>
+              <a:defRPr sz="1632" i="0"/>
             </a:pPr>
             <a:r>
-              <a:t>Miguel Gaspar Utrera</a:t>
-            </a:r>
-            <a:r>
-              <a:t>, </a:t>
+              <a:t>Miguel Gaspar Utrera, </a:t>
             </a:r>
           </a:p>
           <a:p>
@@ -3310,7 +3320,7 @@
               <a:lnSpc>
                 <a:spcPct val="100000"/>
               </a:lnSpc>
-              <a:defRPr i="0" sz="1632"/>
+              <a:defRPr sz="1632" i="0"/>
             </a:pPr>
             <a:r>
               <a:t>Naseeb Thapaliya,</a:t>
@@ -3321,13 +3331,10 @@
               <a:lnSpc>
                 <a:spcPct val="100000"/>
               </a:lnSpc>
-              <a:defRPr i="0" sz="1632"/>
+              <a:defRPr sz="1632" i="0"/>
             </a:pPr>
             <a:r>
-              <a:t>Sultan Al Bogami</a:t>
-            </a:r>
-            <a:r>
-              <a:t>,</a:t>
+              <a:t>Sultan Al Bogami,</a:t>
             </a:r>
           </a:p>
           <a:p>
@@ -3335,7 +3342,7 @@
               <a:lnSpc>
                 <a:spcPct val="100000"/>
               </a:lnSpc>
-              <a:defRPr i="0" sz="1632"/>
+              <a:defRPr sz="1632" i="0"/>
             </a:pPr>
             <a:r>
               <a:t>Unnati Khivasara</a:t>
@@ -3346,15 +3353,16 @@
               <a:lnSpc>
                 <a:spcPct val="100000"/>
               </a:lnSpc>
-              <a:defRPr i="0" sz="1632"/>
+              <a:defRPr sz="1632" i="0"/>
             </a:pPr>
+            <a:endParaRPr/>
           </a:p>
           <a:p>
             <a:pPr defTabSz="397256">
               <a:lnSpc>
                 <a:spcPct val="100000"/>
               </a:lnSpc>
-              <a:defRPr i="0" sz="1632"/>
+              <a:defRPr sz="1632" i="0"/>
             </a:pPr>
             <a:r>
               <a:t>Mentors: Dr. Soumya Mohanty</a:t>
@@ -3365,7 +3373,7 @@
               <a:lnSpc>
                 <a:spcPct val="100000"/>
               </a:lnSpc>
-              <a:defRPr i="0" sz="1632"/>
+              <a:defRPr sz="1632" i="0"/>
             </a:pPr>
             <a:r>
               <a:t>                 Jason Jones (Guilford County)</a:t>
@@ -3382,9 +3390,7 @@
           <p:nvPr/>
         </p:nvPicPr>
         <p:blipFill>
-          <a:blip r:embed="rId2">
-            <a:extLst/>
-          </a:blip>
+          <a:blip r:embed="rId2"/>
           <a:stretch>
             <a:fillRect/>
           </a:stretch>
@@ -3407,18 +3413,19 @@
   <p:clrMapOvr>
     <a:masterClrMapping/>
   </p:clrMapOvr>
-  <p:transition xmlns:p14="http://schemas.microsoft.com/office/powerpoint/2010/main" spd="med" advClick="1"/>
+  <p:transition spd="med"/>
 </p:sld>
 </file>
 
 <file path=ppt/slides/slide10.xml><?xml version="1.0" encoding="utf-8"?>
-<p:sld xmlns:a="http://schemas.openxmlformats.org/drawingml/2006/main" xmlns:r="http://schemas.openxmlformats.org/officeDocument/2006/relationships" xmlns:p="http://schemas.openxmlformats.org/presentationml/2006/main" xmlns:m="http://schemas.openxmlformats.org/officeDocument/2006/math" xmlns:a14="http://schemas.microsoft.com/office/drawing/2010/main" showMasterSp="1" showMasterPhAnim="1">
+<p:sld xmlns:a="http://schemas.openxmlformats.org/drawingml/2006/main" xmlns:r="http://schemas.openxmlformats.org/officeDocument/2006/relationships" xmlns:p="http://schemas.openxmlformats.org/presentationml/2006/main">
   <p:cSld>
     <p:bg>
       <p:bgPr>
         <a:solidFill>
           <a:srgbClr val="FFFFFF"/>
         </a:solidFill>
+        <a:effectLst/>
       </p:bgPr>
     </p:bg>
     <p:spTree>
@@ -3438,7 +3445,9 @@
       <p:sp>
         <p:nvSpPr>
           <p:cNvPr id="155" name="Predictive Models Used"/>
-          <p:cNvSpPr txBox="1"/>
+          <p:cNvSpPr txBox="1">
+            <a:spLocks noGrp="1"/>
+          </p:cNvSpPr>
           <p:nvPr>
             <p:ph type="title"/>
           </p:nvPr>
@@ -3452,7 +3461,6 @@
           <a:bodyPr/>
           <a:lstStyle/>
           <a:p>
-            <a:pPr/>
             <a:r>
               <a:t>Topic Modelling</a:t>
             </a:r>
@@ -3468,9 +3476,7 @@
           <p:nvPr/>
         </p:nvPicPr>
         <p:blipFill>
-          <a:blip r:embed="rId2">
-            <a:extLst/>
-          </a:blip>
+          <a:blip r:embed="rId2"/>
           <a:stretch>
             <a:fillRect/>
           </a:stretch>
@@ -3497,9 +3503,7 @@
           <p:nvPr/>
         </p:nvPicPr>
         <p:blipFill>
-          <a:blip r:embed="rId3">
-            <a:extLst/>
-          </a:blip>
+          <a:blip r:embed="rId3"/>
           <a:stretch>
             <a:fillRect/>
           </a:stretch>
@@ -3536,7 +3540,7 @@
           </a:ln>
           <a:extLst>
             <a:ext uri="{C572A759-6A51-4108-AA02-DFA0A04FC94B}">
-              <ma14:wrappingTextBoxFlag xmlns:ma14="http://schemas.microsoft.com/office/mac/drawingml/2011/main" val="1"/>
+              <ma14:wrappingTextBoxFlag xmlns:ma14="http://schemas.microsoft.com/office/mac/drawingml/2011/main" xmlns:a14="http://schemas.microsoft.com/office/drawing/2010/main" xmlns:m="http://schemas.openxmlformats.org/officeDocument/2006/math" xmlns="" val="1"/>
             </a:ext>
           </a:extLst>
         </p:spPr>
@@ -3578,13 +3582,13 @@
   <p:clrMapOvr>
     <a:masterClrMapping/>
   </p:clrMapOvr>
-  <mc:AlternateContent xmlns:mc="http://schemas.openxmlformats.org/markup-compatibility/2006">
-    <mc:Choice xmlns:p14="http://schemas.microsoft.com/office/powerpoint/2010/main" Requires="p14">
-      <p:transition spd="slow" advClick="1" p14:dur="1200">
+  <mc:AlternateContent xmlns:mc="http://schemas.openxmlformats.org/markup-compatibility/2006" xmlns:p14="http://schemas.microsoft.com/office/powerpoint/2010/main">
+    <mc:Choice Requires="p14">
+      <p:transition spd="slow" p14:dur="1200">
         <p:dissolve/>
       </p:transition>
     </mc:Choice>
-    <mc:Fallback>
+    <mc:Fallback xmlns:a14="http://schemas.microsoft.com/office/drawing/2010/main" xmlns:m="http://schemas.openxmlformats.org/officeDocument/2006/math" xmlns="">
       <p:transition spd="slow">
         <p:fade/>
       </p:transition>
@@ -3594,13 +3598,14 @@
 </file>
 
 <file path=ppt/slides/slide11.xml><?xml version="1.0" encoding="utf-8"?>
-<p:sld xmlns:a="http://schemas.openxmlformats.org/drawingml/2006/main" xmlns:r="http://schemas.openxmlformats.org/officeDocument/2006/relationships" xmlns:p="http://schemas.openxmlformats.org/presentationml/2006/main" xmlns:m="http://schemas.openxmlformats.org/officeDocument/2006/math" xmlns:a14="http://schemas.microsoft.com/office/drawing/2010/main" showMasterSp="1" showMasterPhAnim="1">
+<p:sld xmlns:a="http://schemas.openxmlformats.org/drawingml/2006/main" xmlns:r="http://schemas.openxmlformats.org/officeDocument/2006/relationships" xmlns:p="http://schemas.openxmlformats.org/presentationml/2006/main">
   <p:cSld>
     <p:bg>
       <p:bgPr>
         <a:solidFill>
           <a:srgbClr val="FFFFFF"/>
         </a:solidFill>
+        <a:effectLst/>
       </p:bgPr>
     </p:bg>
     <p:spTree>
@@ -3620,7 +3625,9 @@
       <p:sp>
         <p:nvSpPr>
           <p:cNvPr id="160" name="Predictive Models Used"/>
-          <p:cNvSpPr txBox="1"/>
+          <p:cNvSpPr txBox="1">
+            <a:spLocks noGrp="1"/>
+          </p:cNvSpPr>
           <p:nvPr>
             <p:ph type="title"/>
           </p:nvPr>
@@ -3634,8 +3641,8 @@
           <a:bodyPr/>
           <a:lstStyle/>
           <a:p>
-            <a:pPr/>
-            <a:r>
+            <a:r>
+              <a:rPr dirty="0"/>
               <a:t>Emotion And Sentiment Analysis</a:t>
             </a:r>
           </a:p>
@@ -3650,9 +3657,7 @@
           <p:nvPr/>
         </p:nvPicPr>
         <p:blipFill>
-          <a:blip r:embed="rId2">
-            <a:extLst/>
-          </a:blip>
+          <a:blip r:embed="rId2"/>
           <a:stretch>
             <a:fillRect/>
           </a:stretch>
@@ -3689,7 +3694,7 @@
           </a:ln>
           <a:extLst>
             <a:ext uri="{C572A759-6A51-4108-AA02-DFA0A04FC94B}">
-              <ma14:wrappingTextBoxFlag xmlns:ma14="http://schemas.microsoft.com/office/mac/drawingml/2011/main" val="1"/>
+              <ma14:wrappingTextBoxFlag xmlns:ma14="http://schemas.microsoft.com/office/mac/drawingml/2011/main" xmlns:a14="http://schemas.microsoft.com/office/drawing/2010/main" xmlns:m="http://schemas.openxmlformats.org/officeDocument/2006/math" xmlns="" val="1"/>
             </a:ext>
           </a:extLst>
         </p:spPr>
@@ -3735,9 +3740,7 @@
           <p:nvPr/>
         </p:nvPicPr>
         <p:blipFill>
-          <a:blip r:embed="rId3">
-            <a:extLst/>
-          </a:blip>
+          <a:blip r:embed="rId3"/>
           <a:stretch>
             <a:fillRect/>
           </a:stretch>
@@ -3760,13 +3763,13 @@
   <p:clrMapOvr>
     <a:masterClrMapping/>
   </p:clrMapOvr>
-  <mc:AlternateContent xmlns:mc="http://schemas.openxmlformats.org/markup-compatibility/2006">
-    <mc:Choice xmlns:p14="http://schemas.microsoft.com/office/powerpoint/2010/main" Requires="p14">
-      <p:transition spd="slow" advClick="1" p14:dur="1200">
+  <mc:AlternateContent xmlns:mc="http://schemas.openxmlformats.org/markup-compatibility/2006" xmlns:p14="http://schemas.microsoft.com/office/powerpoint/2010/main">
+    <mc:Choice Requires="p14">
+      <p:transition spd="slow" p14:dur="1200">
         <p:dissolve/>
       </p:transition>
     </mc:Choice>
-    <mc:Fallback>
+    <mc:Fallback xmlns:a14="http://schemas.microsoft.com/office/drawing/2010/main" xmlns:m="http://schemas.openxmlformats.org/officeDocument/2006/math" xmlns="">
       <p:transition spd="slow">
         <p:fade/>
       </p:transition>
@@ -3776,13 +3779,357 @@
 </file>
 
 <file path=ppt/slides/slide12.xml><?xml version="1.0" encoding="utf-8"?>
-<p:sld xmlns:a="http://schemas.openxmlformats.org/drawingml/2006/main" xmlns:r="http://schemas.openxmlformats.org/officeDocument/2006/relationships" xmlns:p="http://schemas.openxmlformats.org/presentationml/2006/main" xmlns:m="http://schemas.openxmlformats.org/officeDocument/2006/math" xmlns:a14="http://schemas.microsoft.com/office/drawing/2010/main" showMasterSp="1" showMasterPhAnim="1">
+<p:sld xmlns:a="http://schemas.openxmlformats.org/drawingml/2006/main" xmlns:r="http://schemas.openxmlformats.org/officeDocument/2006/relationships" xmlns:p="http://schemas.openxmlformats.org/presentationml/2006/main">
   <p:cSld>
     <p:bg>
       <p:bgPr>
         <a:solidFill>
           <a:srgbClr val="FFFFFF"/>
         </a:solidFill>
+        <a:effectLst/>
+      </p:bgPr>
+    </p:bg>
+    <p:spTree>
+      <p:nvGrpSpPr>
+        <p:cNvPr id="1" name=""/>
+        <p:cNvGrpSpPr/>
+        <p:nvPr/>
+      </p:nvGrpSpPr>
+      <p:grpSpPr>
+        <a:xfrm>
+          <a:off x="0" y="0"/>
+          <a:ext cx="0" cy="0"/>
+          <a:chOff x="0" y="0"/>
+          <a:chExt cx="0" cy="0"/>
+        </a:xfrm>
+      </p:grpSpPr>
+      <p:sp>
+        <p:nvSpPr>
+          <p:cNvPr id="160" name="Predictive Models Used"/>
+          <p:cNvSpPr txBox="1">
+            <a:spLocks noGrp="1"/>
+          </p:cNvSpPr>
+          <p:nvPr>
+            <p:ph type="title"/>
+          </p:nvPr>
+        </p:nvSpPr>
+        <p:spPr>
+          <a:prstGeom prst="rect">
+            <a:avLst/>
+          </a:prstGeom>
+        </p:spPr>
+        <p:txBody>
+          <a:bodyPr/>
+          <a:lstStyle/>
+          <a:p>
+            <a:r>
+              <a:rPr dirty="0"/>
+              <a:t>Emotion And Sentiment Analysis</a:t>
+            </a:r>
+          </a:p>
+        </p:txBody>
+      </p:sp>
+      <p:sp>
+        <p:nvSpPr>
+          <p:cNvPr id="2" name="Text Placeholder 1">
+            <a:extLst>
+              <a:ext uri="{FF2B5EF4-FFF2-40B4-BE49-F238E27FC236}">
+                <a16:creationId xmlns:a16="http://schemas.microsoft.com/office/drawing/2014/main" id="{987B64E4-2433-436E-AA27-25DFC3C3EBA7}"/>
+              </a:ext>
+            </a:extLst>
+          </p:cNvPr>
+          <p:cNvSpPr>
+            <a:spLocks noGrp="1"/>
+          </p:cNvSpPr>
+          <p:nvPr>
+            <p:ph type="body" idx="1"/>
+          </p:nvPr>
+        </p:nvSpPr>
+        <p:spPr/>
+        <p:txBody>
+          <a:bodyPr/>
+          <a:lstStyle/>
+          <a:p>
+            <a:r>
+              <a:rPr lang="en-US" dirty="0"/>
+              <a:t>1) Tokenization</a:t>
+            </a:r>
+          </a:p>
+          <a:p>
+            <a:r>
+              <a:rPr lang="en-US" dirty="0"/>
+              <a:t>2) Cleaning the data</a:t>
+            </a:r>
+          </a:p>
+          <a:p>
+            <a:r>
+              <a:rPr lang="en-US" dirty="0"/>
+              <a:t>3) Removing stop words</a:t>
+            </a:r>
+          </a:p>
+          <a:p>
+            <a:r>
+              <a:rPr lang="en-US" dirty="0"/>
+              <a:t>4) Normalization</a:t>
+            </a:r>
+          </a:p>
+          <a:p>
+            <a:r>
+              <a:rPr lang="en-US" dirty="0"/>
+              <a:t>5) Supervised learning/Lexicon based approach</a:t>
+            </a:r>
+          </a:p>
+        </p:txBody>
+      </p:sp>
+      <p:pic>
+        <p:nvPicPr>
+          <p:cNvPr id="161" name="Screen Shot 2019-05-13 at 12.07.59.png" descr="Screen Shot 2019-05-13 at 12.07.59.png"/>
+          <p:cNvPicPr>
+            <a:picLocks noChangeAspect="1"/>
+          </p:cNvPicPr>
+          <p:nvPr/>
+        </p:nvPicPr>
+        <p:blipFill>
+          <a:blip r:embed="rId2"/>
+          <a:stretch>
+            <a:fillRect/>
+          </a:stretch>
+        </p:blipFill>
+        <p:spPr>
+          <a:xfrm>
+            <a:off x="32940" y="9116962"/>
+            <a:ext cx="1730545" cy="615307"/>
+          </a:xfrm>
+          <a:prstGeom prst="rect">
+            <a:avLst/>
+          </a:prstGeom>
+          <a:ln w="12700">
+            <a:miter lim="400000"/>
+          </a:ln>
+        </p:spPr>
+      </p:pic>
+    </p:spTree>
+    <p:extLst>
+      <p:ext uri="{BB962C8B-B14F-4D97-AF65-F5344CB8AC3E}">
+        <p14:creationId xmlns:p14="http://schemas.microsoft.com/office/powerpoint/2010/main" val="3673029653"/>
+      </p:ext>
+    </p:extLst>
+  </p:cSld>
+  <p:clrMapOvr>
+    <a:masterClrMapping/>
+  </p:clrMapOvr>
+  <mc:AlternateContent xmlns:mc="http://schemas.openxmlformats.org/markup-compatibility/2006" xmlns:p14="http://schemas.microsoft.com/office/powerpoint/2010/main">
+    <mc:Choice Requires="p14">
+      <p:transition spd="slow" p14:dur="1200">
+        <p:dissolve/>
+      </p:transition>
+    </mc:Choice>
+    <mc:Fallback xmlns:a14="http://schemas.microsoft.com/office/drawing/2010/main" xmlns:m="http://schemas.openxmlformats.org/officeDocument/2006/math" xmlns="">
+      <p:transition spd="slow">
+        <p:fade/>
+      </p:transition>
+    </mc:Fallback>
+  </mc:AlternateContent>
+</p:sld>
+</file>
+
+<file path=ppt/slides/slide13.xml><?xml version="1.0" encoding="utf-8"?>
+<p:sld xmlns:a="http://schemas.openxmlformats.org/drawingml/2006/main" xmlns:r="http://schemas.openxmlformats.org/officeDocument/2006/relationships" xmlns:p="http://schemas.openxmlformats.org/presentationml/2006/main">
+  <p:cSld>
+    <p:bg>
+      <p:bgPr>
+        <a:solidFill>
+          <a:srgbClr val="FFFFFF"/>
+        </a:solidFill>
+        <a:effectLst/>
+      </p:bgPr>
+    </p:bg>
+    <p:spTree>
+      <p:nvGrpSpPr>
+        <p:cNvPr id="1" name=""/>
+        <p:cNvGrpSpPr/>
+        <p:nvPr/>
+      </p:nvGrpSpPr>
+      <p:grpSpPr>
+        <a:xfrm>
+          <a:off x="0" y="0"/>
+          <a:ext cx="0" cy="0"/>
+          <a:chOff x="0" y="0"/>
+          <a:chExt cx="0" cy="0"/>
+        </a:xfrm>
+      </p:grpSpPr>
+      <p:sp>
+        <p:nvSpPr>
+          <p:cNvPr id="160" name="Predictive Models Used"/>
+          <p:cNvSpPr txBox="1">
+            <a:spLocks noGrp="1"/>
+          </p:cNvSpPr>
+          <p:nvPr>
+            <p:ph type="title"/>
+          </p:nvPr>
+        </p:nvSpPr>
+        <p:spPr>
+          <a:prstGeom prst="rect">
+            <a:avLst/>
+          </a:prstGeom>
+        </p:spPr>
+        <p:txBody>
+          <a:bodyPr/>
+          <a:lstStyle/>
+          <a:p>
+            <a:r>
+              <a:rPr dirty="0"/>
+              <a:t>Emotion And Sentiment Analysis</a:t>
+            </a:r>
+          </a:p>
+        </p:txBody>
+      </p:sp>
+      <p:sp>
+        <p:nvSpPr>
+          <p:cNvPr id="2" name="Text Placeholder 1">
+            <a:extLst>
+              <a:ext uri="{FF2B5EF4-FFF2-40B4-BE49-F238E27FC236}">
+                <a16:creationId xmlns:a16="http://schemas.microsoft.com/office/drawing/2014/main" id="{987B64E4-2433-436E-AA27-25DFC3C3EBA7}"/>
+              </a:ext>
+            </a:extLst>
+          </p:cNvPr>
+          <p:cNvSpPr>
+            <a:spLocks noGrp="1"/>
+          </p:cNvSpPr>
+          <p:nvPr>
+            <p:ph type="body" idx="1"/>
+          </p:nvPr>
+        </p:nvSpPr>
+        <p:spPr/>
+        <p:txBody>
+          <a:bodyPr/>
+          <a:lstStyle/>
+          <a:p>
+            <a:pPr marL="0" indent="0">
+              <a:buNone/>
+            </a:pPr>
+            <a:r>
+              <a:rPr lang="en-US" dirty="0"/>
+              <a:t>1) Text classification using spacy python package</a:t>
+            </a:r>
+          </a:p>
+          <a:p>
+            <a:pPr marL="0" indent="0">
+              <a:buNone/>
+            </a:pPr>
+            <a:r>
+              <a:rPr lang="en-US" dirty="0"/>
+              <a:t>2) Number of stop words in the list : 326</a:t>
+            </a:r>
+          </a:p>
+          <a:p>
+            <a:pPr marL="0" indent="0">
+              <a:buNone/>
+            </a:pPr>
+            <a:r>
+              <a:rPr lang="en-US" dirty="0"/>
+              <a:t>3) First ten stop words in Spacy:</a:t>
+            </a:r>
+          </a:p>
+          <a:p>
+            <a:pPr marL="0" indent="0">
+              <a:buNone/>
+            </a:pPr>
+            <a:endParaRPr lang="en-US" dirty="0"/>
+          </a:p>
+        </p:txBody>
+      </p:sp>
+      <p:pic>
+        <p:nvPicPr>
+          <p:cNvPr id="161" name="Screen Shot 2019-05-13 at 12.07.59.png" descr="Screen Shot 2019-05-13 at 12.07.59.png"/>
+          <p:cNvPicPr>
+            <a:picLocks noChangeAspect="1"/>
+          </p:cNvPicPr>
+          <p:nvPr/>
+        </p:nvPicPr>
+        <p:blipFill>
+          <a:blip r:embed="rId2"/>
+          <a:stretch>
+            <a:fillRect/>
+          </a:stretch>
+        </p:blipFill>
+        <p:spPr>
+          <a:xfrm>
+            <a:off x="32940" y="9116962"/>
+            <a:ext cx="1730545" cy="615307"/>
+          </a:xfrm>
+          <a:prstGeom prst="rect">
+            <a:avLst/>
+          </a:prstGeom>
+          <a:ln w="12700">
+            <a:miter lim="400000"/>
+          </a:ln>
+        </p:spPr>
+      </p:pic>
+      <p:pic>
+        <p:nvPicPr>
+          <p:cNvPr id="3" name="Picture 2">
+            <a:extLst>
+              <a:ext uri="{FF2B5EF4-FFF2-40B4-BE49-F238E27FC236}">
+                <a16:creationId xmlns:a16="http://schemas.microsoft.com/office/drawing/2014/main" id="{58C06049-C748-41E3-8078-B83F0AE985D6}"/>
+              </a:ext>
+            </a:extLst>
+          </p:cNvPr>
+          <p:cNvPicPr>
+            <a:picLocks noChangeAspect="1"/>
+          </p:cNvPicPr>
+          <p:nvPr/>
+        </p:nvPicPr>
+        <p:blipFill>
+          <a:blip r:embed="rId3"/>
+          <a:stretch>
+            <a:fillRect/>
+          </a:stretch>
+        </p:blipFill>
+        <p:spPr>
+          <a:xfrm>
+            <a:off x="1060747" y="6527110"/>
+            <a:ext cx="10979166" cy="1304925"/>
+          </a:xfrm>
+          <a:prstGeom prst="rect">
+            <a:avLst/>
+          </a:prstGeom>
+        </p:spPr>
+      </p:pic>
+    </p:spTree>
+    <p:extLst>
+      <p:ext uri="{BB962C8B-B14F-4D97-AF65-F5344CB8AC3E}">
+        <p14:creationId xmlns:p14="http://schemas.microsoft.com/office/powerpoint/2010/main" val="1450386555"/>
+      </p:ext>
+    </p:extLst>
+  </p:cSld>
+  <p:clrMapOvr>
+    <a:masterClrMapping/>
+  </p:clrMapOvr>
+  <mc:AlternateContent xmlns:mc="http://schemas.openxmlformats.org/markup-compatibility/2006" xmlns:p14="http://schemas.microsoft.com/office/powerpoint/2010/main">
+    <mc:Choice Requires="p14">
+      <p:transition spd="slow" p14:dur="1200">
+        <p:dissolve/>
+      </p:transition>
+    </mc:Choice>
+    <mc:Fallback xmlns:a14="http://schemas.microsoft.com/office/drawing/2010/main" xmlns:m="http://schemas.openxmlformats.org/officeDocument/2006/math" xmlns="">
+      <p:transition spd="slow">
+        <p:fade/>
+      </p:transition>
+    </mc:Fallback>
+  </mc:AlternateContent>
+</p:sld>
+</file>
+
+<file path=ppt/slides/slide14.xml><?xml version="1.0" encoding="utf-8"?>
+<p:sld xmlns:a="http://schemas.openxmlformats.org/drawingml/2006/main" xmlns:r="http://schemas.openxmlformats.org/officeDocument/2006/relationships" xmlns:p="http://schemas.openxmlformats.org/presentationml/2006/main">
+  <p:cSld>
+    <p:bg>
+      <p:bgPr>
+        <a:solidFill>
+          <a:srgbClr val="FFFFFF"/>
+        </a:solidFill>
+        <a:effectLst/>
       </p:bgPr>
     </p:bg>
     <p:spTree>
@@ -3802,7 +4149,9 @@
       <p:sp>
         <p:nvSpPr>
           <p:cNvPr id="165" name="Predictive Models Used"/>
-          <p:cNvSpPr txBox="1"/>
+          <p:cNvSpPr txBox="1">
+            <a:spLocks noGrp="1"/>
+          </p:cNvSpPr>
           <p:nvPr>
             <p:ph type="title"/>
           </p:nvPr>
@@ -3813,7 +4162,9 @@
           </a:prstGeom>
         </p:spPr>
         <p:txBody>
-          <a:bodyPr/>
+          <a:bodyPr>
+            <a:normAutofit fontScale="90000"/>
+          </a:bodyPr>
           <a:lstStyle>
             <a:lvl1pPr defTabSz="572516">
               <a:spcBef>
@@ -3823,7 +4174,6 @@
             </a:lvl1pPr>
           </a:lstStyle>
           <a:p>
-            <a:pPr/>
             <a:r>
               <a:t>Next Word Recommender(optional)</a:t>
             </a:r>
@@ -3839,9 +4189,7 @@
           <p:nvPr/>
         </p:nvPicPr>
         <p:blipFill>
-          <a:blip r:embed="rId2">
-            <a:extLst/>
-          </a:blip>
+          <a:blip r:embed="rId2"/>
           <a:stretch>
             <a:fillRect/>
           </a:stretch>
@@ -3878,7 +4226,7 @@
           </a:ln>
           <a:extLst>
             <a:ext uri="{C572A759-6A51-4108-AA02-DFA0A04FC94B}">
-              <ma14:wrappingTextBoxFlag xmlns:ma14="http://schemas.microsoft.com/office/mac/drawingml/2011/main" val="1"/>
+              <ma14:wrappingTextBoxFlag xmlns:ma14="http://schemas.microsoft.com/office/mac/drawingml/2011/main" xmlns:a14="http://schemas.microsoft.com/office/drawing/2010/main" xmlns:m="http://schemas.openxmlformats.org/officeDocument/2006/math" xmlns="" val="1"/>
             </a:ext>
           </a:extLst>
         </p:spPr>
@@ -3920,13 +4268,13 @@
   <p:clrMapOvr>
     <a:masterClrMapping/>
   </p:clrMapOvr>
-  <mc:AlternateContent xmlns:mc="http://schemas.openxmlformats.org/markup-compatibility/2006">
-    <mc:Choice xmlns:p14="http://schemas.microsoft.com/office/powerpoint/2010/main" Requires="p14">
-      <p:transition spd="slow" advClick="1" p14:dur="1200">
+  <mc:AlternateContent xmlns:mc="http://schemas.openxmlformats.org/markup-compatibility/2006" xmlns:p14="http://schemas.microsoft.com/office/powerpoint/2010/main">
+    <mc:Choice Requires="p14">
+      <p:transition spd="slow" p14:dur="1200">
         <p:dissolve/>
       </p:transition>
     </mc:Choice>
-    <mc:Fallback>
+    <mc:Fallback xmlns:a14="http://schemas.microsoft.com/office/drawing/2010/main" xmlns:m="http://schemas.openxmlformats.org/officeDocument/2006/math" xmlns="">
       <p:transition spd="slow">
         <p:fade/>
       </p:transition>
@@ -3935,14 +4283,15 @@
 </p:sld>
 </file>
 
-<file path=ppt/slides/slide13.xml><?xml version="1.0" encoding="utf-8"?>
-<p:sld xmlns:a="http://schemas.openxmlformats.org/drawingml/2006/main" xmlns:r="http://schemas.openxmlformats.org/officeDocument/2006/relationships" xmlns:p="http://schemas.openxmlformats.org/presentationml/2006/main" xmlns:m="http://schemas.openxmlformats.org/officeDocument/2006/math" xmlns:a14="http://schemas.microsoft.com/office/drawing/2010/main" showMasterSp="1" showMasterPhAnim="1">
+<file path=ppt/slides/slide15.xml><?xml version="1.0" encoding="utf-8"?>
+<p:sld xmlns:a="http://schemas.openxmlformats.org/drawingml/2006/main" xmlns:r="http://schemas.openxmlformats.org/officeDocument/2006/relationships" xmlns:p="http://schemas.openxmlformats.org/presentationml/2006/main">
   <p:cSld>
     <p:bg>
       <p:bgPr>
         <a:solidFill>
           <a:srgbClr val="FFFFFF"/>
         </a:solidFill>
+        <a:effectLst/>
       </p:bgPr>
     </p:bg>
     <p:spTree>
@@ -3962,7 +4311,9 @@
       <p:sp>
         <p:nvSpPr>
           <p:cNvPr id="169" name="Predictive Models Used"/>
-          <p:cNvSpPr txBox="1"/>
+          <p:cNvSpPr txBox="1">
+            <a:spLocks noGrp="1"/>
+          </p:cNvSpPr>
           <p:nvPr>
             <p:ph type="title"/>
           </p:nvPr>
@@ -3976,7 +4327,6 @@
           <a:bodyPr/>
           <a:lstStyle/>
           <a:p>
-            <a:pPr/>
             <a:r>
               <a:t>Relevant Work</a:t>
             </a:r>
@@ -3992,9 +4342,7 @@
           <p:nvPr/>
         </p:nvPicPr>
         <p:blipFill>
-          <a:blip r:embed="rId2">
-            <a:extLst/>
-          </a:blip>
+          <a:blip r:embed="rId2"/>
           <a:stretch>
             <a:fillRect/>
           </a:stretch>
@@ -4031,7 +4379,7 @@
           </a:ln>
           <a:extLst>
             <a:ext uri="{C572A759-6A51-4108-AA02-DFA0A04FC94B}">
-              <ma14:wrappingTextBoxFlag xmlns:ma14="http://schemas.microsoft.com/office/mac/drawingml/2011/main" val="1"/>
+              <ma14:wrappingTextBoxFlag xmlns:ma14="http://schemas.microsoft.com/office/mac/drawingml/2011/main" xmlns:a14="http://schemas.microsoft.com/office/drawing/2010/main" xmlns:m="http://schemas.openxmlformats.org/officeDocument/2006/math" xmlns="" val="1"/>
             </a:ext>
           </a:extLst>
         </p:spPr>
@@ -4050,7 +4398,7 @@
               </a:buClr>
               <a:buSzPct val="100000"/>
               <a:buChar char="•"/>
-              <a:defRPr b="1" sz="2900">
+              <a:defRPr sz="2900" b="1">
                 <a:solidFill>
                   <a:srgbClr val="000000"/>
                 </a:solidFill>
@@ -4067,7 +4415,7 @@
                     <a:srgbClr val="0000FF"/>
                   </a:solidFill>
                 </a:uFill>
-                <a:hlinkClick r:id="rId3" invalidUrl="" action="" tgtFrame="" tooltip="" history="1" highlightClick="0" endSnd="0"/>
+                <a:hlinkClick r:id="rId3"/>
               </a:rPr>
               <a:t>Emotion Sentiment Extraction Website by Jason.</a:t>
             </a:r>
@@ -4084,7 +4432,7 @@
                     <a:srgbClr val="0000FF"/>
                   </a:solidFill>
                 </a:uFill>
-                <a:hlinkClick r:id="rId3" invalidUrl="" action="" tgtFrame="" tooltip="" history="1" highlightClick="0" endSnd="0"/>
+                <a:hlinkClick r:id="rId3"/>
               </a:rPr>
               <a:t>https://jason-jones.shinyapps.io/Emotionizer/</a:t>
             </a:r>
@@ -4102,7 +4450,7 @@
               </a:buClr>
               <a:buSzPct val="100000"/>
               <a:buChar char="•"/>
-              <a:defRPr b="1" sz="2900">
+              <a:defRPr sz="2900" b="1">
                 <a:solidFill>
                   <a:srgbClr val="000000"/>
                 </a:solidFill>
@@ -4120,10 +4468,9 @@
               <a:t> -</a:t>
             </a:r>
             <a:r>
-              <a:rPr baseline="31999" sz="3000"/>
+              <a:rPr sz="3000" baseline="31999"/>
               <a:t>Varat Nayak</a:t>
             </a:r>
-            <a:endParaRPr baseline="31999" sz="3000"/>
           </a:p>
           <a:p>
             <a:pPr marL="200526" indent="-200526" algn="l" defTabSz="914400">
@@ -4132,7 +4479,7 @@
               </a:buClr>
               <a:buSzPct val="100000"/>
               <a:buChar char="•"/>
-              <a:defRPr b="1" sz="2900">
+              <a:defRPr sz="2900" b="1">
                 <a:solidFill>
                   <a:srgbClr val="000000"/>
                 </a:solidFill>
@@ -4142,6 +4489,7 @@
                 <a:sym typeface="Times New Roman"/>
               </a:defRPr>
             </a:pPr>
+            <a:endParaRPr sz="3000" baseline="31999"/>
           </a:p>
         </p:txBody>
       </p:sp>
@@ -4150,13 +4498,13 @@
   <p:clrMapOvr>
     <a:masterClrMapping/>
   </p:clrMapOvr>
-  <mc:AlternateContent xmlns:mc="http://schemas.openxmlformats.org/markup-compatibility/2006">
-    <mc:Choice xmlns:p14="http://schemas.microsoft.com/office/powerpoint/2010/main" Requires="p14">
-      <p:transition spd="slow" advClick="1" p14:dur="1200">
+  <mc:AlternateContent xmlns:mc="http://schemas.openxmlformats.org/markup-compatibility/2006" xmlns:p14="http://schemas.microsoft.com/office/powerpoint/2010/main">
+    <mc:Choice Requires="p14">
+      <p:transition spd="slow" p14:dur="1200">
         <p:dissolve/>
       </p:transition>
     </mc:Choice>
-    <mc:Fallback>
+    <mc:Fallback xmlns:a14="http://schemas.microsoft.com/office/drawing/2010/main" xmlns:m="http://schemas.openxmlformats.org/officeDocument/2006/math" xmlns="">
       <p:transition spd="slow">
         <p:fade/>
       </p:transition>
@@ -4166,13 +4514,14 @@
 </file>
 
 <file path=ppt/slides/slide2.xml><?xml version="1.0" encoding="utf-8"?>
-<p:sld xmlns:a="http://schemas.openxmlformats.org/drawingml/2006/main" xmlns:r="http://schemas.openxmlformats.org/officeDocument/2006/relationships" xmlns:p="http://schemas.openxmlformats.org/presentationml/2006/main" xmlns:m="http://schemas.openxmlformats.org/officeDocument/2006/math" xmlns:a14="http://schemas.microsoft.com/office/drawing/2010/main" showMasterSp="1" showMasterPhAnim="1">
+<p:sld xmlns:a="http://schemas.openxmlformats.org/drawingml/2006/main" xmlns:r="http://schemas.openxmlformats.org/officeDocument/2006/relationships" xmlns:p="http://schemas.openxmlformats.org/presentationml/2006/main">
   <p:cSld>
     <p:bg>
       <p:bgPr>
         <a:solidFill>
           <a:srgbClr val="FFFFFF"/>
         </a:solidFill>
+        <a:effectLst/>
       </p:bgPr>
     </p:bg>
     <p:spTree>
@@ -4192,7 +4541,9 @@
       <p:sp>
         <p:nvSpPr>
           <p:cNvPr id="123" name="fMRI (StarPlus ) Overview"/>
-          <p:cNvSpPr txBox="1"/>
+          <p:cNvSpPr txBox="1">
+            <a:spLocks noGrp="1"/>
+          </p:cNvSpPr>
           <p:nvPr>
             <p:ph type="title"/>
           </p:nvPr>
@@ -4206,7 +4557,6 @@
           <a:bodyPr/>
           <a:lstStyle/>
           <a:p>
-            <a:pPr/>
             <a:r>
               <a:t>Overview of the Project</a:t>
             </a:r>
@@ -4216,7 +4566,9 @@
       <p:sp>
         <p:nvSpPr>
           <p:cNvPr id="124" name="What is fMRI?…"/>
-          <p:cNvSpPr txBox="1"/>
+          <p:cNvSpPr txBox="1">
+            <a:spLocks noGrp="1"/>
+          </p:cNvSpPr>
           <p:nvPr>
             <p:ph type="body" idx="1"/>
           </p:nvPr>
@@ -4234,14 +4586,13 @@
           <a:bodyPr/>
           <a:lstStyle/>
           <a:p>
-            <a:pPr/>
             <a:r>
               <a:t> Budget text Analysis for counties and cities:</a:t>
             </a:r>
             <a:endParaRPr sz="2200"/>
           </a:p>
           <a:p>
-            <a:pPr lvl="1" marL="640080" indent="-274320" defTabSz="914400">
+            <a:pPr marL="640080" lvl="1" indent="-274320" defTabSz="914400">
               <a:lnSpc>
                 <a:spcPct val="90000"/>
               </a:lnSpc>
@@ -4254,7 +4605,7 @@
               <a:buSzPct val="76000"/>
               <a:buFont typeface="Arial"/>
               <a:buChar char="✦"/>
-              <a:defRPr b="0" sz="2200">
+              <a:defRPr sz="2200" b="0">
                 <a:solidFill>
                   <a:srgbClr val="3E3D2D"/>
                 </a:solidFill>
@@ -4269,7 +4620,7 @@
             </a:r>
           </a:p>
           <a:p>
-            <a:pPr lvl="1" marL="640080" indent="-274320" defTabSz="914400">
+            <a:pPr marL="640080" lvl="1" indent="-274320" defTabSz="914400">
               <a:lnSpc>
                 <a:spcPct val="90000"/>
               </a:lnSpc>
@@ -4282,7 +4633,7 @@
               <a:buSzPct val="76000"/>
               <a:buFont typeface="Arial"/>
               <a:buChar char="✦"/>
-              <a:defRPr b="0" sz="2200">
+              <a:defRPr sz="2200" b="0">
                 <a:solidFill>
                   <a:srgbClr val="3E3D2D"/>
                 </a:solidFill>
@@ -4297,7 +4648,7 @@
             </a:r>
           </a:p>
           <a:p>
-            <a:pPr lvl="1" marL="640080" indent="-274320" defTabSz="914400">
+            <a:pPr marL="640080" lvl="1" indent="-274320" defTabSz="914400">
               <a:lnSpc>
                 <a:spcPct val="90000"/>
               </a:lnSpc>
@@ -4310,7 +4661,7 @@
               <a:buSzPct val="76000"/>
               <a:buFont typeface="Arial"/>
               <a:buChar char="✦"/>
-              <a:defRPr b="0" sz="2200">
+              <a:defRPr sz="2200" b="0">
                 <a:solidFill>
                   <a:srgbClr val="3E3D2D"/>
                 </a:solidFill>
@@ -4325,7 +4676,7 @@
             </a:r>
           </a:p>
           <a:p>
-            <a:pPr lvl="1" marL="640080" indent="-274320" defTabSz="914400">
+            <a:pPr marL="640080" lvl="1" indent="-274320" defTabSz="914400">
               <a:lnSpc>
                 <a:spcPct val="90000"/>
               </a:lnSpc>
@@ -4338,7 +4689,7 @@
               <a:buSzPct val="76000"/>
               <a:buFont typeface="Arial"/>
               <a:buChar char="✦"/>
-              <a:defRPr b="0" sz="2200">
+              <a:defRPr sz="2200" b="0">
                 <a:solidFill>
                   <a:srgbClr val="3E3D2D"/>
                 </a:solidFill>
@@ -4353,7 +4704,7 @@
             </a:r>
           </a:p>
           <a:p>
-            <a:pPr lvl="1" marL="640080" indent="-274320" defTabSz="914400">
+            <a:pPr marL="640080" lvl="1" indent="-274320" defTabSz="914400">
               <a:lnSpc>
                 <a:spcPct val="90000"/>
               </a:lnSpc>
@@ -4366,7 +4717,7 @@
               <a:buSzPct val="76000"/>
               <a:buFont typeface="Arial"/>
               <a:buChar char="✦"/>
-              <a:defRPr b="0" sz="2200">
+              <a:defRPr sz="2200" b="0">
                 <a:solidFill>
                   <a:srgbClr val="3E3D2D"/>
                 </a:solidFill>
@@ -4381,7 +4732,7 @@
             </a:r>
           </a:p>
           <a:p>
-            <a:pPr lvl="1" marL="640080" indent="-274320" defTabSz="914400">
+            <a:pPr marL="640080" lvl="1" indent="-274320" defTabSz="914400">
               <a:lnSpc>
                 <a:spcPct val="90000"/>
               </a:lnSpc>
@@ -4394,7 +4745,7 @@
               <a:buSzPct val="76000"/>
               <a:buFont typeface="Arial"/>
               <a:buChar char="✦"/>
-              <a:defRPr b="0" sz="2200">
+              <a:defRPr sz="2200" b="0">
                 <a:solidFill>
                   <a:srgbClr val="3E3D2D"/>
                 </a:solidFill>
@@ -4409,7 +4760,7 @@
             </a:r>
           </a:p>
           <a:p>
-            <a:pPr lvl="1" marL="640080" indent="-274320" defTabSz="914400">
+            <a:pPr marL="640080" lvl="1" indent="-274320" defTabSz="914400">
               <a:lnSpc>
                 <a:spcPct val="90000"/>
               </a:lnSpc>
@@ -4422,7 +4773,7 @@
               <a:buSzPct val="76000"/>
               <a:buFont typeface="Arial"/>
               <a:buChar char="✦"/>
-              <a:defRPr b="0" sz="2200">
+              <a:defRPr sz="2200" b="0">
                 <a:solidFill>
                   <a:srgbClr val="3E3D2D"/>
                 </a:solidFill>
@@ -4443,13 +4794,13 @@
   <p:clrMapOvr>
     <a:masterClrMapping/>
   </p:clrMapOvr>
-  <mc:AlternateContent xmlns:mc="http://schemas.openxmlformats.org/markup-compatibility/2006">
-    <mc:Choice xmlns:p14="http://schemas.microsoft.com/office/powerpoint/2010/main" Requires="p14">
-      <p:transition spd="slow" advClick="1" p14:dur="1200">
+  <mc:AlternateContent xmlns:mc="http://schemas.openxmlformats.org/markup-compatibility/2006" xmlns:p14="http://schemas.microsoft.com/office/powerpoint/2010/main">
+    <mc:Choice Requires="p14">
+      <p:transition spd="slow" p14:dur="1200">
         <p:dissolve/>
       </p:transition>
     </mc:Choice>
-    <mc:Fallback>
+    <mc:Fallback xmlns:a14="http://schemas.microsoft.com/office/drawing/2010/main" xmlns:m="http://schemas.openxmlformats.org/officeDocument/2006/math" xmlns="">
       <p:transition spd="slow">
         <p:fade/>
       </p:transition>
@@ -4459,13 +4810,14 @@
 </file>
 
 <file path=ppt/slides/slide3.xml><?xml version="1.0" encoding="utf-8"?>
-<p:sld xmlns:a="http://schemas.openxmlformats.org/drawingml/2006/main" xmlns:r="http://schemas.openxmlformats.org/officeDocument/2006/relationships" xmlns:p="http://schemas.openxmlformats.org/presentationml/2006/main" xmlns:m="http://schemas.openxmlformats.org/officeDocument/2006/math" xmlns:a14="http://schemas.microsoft.com/office/drawing/2010/main" showMasterSp="1" showMasterPhAnim="1">
+<p:sld xmlns:a="http://schemas.openxmlformats.org/drawingml/2006/main" xmlns:r="http://schemas.openxmlformats.org/officeDocument/2006/relationships" xmlns:p="http://schemas.openxmlformats.org/presentationml/2006/main">
   <p:cSld>
     <p:bg>
       <p:bgPr>
         <a:solidFill>
           <a:srgbClr val="FFFFFF"/>
         </a:solidFill>
+        <a:effectLst/>
       </p:bgPr>
     </p:bg>
     <p:spTree>
@@ -4485,7 +4837,9 @@
       <p:sp>
         <p:nvSpPr>
           <p:cNvPr id="126" name="fMRI (StarPlus ) Overview"/>
-          <p:cNvSpPr txBox="1"/>
+          <p:cNvSpPr txBox="1">
+            <a:spLocks noGrp="1"/>
+          </p:cNvSpPr>
           <p:nvPr>
             <p:ph type="title"/>
           </p:nvPr>
@@ -4499,7 +4853,6 @@
           <a:bodyPr/>
           <a:lstStyle/>
           <a:p>
-            <a:pPr/>
             <a:r>
               <a:t>Goals</a:t>
             </a:r>
@@ -4509,7 +4862,9 @@
       <p:sp>
         <p:nvSpPr>
           <p:cNvPr id="127" name="What is fMRI?…"/>
-          <p:cNvSpPr txBox="1"/>
+          <p:cNvSpPr txBox="1">
+            <a:spLocks noGrp="1"/>
+          </p:cNvSpPr>
           <p:nvPr>
             <p:ph type="body" sz="half" idx="1"/>
           </p:nvPr>
@@ -4527,31 +4882,26 @@
           <a:bodyPr/>
           <a:lstStyle/>
           <a:p>
-            <a:pPr/>
             <a:r>
               <a:t>Understand the data </a:t>
             </a:r>
           </a:p>
           <a:p>
-            <a:pPr/>
             <a:r>
               <a:t>Data Cleaning/Pre-processing</a:t>
             </a:r>
           </a:p>
           <a:p>
-            <a:pPr/>
             <a:r>
               <a:t>Topic Modelling of  the textual data</a:t>
             </a:r>
           </a:p>
           <a:p>
-            <a:pPr/>
             <a:r>
               <a:t>Emotion and Sentiment Analysis of the budget texts to draw up public’s emotional engagement. </a:t>
             </a:r>
           </a:p>
           <a:p>
-            <a:pPr/>
             <a:r>
               <a:t>Next work recommender for the texts in budget.</a:t>
             </a:r>
@@ -4563,13 +4913,13 @@
   <p:clrMapOvr>
     <a:masterClrMapping/>
   </p:clrMapOvr>
-  <mc:AlternateContent xmlns:mc="http://schemas.openxmlformats.org/markup-compatibility/2006">
-    <mc:Choice xmlns:p14="http://schemas.microsoft.com/office/powerpoint/2010/main" Requires="p14">
-      <p:transition spd="slow" advClick="1" p14:dur="1200">
+  <mc:AlternateContent xmlns:mc="http://schemas.openxmlformats.org/markup-compatibility/2006" xmlns:p14="http://schemas.microsoft.com/office/powerpoint/2010/main">
+    <mc:Choice Requires="p14">
+      <p:transition spd="slow" p14:dur="1200">
         <p:dissolve/>
       </p:transition>
     </mc:Choice>
-    <mc:Fallback>
+    <mc:Fallback xmlns:a14="http://schemas.microsoft.com/office/drawing/2010/main" xmlns:m="http://schemas.openxmlformats.org/officeDocument/2006/math" xmlns="">
       <p:transition spd="slow">
         <p:fade/>
       </p:transition>
@@ -4579,13 +4929,14 @@
 </file>
 
 <file path=ppt/slides/slide4.xml><?xml version="1.0" encoding="utf-8"?>
-<p:sld xmlns:a="http://schemas.openxmlformats.org/drawingml/2006/main" xmlns:r="http://schemas.openxmlformats.org/officeDocument/2006/relationships" xmlns:p="http://schemas.openxmlformats.org/presentationml/2006/main" xmlns:m="http://schemas.openxmlformats.org/officeDocument/2006/math" xmlns:a14="http://schemas.microsoft.com/office/drawing/2010/main" showMasterSp="1" showMasterPhAnim="1">
+<p:sld xmlns:a="http://schemas.openxmlformats.org/drawingml/2006/main" xmlns:r="http://schemas.openxmlformats.org/officeDocument/2006/relationships" xmlns:p="http://schemas.openxmlformats.org/presentationml/2006/main">
   <p:cSld>
     <p:bg>
       <p:bgPr>
         <a:solidFill>
           <a:srgbClr val="FFFFFF"/>
         </a:solidFill>
+        <a:effectLst/>
       </p:bgPr>
     </p:bg>
     <p:spTree>
@@ -4605,7 +4956,9 @@
       <p:sp>
         <p:nvSpPr>
           <p:cNvPr id="129" name="Data Set- StarPlus Experiment Set Up"/>
-          <p:cNvSpPr txBox="1"/>
+          <p:cNvSpPr txBox="1">
+            <a:spLocks noGrp="1"/>
+          </p:cNvSpPr>
           <p:nvPr>
             <p:ph type="title"/>
           </p:nvPr>
@@ -4626,7 +4979,6 @@
             </a:lvl1pPr>
           </a:lstStyle>
           <a:p>
-            <a:pPr/>
             <a:r>
               <a:t>Team Structure</a:t>
             </a:r>
@@ -4636,7 +4988,9 @@
       <p:sp>
         <p:nvSpPr>
           <p:cNvPr id="130" name="6 Subjects Tested…"/>
-          <p:cNvSpPr txBox="1"/>
+          <p:cNvSpPr txBox="1">
+            <a:spLocks noGrp="1"/>
+          </p:cNvSpPr>
           <p:nvPr>
             <p:ph type="body" idx="1"/>
           </p:nvPr>
@@ -4654,7 +5008,7 @@
           <a:bodyPr/>
           <a:lstStyle/>
           <a:p>
-            <a:pPr lvl="1" marL="704850" indent="-352425" defTabSz="438150">
+            <a:pPr marL="704850" lvl="1" indent="-352425" defTabSz="438150">
               <a:spcBef>
                 <a:spcPts val="1800"/>
               </a:spcBef>
@@ -4665,7 +5019,7 @@
             </a:r>
           </a:p>
           <a:p>
-            <a:pPr lvl="1" marL="704850" indent="-352425" defTabSz="438150">
+            <a:pPr marL="704850" lvl="1" indent="-352425" defTabSz="438150">
               <a:spcBef>
                 <a:spcPts val="1800"/>
               </a:spcBef>
@@ -4676,7 +5030,7 @@
             </a:r>
           </a:p>
           <a:p>
-            <a:pPr lvl="2" marL="1292225" indent="-352425" defTabSz="438150">
+            <a:pPr marL="1292225" lvl="2" indent="-352425" defTabSz="438150">
               <a:spcBef>
                 <a:spcPts val="1800"/>
               </a:spcBef>
@@ -4715,7 +5069,7 @@
             </a:r>
           </a:p>
           <a:p>
-            <a:pPr lvl="2" marL="1292225" indent="-352425" defTabSz="438150">
+            <a:pPr marL="1292225" lvl="2" indent="-352425" defTabSz="438150">
               <a:spcBef>
                 <a:spcPts val="1800"/>
               </a:spcBef>
@@ -4757,9 +5111,7 @@
           <p:nvPr/>
         </p:nvPicPr>
         <p:blipFill>
-          <a:blip r:embed="rId2">
-            <a:extLst/>
-          </a:blip>
+          <a:blip r:embed="rId2"/>
           <a:stretch>
             <a:fillRect/>
           </a:stretch>
@@ -4782,13 +5134,13 @@
   <p:clrMapOvr>
     <a:masterClrMapping/>
   </p:clrMapOvr>
-  <mc:AlternateContent xmlns:mc="http://schemas.openxmlformats.org/markup-compatibility/2006">
-    <mc:Choice xmlns:p14="http://schemas.microsoft.com/office/powerpoint/2010/main" Requires="p14">
-      <p:transition spd="slow" advClick="1" p14:dur="1200">
+  <mc:AlternateContent xmlns:mc="http://schemas.openxmlformats.org/markup-compatibility/2006" xmlns:p14="http://schemas.microsoft.com/office/powerpoint/2010/main">
+    <mc:Choice Requires="p14">
+      <p:transition spd="slow" p14:dur="1200">
         <p:dissolve/>
       </p:transition>
     </mc:Choice>
-    <mc:Fallback>
+    <mc:Fallback xmlns:a14="http://schemas.microsoft.com/office/drawing/2010/main" xmlns:m="http://schemas.openxmlformats.org/officeDocument/2006/math" xmlns="">
       <p:transition spd="slow">
         <p:fade/>
       </p:transition>
@@ -4798,13 +5150,14 @@
 </file>
 
 <file path=ppt/slides/slide5.xml><?xml version="1.0" encoding="utf-8"?>
-<p:sld xmlns:a="http://schemas.openxmlformats.org/drawingml/2006/main" xmlns:r="http://schemas.openxmlformats.org/officeDocument/2006/relationships" xmlns:p="http://schemas.openxmlformats.org/presentationml/2006/main" xmlns:m="http://schemas.openxmlformats.org/officeDocument/2006/math" xmlns:a14="http://schemas.microsoft.com/office/drawing/2010/main" showMasterSp="1" showMasterPhAnim="1">
+<p:sld xmlns:a="http://schemas.openxmlformats.org/drawingml/2006/main" xmlns:r="http://schemas.openxmlformats.org/officeDocument/2006/relationships" xmlns:p="http://schemas.openxmlformats.org/presentationml/2006/main">
   <p:cSld>
     <p:bg>
       <p:bgPr>
         <a:solidFill>
           <a:srgbClr val="FFFFFF"/>
         </a:solidFill>
+        <a:effectLst/>
       </p:bgPr>
     </p:bg>
     <p:spTree>
@@ -4824,7 +5177,9 @@
       <p:sp>
         <p:nvSpPr>
           <p:cNvPr id="133" name="Data Set- Terminology"/>
-          <p:cNvSpPr txBox="1"/>
+          <p:cNvSpPr txBox="1">
+            <a:spLocks noGrp="1"/>
+          </p:cNvSpPr>
           <p:nvPr>
             <p:ph type="title"/>
           </p:nvPr>
@@ -4838,7 +5193,6 @@
           <a:bodyPr/>
           <a:lstStyle/>
           <a:p>
-            <a:pPr/>
             <a:r>
               <a:t>Data Overview</a:t>
             </a:r>
@@ -4848,7 +5202,9 @@
       <p:sp>
         <p:nvSpPr>
           <p:cNvPr id="134" name="Feature Space: # of images fMRI images taken (54) by the number of voxels in subjects trials (4,698)…"/>
-          <p:cNvSpPr txBox="1"/>
+          <p:cNvSpPr txBox="1">
+            <a:spLocks noGrp="1"/>
+          </p:cNvSpPr>
           <p:nvPr>
             <p:ph type="body" idx="1"/>
           </p:nvPr>
@@ -4866,19 +5222,16 @@
           <a:bodyPr/>
           <a:lstStyle/>
           <a:p>
-            <a:pPr/>
             <a:r>
               <a:t>Primarily, 7 pdf files ranging from 400-500 pages long  for each.</a:t>
             </a:r>
           </a:p>
           <a:p>
-            <a:pPr/>
             <a:r>
               <a:t>Each pdf is converted to csv files by extracting all the relevant budget texts(words) from the pdf file.</a:t>
             </a:r>
           </a:p>
           <a:p>
-            <a:pPr/>
             <a:r>
               <a:t>So, there are total of 638131 total words extracted from the budget files.</a:t>
             </a:r>
@@ -4894,9 +5247,7 @@
           <p:nvPr/>
         </p:nvPicPr>
         <p:blipFill>
-          <a:blip r:embed="rId2">
-            <a:extLst/>
-          </a:blip>
+          <a:blip r:embed="rId2"/>
           <a:stretch>
             <a:fillRect/>
           </a:stretch>
@@ -4919,13 +5270,13 @@
   <p:clrMapOvr>
     <a:masterClrMapping/>
   </p:clrMapOvr>
-  <mc:AlternateContent xmlns:mc="http://schemas.openxmlformats.org/markup-compatibility/2006">
-    <mc:Choice xmlns:p14="http://schemas.microsoft.com/office/powerpoint/2010/main" Requires="p14">
-      <p:transition spd="slow" advClick="1" p14:dur="1200">
+  <mc:AlternateContent xmlns:mc="http://schemas.openxmlformats.org/markup-compatibility/2006" xmlns:p14="http://schemas.microsoft.com/office/powerpoint/2010/main">
+    <mc:Choice Requires="p14">
+      <p:transition spd="slow" p14:dur="1200">
         <p:dissolve/>
       </p:transition>
     </mc:Choice>
-    <mc:Fallback>
+    <mc:Fallback xmlns:a14="http://schemas.microsoft.com/office/drawing/2010/main" xmlns:m="http://schemas.openxmlformats.org/officeDocument/2006/math" xmlns="">
       <p:transition spd="slow">
         <p:fade/>
       </p:transition>
@@ -4935,13 +5286,14 @@
 </file>
 
 <file path=ppt/slides/slide6.xml><?xml version="1.0" encoding="utf-8"?>
-<p:sld xmlns:a="http://schemas.openxmlformats.org/drawingml/2006/main" xmlns:r="http://schemas.openxmlformats.org/officeDocument/2006/relationships" xmlns:p="http://schemas.openxmlformats.org/presentationml/2006/main" xmlns:m="http://schemas.openxmlformats.org/officeDocument/2006/math" xmlns:a14="http://schemas.microsoft.com/office/drawing/2010/main" showMasterSp="1" showMasterPhAnim="1">
+<p:sld xmlns:a="http://schemas.openxmlformats.org/drawingml/2006/main" xmlns:r="http://schemas.openxmlformats.org/officeDocument/2006/relationships" xmlns:p="http://schemas.openxmlformats.org/presentationml/2006/main">
   <p:cSld>
     <p:bg>
       <p:bgPr>
         <a:solidFill>
           <a:srgbClr val="FFFFFF"/>
         </a:solidFill>
+        <a:effectLst/>
       </p:bgPr>
     </p:bg>
     <p:spTree>
@@ -4961,7 +5313,9 @@
       <p:sp>
         <p:nvSpPr>
           <p:cNvPr id="137" name="Data Set- Terminology"/>
-          <p:cNvSpPr txBox="1"/>
+          <p:cNvSpPr txBox="1">
+            <a:spLocks noGrp="1"/>
+          </p:cNvSpPr>
           <p:nvPr>
             <p:ph type="title"/>
           </p:nvPr>
@@ -4975,7 +5329,6 @@
           <a:bodyPr/>
           <a:lstStyle/>
           <a:p>
-            <a:pPr/>
             <a:r>
               <a:t>Data Source</a:t>
             </a:r>
@@ -4985,7 +5338,9 @@
       <p:sp>
         <p:nvSpPr>
           <p:cNvPr id="138" name="Feature Space: # of images fMRI images taken (54) by the number of voxels in subjects trials (4,698)…"/>
-          <p:cNvSpPr txBox="1"/>
+          <p:cNvSpPr txBox="1">
+            <a:spLocks noGrp="1"/>
+          </p:cNvSpPr>
           <p:nvPr>
             <p:ph type="body" idx="1"/>
           </p:nvPr>
@@ -5003,7 +5358,7 @@
           <a:bodyPr/>
           <a:lstStyle/>
           <a:p>
-            <a:pPr/>
+            <a:endParaRPr/>
           </a:p>
         </p:txBody>
       </p:sp>
@@ -5016,9 +5371,7 @@
           <p:nvPr/>
         </p:nvPicPr>
         <p:blipFill>
-          <a:blip r:embed="rId2">
-            <a:extLst/>
-          </a:blip>
+          <a:blip r:embed="rId2"/>
           <a:stretch>
             <a:fillRect/>
           </a:stretch>
@@ -5045,9 +5398,7 @@
           <p:nvPr/>
         </p:nvPicPr>
         <p:blipFill>
-          <a:blip r:embed="rId3">
-            <a:extLst/>
-          </a:blip>
+          <a:blip r:embed="rId3"/>
           <a:stretch>
             <a:fillRect/>
           </a:stretch>
@@ -5070,13 +5421,13 @@
   <p:clrMapOvr>
     <a:masterClrMapping/>
   </p:clrMapOvr>
-  <mc:AlternateContent xmlns:mc="http://schemas.openxmlformats.org/markup-compatibility/2006">
-    <mc:Choice xmlns:p14="http://schemas.microsoft.com/office/powerpoint/2010/main" Requires="p14">
-      <p:transition spd="slow" advClick="1" p14:dur="1200">
+  <mc:AlternateContent xmlns:mc="http://schemas.openxmlformats.org/markup-compatibility/2006" xmlns:p14="http://schemas.microsoft.com/office/powerpoint/2010/main">
+    <mc:Choice Requires="p14">
+      <p:transition spd="slow" p14:dur="1200">
         <p:dissolve/>
       </p:transition>
     </mc:Choice>
-    <mc:Fallback>
+    <mc:Fallback xmlns:a14="http://schemas.microsoft.com/office/drawing/2010/main" xmlns:m="http://schemas.openxmlformats.org/officeDocument/2006/math" xmlns="">
       <p:transition spd="slow">
         <p:fade/>
       </p:transition>
@@ -5086,13 +5437,14 @@
 </file>
 
 <file path=ppt/slides/slide7.xml><?xml version="1.0" encoding="utf-8"?>
-<p:sld xmlns:a="http://schemas.openxmlformats.org/drawingml/2006/main" xmlns:r="http://schemas.openxmlformats.org/officeDocument/2006/relationships" xmlns:p="http://schemas.openxmlformats.org/presentationml/2006/main" xmlns:m="http://schemas.openxmlformats.org/officeDocument/2006/math" xmlns:a14="http://schemas.microsoft.com/office/drawing/2010/main" showMasterSp="1" showMasterPhAnim="1">
+<p:sld xmlns:a="http://schemas.openxmlformats.org/drawingml/2006/main" xmlns:r="http://schemas.openxmlformats.org/officeDocument/2006/relationships" xmlns:p="http://schemas.openxmlformats.org/presentationml/2006/main">
   <p:cSld>
     <p:bg>
       <p:bgPr>
         <a:solidFill>
           <a:srgbClr val="FFFFFF"/>
         </a:solidFill>
+        <a:effectLst/>
       </p:bgPr>
     </p:bg>
     <p:spTree>
@@ -5112,7 +5464,9 @@
       <p:sp>
         <p:nvSpPr>
           <p:cNvPr id="142" name="Data Set- Terminology"/>
-          <p:cNvSpPr txBox="1"/>
+          <p:cNvSpPr txBox="1">
+            <a:spLocks noGrp="1"/>
+          </p:cNvSpPr>
           <p:nvPr>
             <p:ph type="title"/>
           </p:nvPr>
@@ -5126,7 +5480,6 @@
           <a:bodyPr/>
           <a:lstStyle/>
           <a:p>
-            <a:pPr/>
             <a:r>
               <a:t>Data Conversion</a:t>
             </a:r>
@@ -5136,7 +5489,9 @@
       <p:sp>
         <p:nvSpPr>
           <p:cNvPr id="143" name="Feature Space: # of images fMRI images taken (54) by the number of voxels in subjects trials (4,698)…"/>
-          <p:cNvSpPr txBox="1"/>
+          <p:cNvSpPr txBox="1">
+            <a:spLocks noGrp="1"/>
+          </p:cNvSpPr>
           <p:nvPr>
             <p:ph type="body" idx="1"/>
           </p:nvPr>
@@ -5160,6 +5515,7 @@
               </a:spcBef>
               <a:defRPr sz="1440"/>
             </a:pPr>
+            <a:endParaRPr/>
           </a:p>
         </p:txBody>
       </p:sp>
@@ -5172,9 +5528,7 @@
           <p:nvPr/>
         </p:nvPicPr>
         <p:blipFill>
-          <a:blip r:embed="rId2">
-            <a:extLst/>
-          </a:blip>
+          <a:blip r:embed="rId2"/>
           <a:stretch>
             <a:fillRect/>
           </a:stretch>
@@ -5201,9 +5555,7 @@
           <p:nvPr/>
         </p:nvPicPr>
         <p:blipFill>
-          <a:blip r:embed="rId3">
-            <a:extLst/>
-          </a:blip>
+          <a:blip r:embed="rId3"/>
           <a:stretch>
             <a:fillRect/>
           </a:stretch>
@@ -5226,13 +5578,13 @@
   <p:clrMapOvr>
     <a:masterClrMapping/>
   </p:clrMapOvr>
-  <mc:AlternateContent xmlns:mc="http://schemas.openxmlformats.org/markup-compatibility/2006">
-    <mc:Choice xmlns:p14="http://schemas.microsoft.com/office/powerpoint/2010/main" Requires="p14">
-      <p:transition spd="slow" advClick="1" p14:dur="1200">
+  <mc:AlternateContent xmlns:mc="http://schemas.openxmlformats.org/markup-compatibility/2006" xmlns:p14="http://schemas.microsoft.com/office/powerpoint/2010/main">
+    <mc:Choice Requires="p14">
+      <p:transition spd="slow" p14:dur="1200">
         <p:dissolve/>
       </p:transition>
     </mc:Choice>
-    <mc:Fallback>
+    <mc:Fallback xmlns:a14="http://schemas.microsoft.com/office/drawing/2010/main" xmlns:m="http://schemas.openxmlformats.org/officeDocument/2006/math" xmlns="">
       <p:transition spd="slow">
         <p:fade/>
       </p:transition>
@@ -5242,13 +5594,14 @@
 </file>
 
 <file path=ppt/slides/slide8.xml><?xml version="1.0" encoding="utf-8"?>
-<p:sld xmlns:a="http://schemas.openxmlformats.org/drawingml/2006/main" xmlns:r="http://schemas.openxmlformats.org/officeDocument/2006/relationships" xmlns:p="http://schemas.openxmlformats.org/presentationml/2006/main" xmlns:m="http://schemas.openxmlformats.org/officeDocument/2006/math" xmlns:a14="http://schemas.microsoft.com/office/drawing/2010/main" showMasterSp="1" showMasterPhAnim="1">
+<p:sld xmlns:a="http://schemas.openxmlformats.org/drawingml/2006/main" xmlns:r="http://schemas.openxmlformats.org/officeDocument/2006/relationships" xmlns:p="http://schemas.openxmlformats.org/presentationml/2006/main">
   <p:cSld>
     <p:bg>
       <p:bgPr>
         <a:solidFill>
           <a:srgbClr val="FFFFFF"/>
         </a:solidFill>
+        <a:effectLst/>
       </p:bgPr>
     </p:bg>
     <p:spTree>
@@ -5268,7 +5621,9 @@
       <p:sp>
         <p:nvSpPr>
           <p:cNvPr id="147" name="Data Set- Terminology"/>
-          <p:cNvSpPr txBox="1"/>
+          <p:cNvSpPr txBox="1">
+            <a:spLocks noGrp="1"/>
+          </p:cNvSpPr>
           <p:nvPr>
             <p:ph type="title"/>
           </p:nvPr>
@@ -5282,7 +5637,6 @@
           <a:bodyPr/>
           <a:lstStyle/>
           <a:p>
-            <a:pPr/>
             <a:r>
               <a:t>Data Transformation</a:t>
             </a:r>
@@ -5298,9 +5652,7 @@
           <p:nvPr/>
         </p:nvPicPr>
         <p:blipFill>
-          <a:blip r:embed="rId2">
-            <a:extLst/>
-          </a:blip>
+          <a:blip r:embed="rId2"/>
           <a:stretch>
             <a:fillRect/>
           </a:stretch>
@@ -5327,9 +5679,7 @@
           <p:nvPr/>
         </p:nvPicPr>
         <p:blipFill>
-          <a:blip r:embed="rId3">
-            <a:extLst/>
-          </a:blip>
+          <a:blip r:embed="rId3"/>
           <a:stretch>
             <a:fillRect/>
           </a:stretch>
@@ -5352,13 +5702,13 @@
   <p:clrMapOvr>
     <a:masterClrMapping/>
   </p:clrMapOvr>
-  <mc:AlternateContent xmlns:mc="http://schemas.openxmlformats.org/markup-compatibility/2006">
-    <mc:Choice xmlns:p14="http://schemas.microsoft.com/office/powerpoint/2010/main" Requires="p14">
-      <p:transition spd="slow" advClick="1" p14:dur="1200">
+  <mc:AlternateContent xmlns:mc="http://schemas.openxmlformats.org/markup-compatibility/2006" xmlns:p14="http://schemas.microsoft.com/office/powerpoint/2010/main">
+    <mc:Choice Requires="p14">
+      <p:transition spd="slow" p14:dur="1200">
         <p:dissolve/>
       </p:transition>
     </mc:Choice>
-    <mc:Fallback>
+    <mc:Fallback xmlns:a14="http://schemas.microsoft.com/office/drawing/2010/main" xmlns:m="http://schemas.openxmlformats.org/officeDocument/2006/math" xmlns="">
       <p:transition spd="slow">
         <p:fade/>
       </p:transition>
@@ -5368,13 +5718,14 @@
 </file>
 
 <file path=ppt/slides/slide9.xml><?xml version="1.0" encoding="utf-8"?>
-<p:sld xmlns:a="http://schemas.openxmlformats.org/drawingml/2006/main" xmlns:r="http://schemas.openxmlformats.org/officeDocument/2006/relationships" xmlns:p="http://schemas.openxmlformats.org/presentationml/2006/main" xmlns:m="http://schemas.openxmlformats.org/officeDocument/2006/math" xmlns:a14="http://schemas.microsoft.com/office/drawing/2010/main" showMasterSp="1" showMasterPhAnim="1">
+<p:sld xmlns:a="http://schemas.openxmlformats.org/drawingml/2006/main" xmlns:r="http://schemas.openxmlformats.org/officeDocument/2006/relationships" xmlns:p="http://schemas.openxmlformats.org/presentationml/2006/main">
   <p:cSld>
     <p:bg>
       <p:bgPr>
         <a:solidFill>
           <a:srgbClr val="FFFFFF"/>
         </a:solidFill>
+        <a:effectLst/>
       </p:bgPr>
     </p:bg>
     <p:spTree>
@@ -5394,7 +5745,9 @@
       <p:sp>
         <p:nvSpPr>
           <p:cNvPr id="151" name="Data Set- Terminology"/>
-          <p:cNvSpPr txBox="1"/>
+          <p:cNvSpPr txBox="1">
+            <a:spLocks noGrp="1"/>
+          </p:cNvSpPr>
           <p:nvPr>
             <p:ph type="title"/>
           </p:nvPr>
@@ -5408,7 +5761,6 @@
           <a:bodyPr/>
           <a:lstStyle/>
           <a:p>
-            <a:pPr/>
             <a:r>
               <a:t>Data Analysis</a:t>
             </a:r>
@@ -5424,9 +5776,7 @@
           <p:nvPr/>
         </p:nvPicPr>
         <p:blipFill>
-          <a:blip r:embed="rId2">
-            <a:extLst/>
-          </a:blip>
+          <a:blip r:embed="rId2"/>
           <a:stretch>
             <a:fillRect/>
           </a:stretch>
@@ -5453,9 +5803,7 @@
           <p:nvPr/>
         </p:nvPicPr>
         <p:blipFill>
-          <a:blip r:embed="rId3">
-            <a:extLst/>
-          </a:blip>
+          <a:blip r:embed="rId3"/>
           <a:stretch>
             <a:fillRect/>
           </a:stretch>
@@ -5478,13 +5826,13 @@
   <p:clrMapOvr>
     <a:masterClrMapping/>
   </p:clrMapOvr>
-  <mc:AlternateContent xmlns:mc="http://schemas.openxmlformats.org/markup-compatibility/2006">
-    <mc:Choice xmlns:p14="http://schemas.microsoft.com/office/powerpoint/2010/main" Requires="p14">
-      <p:transition spd="slow" advClick="1" p14:dur="1200">
+  <mc:AlternateContent xmlns:mc="http://schemas.openxmlformats.org/markup-compatibility/2006" xmlns:p14="http://schemas.microsoft.com/office/powerpoint/2010/main">
+    <mc:Choice Requires="p14">
+      <p:transition spd="slow" p14:dur="1200">
         <p:dissolve/>
       </p:transition>
     </mc:Choice>
-    <mc:Fallback>
+    <mc:Fallback xmlns:a14="http://schemas.microsoft.com/office/drawing/2010/main" xmlns:m="http://schemas.openxmlformats.org/officeDocument/2006/math" xmlns="">
       <p:transition spd="slow">
         <p:fade/>
       </p:transition>
@@ -5494,7 +5842,7 @@
 </file>
 
 <file path=ppt/theme/theme1.xml><?xml version="1.0" encoding="utf-8"?>
-<a:theme xmlns:a="http://schemas.openxmlformats.org/drawingml/2006/main" xmlns:r="http://schemas.openxmlformats.org/officeDocument/2006/relationships" name="New_Template4">
+<a:theme xmlns:a="http://schemas.openxmlformats.org/drawingml/2006/main" name="New_Template4">
   <a:themeElements>
     <a:clrScheme name="New_Template4">
       <a:dk1>
@@ -5696,7 +6044,7 @@
         <a:effectLst/>
         <a:sp3d/>
       </a:spPr>
-      <a:bodyPr rot="0" spcFirstLastPara="1" vertOverflow="overflow" horzOverflow="overflow" vert="horz" wrap="square" lIns="50800" tIns="50800" rIns="50800" bIns="50800" numCol="1" spcCol="38100" rtlCol="0" anchor="ctr" upright="0">
+      <a:bodyPr rot="0" spcFirstLastPara="1" vertOverflow="overflow" horzOverflow="overflow" vert="horz" wrap="square" lIns="50800" tIns="50800" rIns="50800" bIns="50800" numCol="1" spcCol="38100" rtlCol="0" anchor="ctr">
         <a:spAutoFit/>
       </a:bodyPr>
       <a:lstStyle>
@@ -5715,7 +6063,7 @@
           <a:buFontTx/>
           <a:buNone/>
           <a:tabLst/>
-          <a:defRPr b="0" baseline="0" cap="none" i="0" spc="0" strike="noStrike" sz="2400" u="none" kumimoji="0" normalizeH="0">
+          <a:defRPr kumimoji="0" sz="2400" b="0" i="0" u="none" strike="noStrike" cap="none" spc="0" normalizeH="0" baseline="0">
             <a:ln>
               <a:noFill/>
             </a:ln>
@@ -5745,7 +6093,7 @@
           <a:buFontTx/>
           <a:buNone/>
           <a:tabLst/>
-          <a:defRPr b="0" baseline="0" cap="none" i="0" spc="0" strike="noStrike" sz="1800" u="none" kumimoji="0" normalizeH="0">
+          <a:defRPr kumimoji="0" sz="1800" b="0" i="0" u="none" strike="noStrike" cap="none" spc="0" normalizeH="0" baseline="0">
             <a:ln>
               <a:noFill/>
             </a:ln>
@@ -5771,7 +6119,7 @@
           <a:buFontTx/>
           <a:buNone/>
           <a:tabLst/>
-          <a:defRPr b="0" baseline="0" cap="none" i="0" spc="0" strike="noStrike" sz="1800" u="none" kumimoji="0" normalizeH="0">
+          <a:defRPr kumimoji="0" sz="1800" b="0" i="0" u="none" strike="noStrike" cap="none" spc="0" normalizeH="0" baseline="0">
             <a:ln>
               <a:noFill/>
             </a:ln>
@@ -5797,7 +6145,7 @@
           <a:buFontTx/>
           <a:buNone/>
           <a:tabLst/>
-          <a:defRPr b="0" baseline="0" cap="none" i="0" spc="0" strike="noStrike" sz="1800" u="none" kumimoji="0" normalizeH="0">
+          <a:defRPr kumimoji="0" sz="1800" b="0" i="0" u="none" strike="noStrike" cap="none" spc="0" normalizeH="0" baseline="0">
             <a:ln>
               <a:noFill/>
             </a:ln>
@@ -5823,7 +6171,7 @@
           <a:buFontTx/>
           <a:buNone/>
           <a:tabLst/>
-          <a:defRPr b="0" baseline="0" cap="none" i="0" spc="0" strike="noStrike" sz="1800" u="none" kumimoji="0" normalizeH="0">
+          <a:defRPr kumimoji="0" sz="1800" b="0" i="0" u="none" strike="noStrike" cap="none" spc="0" normalizeH="0" baseline="0">
             <a:ln>
               <a:noFill/>
             </a:ln>
@@ -5849,7 +6197,7 @@
           <a:buFontTx/>
           <a:buNone/>
           <a:tabLst/>
-          <a:defRPr b="0" baseline="0" cap="none" i="0" spc="0" strike="noStrike" sz="1800" u="none" kumimoji="0" normalizeH="0">
+          <a:defRPr kumimoji="0" sz="1800" b="0" i="0" u="none" strike="noStrike" cap="none" spc="0" normalizeH="0" baseline="0">
             <a:ln>
               <a:noFill/>
             </a:ln>
@@ -5875,7 +6223,7 @@
           <a:buFontTx/>
           <a:buNone/>
           <a:tabLst/>
-          <a:defRPr b="0" baseline="0" cap="none" i="0" spc="0" strike="noStrike" sz="1800" u="none" kumimoji="0" normalizeH="0">
+          <a:defRPr kumimoji="0" sz="1800" b="0" i="0" u="none" strike="noStrike" cap="none" spc="0" normalizeH="0" baseline="0">
             <a:ln>
               <a:noFill/>
             </a:ln>
@@ -5901,7 +6249,7 @@
           <a:buFontTx/>
           <a:buNone/>
           <a:tabLst/>
-          <a:defRPr b="0" baseline="0" cap="none" i="0" spc="0" strike="noStrike" sz="1800" u="none" kumimoji="0" normalizeH="0">
+          <a:defRPr kumimoji="0" sz="1800" b="0" i="0" u="none" strike="noStrike" cap="none" spc="0" normalizeH="0" baseline="0">
             <a:ln>
               <a:noFill/>
             </a:ln>
@@ -5927,7 +6275,7 @@
           <a:buFontTx/>
           <a:buNone/>
           <a:tabLst/>
-          <a:defRPr b="0" baseline="0" cap="none" i="0" spc="0" strike="noStrike" sz="1800" u="none" kumimoji="0" normalizeH="0">
+          <a:defRPr kumimoji="0" sz="1800" b="0" i="0" u="none" strike="noStrike" cap="none" spc="0" normalizeH="0" baseline="0">
             <a:ln>
               <a:noFill/>
             </a:ln>
@@ -5953,7 +6301,7 @@
           <a:buFontTx/>
           <a:buNone/>
           <a:tabLst/>
-          <a:defRPr b="0" baseline="0" cap="none" i="0" spc="0" strike="noStrike" sz="1800" u="none" kumimoji="0" normalizeH="0">
+          <a:defRPr kumimoji="0" sz="1800" b="0" i="0" u="none" strike="noStrike" cap="none" spc="0" normalizeH="0" baseline="0">
             <a:ln>
               <a:noFill/>
             </a:ln>
@@ -5966,9 +6314,15 @@
         </a:lvl9pPr>
       </a:lstStyle>
       <a:style>
-        <a:lnRef idx="0"/>
-        <a:fillRef idx="0"/>
-        <a:effectRef idx="0"/>
+        <a:lnRef idx="0">
+          <a:scrgbClr r="0" g="0" b="0"/>
+        </a:lnRef>
+        <a:fillRef idx="0">
+          <a:scrgbClr r="0" g="0" b="0"/>
+        </a:fillRef>
+        <a:effectRef idx="0">
+          <a:scrgbClr r="0" g="0" b="0"/>
+        </a:effectRef>
         <a:fontRef idx="none"/>
       </a:style>
     </a:spDef>
@@ -5985,7 +6339,7 @@
         <a:effectLst/>
         <a:sp3d/>
       </a:spPr>
-      <a:bodyPr rot="0" spcFirstLastPara="1" vertOverflow="overflow" horzOverflow="overflow" vert="horz" wrap="square" lIns="91439" tIns="45719" rIns="91439" bIns="45719" numCol="1" spcCol="38100" rtlCol="0" anchor="t" upright="0">
+      <a:bodyPr rot="0" spcFirstLastPara="1" vertOverflow="overflow" horzOverflow="overflow" vert="horz" wrap="square" lIns="91439" tIns="45719" rIns="91439" bIns="45719" numCol="1" spcCol="38100" rtlCol="0" anchor="t">
         <a:noAutofit/>
       </a:bodyPr>
       <a:lstStyle>
@@ -6004,7 +6358,7 @@
           <a:buFontTx/>
           <a:buNone/>
           <a:tabLst/>
-          <a:defRPr b="0" baseline="0" cap="none" i="0" spc="0" strike="noStrike" sz="1800" u="none" kumimoji="0" normalizeH="0">
+          <a:defRPr kumimoji="0" sz="1800" b="0" i="0" u="none" strike="noStrike" cap="none" spc="0" normalizeH="0" baseline="0">
             <a:ln>
               <a:noFill/>
             </a:ln>
@@ -6030,7 +6384,7 @@
           <a:buFontTx/>
           <a:buNone/>
           <a:tabLst/>
-          <a:defRPr b="0" baseline="0" cap="none" i="0" spc="0" strike="noStrike" sz="1800" u="none" kumimoji="0" normalizeH="0">
+          <a:defRPr kumimoji="0" sz="1800" b="0" i="0" u="none" strike="noStrike" cap="none" spc="0" normalizeH="0" baseline="0">
             <a:ln>
               <a:noFill/>
             </a:ln>
@@ -6056,7 +6410,7 @@
           <a:buFontTx/>
           <a:buNone/>
           <a:tabLst/>
-          <a:defRPr b="0" baseline="0" cap="none" i="0" spc="0" strike="noStrike" sz="1800" u="none" kumimoji="0" normalizeH="0">
+          <a:defRPr kumimoji="0" sz="1800" b="0" i="0" u="none" strike="noStrike" cap="none" spc="0" normalizeH="0" baseline="0">
             <a:ln>
               <a:noFill/>
             </a:ln>
@@ -6082,7 +6436,7 @@
           <a:buFontTx/>
           <a:buNone/>
           <a:tabLst/>
-          <a:defRPr b="0" baseline="0" cap="none" i="0" spc="0" strike="noStrike" sz="1800" u="none" kumimoji="0" normalizeH="0">
+          <a:defRPr kumimoji="0" sz="1800" b="0" i="0" u="none" strike="noStrike" cap="none" spc="0" normalizeH="0" baseline="0">
             <a:ln>
               <a:noFill/>
             </a:ln>
@@ -6108,7 +6462,7 @@
           <a:buFontTx/>
           <a:buNone/>
           <a:tabLst/>
-          <a:defRPr b="0" baseline="0" cap="none" i="0" spc="0" strike="noStrike" sz="1800" u="none" kumimoji="0" normalizeH="0">
+          <a:defRPr kumimoji="0" sz="1800" b="0" i="0" u="none" strike="noStrike" cap="none" spc="0" normalizeH="0" baseline="0">
             <a:ln>
               <a:noFill/>
             </a:ln>
@@ -6134,7 +6488,7 @@
           <a:buFontTx/>
           <a:buNone/>
           <a:tabLst/>
-          <a:defRPr b="0" baseline="0" cap="none" i="0" spc="0" strike="noStrike" sz="1800" u="none" kumimoji="0" normalizeH="0">
+          <a:defRPr kumimoji="0" sz="1800" b="0" i="0" u="none" strike="noStrike" cap="none" spc="0" normalizeH="0" baseline="0">
             <a:ln>
               <a:noFill/>
             </a:ln>
@@ -6160,7 +6514,7 @@
           <a:buFontTx/>
           <a:buNone/>
           <a:tabLst/>
-          <a:defRPr b="0" baseline="0" cap="none" i="0" spc="0" strike="noStrike" sz="1800" u="none" kumimoji="0" normalizeH="0">
+          <a:defRPr kumimoji="0" sz="1800" b="0" i="0" u="none" strike="noStrike" cap="none" spc="0" normalizeH="0" baseline="0">
             <a:ln>
               <a:noFill/>
             </a:ln>
@@ -6186,7 +6540,7 @@
           <a:buFontTx/>
           <a:buNone/>
           <a:tabLst/>
-          <a:defRPr b="0" baseline="0" cap="none" i="0" spc="0" strike="noStrike" sz="1800" u="none" kumimoji="0" normalizeH="0">
+          <a:defRPr kumimoji="0" sz="1800" b="0" i="0" u="none" strike="noStrike" cap="none" spc="0" normalizeH="0" baseline="0">
             <a:ln>
               <a:noFill/>
             </a:ln>
@@ -6212,7 +6566,7 @@
           <a:buFontTx/>
           <a:buNone/>
           <a:tabLst/>
-          <a:defRPr b="0" baseline="0" cap="none" i="0" spc="0" strike="noStrike" sz="1800" u="none" kumimoji="0" normalizeH="0">
+          <a:defRPr kumimoji="0" sz="1800" b="0" i="0" u="none" strike="noStrike" cap="none" spc="0" normalizeH="0" baseline="0">
             <a:ln>
               <a:noFill/>
             </a:ln>
@@ -6238,7 +6592,7 @@
           <a:buFontTx/>
           <a:buNone/>
           <a:tabLst/>
-          <a:defRPr b="0" baseline="0" cap="none" i="0" spc="0" strike="noStrike" sz="1800" u="none" kumimoji="0" normalizeH="0">
+          <a:defRPr kumimoji="0" sz="1800" b="0" i="0" u="none" strike="noStrike" cap="none" spc="0" normalizeH="0" baseline="0">
             <a:ln>
               <a:noFill/>
             </a:ln>
@@ -6251,9 +6605,15 @@
         </a:lvl9pPr>
       </a:lstStyle>
       <a:style>
-        <a:lnRef idx="0"/>
-        <a:fillRef idx="0"/>
-        <a:effectRef idx="0"/>
+        <a:lnRef idx="0">
+          <a:scrgbClr r="0" g="0" b="0"/>
+        </a:lnRef>
+        <a:fillRef idx="0">
+          <a:scrgbClr r="0" g="0" b="0"/>
+        </a:fillRef>
+        <a:effectRef idx="0">
+          <a:scrgbClr r="0" g="0" b="0"/>
+        </a:effectRef>
         <a:fontRef idx="none"/>
       </a:style>
     </a:lnDef>
@@ -6267,7 +6627,7 @@
         <a:effectLst/>
         <a:sp3d/>
       </a:spPr>
-      <a:bodyPr rot="0" spcFirstLastPara="1" vertOverflow="overflow" horzOverflow="overflow" vert="horz" wrap="square" lIns="50800" tIns="50800" rIns="50800" bIns="50800" numCol="1" spcCol="38100" rtlCol="0" anchor="ctr" upright="0">
+      <a:bodyPr rot="0" spcFirstLastPara="1" vertOverflow="overflow" horzOverflow="overflow" vert="horz" wrap="square" lIns="50800" tIns="50800" rIns="50800" bIns="50800" numCol="1" spcCol="38100" rtlCol="0" anchor="ctr">
         <a:spAutoFit/>
       </a:bodyPr>
       <a:lstStyle>
@@ -6286,7 +6646,7 @@
           <a:buFontTx/>
           <a:buNone/>
           <a:tabLst/>
-          <a:defRPr b="0" baseline="0" cap="none" i="0" spc="0" strike="noStrike" sz="2400" u="none" kumimoji="0" normalizeH="0">
+          <a:defRPr kumimoji="0" sz="2400" b="0" i="0" u="none" strike="noStrike" cap="none" spc="0" normalizeH="0" baseline="0">
             <a:ln>
               <a:noFill/>
             </a:ln>
@@ -6316,7 +6676,7 @@
           <a:buFontTx/>
           <a:buNone/>
           <a:tabLst/>
-          <a:defRPr b="0" baseline="0" cap="none" i="0" spc="0" strike="noStrike" sz="1800" u="none" kumimoji="0" normalizeH="0">
+          <a:defRPr kumimoji="0" sz="1800" b="0" i="0" u="none" strike="noStrike" cap="none" spc="0" normalizeH="0" baseline="0">
             <a:ln>
               <a:noFill/>
             </a:ln>
@@ -6342,7 +6702,7 @@
           <a:buFontTx/>
           <a:buNone/>
           <a:tabLst/>
-          <a:defRPr b="0" baseline="0" cap="none" i="0" spc="0" strike="noStrike" sz="1800" u="none" kumimoji="0" normalizeH="0">
+          <a:defRPr kumimoji="0" sz="1800" b="0" i="0" u="none" strike="noStrike" cap="none" spc="0" normalizeH="0" baseline="0">
             <a:ln>
               <a:noFill/>
             </a:ln>
@@ -6368,7 +6728,7 @@
           <a:buFontTx/>
           <a:buNone/>
           <a:tabLst/>
-          <a:defRPr b="0" baseline="0" cap="none" i="0" spc="0" strike="noStrike" sz="1800" u="none" kumimoji="0" normalizeH="0">
+          <a:defRPr kumimoji="0" sz="1800" b="0" i="0" u="none" strike="noStrike" cap="none" spc="0" normalizeH="0" baseline="0">
             <a:ln>
               <a:noFill/>
             </a:ln>
@@ -6394,7 +6754,7 @@
           <a:buFontTx/>
           <a:buNone/>
           <a:tabLst/>
-          <a:defRPr b="0" baseline="0" cap="none" i="0" spc="0" strike="noStrike" sz="1800" u="none" kumimoji="0" normalizeH="0">
+          <a:defRPr kumimoji="0" sz="1800" b="0" i="0" u="none" strike="noStrike" cap="none" spc="0" normalizeH="0" baseline="0">
             <a:ln>
               <a:noFill/>
             </a:ln>
@@ -6420,7 +6780,7 @@
           <a:buFontTx/>
           <a:buNone/>
           <a:tabLst/>
-          <a:defRPr b="0" baseline="0" cap="none" i="0" spc="0" strike="noStrike" sz="1800" u="none" kumimoji="0" normalizeH="0">
+          <a:defRPr kumimoji="0" sz="1800" b="0" i="0" u="none" strike="noStrike" cap="none" spc="0" normalizeH="0" baseline="0">
             <a:ln>
               <a:noFill/>
             </a:ln>
@@ -6446,7 +6806,7 @@
           <a:buFontTx/>
           <a:buNone/>
           <a:tabLst/>
-          <a:defRPr b="0" baseline="0" cap="none" i="0" spc="0" strike="noStrike" sz="1800" u="none" kumimoji="0" normalizeH="0">
+          <a:defRPr kumimoji="0" sz="1800" b="0" i="0" u="none" strike="noStrike" cap="none" spc="0" normalizeH="0" baseline="0">
             <a:ln>
               <a:noFill/>
             </a:ln>
@@ -6472,7 +6832,7 @@
           <a:buFontTx/>
           <a:buNone/>
           <a:tabLst/>
-          <a:defRPr b="0" baseline="0" cap="none" i="0" spc="0" strike="noStrike" sz="1800" u="none" kumimoji="0" normalizeH="0">
+          <a:defRPr kumimoji="0" sz="1800" b="0" i="0" u="none" strike="noStrike" cap="none" spc="0" normalizeH="0" baseline="0">
             <a:ln>
               <a:noFill/>
             </a:ln>
@@ -6498,7 +6858,7 @@
           <a:buFontTx/>
           <a:buNone/>
           <a:tabLst/>
-          <a:defRPr b="0" baseline="0" cap="none" i="0" spc="0" strike="noStrike" sz="1800" u="none" kumimoji="0" normalizeH="0">
+          <a:defRPr kumimoji="0" sz="1800" b="0" i="0" u="none" strike="noStrike" cap="none" spc="0" normalizeH="0" baseline="0">
             <a:ln>
               <a:noFill/>
             </a:ln>
@@ -6524,7 +6884,7 @@
           <a:buFontTx/>
           <a:buNone/>
           <a:tabLst/>
-          <a:defRPr b="0" baseline="0" cap="none" i="0" spc="0" strike="noStrike" sz="1800" u="none" kumimoji="0" normalizeH="0">
+          <a:defRPr kumimoji="0" sz="1800" b="0" i="0" u="none" strike="noStrike" cap="none" spc="0" normalizeH="0" baseline="0">
             <a:ln>
               <a:noFill/>
             </a:ln>
@@ -6537,18 +6897,25 @@
         </a:lvl9pPr>
       </a:lstStyle>
       <a:style>
-        <a:lnRef idx="0"/>
-        <a:fillRef idx="0"/>
-        <a:effectRef idx="0"/>
+        <a:lnRef idx="0">
+          <a:scrgbClr r="0" g="0" b="0"/>
+        </a:lnRef>
+        <a:fillRef idx="0">
+          <a:scrgbClr r="0" g="0" b="0"/>
+        </a:fillRef>
+        <a:effectRef idx="0">
+          <a:scrgbClr r="0" g="0" b="0"/>
+        </a:effectRef>
         <a:fontRef idx="none"/>
       </a:style>
     </a:txDef>
   </a:objectDefaults>
+  <a:extraClrSchemeLst/>
 </a:theme>
 </file>
 
 <file path=ppt/theme/theme2.xml><?xml version="1.0" encoding="utf-8"?>
-<a:theme xmlns:a="http://schemas.openxmlformats.org/drawingml/2006/main" xmlns:r="http://schemas.openxmlformats.org/officeDocument/2006/relationships" name="New_Template4">
+<a:theme xmlns:a="http://schemas.openxmlformats.org/drawingml/2006/main" name="New_Template4">
   <a:themeElements>
     <a:clrScheme name="New_Template4">
       <a:dk1>
@@ -6750,7 +7117,7 @@
         <a:effectLst/>
         <a:sp3d/>
       </a:spPr>
-      <a:bodyPr rot="0" spcFirstLastPara="1" vertOverflow="overflow" horzOverflow="overflow" vert="horz" wrap="square" lIns="50800" tIns="50800" rIns="50800" bIns="50800" numCol="1" spcCol="38100" rtlCol="0" anchor="ctr" upright="0">
+      <a:bodyPr rot="0" spcFirstLastPara="1" vertOverflow="overflow" horzOverflow="overflow" vert="horz" wrap="square" lIns="50800" tIns="50800" rIns="50800" bIns="50800" numCol="1" spcCol="38100" rtlCol="0" anchor="ctr">
         <a:spAutoFit/>
       </a:bodyPr>
       <a:lstStyle>
@@ -6769,7 +7136,7 @@
           <a:buFontTx/>
           <a:buNone/>
           <a:tabLst/>
-          <a:defRPr b="0" baseline="0" cap="none" i="0" spc="0" strike="noStrike" sz="2400" u="none" kumimoji="0" normalizeH="0">
+          <a:defRPr kumimoji="0" sz="2400" b="0" i="0" u="none" strike="noStrike" cap="none" spc="0" normalizeH="0" baseline="0">
             <a:ln>
               <a:noFill/>
             </a:ln>
@@ -6799,7 +7166,7 @@
           <a:buFontTx/>
           <a:buNone/>
           <a:tabLst/>
-          <a:defRPr b="0" baseline="0" cap="none" i="0" spc="0" strike="noStrike" sz="1800" u="none" kumimoji="0" normalizeH="0">
+          <a:defRPr kumimoji="0" sz="1800" b="0" i="0" u="none" strike="noStrike" cap="none" spc="0" normalizeH="0" baseline="0">
             <a:ln>
               <a:noFill/>
             </a:ln>
@@ -6825,7 +7192,7 @@
           <a:buFontTx/>
           <a:buNone/>
           <a:tabLst/>
-          <a:defRPr b="0" baseline="0" cap="none" i="0" spc="0" strike="noStrike" sz="1800" u="none" kumimoji="0" normalizeH="0">
+          <a:defRPr kumimoji="0" sz="1800" b="0" i="0" u="none" strike="noStrike" cap="none" spc="0" normalizeH="0" baseline="0">
             <a:ln>
               <a:noFill/>
             </a:ln>
@@ -6851,7 +7218,7 @@
           <a:buFontTx/>
           <a:buNone/>
           <a:tabLst/>
-          <a:defRPr b="0" baseline="0" cap="none" i="0" spc="0" strike="noStrike" sz="1800" u="none" kumimoji="0" normalizeH="0">
+          <a:defRPr kumimoji="0" sz="1800" b="0" i="0" u="none" strike="noStrike" cap="none" spc="0" normalizeH="0" baseline="0">
             <a:ln>
               <a:noFill/>
             </a:ln>
@@ -6877,7 +7244,7 @@
           <a:buFontTx/>
           <a:buNone/>
           <a:tabLst/>
-          <a:defRPr b="0" baseline="0" cap="none" i="0" spc="0" strike="noStrike" sz="1800" u="none" kumimoji="0" normalizeH="0">
+          <a:defRPr kumimoji="0" sz="1800" b="0" i="0" u="none" strike="noStrike" cap="none" spc="0" normalizeH="0" baseline="0">
             <a:ln>
               <a:noFill/>
             </a:ln>
@@ -6903,7 +7270,7 @@
           <a:buFontTx/>
           <a:buNone/>
           <a:tabLst/>
-          <a:defRPr b="0" baseline="0" cap="none" i="0" spc="0" strike="noStrike" sz="1800" u="none" kumimoji="0" normalizeH="0">
+          <a:defRPr kumimoji="0" sz="1800" b="0" i="0" u="none" strike="noStrike" cap="none" spc="0" normalizeH="0" baseline="0">
             <a:ln>
               <a:noFill/>
             </a:ln>
@@ -6929,7 +7296,7 @@
           <a:buFontTx/>
           <a:buNone/>
           <a:tabLst/>
-          <a:defRPr b="0" baseline="0" cap="none" i="0" spc="0" strike="noStrike" sz="1800" u="none" kumimoji="0" normalizeH="0">
+          <a:defRPr kumimoji="0" sz="1800" b="0" i="0" u="none" strike="noStrike" cap="none" spc="0" normalizeH="0" baseline="0">
             <a:ln>
               <a:noFill/>
             </a:ln>
@@ -6955,7 +7322,7 @@
           <a:buFontTx/>
           <a:buNone/>
           <a:tabLst/>
-          <a:defRPr b="0" baseline="0" cap="none" i="0" spc="0" strike="noStrike" sz="1800" u="none" kumimoji="0" normalizeH="0">
+          <a:defRPr kumimoji="0" sz="1800" b="0" i="0" u="none" strike="noStrike" cap="none" spc="0" normalizeH="0" baseline="0">
             <a:ln>
               <a:noFill/>
             </a:ln>
@@ -6981,7 +7348,7 @@
           <a:buFontTx/>
           <a:buNone/>
           <a:tabLst/>
-          <a:defRPr b="0" baseline="0" cap="none" i="0" spc="0" strike="noStrike" sz="1800" u="none" kumimoji="0" normalizeH="0">
+          <a:defRPr kumimoji="0" sz="1800" b="0" i="0" u="none" strike="noStrike" cap="none" spc="0" normalizeH="0" baseline="0">
             <a:ln>
               <a:noFill/>
             </a:ln>
@@ -7007,7 +7374,7 @@
           <a:buFontTx/>
           <a:buNone/>
           <a:tabLst/>
-          <a:defRPr b="0" baseline="0" cap="none" i="0" spc="0" strike="noStrike" sz="1800" u="none" kumimoji="0" normalizeH="0">
+          <a:defRPr kumimoji="0" sz="1800" b="0" i="0" u="none" strike="noStrike" cap="none" spc="0" normalizeH="0" baseline="0">
             <a:ln>
               <a:noFill/>
             </a:ln>
@@ -7020,9 +7387,15 @@
         </a:lvl9pPr>
       </a:lstStyle>
       <a:style>
-        <a:lnRef idx="0"/>
-        <a:fillRef idx="0"/>
-        <a:effectRef idx="0"/>
+        <a:lnRef idx="0">
+          <a:scrgbClr r="0" g="0" b="0"/>
+        </a:lnRef>
+        <a:fillRef idx="0">
+          <a:scrgbClr r="0" g="0" b="0"/>
+        </a:fillRef>
+        <a:effectRef idx="0">
+          <a:scrgbClr r="0" g="0" b="0"/>
+        </a:effectRef>
         <a:fontRef idx="none"/>
       </a:style>
     </a:spDef>
@@ -7039,7 +7412,7 @@
         <a:effectLst/>
         <a:sp3d/>
       </a:spPr>
-      <a:bodyPr rot="0" spcFirstLastPara="1" vertOverflow="overflow" horzOverflow="overflow" vert="horz" wrap="square" lIns="91439" tIns="45719" rIns="91439" bIns="45719" numCol="1" spcCol="38100" rtlCol="0" anchor="t" upright="0">
+      <a:bodyPr rot="0" spcFirstLastPara="1" vertOverflow="overflow" horzOverflow="overflow" vert="horz" wrap="square" lIns="91439" tIns="45719" rIns="91439" bIns="45719" numCol="1" spcCol="38100" rtlCol="0" anchor="t">
         <a:noAutofit/>
       </a:bodyPr>
       <a:lstStyle>
@@ -7058,7 +7431,7 @@
           <a:buFontTx/>
           <a:buNone/>
           <a:tabLst/>
-          <a:defRPr b="0" baseline="0" cap="none" i="0" spc="0" strike="noStrike" sz="1800" u="none" kumimoji="0" normalizeH="0">
+          <a:defRPr kumimoji="0" sz="1800" b="0" i="0" u="none" strike="noStrike" cap="none" spc="0" normalizeH="0" baseline="0">
             <a:ln>
               <a:noFill/>
             </a:ln>
@@ -7084,7 +7457,7 @@
           <a:buFontTx/>
           <a:buNone/>
           <a:tabLst/>
-          <a:defRPr b="0" baseline="0" cap="none" i="0" spc="0" strike="noStrike" sz="1800" u="none" kumimoji="0" normalizeH="0">
+          <a:defRPr kumimoji="0" sz="1800" b="0" i="0" u="none" strike="noStrike" cap="none" spc="0" normalizeH="0" baseline="0">
             <a:ln>
               <a:noFill/>
             </a:ln>
@@ -7110,7 +7483,7 @@
           <a:buFontTx/>
           <a:buNone/>
           <a:tabLst/>
-          <a:defRPr b="0" baseline="0" cap="none" i="0" spc="0" strike="noStrike" sz="1800" u="none" kumimoji="0" normalizeH="0">
+          <a:defRPr kumimoji="0" sz="1800" b="0" i="0" u="none" strike="noStrike" cap="none" spc="0" normalizeH="0" baseline="0">
             <a:ln>
               <a:noFill/>
             </a:ln>
@@ -7136,7 +7509,7 @@
           <a:buFontTx/>
           <a:buNone/>
           <a:tabLst/>
-          <a:defRPr b="0" baseline="0" cap="none" i="0" spc="0" strike="noStrike" sz="1800" u="none" kumimoji="0" normalizeH="0">
+          <a:defRPr kumimoji="0" sz="1800" b="0" i="0" u="none" strike="noStrike" cap="none" spc="0" normalizeH="0" baseline="0">
             <a:ln>
               <a:noFill/>
             </a:ln>
@@ -7162,7 +7535,7 @@
           <a:buFontTx/>
           <a:buNone/>
           <a:tabLst/>
-          <a:defRPr b="0" baseline="0" cap="none" i="0" spc="0" strike="noStrike" sz="1800" u="none" kumimoji="0" normalizeH="0">
+          <a:defRPr kumimoji="0" sz="1800" b="0" i="0" u="none" strike="noStrike" cap="none" spc="0" normalizeH="0" baseline="0">
             <a:ln>
               <a:noFill/>
             </a:ln>
@@ -7188,7 +7561,7 @@
           <a:buFontTx/>
           <a:buNone/>
           <a:tabLst/>
-          <a:defRPr b="0" baseline="0" cap="none" i="0" spc="0" strike="noStrike" sz="1800" u="none" kumimoji="0" normalizeH="0">
+          <a:defRPr kumimoji="0" sz="1800" b="0" i="0" u="none" strike="noStrike" cap="none" spc="0" normalizeH="0" baseline="0">
             <a:ln>
               <a:noFill/>
             </a:ln>
@@ -7214,7 +7587,7 @@
           <a:buFontTx/>
           <a:buNone/>
           <a:tabLst/>
-          <a:defRPr b="0" baseline="0" cap="none" i="0" spc="0" strike="noStrike" sz="1800" u="none" kumimoji="0" normalizeH="0">
+          <a:defRPr kumimoji="0" sz="1800" b="0" i="0" u="none" strike="noStrike" cap="none" spc="0" normalizeH="0" baseline="0">
             <a:ln>
               <a:noFill/>
             </a:ln>
@@ -7240,7 +7613,7 @@
           <a:buFontTx/>
           <a:buNone/>
           <a:tabLst/>
-          <a:defRPr b="0" baseline="0" cap="none" i="0" spc="0" strike="noStrike" sz="1800" u="none" kumimoji="0" normalizeH="0">
+          <a:defRPr kumimoji="0" sz="1800" b="0" i="0" u="none" strike="noStrike" cap="none" spc="0" normalizeH="0" baseline="0">
             <a:ln>
               <a:noFill/>
             </a:ln>
@@ -7266,7 +7639,7 @@
           <a:buFontTx/>
           <a:buNone/>
           <a:tabLst/>
-          <a:defRPr b="0" baseline="0" cap="none" i="0" spc="0" strike="noStrike" sz="1800" u="none" kumimoji="0" normalizeH="0">
+          <a:defRPr kumimoji="0" sz="1800" b="0" i="0" u="none" strike="noStrike" cap="none" spc="0" normalizeH="0" baseline="0">
             <a:ln>
               <a:noFill/>
             </a:ln>
@@ -7292,7 +7665,7 @@
           <a:buFontTx/>
           <a:buNone/>
           <a:tabLst/>
-          <a:defRPr b="0" baseline="0" cap="none" i="0" spc="0" strike="noStrike" sz="1800" u="none" kumimoji="0" normalizeH="0">
+          <a:defRPr kumimoji="0" sz="1800" b="0" i="0" u="none" strike="noStrike" cap="none" spc="0" normalizeH="0" baseline="0">
             <a:ln>
               <a:noFill/>
             </a:ln>
@@ -7305,9 +7678,15 @@
         </a:lvl9pPr>
       </a:lstStyle>
       <a:style>
-        <a:lnRef idx="0"/>
-        <a:fillRef idx="0"/>
-        <a:effectRef idx="0"/>
+        <a:lnRef idx="0">
+          <a:scrgbClr r="0" g="0" b="0"/>
+        </a:lnRef>
+        <a:fillRef idx="0">
+          <a:scrgbClr r="0" g="0" b="0"/>
+        </a:fillRef>
+        <a:effectRef idx="0">
+          <a:scrgbClr r="0" g="0" b="0"/>
+        </a:effectRef>
         <a:fontRef idx="none"/>
       </a:style>
     </a:lnDef>
@@ -7321,7 +7700,7 @@
         <a:effectLst/>
         <a:sp3d/>
       </a:spPr>
-      <a:bodyPr rot="0" spcFirstLastPara="1" vertOverflow="overflow" horzOverflow="overflow" vert="horz" wrap="square" lIns="50800" tIns="50800" rIns="50800" bIns="50800" numCol="1" spcCol="38100" rtlCol="0" anchor="ctr" upright="0">
+      <a:bodyPr rot="0" spcFirstLastPara="1" vertOverflow="overflow" horzOverflow="overflow" vert="horz" wrap="square" lIns="50800" tIns="50800" rIns="50800" bIns="50800" numCol="1" spcCol="38100" rtlCol="0" anchor="ctr">
         <a:spAutoFit/>
       </a:bodyPr>
       <a:lstStyle>
@@ -7340,7 +7719,7 @@
           <a:buFontTx/>
           <a:buNone/>
           <a:tabLst/>
-          <a:defRPr b="0" baseline="0" cap="none" i="0" spc="0" strike="noStrike" sz="2400" u="none" kumimoji="0" normalizeH="0">
+          <a:defRPr kumimoji="0" sz="2400" b="0" i="0" u="none" strike="noStrike" cap="none" spc="0" normalizeH="0" baseline="0">
             <a:ln>
               <a:noFill/>
             </a:ln>
@@ -7370,7 +7749,7 @@
           <a:buFontTx/>
           <a:buNone/>
           <a:tabLst/>
-          <a:defRPr b="0" baseline="0" cap="none" i="0" spc="0" strike="noStrike" sz="1800" u="none" kumimoji="0" normalizeH="0">
+          <a:defRPr kumimoji="0" sz="1800" b="0" i="0" u="none" strike="noStrike" cap="none" spc="0" normalizeH="0" baseline="0">
             <a:ln>
               <a:noFill/>
             </a:ln>
@@ -7396,7 +7775,7 @@
           <a:buFontTx/>
           <a:buNone/>
           <a:tabLst/>
-          <a:defRPr b="0" baseline="0" cap="none" i="0" spc="0" strike="noStrike" sz="1800" u="none" kumimoji="0" normalizeH="0">
+          <a:defRPr kumimoji="0" sz="1800" b="0" i="0" u="none" strike="noStrike" cap="none" spc="0" normalizeH="0" baseline="0">
             <a:ln>
               <a:noFill/>
             </a:ln>
@@ -7422,7 +7801,7 @@
           <a:buFontTx/>
           <a:buNone/>
           <a:tabLst/>
-          <a:defRPr b="0" baseline="0" cap="none" i="0" spc="0" strike="noStrike" sz="1800" u="none" kumimoji="0" normalizeH="0">
+          <a:defRPr kumimoji="0" sz="1800" b="0" i="0" u="none" strike="noStrike" cap="none" spc="0" normalizeH="0" baseline="0">
             <a:ln>
               <a:noFill/>
             </a:ln>
@@ -7448,7 +7827,7 @@
           <a:buFontTx/>
           <a:buNone/>
           <a:tabLst/>
-          <a:defRPr b="0" baseline="0" cap="none" i="0" spc="0" strike="noStrike" sz="1800" u="none" kumimoji="0" normalizeH="0">
+          <a:defRPr kumimoji="0" sz="1800" b="0" i="0" u="none" strike="noStrike" cap="none" spc="0" normalizeH="0" baseline="0">
             <a:ln>
               <a:noFill/>
             </a:ln>
@@ -7474,7 +7853,7 @@
           <a:buFontTx/>
           <a:buNone/>
           <a:tabLst/>
-          <a:defRPr b="0" baseline="0" cap="none" i="0" spc="0" strike="noStrike" sz="1800" u="none" kumimoji="0" normalizeH="0">
+          <a:defRPr kumimoji="0" sz="1800" b="0" i="0" u="none" strike="noStrike" cap="none" spc="0" normalizeH="0" baseline="0">
             <a:ln>
               <a:noFill/>
             </a:ln>
@@ -7500,7 +7879,7 @@
           <a:buFontTx/>
           <a:buNone/>
           <a:tabLst/>
-          <a:defRPr b="0" baseline="0" cap="none" i="0" spc="0" strike="noStrike" sz="1800" u="none" kumimoji="0" normalizeH="0">
+          <a:defRPr kumimoji="0" sz="1800" b="0" i="0" u="none" strike="noStrike" cap="none" spc="0" normalizeH="0" baseline="0">
             <a:ln>
               <a:noFill/>
             </a:ln>
@@ -7526,7 +7905,7 @@
           <a:buFontTx/>
           <a:buNone/>
           <a:tabLst/>
-          <a:defRPr b="0" baseline="0" cap="none" i="0" spc="0" strike="noStrike" sz="1800" u="none" kumimoji="0" normalizeH="0">
+          <a:defRPr kumimoji="0" sz="1800" b="0" i="0" u="none" strike="noStrike" cap="none" spc="0" normalizeH="0" baseline="0">
             <a:ln>
               <a:noFill/>
             </a:ln>
@@ -7552,7 +7931,7 @@
           <a:buFontTx/>
           <a:buNone/>
           <a:tabLst/>
-          <a:defRPr b="0" baseline="0" cap="none" i="0" spc="0" strike="noStrike" sz="1800" u="none" kumimoji="0" normalizeH="0">
+          <a:defRPr kumimoji="0" sz="1800" b="0" i="0" u="none" strike="noStrike" cap="none" spc="0" normalizeH="0" baseline="0">
             <a:ln>
               <a:noFill/>
             </a:ln>
@@ -7578,7 +7957,7 @@
           <a:buFontTx/>
           <a:buNone/>
           <a:tabLst/>
-          <a:defRPr b="0" baseline="0" cap="none" i="0" spc="0" strike="noStrike" sz="1800" u="none" kumimoji="0" normalizeH="0">
+          <a:defRPr kumimoji="0" sz="1800" b="0" i="0" u="none" strike="noStrike" cap="none" spc="0" normalizeH="0" baseline="0">
             <a:ln>
               <a:noFill/>
             </a:ln>
@@ -7591,12 +7970,19 @@
         </a:lvl9pPr>
       </a:lstStyle>
       <a:style>
-        <a:lnRef idx="0"/>
-        <a:fillRef idx="0"/>
-        <a:effectRef idx="0"/>
+        <a:lnRef idx="0">
+          <a:scrgbClr r="0" g="0" b="0"/>
+        </a:lnRef>
+        <a:fillRef idx="0">
+          <a:scrgbClr r="0" g="0" b="0"/>
+        </a:fillRef>
+        <a:effectRef idx="0">
+          <a:scrgbClr r="0" g="0" b="0"/>
+        </a:effectRef>
         <a:fontRef idx="none"/>
       </a:style>
     </a:txDef>
   </a:objectDefaults>
+  <a:extraClrSchemeLst/>
 </a:theme>
 </file>
--- a/doc/Presentations/Budget_Text_ProjectPresentation.pptx
+++ b/doc/Presentations/Budget_Text_ProjectPresentation.pptx
@@ -1,28 +1,26 @@
 
 <file path=ppt/presentation.xml><?xml version="1.0" encoding="utf-8"?>
-<p:presentation xmlns:a="http://schemas.openxmlformats.org/drawingml/2006/main" xmlns:r="http://schemas.openxmlformats.org/officeDocument/2006/relationships" xmlns:p="http://schemas.openxmlformats.org/presentationml/2006/main">
+<p:presentation xmlns:a="http://schemas.openxmlformats.org/drawingml/2006/main" xmlns:r="http://schemas.openxmlformats.org/officeDocument/2006/relationships" xmlns:p="http://schemas.openxmlformats.org/presentationml/2006/main" xmlns:m="http://schemas.openxmlformats.org/officeDocument/2006/math" xmlns:a14="http://schemas.microsoft.com/office/drawing/2010/main">
   <p:sldMasterIdLst>
-    <p:sldMasterId id="2147483648" r:id="rId1"/>
+    <p:sldMasterId id="2147483648" r:id="rId5"/>
   </p:sldMasterIdLst>
   <p:notesMasterIdLst>
-    <p:notesMasterId r:id="rId17"/>
+    <p:notesMasterId r:id="rId7"/>
   </p:notesMasterIdLst>
   <p:sldIdLst>
-    <p:sldId id="256" r:id="rId2"/>
-    <p:sldId id="257" r:id="rId3"/>
-    <p:sldId id="258" r:id="rId4"/>
-    <p:sldId id="259" r:id="rId5"/>
-    <p:sldId id="260" r:id="rId6"/>
-    <p:sldId id="261" r:id="rId7"/>
-    <p:sldId id="262" r:id="rId8"/>
-    <p:sldId id="263" r:id="rId9"/>
-    <p:sldId id="264" r:id="rId10"/>
-    <p:sldId id="265" r:id="rId11"/>
-    <p:sldId id="266" r:id="rId12"/>
-    <p:sldId id="269" r:id="rId13"/>
-    <p:sldId id="270" r:id="rId14"/>
-    <p:sldId id="267" r:id="rId15"/>
-    <p:sldId id="268" r:id="rId16"/>
+    <p:sldId id="256" r:id="rId8"/>
+    <p:sldId id="257" r:id="rId9"/>
+    <p:sldId id="258" r:id="rId10"/>
+    <p:sldId id="259" r:id="rId11"/>
+    <p:sldId id="260" r:id="rId12"/>
+    <p:sldId id="261" r:id="rId13"/>
+    <p:sldId id="262" r:id="rId14"/>
+    <p:sldId id="263" r:id="rId15"/>
+    <p:sldId id="264" r:id="rId16"/>
+    <p:sldId id="265" r:id="rId17"/>
+    <p:sldId id="266" r:id="rId18"/>
+    <p:sldId id="267" r:id="rId19"/>
+    <p:sldId id="268" r:id="rId20"/>
   </p:sldIdLst>
   <p:sldSz cx="13004800" cy="9753600"/>
   <p:notesSz cx="6858000" cy="9144000"/>
@@ -42,7 +40,7 @@
       <a:buFontTx/>
       <a:buNone/>
       <a:tabLst/>
-      <a:defRPr kumimoji="0" sz="1800" b="0" i="0" u="none" strike="noStrike" cap="none" spc="0" normalizeH="0" baseline="0">
+      <a:defRPr b="0" baseline="0" cap="none" i="0" spc="0" strike="noStrike" sz="1800" u="none" kumimoji="0" normalizeH="0">
         <a:ln>
           <a:noFill/>
         </a:ln>
@@ -68,7 +66,7 @@
       <a:buFontTx/>
       <a:buNone/>
       <a:tabLst/>
-      <a:defRPr kumimoji="0" sz="2400" b="0" i="0" u="none" strike="noStrike" cap="none" spc="0" normalizeH="0" baseline="0">
+      <a:defRPr b="0" baseline="0" cap="none" i="0" spc="0" strike="noStrike" sz="2400" u="none" kumimoji="0" normalizeH="0">
         <a:ln>
           <a:noFill/>
         </a:ln>
@@ -98,7 +96,7 @@
       <a:buFontTx/>
       <a:buNone/>
       <a:tabLst/>
-      <a:defRPr kumimoji="0" sz="2400" b="0" i="0" u="none" strike="noStrike" cap="none" spc="0" normalizeH="0" baseline="0">
+      <a:defRPr b="0" baseline="0" cap="none" i="0" spc="0" strike="noStrike" sz="2400" u="none" kumimoji="0" normalizeH="0">
         <a:ln>
           <a:noFill/>
         </a:ln>
@@ -128,7 +126,7 @@
       <a:buFontTx/>
       <a:buNone/>
       <a:tabLst/>
-      <a:defRPr kumimoji="0" sz="2400" b="0" i="0" u="none" strike="noStrike" cap="none" spc="0" normalizeH="0" baseline="0">
+      <a:defRPr b="0" baseline="0" cap="none" i="0" spc="0" strike="noStrike" sz="2400" u="none" kumimoji="0" normalizeH="0">
         <a:ln>
           <a:noFill/>
         </a:ln>
@@ -158,7 +156,7 @@
       <a:buFontTx/>
       <a:buNone/>
       <a:tabLst/>
-      <a:defRPr kumimoji="0" sz="2400" b="0" i="0" u="none" strike="noStrike" cap="none" spc="0" normalizeH="0" baseline="0">
+      <a:defRPr b="0" baseline="0" cap="none" i="0" spc="0" strike="noStrike" sz="2400" u="none" kumimoji="0" normalizeH="0">
         <a:ln>
           <a:noFill/>
         </a:ln>
@@ -188,7 +186,7 @@
       <a:buFontTx/>
       <a:buNone/>
       <a:tabLst/>
-      <a:defRPr kumimoji="0" sz="2400" b="0" i="0" u="none" strike="noStrike" cap="none" spc="0" normalizeH="0" baseline="0">
+      <a:defRPr b="0" baseline="0" cap="none" i="0" spc="0" strike="noStrike" sz="2400" u="none" kumimoji="0" normalizeH="0">
         <a:ln>
           <a:noFill/>
         </a:ln>
@@ -218,7 +216,7 @@
       <a:buFontTx/>
       <a:buNone/>
       <a:tabLst/>
-      <a:defRPr kumimoji="0" sz="2400" b="0" i="0" u="none" strike="noStrike" cap="none" spc="0" normalizeH="0" baseline="0">
+      <a:defRPr b="0" baseline="0" cap="none" i="0" spc="0" strike="noStrike" sz="2400" u="none" kumimoji="0" normalizeH="0">
         <a:ln>
           <a:noFill/>
         </a:ln>
@@ -248,7 +246,7 @@
       <a:buFontTx/>
       <a:buNone/>
       <a:tabLst/>
-      <a:defRPr kumimoji="0" sz="2400" b="0" i="0" u="none" strike="noStrike" cap="none" spc="0" normalizeH="0" baseline="0">
+      <a:defRPr b="0" baseline="0" cap="none" i="0" spc="0" strike="noStrike" sz="2400" u="none" kumimoji="0" normalizeH="0">
         <a:ln>
           <a:noFill/>
         </a:ln>
@@ -278,7 +276,7 @@
       <a:buFontTx/>
       <a:buNone/>
       <a:tabLst/>
-      <a:defRPr kumimoji="0" sz="2400" b="0" i="0" u="none" strike="noStrike" cap="none" spc="0" normalizeH="0" baseline="0">
+      <a:defRPr b="0" baseline="0" cap="none" i="0" spc="0" strike="noStrike" sz="2400" u="none" kumimoji="0" normalizeH="0">
         <a:ln>
           <a:noFill/>
         </a:ln>
@@ -308,7 +306,7 @@
       <a:buFontTx/>
       <a:buNone/>
       <a:tabLst/>
-      <a:defRPr kumimoji="0" sz="2400" b="0" i="0" u="none" strike="noStrike" cap="none" spc="0" normalizeH="0" baseline="0">
+      <a:defRPr b="0" baseline="0" cap="none" i="0" spc="0" strike="noStrike" sz="2400" u="none" kumimoji="0" normalizeH="0">
         <a:ln>
           <a:noFill/>
         </a:ln>
@@ -327,14 +325,13 @@
 </p:presentation>
 </file>
 
+<file path=ppt/commentAuthors.xml><?xml version="1.0" encoding="utf-8"?>
+<p:cmAuthorLst xmlns:a="http://schemas.openxmlformats.org/drawingml/2006/main" xmlns:r="http://schemas.openxmlformats.org/officeDocument/2006/relationships" xmlns:p="http://schemas.openxmlformats.org/presentationml/2006/main" xmlns:m="http://schemas.openxmlformats.org/officeDocument/2006/math" xmlns:a14="http://schemas.microsoft.com/office/drawing/2010/main"/>
+</file>
+
 <file path=ppt/notesMasters/notesMaster1.xml><?xml version="1.0" encoding="utf-8"?>
-<p:notesMaster xmlns:a="http://schemas.openxmlformats.org/drawingml/2006/main" xmlns:r="http://schemas.openxmlformats.org/officeDocument/2006/relationships" xmlns:p="http://schemas.openxmlformats.org/presentationml/2006/main">
+<p:notesMaster xmlns:a="http://schemas.openxmlformats.org/drawingml/2006/main" xmlns:r="http://schemas.openxmlformats.org/officeDocument/2006/relationships" xmlns:p="http://schemas.openxmlformats.org/presentationml/2006/main" xmlns:m="http://schemas.openxmlformats.org/officeDocument/2006/math" xmlns:a14="http://schemas.microsoft.com/office/drawing/2010/main">
   <p:cSld>
-    <p:bg>
-      <p:bgRef idx="1001">
-        <a:schemeClr val="bg1"/>
-      </p:bgRef>
-    </p:bg>
     <p:spTree>
       <p:nvGrpSpPr>
         <p:cNvPr id="1" name=""/>
@@ -352,9 +349,7 @@
       <p:sp>
         <p:nvSpPr>
           <p:cNvPr id="116" name="Shape 116"/>
-          <p:cNvSpPr>
-            <a:spLocks noGrp="1" noRot="1" noChangeAspect="1"/>
-          </p:cNvSpPr>
+          <p:cNvSpPr/>
           <p:nvPr>
             <p:ph type="sldImg"/>
           </p:nvPr>
@@ -372,16 +367,14 @@
           <a:bodyPr/>
           <a:lstStyle/>
           <a:p>
-            <a:endParaRPr/>
+            <a:pPr/>
           </a:p>
         </p:txBody>
       </p:sp>
       <p:sp>
         <p:nvSpPr>
           <p:cNvPr id="117" name="Shape 117"/>
-          <p:cNvSpPr>
-            <a:spLocks noGrp="1"/>
-          </p:cNvSpPr>
+          <p:cNvSpPr/>
           <p:nvPr>
             <p:ph type="body" sz="quarter" idx="1"/>
           </p:nvPr>
@@ -399,7 +392,7 @@
           <a:bodyPr/>
           <a:lstStyle/>
           <a:p>
-            <a:endParaRPr/>
+            <a:pPr/>
           </a:p>
         </p:txBody>
       </p:sp>
@@ -511,7 +504,7 @@
 </file>
 
 <file path=ppt/slideLayouts/slideLayout1.xml><?xml version="1.0" encoding="utf-8"?>
-<p:sldLayout xmlns:a="http://schemas.openxmlformats.org/drawingml/2006/main" xmlns:r="http://schemas.openxmlformats.org/officeDocument/2006/relationships" xmlns:p="http://schemas.openxmlformats.org/presentationml/2006/main" showMasterSp="0" type="tx">
+<p:sldLayout xmlns:a="http://schemas.openxmlformats.org/drawingml/2006/main" xmlns:r="http://schemas.openxmlformats.org/officeDocument/2006/relationships" xmlns:p="http://schemas.openxmlformats.org/presentationml/2006/main" xmlns:m="http://schemas.openxmlformats.org/officeDocument/2006/math" xmlns:a14="http://schemas.microsoft.com/office/drawing/2010/main" type="tx" showMasterSp="0" showMasterPhAnim="1">
   <p:cSld name="Title &amp; Subtitle">
     <p:spTree>
       <p:nvGrpSpPr>
@@ -554,7 +547,7 @@
           <a:bodyPr lIns="45718" tIns="45718" rIns="45718" bIns="45718"/>
           <a:lstStyle/>
           <a:p>
-            <a:endParaRPr/>
+            <a:pPr/>
           </a:p>
         </p:txBody>
       </p:sp>
@@ -585,7 +578,7 @@
           <a:bodyPr lIns="45718" tIns="45718" rIns="45718" bIns="45718"/>
           <a:lstStyle/>
           <a:p>
-            <a:endParaRPr/>
+            <a:pPr/>
           </a:p>
         </p:txBody>
       </p:sp>
@@ -616,16 +609,14 @@
           <a:bodyPr lIns="45718" tIns="45718" rIns="45718" bIns="45718"/>
           <a:lstStyle/>
           <a:p>
-            <a:endParaRPr/>
+            <a:pPr/>
           </a:p>
         </p:txBody>
       </p:sp>
       <p:sp>
         <p:nvSpPr>
           <p:cNvPr id="16" name="Body Level One…"/>
-          <p:cNvSpPr txBox="1">
-            <a:spLocks noGrp="1"/>
-          </p:cNvSpPr>
+          <p:cNvSpPr txBox="1"/>
           <p:nvPr>
             <p:ph type="body" sz="quarter" idx="1"/>
           </p:nvPr>
@@ -653,7 +644,7 @@
               <a:buSzTx/>
               <a:buFontTx/>
               <a:buNone/>
-              <a:defRPr sz="2400" b="0" i="1">
+              <a:defRPr b="0" i="1" sz="2400">
                 <a:solidFill>
                   <a:srgbClr val="414141"/>
                 </a:solidFill>
@@ -668,7 +659,7 @@
               </a:spcBef>
               <a:buClrTx/>
               <a:buFontTx/>
-              <a:defRPr sz="2400" b="0" i="1">
+              <a:defRPr b="0" i="1" sz="2400">
                 <a:solidFill>
                   <a:srgbClr val="414141"/>
                 </a:solidFill>
@@ -683,7 +674,7 @@
               </a:spcBef>
               <a:buClrTx/>
               <a:buFontTx/>
-              <a:defRPr sz="2400" b="0" i="1">
+              <a:defRPr b="0" i="1" sz="2400">
                 <a:solidFill>
                   <a:srgbClr val="414141"/>
                 </a:solidFill>
@@ -698,7 +689,7 @@
               </a:spcBef>
               <a:buClrTx/>
               <a:buFontTx/>
-              <a:defRPr sz="2400" b="0" i="1">
+              <a:defRPr b="0" i="1" sz="2400">
                 <a:solidFill>
                   <a:srgbClr val="414141"/>
                 </a:solidFill>
@@ -713,7 +704,7 @@
               </a:spcBef>
               <a:buClrTx/>
               <a:buFontTx/>
-              <a:defRPr sz="2400" b="0" i="1">
+              <a:defRPr b="0" i="1" sz="2400">
                 <a:solidFill>
                   <a:srgbClr val="414141"/>
                 </a:solidFill>
@@ -721,6 +712,7 @@
             </a:lvl5pPr>
           </a:lstStyle>
           <a:p>
+            <a:pPr/>
             <a:r>
               <a:t>Body Level One</a:t>
             </a:r>
@@ -754,9 +746,7 @@
       <p:sp>
         <p:nvSpPr>
           <p:cNvPr id="17" name="Title Text"/>
-          <p:cNvSpPr txBox="1">
-            <a:spLocks noGrp="1"/>
-          </p:cNvSpPr>
+          <p:cNvSpPr txBox="1"/>
           <p:nvPr>
             <p:ph type="title"/>
           </p:nvPr>
@@ -782,6 +772,7 @@
             </a:lvl1pPr>
           </a:lstStyle>
           <a:p>
+            <a:pPr/>
             <a:r>
               <a:t>Title Text</a:t>
             </a:r>
@@ -791,9 +782,7 @@
       <p:sp>
         <p:nvSpPr>
           <p:cNvPr id="18" name="Body Level One…"/>
-          <p:cNvSpPr txBox="1">
-            <a:spLocks noGrp="1"/>
-          </p:cNvSpPr>
+          <p:cNvSpPr txBox="1"/>
           <p:nvPr>
             <p:ph type="body" sz="quarter" idx="13"/>
           </p:nvPr>
@@ -811,16 +800,14 @@
           <a:bodyPr/>
           <a:lstStyle/>
           <a:p>
-            <a:endParaRPr/>
+            <a:pPr/>
           </a:p>
         </p:txBody>
       </p:sp>
       <p:sp>
         <p:nvSpPr>
           <p:cNvPr id="19" name="Slide Number"/>
-          <p:cNvSpPr txBox="1">
-            <a:spLocks noGrp="1"/>
-          </p:cNvSpPr>
+          <p:cNvSpPr txBox="1"/>
           <p:nvPr>
             <p:ph type="sldNum" sz="quarter" idx="2"/>
           </p:nvPr>
@@ -834,10 +821,8 @@
           <a:bodyPr/>
           <a:lstStyle/>
           <a:p>
-            <a:fld id="{86CB4B4D-7CA3-9044-876B-883B54F8677D}" type="slidenum">
-              <a:t>‹#›</a:t>
-            </a:fld>
-            <a:endParaRPr/>
+            <a:pPr/>
+            <a:fld id="{86CB4B4D-7CA3-9044-876B-883B54F8677D}" type="slidenum"/>
           </a:p>
         </p:txBody>
       </p:sp>
@@ -846,12 +831,87 @@
   <p:clrMapOvr>
     <a:masterClrMapping/>
   </p:clrMapOvr>
-  <p:transition spd="med"/>
+  <p:transition xmlns:p14="http://schemas.microsoft.com/office/powerpoint/2010/main" spd="med" advClick="1"/>
 </p:sldLayout>
 </file>
 
 <file path=ppt/slideLayouts/slideLayout10.xml><?xml version="1.0" encoding="utf-8"?>
-<p:sldLayout xmlns:a="http://schemas.openxmlformats.org/drawingml/2006/main" xmlns:r="http://schemas.openxmlformats.org/officeDocument/2006/relationships" xmlns:p="http://schemas.openxmlformats.org/presentationml/2006/main" showMasterSp="0" type="tx">
+<p:sldLayout xmlns:a="http://schemas.openxmlformats.org/drawingml/2006/main" xmlns:r="http://schemas.openxmlformats.org/officeDocument/2006/relationships" xmlns:p="http://schemas.openxmlformats.org/presentationml/2006/main" xmlns:m="http://schemas.openxmlformats.org/officeDocument/2006/math" xmlns:a14="http://schemas.microsoft.com/office/drawing/2010/main" type="tx" showMasterSp="0" showMasterPhAnim="1">
+  <p:cSld name="Photo">
+    <p:spTree>
+      <p:nvGrpSpPr>
+        <p:cNvPr id="1" name=""/>
+        <p:cNvGrpSpPr/>
+        <p:nvPr/>
+      </p:nvGrpSpPr>
+      <p:grpSpPr>
+        <a:xfrm>
+          <a:off x="0" y="0"/>
+          <a:ext cx="0" cy="0"/>
+          <a:chOff x="0" y="0"/>
+          <a:chExt cx="0" cy="0"/>
+        </a:xfrm>
+      </p:grpSpPr>
+      <p:sp>
+        <p:nvSpPr>
+          <p:cNvPr id="102" name="Image"/>
+          <p:cNvSpPr/>
+          <p:nvPr>
+            <p:ph type="pic" idx="13"/>
+          </p:nvPr>
+        </p:nvSpPr>
+        <p:spPr>
+          <a:xfrm>
+            <a:off x="0" y="0"/>
+            <a:ext cx="13004800" cy="9753600"/>
+          </a:xfrm>
+          <a:prstGeom prst="rect">
+            <a:avLst/>
+          </a:prstGeom>
+        </p:spPr>
+        <p:txBody>
+          <a:bodyPr lIns="91439" tIns="45719" rIns="91439" bIns="45719" anchor="t">
+            <a:noAutofit/>
+          </a:bodyPr>
+          <a:lstStyle/>
+          <a:p>
+            <a:pPr/>
+          </a:p>
+        </p:txBody>
+      </p:sp>
+      <p:sp>
+        <p:nvSpPr>
+          <p:cNvPr id="103" name="Slide Number"/>
+          <p:cNvSpPr txBox="1"/>
+          <p:nvPr>
+            <p:ph type="sldNum" sz="quarter" idx="2"/>
+          </p:nvPr>
+        </p:nvSpPr>
+        <p:spPr>
+          <a:prstGeom prst="rect">
+            <a:avLst/>
+          </a:prstGeom>
+        </p:spPr>
+        <p:txBody>
+          <a:bodyPr/>
+          <a:lstStyle/>
+          <a:p>
+            <a:pPr/>
+            <a:fld id="{86CB4B4D-7CA3-9044-876B-883B54F8677D}" type="slidenum"/>
+          </a:p>
+        </p:txBody>
+      </p:sp>
+    </p:spTree>
+  </p:cSld>
+  <p:clrMapOvr>
+    <a:masterClrMapping/>
+  </p:clrMapOvr>
+  <p:transition xmlns:p14="http://schemas.microsoft.com/office/powerpoint/2010/main" spd="med" advClick="1"/>
+</p:sldLayout>
+</file>
+
+<file path=ppt/slideLayouts/slideLayout11.xml><?xml version="1.0" encoding="utf-8"?>
+<p:sldLayout xmlns:a="http://schemas.openxmlformats.org/drawingml/2006/main" xmlns:r="http://schemas.openxmlformats.org/officeDocument/2006/relationships" xmlns:p="http://schemas.openxmlformats.org/presentationml/2006/main" xmlns:m="http://schemas.openxmlformats.org/officeDocument/2006/math" xmlns:a14="http://schemas.microsoft.com/office/drawing/2010/main" type="tx" showMasterSp="0" showMasterPhAnim="1">
   <p:cSld name="Blank">
     <p:spTree>
       <p:nvGrpSpPr>
@@ -870,9 +930,7 @@
       <p:sp>
         <p:nvSpPr>
           <p:cNvPr id="110" name="Slide Number"/>
-          <p:cNvSpPr txBox="1">
-            <a:spLocks noGrp="1"/>
-          </p:cNvSpPr>
+          <p:cNvSpPr txBox="1"/>
           <p:nvPr>
             <p:ph type="sldNum" sz="quarter" idx="2"/>
           </p:nvPr>
@@ -886,10 +944,8 @@
           <a:bodyPr/>
           <a:lstStyle/>
           <a:p>
-            <a:fld id="{86CB4B4D-7CA3-9044-876B-883B54F8677D}" type="slidenum">
-              <a:t>‹#›</a:t>
-            </a:fld>
-            <a:endParaRPr/>
+            <a:pPr/>
+            <a:fld id="{86CB4B4D-7CA3-9044-876B-883B54F8677D}" type="slidenum"/>
           </a:p>
         </p:txBody>
       </p:sp>
@@ -898,12 +954,12 @@
   <p:clrMapOvr>
     <a:masterClrMapping/>
   </p:clrMapOvr>
-  <p:transition spd="med"/>
+  <p:transition xmlns:p14="http://schemas.microsoft.com/office/powerpoint/2010/main" spd="med" advClick="1"/>
 </p:sldLayout>
 </file>
 
 <file path=ppt/slideLayouts/slideLayout2.xml><?xml version="1.0" encoding="utf-8"?>
-<p:sldLayout xmlns:a="http://schemas.openxmlformats.org/drawingml/2006/main" xmlns:r="http://schemas.openxmlformats.org/officeDocument/2006/relationships" xmlns:p="http://schemas.openxmlformats.org/presentationml/2006/main" showMasterSp="0" type="tx">
+<p:sldLayout xmlns:a="http://schemas.openxmlformats.org/drawingml/2006/main" xmlns:r="http://schemas.openxmlformats.org/officeDocument/2006/relationships" xmlns:p="http://schemas.openxmlformats.org/presentationml/2006/main" xmlns:m="http://schemas.openxmlformats.org/officeDocument/2006/math" xmlns:a14="http://schemas.microsoft.com/office/drawing/2010/main" type="tx" showMasterSp="0" showMasterPhAnim="1">
   <p:cSld name="Title - Center">
     <p:spTree>
       <p:nvGrpSpPr>
@@ -922,9 +978,7 @@
       <p:sp>
         <p:nvSpPr>
           <p:cNvPr id="26" name="Title Text"/>
-          <p:cNvSpPr txBox="1">
-            <a:spLocks noGrp="1"/>
-          </p:cNvSpPr>
+          <p:cNvSpPr txBox="1"/>
           <p:nvPr>
             <p:ph type="title"/>
           </p:nvPr>
@@ -942,6 +996,7 @@
           <a:bodyPr/>
           <a:lstStyle/>
           <a:p>
+            <a:pPr/>
             <a:r>
               <a:t>Title Text</a:t>
             </a:r>
@@ -951,9 +1006,7 @@
       <p:sp>
         <p:nvSpPr>
           <p:cNvPr id="27" name="Slide Number"/>
-          <p:cNvSpPr txBox="1">
-            <a:spLocks noGrp="1"/>
-          </p:cNvSpPr>
+          <p:cNvSpPr txBox="1"/>
           <p:nvPr>
             <p:ph type="sldNum" sz="quarter" idx="2"/>
           </p:nvPr>
@@ -967,10 +1020,8 @@
           <a:bodyPr/>
           <a:lstStyle/>
           <a:p>
-            <a:fld id="{86CB4B4D-7CA3-9044-876B-883B54F8677D}" type="slidenum">
-              <a:t>‹#›</a:t>
-            </a:fld>
-            <a:endParaRPr/>
+            <a:pPr/>
+            <a:fld id="{86CB4B4D-7CA3-9044-876B-883B54F8677D}" type="slidenum"/>
           </a:p>
         </p:txBody>
       </p:sp>
@@ -979,12 +1030,12 @@
   <p:clrMapOvr>
     <a:masterClrMapping/>
   </p:clrMapOvr>
-  <p:transition spd="med"/>
+  <p:transition xmlns:p14="http://schemas.microsoft.com/office/powerpoint/2010/main" spd="med" advClick="1"/>
 </p:sldLayout>
 </file>
 
 <file path=ppt/slideLayouts/slideLayout3.xml><?xml version="1.0" encoding="utf-8"?>
-<p:sldLayout xmlns:a="http://schemas.openxmlformats.org/drawingml/2006/main" xmlns:r="http://schemas.openxmlformats.org/officeDocument/2006/relationships" xmlns:p="http://schemas.openxmlformats.org/presentationml/2006/main" showMasterSp="0" type="tx">
+<p:sldLayout xmlns:a="http://schemas.openxmlformats.org/drawingml/2006/main" xmlns:r="http://schemas.openxmlformats.org/officeDocument/2006/relationships" xmlns:p="http://schemas.openxmlformats.org/presentationml/2006/main" xmlns:m="http://schemas.openxmlformats.org/officeDocument/2006/math" xmlns:a14="http://schemas.microsoft.com/office/drawing/2010/main" type="tx" showMasterSp="0" showMasterPhAnim="1">
   <p:cSld name="Photo - Vertical">
     <p:spTree>
       <p:nvGrpSpPr>
@@ -1027,7 +1078,7 @@
           <a:bodyPr lIns="45718" tIns="45718" rIns="45718" bIns="45718"/>
           <a:lstStyle/>
           <a:p>
-            <a:endParaRPr/>
+            <a:pPr/>
           </a:p>
         </p:txBody>
       </p:sp>
@@ -1058,16 +1109,14 @@
           <a:bodyPr lIns="45718" tIns="45718" rIns="45718" bIns="45718"/>
           <a:lstStyle/>
           <a:p>
-            <a:endParaRPr/>
+            <a:pPr/>
           </a:p>
         </p:txBody>
       </p:sp>
       <p:sp>
         <p:nvSpPr>
           <p:cNvPr id="36" name="Body Level One…"/>
-          <p:cNvSpPr txBox="1">
-            <a:spLocks noGrp="1"/>
-          </p:cNvSpPr>
+          <p:cNvSpPr txBox="1"/>
           <p:nvPr>
             <p:ph type="body" sz="quarter" idx="1"/>
           </p:nvPr>
@@ -1095,7 +1144,7 @@
               <a:buSzTx/>
               <a:buFontTx/>
               <a:buNone/>
-              <a:defRPr sz="2400" b="0" i="1">
+              <a:defRPr b="0" i="1" sz="2400">
                 <a:solidFill>
                   <a:srgbClr val="414141"/>
                 </a:solidFill>
@@ -1110,7 +1159,7 @@
               </a:spcBef>
               <a:buClrTx/>
               <a:buFontTx/>
-              <a:defRPr sz="2400" b="0" i="1">
+              <a:defRPr b="0" i="1" sz="2400">
                 <a:solidFill>
                   <a:srgbClr val="414141"/>
                 </a:solidFill>
@@ -1125,7 +1174,7 @@
               </a:spcBef>
               <a:buClrTx/>
               <a:buFontTx/>
-              <a:defRPr sz="2400" b="0" i="1">
+              <a:defRPr b="0" i="1" sz="2400">
                 <a:solidFill>
                   <a:srgbClr val="414141"/>
                 </a:solidFill>
@@ -1140,7 +1189,7 @@
               </a:spcBef>
               <a:buClrTx/>
               <a:buFontTx/>
-              <a:defRPr sz="2400" b="0" i="1">
+              <a:defRPr b="0" i="1" sz="2400">
                 <a:solidFill>
                   <a:srgbClr val="414141"/>
                 </a:solidFill>
@@ -1155,7 +1204,7 @@
               </a:spcBef>
               <a:buClrTx/>
               <a:buFontTx/>
-              <a:defRPr sz="2400" b="0" i="1">
+              <a:defRPr b="0" i="1" sz="2400">
                 <a:solidFill>
                   <a:srgbClr val="414141"/>
                 </a:solidFill>
@@ -1163,6 +1212,7 @@
             </a:lvl5pPr>
           </a:lstStyle>
           <a:p>
+            <a:pPr/>
             <a:r>
               <a:t>Body Level One</a:t>
             </a:r>
@@ -1196,9 +1246,7 @@
       <p:sp>
         <p:nvSpPr>
           <p:cNvPr id="37" name="Image"/>
-          <p:cNvSpPr>
-            <a:spLocks noGrp="1"/>
-          </p:cNvSpPr>
+          <p:cNvSpPr/>
           <p:nvPr>
             <p:ph type="pic" sz="half" idx="13"/>
           </p:nvPr>
@@ -1218,16 +1266,14 @@
           </a:bodyPr>
           <a:lstStyle/>
           <a:p>
-            <a:endParaRPr/>
+            <a:pPr/>
           </a:p>
         </p:txBody>
       </p:sp>
       <p:sp>
         <p:nvSpPr>
           <p:cNvPr id="38" name="Title Text"/>
-          <p:cNvSpPr txBox="1">
-            <a:spLocks noGrp="1"/>
-          </p:cNvSpPr>
+          <p:cNvSpPr txBox="1"/>
           <p:nvPr>
             <p:ph type="title"/>
           </p:nvPr>
@@ -1253,6 +1299,7 @@
             </a:lvl1pPr>
           </a:lstStyle>
           <a:p>
+            <a:pPr/>
             <a:r>
               <a:t>Title Text</a:t>
             </a:r>
@@ -1262,9 +1309,7 @@
       <p:sp>
         <p:nvSpPr>
           <p:cNvPr id="39" name="Body Level One…"/>
-          <p:cNvSpPr txBox="1">
-            <a:spLocks noGrp="1"/>
-          </p:cNvSpPr>
+          <p:cNvSpPr txBox="1"/>
           <p:nvPr>
             <p:ph type="body" sz="quarter" idx="14"/>
           </p:nvPr>
@@ -1282,16 +1327,14 @@
           <a:bodyPr anchor="t"/>
           <a:lstStyle/>
           <a:p>
-            <a:endParaRPr/>
+            <a:pPr/>
           </a:p>
         </p:txBody>
       </p:sp>
       <p:sp>
         <p:nvSpPr>
           <p:cNvPr id="40" name="Slide Number"/>
-          <p:cNvSpPr txBox="1">
-            <a:spLocks noGrp="1"/>
-          </p:cNvSpPr>
+          <p:cNvSpPr txBox="1"/>
           <p:nvPr>
             <p:ph type="sldNum" sz="quarter" idx="2"/>
           </p:nvPr>
@@ -1305,10 +1348,8 @@
           <a:bodyPr/>
           <a:lstStyle/>
           <a:p>
-            <a:fld id="{86CB4B4D-7CA3-9044-876B-883B54F8677D}" type="slidenum">
-              <a:t>‹#›</a:t>
-            </a:fld>
-            <a:endParaRPr/>
+            <a:pPr/>
+            <a:fld id="{86CB4B4D-7CA3-9044-876B-883B54F8677D}" type="slidenum"/>
           </a:p>
         </p:txBody>
       </p:sp>
@@ -1317,12 +1358,84 @@
   <p:clrMapOvr>
     <a:masterClrMapping/>
   </p:clrMapOvr>
-  <p:transition spd="med"/>
+  <p:transition xmlns:p14="http://schemas.microsoft.com/office/powerpoint/2010/main" spd="med" advClick="1"/>
 </p:sldLayout>
 </file>
 
 <file path=ppt/slideLayouts/slideLayout4.xml><?xml version="1.0" encoding="utf-8"?>
-<p:sldLayout xmlns:a="http://schemas.openxmlformats.org/drawingml/2006/main" xmlns:r="http://schemas.openxmlformats.org/officeDocument/2006/relationships" xmlns:p="http://schemas.openxmlformats.org/presentationml/2006/main" type="tx">
+<p:sldLayout xmlns:a="http://schemas.openxmlformats.org/drawingml/2006/main" xmlns:r="http://schemas.openxmlformats.org/officeDocument/2006/relationships" xmlns:p="http://schemas.openxmlformats.org/presentationml/2006/main" xmlns:m="http://schemas.openxmlformats.org/officeDocument/2006/math" xmlns:a14="http://schemas.microsoft.com/office/drawing/2010/main" type="tx" showMasterSp="1" showMasterPhAnim="1">
+  <p:cSld name="Title - Top">
+    <p:spTree>
+      <p:nvGrpSpPr>
+        <p:cNvPr id="1" name=""/>
+        <p:cNvGrpSpPr/>
+        <p:nvPr/>
+      </p:nvGrpSpPr>
+      <p:grpSpPr>
+        <a:xfrm>
+          <a:off x="0" y="0"/>
+          <a:ext cx="0" cy="0"/>
+          <a:chOff x="0" y="0"/>
+          <a:chExt cx="0" cy="0"/>
+        </a:xfrm>
+      </p:grpSpPr>
+      <p:sp>
+        <p:nvSpPr>
+          <p:cNvPr id="47" name="Title Text"/>
+          <p:cNvSpPr txBox="1"/>
+          <p:nvPr>
+            <p:ph type="title"/>
+          </p:nvPr>
+        </p:nvSpPr>
+        <p:spPr>
+          <a:prstGeom prst="rect">
+            <a:avLst/>
+          </a:prstGeom>
+        </p:spPr>
+        <p:txBody>
+          <a:bodyPr/>
+          <a:lstStyle/>
+          <a:p>
+            <a:pPr/>
+            <a:r>
+              <a:t>Title Text</a:t>
+            </a:r>
+          </a:p>
+        </p:txBody>
+      </p:sp>
+      <p:sp>
+        <p:nvSpPr>
+          <p:cNvPr id="48" name="Slide Number"/>
+          <p:cNvSpPr txBox="1"/>
+          <p:nvPr>
+            <p:ph type="sldNum" sz="quarter" idx="2"/>
+          </p:nvPr>
+        </p:nvSpPr>
+        <p:spPr>
+          <a:prstGeom prst="rect">
+            <a:avLst/>
+          </a:prstGeom>
+        </p:spPr>
+        <p:txBody>
+          <a:bodyPr/>
+          <a:lstStyle/>
+          <a:p>
+            <a:pPr/>
+            <a:fld id="{86CB4B4D-7CA3-9044-876B-883B54F8677D}" type="slidenum"/>
+          </a:p>
+        </p:txBody>
+      </p:sp>
+    </p:spTree>
+  </p:cSld>
+  <p:clrMapOvr>
+    <a:masterClrMapping/>
+  </p:clrMapOvr>
+  <p:transition xmlns:p14="http://schemas.microsoft.com/office/powerpoint/2010/main" spd="med" advClick="1"/>
+</p:sldLayout>
+</file>
+
+<file path=ppt/slideLayouts/slideLayout5.xml><?xml version="1.0" encoding="utf-8"?>
+<p:sldLayout xmlns:a="http://schemas.openxmlformats.org/drawingml/2006/main" xmlns:r="http://schemas.openxmlformats.org/officeDocument/2006/relationships" xmlns:p="http://schemas.openxmlformats.org/presentationml/2006/main" xmlns:m="http://schemas.openxmlformats.org/officeDocument/2006/math" xmlns:a14="http://schemas.microsoft.com/office/drawing/2010/main" type="tx" showMasterSp="1" showMasterPhAnim="1">
   <p:cSld name="Title &amp; Bullets">
     <p:spTree>
       <p:nvGrpSpPr>
@@ -1341,9 +1454,7 @@
       <p:sp>
         <p:nvSpPr>
           <p:cNvPr id="55" name="Title Text"/>
-          <p:cNvSpPr txBox="1">
-            <a:spLocks noGrp="1"/>
-          </p:cNvSpPr>
+          <p:cNvSpPr txBox="1"/>
           <p:nvPr>
             <p:ph type="title"/>
           </p:nvPr>
@@ -1357,6 +1468,7 @@
           <a:bodyPr/>
           <a:lstStyle/>
           <a:p>
+            <a:pPr/>
             <a:r>
               <a:t>Title Text</a:t>
             </a:r>
@@ -1366,9 +1478,7 @@
       <p:sp>
         <p:nvSpPr>
           <p:cNvPr id="56" name="Body Level One…"/>
-          <p:cNvSpPr txBox="1">
-            <a:spLocks noGrp="1"/>
-          </p:cNvSpPr>
+          <p:cNvSpPr txBox="1"/>
           <p:nvPr>
             <p:ph type="body" idx="1"/>
           </p:nvPr>
@@ -1382,6 +1492,7 @@
           <a:bodyPr/>
           <a:lstStyle/>
           <a:p>
+            <a:pPr/>
             <a:r>
               <a:t>Body Level One</a:t>
             </a:r>
@@ -1415,9 +1526,7 @@
       <p:sp>
         <p:nvSpPr>
           <p:cNvPr id="57" name="Slide Number"/>
-          <p:cNvSpPr txBox="1">
-            <a:spLocks noGrp="1"/>
-          </p:cNvSpPr>
+          <p:cNvSpPr txBox="1"/>
           <p:nvPr>
             <p:ph type="sldNum" sz="quarter" idx="2"/>
           </p:nvPr>
@@ -1431,10 +1540,8 @@
           <a:bodyPr/>
           <a:lstStyle/>
           <a:p>
-            <a:fld id="{86CB4B4D-7CA3-9044-876B-883B54F8677D}" type="slidenum">
-              <a:t>‹#›</a:t>
-            </a:fld>
-            <a:endParaRPr/>
+            <a:pPr/>
+            <a:fld id="{86CB4B4D-7CA3-9044-876B-883B54F8677D}" type="slidenum"/>
           </a:p>
         </p:txBody>
       </p:sp>
@@ -1443,12 +1550,12 @@
   <p:clrMapOvr>
     <a:masterClrMapping/>
   </p:clrMapOvr>
-  <p:transition spd="med"/>
+  <p:transition xmlns:p14="http://schemas.microsoft.com/office/powerpoint/2010/main" spd="med" advClick="1"/>
 </p:sldLayout>
 </file>
 
-<file path=ppt/slideLayouts/slideLayout5.xml><?xml version="1.0" encoding="utf-8"?>
-<p:sldLayout xmlns:a="http://schemas.openxmlformats.org/drawingml/2006/main" xmlns:r="http://schemas.openxmlformats.org/officeDocument/2006/relationships" xmlns:p="http://schemas.openxmlformats.org/presentationml/2006/main" type="tx">
+<file path=ppt/slideLayouts/slideLayout6.xml><?xml version="1.0" encoding="utf-8"?>
+<p:sldLayout xmlns:a="http://schemas.openxmlformats.org/drawingml/2006/main" xmlns:r="http://schemas.openxmlformats.org/officeDocument/2006/relationships" xmlns:p="http://schemas.openxmlformats.org/presentationml/2006/main" xmlns:m="http://schemas.openxmlformats.org/officeDocument/2006/math" xmlns:a14="http://schemas.microsoft.com/office/drawing/2010/main" type="tx" showMasterSp="1" showMasterPhAnim="1">
   <p:cSld name="Title, Bullets &amp; Photo">
     <p:spTree>
       <p:nvGrpSpPr>
@@ -1467,9 +1574,7 @@
       <p:sp>
         <p:nvSpPr>
           <p:cNvPr id="64" name="Image"/>
-          <p:cNvSpPr>
-            <a:spLocks noGrp="1"/>
-          </p:cNvSpPr>
+          <p:cNvSpPr/>
           <p:nvPr>
             <p:ph type="pic" sz="half" idx="13"/>
           </p:nvPr>
@@ -1489,16 +1594,14 @@
           </a:bodyPr>
           <a:lstStyle/>
           <a:p>
-            <a:endParaRPr/>
+            <a:pPr/>
           </a:p>
         </p:txBody>
       </p:sp>
       <p:sp>
         <p:nvSpPr>
           <p:cNvPr id="65" name="Title Text"/>
-          <p:cNvSpPr txBox="1">
-            <a:spLocks noGrp="1"/>
-          </p:cNvSpPr>
+          <p:cNvSpPr txBox="1"/>
           <p:nvPr>
             <p:ph type="title"/>
           </p:nvPr>
@@ -1512,6 +1615,7 @@
           <a:bodyPr/>
           <a:lstStyle/>
           <a:p>
+            <a:pPr/>
             <a:r>
               <a:t>Title Text</a:t>
             </a:r>
@@ -1521,9 +1625,7 @@
       <p:sp>
         <p:nvSpPr>
           <p:cNvPr id="66" name="Body Level One…"/>
-          <p:cNvSpPr txBox="1">
-            <a:spLocks noGrp="1"/>
-          </p:cNvSpPr>
+          <p:cNvSpPr txBox="1"/>
           <p:nvPr>
             <p:ph type="body" sz="half" idx="1"/>
           </p:nvPr>
@@ -1597,6 +1699,7 @@
             </a:lvl5pPr>
           </a:lstStyle>
           <a:p>
+            <a:pPr/>
             <a:r>
               <a:t>Body Level One</a:t>
             </a:r>
@@ -1636,7 +1739,9 @@
           <p:nvPr/>
         </p:nvPicPr>
         <p:blipFill>
-          <a:blip r:embed="rId2"/>
+          <a:blip r:embed="rId2">
+            <a:extLst/>
+          </a:blip>
           <a:stretch>
             <a:fillRect/>
           </a:stretch>
@@ -1657,9 +1762,7 @@
       <p:sp>
         <p:nvSpPr>
           <p:cNvPr id="68" name="Slide Number"/>
-          <p:cNvSpPr txBox="1">
-            <a:spLocks noGrp="1"/>
-          </p:cNvSpPr>
+          <p:cNvSpPr txBox="1"/>
           <p:nvPr>
             <p:ph type="sldNum" sz="quarter" idx="2"/>
           </p:nvPr>
@@ -1673,10 +1776,8 @@
           <a:bodyPr/>
           <a:lstStyle/>
           <a:p>
-            <a:fld id="{86CB4B4D-7CA3-9044-876B-883B54F8677D}" type="slidenum">
-              <a:t>‹#›</a:t>
-            </a:fld>
-            <a:endParaRPr/>
+            <a:pPr/>
+            <a:fld id="{86CB4B4D-7CA3-9044-876B-883B54F8677D}" type="slidenum"/>
           </a:p>
         </p:txBody>
       </p:sp>
@@ -1685,12 +1786,12 @@
   <p:clrMapOvr>
     <a:masterClrMapping/>
   </p:clrMapOvr>
-  <p:transition spd="med"/>
+  <p:transition xmlns:p14="http://schemas.microsoft.com/office/powerpoint/2010/main" spd="med" advClick="1"/>
 </p:sldLayout>
 </file>
 
-<file path=ppt/slideLayouts/slideLayout6.xml><?xml version="1.0" encoding="utf-8"?>
-<p:sldLayout xmlns:a="http://schemas.openxmlformats.org/drawingml/2006/main" xmlns:r="http://schemas.openxmlformats.org/officeDocument/2006/relationships" xmlns:p="http://schemas.openxmlformats.org/presentationml/2006/main" showMasterSp="0" type="tx">
+<file path=ppt/slideLayouts/slideLayout7.xml><?xml version="1.0" encoding="utf-8"?>
+<p:sldLayout xmlns:a="http://schemas.openxmlformats.org/drawingml/2006/main" xmlns:r="http://schemas.openxmlformats.org/officeDocument/2006/relationships" xmlns:p="http://schemas.openxmlformats.org/presentationml/2006/main" xmlns:m="http://schemas.openxmlformats.org/officeDocument/2006/math" xmlns:a14="http://schemas.microsoft.com/office/drawing/2010/main" type="tx" showMasterSp="0" showMasterPhAnim="1">
   <p:cSld name="Bullets">
     <p:spTree>
       <p:nvGrpSpPr>
@@ -1709,9 +1810,7 @@
       <p:sp>
         <p:nvSpPr>
           <p:cNvPr id="75" name="Body Level One…"/>
-          <p:cNvSpPr txBox="1">
-            <a:spLocks noGrp="1"/>
-          </p:cNvSpPr>
+          <p:cNvSpPr txBox="1"/>
           <p:nvPr>
             <p:ph type="body" idx="1"/>
           </p:nvPr>
@@ -1729,6 +1828,7 @@
           <a:bodyPr/>
           <a:lstStyle/>
           <a:p>
+            <a:pPr/>
             <a:r>
               <a:t>Body Level One</a:t>
             </a:r>
@@ -1762,9 +1862,7 @@
       <p:sp>
         <p:nvSpPr>
           <p:cNvPr id="76" name="Slide Number"/>
-          <p:cNvSpPr txBox="1">
-            <a:spLocks noGrp="1"/>
-          </p:cNvSpPr>
+          <p:cNvSpPr txBox="1"/>
           <p:nvPr>
             <p:ph type="sldNum" sz="quarter" idx="2"/>
           </p:nvPr>
@@ -1778,10 +1876,8 @@
           <a:bodyPr/>
           <a:lstStyle/>
           <a:p>
-            <a:fld id="{86CB4B4D-7CA3-9044-876B-883B54F8677D}" type="slidenum">
-              <a:t>‹#›</a:t>
-            </a:fld>
-            <a:endParaRPr/>
+            <a:pPr/>
+            <a:fld id="{86CB4B4D-7CA3-9044-876B-883B54F8677D}" type="slidenum"/>
           </a:p>
         </p:txBody>
       </p:sp>
@@ -1790,12 +1886,12 @@
   <p:clrMapOvr>
     <a:masterClrMapping/>
   </p:clrMapOvr>
-  <p:transition spd="med"/>
+  <p:transition xmlns:p14="http://schemas.microsoft.com/office/powerpoint/2010/main" spd="med" advClick="1"/>
 </p:sldLayout>
 </file>
 
-<file path=ppt/slideLayouts/slideLayout7.xml><?xml version="1.0" encoding="utf-8"?>
-<p:sldLayout xmlns:a="http://schemas.openxmlformats.org/drawingml/2006/main" xmlns:r="http://schemas.openxmlformats.org/officeDocument/2006/relationships" xmlns:p="http://schemas.openxmlformats.org/presentationml/2006/main" showMasterSp="0" type="tx">
+<file path=ppt/slideLayouts/slideLayout8.xml><?xml version="1.0" encoding="utf-8"?>
+<p:sldLayout xmlns:a="http://schemas.openxmlformats.org/drawingml/2006/main" xmlns:r="http://schemas.openxmlformats.org/officeDocument/2006/relationships" xmlns:p="http://schemas.openxmlformats.org/presentationml/2006/main" xmlns:m="http://schemas.openxmlformats.org/officeDocument/2006/math" xmlns:a14="http://schemas.microsoft.com/office/drawing/2010/main" type="tx" showMasterSp="0" showMasterPhAnim="1">
   <p:cSld name="Photo - 3 Up">
     <p:spTree>
       <p:nvGrpSpPr>
@@ -1814,9 +1910,7 @@
       <p:sp>
         <p:nvSpPr>
           <p:cNvPr id="83" name="Image"/>
-          <p:cNvSpPr>
-            <a:spLocks noGrp="1"/>
-          </p:cNvSpPr>
+          <p:cNvSpPr/>
           <p:nvPr>
             <p:ph type="pic" sz="quarter" idx="13"/>
           </p:nvPr>
@@ -1836,16 +1930,14 @@
           </a:bodyPr>
           <a:lstStyle/>
           <a:p>
-            <a:endParaRPr/>
+            <a:pPr/>
           </a:p>
         </p:txBody>
       </p:sp>
       <p:sp>
         <p:nvSpPr>
           <p:cNvPr id="84" name="Image"/>
-          <p:cNvSpPr>
-            <a:spLocks noGrp="1"/>
-          </p:cNvSpPr>
+          <p:cNvSpPr/>
           <p:nvPr>
             <p:ph type="pic" sz="quarter" idx="14"/>
           </p:nvPr>
@@ -1865,16 +1957,14 @@
           </a:bodyPr>
           <a:lstStyle/>
           <a:p>
-            <a:endParaRPr/>
+            <a:pPr/>
           </a:p>
         </p:txBody>
       </p:sp>
       <p:sp>
         <p:nvSpPr>
           <p:cNvPr id="85" name="Image"/>
-          <p:cNvSpPr>
-            <a:spLocks noGrp="1"/>
-          </p:cNvSpPr>
+          <p:cNvSpPr/>
           <p:nvPr>
             <p:ph type="pic" sz="half" idx="15"/>
           </p:nvPr>
@@ -1894,16 +1984,14 @@
           </a:bodyPr>
           <a:lstStyle/>
           <a:p>
-            <a:endParaRPr/>
+            <a:pPr/>
           </a:p>
         </p:txBody>
       </p:sp>
       <p:sp>
         <p:nvSpPr>
           <p:cNvPr id="86" name="Slide Number"/>
-          <p:cNvSpPr txBox="1">
-            <a:spLocks noGrp="1"/>
-          </p:cNvSpPr>
+          <p:cNvSpPr txBox="1"/>
           <p:nvPr>
             <p:ph type="sldNum" sz="quarter" idx="2"/>
           </p:nvPr>
@@ -1917,10 +2005,8 @@
           <a:bodyPr/>
           <a:lstStyle/>
           <a:p>
-            <a:fld id="{86CB4B4D-7CA3-9044-876B-883B54F8677D}" type="slidenum">
-              <a:t>‹#›</a:t>
-            </a:fld>
-            <a:endParaRPr/>
+            <a:pPr/>
+            <a:fld id="{86CB4B4D-7CA3-9044-876B-883B54F8677D}" type="slidenum"/>
           </a:p>
         </p:txBody>
       </p:sp>
@@ -1929,12 +2015,12 @@
   <p:clrMapOvr>
     <a:masterClrMapping/>
   </p:clrMapOvr>
-  <p:transition spd="med"/>
+  <p:transition xmlns:p14="http://schemas.microsoft.com/office/powerpoint/2010/main" spd="med" advClick="1"/>
 </p:sldLayout>
 </file>
 
-<file path=ppt/slideLayouts/slideLayout8.xml><?xml version="1.0" encoding="utf-8"?>
-<p:sldLayout xmlns:a="http://schemas.openxmlformats.org/drawingml/2006/main" xmlns:r="http://schemas.openxmlformats.org/officeDocument/2006/relationships" xmlns:p="http://schemas.openxmlformats.org/presentationml/2006/main" showMasterSp="0" type="tx">
+<file path=ppt/slideLayouts/slideLayout9.xml><?xml version="1.0" encoding="utf-8"?>
+<p:sldLayout xmlns:a="http://schemas.openxmlformats.org/drawingml/2006/main" xmlns:r="http://schemas.openxmlformats.org/officeDocument/2006/relationships" xmlns:p="http://schemas.openxmlformats.org/presentationml/2006/main" xmlns:m="http://schemas.openxmlformats.org/officeDocument/2006/math" xmlns:a14="http://schemas.microsoft.com/office/drawing/2010/main" type="tx" showMasterSp="0" showMasterPhAnim="1">
   <p:cSld name="Quote">
     <p:spTree>
       <p:nvGrpSpPr>
@@ -1953,9 +2039,7 @@
       <p:sp>
         <p:nvSpPr>
           <p:cNvPr id="93" name="Body Level One…"/>
-          <p:cNvSpPr txBox="1">
-            <a:spLocks noGrp="1"/>
-          </p:cNvSpPr>
+          <p:cNvSpPr txBox="1"/>
           <p:nvPr>
             <p:ph type="body" sz="quarter" idx="1"/>
           </p:nvPr>
@@ -1980,7 +2064,7 @@
               <a:buSzTx/>
               <a:buFontTx/>
               <a:buNone/>
-              <a:defRPr sz="3000" b="0" i="1">
+              <a:defRPr b="0" i="1" sz="3000">
                 <a:solidFill>
                   <a:srgbClr val="414141"/>
                 </a:solidFill>
@@ -1992,7 +2076,7 @@
               </a:spcBef>
               <a:buClrTx/>
               <a:buFontTx/>
-              <a:defRPr sz="3000" b="0" i="1">
+              <a:defRPr b="0" i="1" sz="3000">
                 <a:solidFill>
                   <a:srgbClr val="414141"/>
                 </a:solidFill>
@@ -2004,7 +2088,7 @@
               </a:spcBef>
               <a:buClrTx/>
               <a:buFontTx/>
-              <a:defRPr sz="3000" b="0" i="1">
+              <a:defRPr b="0" i="1" sz="3000">
                 <a:solidFill>
                   <a:srgbClr val="414141"/>
                 </a:solidFill>
@@ -2016,7 +2100,7 @@
               </a:spcBef>
               <a:buClrTx/>
               <a:buFontTx/>
-              <a:defRPr sz="3000" b="0" i="1">
+              <a:defRPr b="0" i="1" sz="3000">
                 <a:solidFill>
                   <a:srgbClr val="414141"/>
                 </a:solidFill>
@@ -2028,7 +2112,7 @@
               </a:spcBef>
               <a:buClrTx/>
               <a:buFontTx/>
-              <a:defRPr sz="3000" b="0" i="1">
+              <a:defRPr b="0" i="1" sz="3000">
                 <a:solidFill>
                   <a:srgbClr val="414141"/>
                 </a:solidFill>
@@ -2036,6 +2120,7 @@
             </a:lvl5pPr>
           </a:lstStyle>
           <a:p>
+            <a:pPr/>
             <a:r>
               <a:t>Body Level One</a:t>
             </a:r>
@@ -2069,9 +2154,7 @@
       <p:sp>
         <p:nvSpPr>
           <p:cNvPr id="94" name="“Type a quote here.”"/>
-          <p:cNvSpPr txBox="1">
-            <a:spLocks noGrp="1"/>
-          </p:cNvSpPr>
+          <p:cNvSpPr txBox="1"/>
           <p:nvPr>
             <p:ph type="body" sz="quarter" idx="13"/>
           </p:nvPr>
@@ -2089,16 +2172,14 @@
           <a:bodyPr/>
           <a:lstStyle/>
           <a:p>
-            <a:endParaRPr/>
+            <a:pPr/>
           </a:p>
         </p:txBody>
       </p:sp>
       <p:sp>
         <p:nvSpPr>
           <p:cNvPr id="95" name="Slide Number"/>
-          <p:cNvSpPr txBox="1">
-            <a:spLocks noGrp="1"/>
-          </p:cNvSpPr>
+          <p:cNvSpPr txBox="1"/>
           <p:nvPr>
             <p:ph type="sldNum" sz="quarter" idx="2"/>
           </p:nvPr>
@@ -2112,10 +2193,8 @@
           <a:bodyPr/>
           <a:lstStyle/>
           <a:p>
-            <a:fld id="{86CB4B4D-7CA3-9044-876B-883B54F8677D}" type="slidenum">
-              <a:t>‹#›</a:t>
-            </a:fld>
-            <a:endParaRPr/>
+            <a:pPr/>
+            <a:fld id="{86CB4B4D-7CA3-9044-876B-883B54F8677D}" type="slidenum"/>
           </a:p>
         </p:txBody>
       </p:sp>
@@ -2124,104 +2203,22 @@
   <p:clrMapOvr>
     <a:masterClrMapping/>
   </p:clrMapOvr>
-  <p:transition spd="med"/>
-</p:sldLayout>
-</file>
-
-<file path=ppt/slideLayouts/slideLayout9.xml><?xml version="1.0" encoding="utf-8"?>
-<p:sldLayout xmlns:a="http://schemas.openxmlformats.org/drawingml/2006/main" xmlns:r="http://schemas.openxmlformats.org/officeDocument/2006/relationships" xmlns:p="http://schemas.openxmlformats.org/presentationml/2006/main" showMasterSp="0" type="tx">
-  <p:cSld name="Photo">
-    <p:spTree>
-      <p:nvGrpSpPr>
-        <p:cNvPr id="1" name=""/>
-        <p:cNvGrpSpPr/>
-        <p:nvPr/>
-      </p:nvGrpSpPr>
-      <p:grpSpPr>
-        <a:xfrm>
-          <a:off x="0" y="0"/>
-          <a:ext cx="0" cy="0"/>
-          <a:chOff x="0" y="0"/>
-          <a:chExt cx="0" cy="0"/>
-        </a:xfrm>
-      </p:grpSpPr>
-      <p:sp>
-        <p:nvSpPr>
-          <p:cNvPr id="102" name="Image"/>
-          <p:cNvSpPr>
-            <a:spLocks noGrp="1"/>
-          </p:cNvSpPr>
-          <p:nvPr>
-            <p:ph type="pic" idx="13"/>
-          </p:nvPr>
-        </p:nvSpPr>
-        <p:spPr>
-          <a:xfrm>
-            <a:off x="0" y="0"/>
-            <a:ext cx="13004800" cy="9753600"/>
-          </a:xfrm>
-          <a:prstGeom prst="rect">
-            <a:avLst/>
-          </a:prstGeom>
-        </p:spPr>
-        <p:txBody>
-          <a:bodyPr lIns="91439" tIns="45719" rIns="91439" bIns="45719" anchor="t">
-            <a:noAutofit/>
-          </a:bodyPr>
-          <a:lstStyle/>
-          <a:p>
-            <a:endParaRPr/>
-          </a:p>
-        </p:txBody>
-      </p:sp>
-      <p:sp>
-        <p:nvSpPr>
-          <p:cNvPr id="103" name="Slide Number"/>
-          <p:cNvSpPr txBox="1">
-            <a:spLocks noGrp="1"/>
-          </p:cNvSpPr>
-          <p:nvPr>
-            <p:ph type="sldNum" sz="quarter" idx="2"/>
-          </p:nvPr>
-        </p:nvSpPr>
-        <p:spPr>
-          <a:prstGeom prst="rect">
-            <a:avLst/>
-          </a:prstGeom>
-        </p:spPr>
-        <p:txBody>
-          <a:bodyPr/>
-          <a:lstStyle/>
-          <a:p>
-            <a:fld id="{86CB4B4D-7CA3-9044-876B-883B54F8677D}" type="slidenum">
-              <a:t>‹#›</a:t>
-            </a:fld>
-            <a:endParaRPr/>
-          </a:p>
-        </p:txBody>
-      </p:sp>
-    </p:spTree>
-  </p:cSld>
-  <p:clrMapOvr>
-    <a:masterClrMapping/>
-  </p:clrMapOvr>
-  <p:transition spd="med"/>
+  <p:transition xmlns:p14="http://schemas.microsoft.com/office/powerpoint/2010/main" spd="med" advClick="1"/>
 </p:sldLayout>
 </file>
 
 <file path=ppt/slideMasters/slideMaster1.xml><?xml version="1.0" encoding="utf-8"?>
-<p:sldMaster xmlns:a="http://schemas.openxmlformats.org/drawingml/2006/main" xmlns:r="http://schemas.openxmlformats.org/officeDocument/2006/relationships" xmlns:p="http://schemas.openxmlformats.org/presentationml/2006/main">
+<p:sldMaster xmlns:a="http://schemas.openxmlformats.org/drawingml/2006/main" xmlns:r="http://schemas.openxmlformats.org/officeDocument/2006/relationships" xmlns:p="http://schemas.openxmlformats.org/presentationml/2006/main" xmlns:m="http://schemas.openxmlformats.org/officeDocument/2006/math" xmlns:a14="http://schemas.microsoft.com/office/drawing/2010/main">
   <p:cSld>
     <p:bg>
       <p:bgPr>
         <a:blipFill rotWithShape="1">
-          <a:blip r:embed="rId12"/>
-          <a:srcRect/>
+          <a:blip r:embed="rId2"/>
+          <a:srcRect l="0" t="0" r="0" b="0"/>
           <a:stretch>
             <a:fillRect/>
           </a:stretch>
         </a:blipFill>
-        <a:effectLst/>
       </p:bgPr>
     </p:bg>
     <p:spTree>
@@ -2265,7 +2262,7 @@
           <a:bodyPr lIns="45718" tIns="45718" rIns="45718" bIns="45718"/>
           <a:lstStyle/>
           <a:p>
-            <a:endParaRPr/>
+            <a:pPr/>
           </a:p>
         </p:txBody>
       </p:sp>
@@ -2296,16 +2293,14 @@
           <a:bodyPr lIns="45718" tIns="45718" rIns="45718" bIns="45718"/>
           <a:lstStyle/>
           <a:p>
-            <a:endParaRPr/>
+            <a:pPr/>
           </a:p>
         </p:txBody>
       </p:sp>
       <p:sp>
         <p:nvSpPr>
           <p:cNvPr id="4" name="Title Text"/>
-          <p:cNvSpPr txBox="1">
-            <a:spLocks noGrp="1"/>
-          </p:cNvSpPr>
+          <p:cNvSpPr txBox="1"/>
           <p:nvPr>
             <p:ph type="title"/>
           </p:nvPr>
@@ -2323,16 +2318,17 @@
           </a:ln>
           <a:extLst>
             <a:ext uri="{C572A759-6A51-4108-AA02-DFA0A04FC94B}">
-              <ma14:wrappingTextBoxFlag xmlns:ma14="http://schemas.microsoft.com/office/mac/drawingml/2011/main" xmlns:a14="http://schemas.microsoft.com/office/drawing/2010/main" xmlns:m="http://schemas.openxmlformats.org/officeDocument/2006/math" xmlns="" val="1"/>
+              <ma14:wrappingTextBoxFlag xmlns:ma14="http://schemas.microsoft.com/office/mac/drawingml/2011/main" val="1"/>
             </a:ext>
           </a:extLst>
         </p:spPr>
         <p:txBody>
           <a:bodyPr lIns="50800" tIns="50800" rIns="50800" bIns="50800" anchor="ctr">
-            <a:normAutofit/>
+            <a:normAutofit fontScale="100000" lnSpcReduction="0"/>
           </a:bodyPr>
           <a:lstStyle/>
           <a:p>
+            <a:pPr/>
             <a:r>
               <a:t>Title Text</a:t>
             </a:r>
@@ -2342,9 +2338,7 @@
       <p:sp>
         <p:nvSpPr>
           <p:cNvPr id="5" name="Body Level One…"/>
-          <p:cNvSpPr txBox="1">
-            <a:spLocks noGrp="1"/>
-          </p:cNvSpPr>
+          <p:cNvSpPr txBox="1"/>
           <p:nvPr>
             <p:ph type="body" idx="1"/>
           </p:nvPr>
@@ -2362,16 +2356,17 @@
           </a:ln>
           <a:extLst>
             <a:ext uri="{C572A759-6A51-4108-AA02-DFA0A04FC94B}">
-              <ma14:wrappingTextBoxFlag xmlns:ma14="http://schemas.microsoft.com/office/mac/drawingml/2011/main" xmlns:a14="http://schemas.microsoft.com/office/drawing/2010/main" xmlns:m="http://schemas.openxmlformats.org/officeDocument/2006/math" xmlns="" val="1"/>
+              <ma14:wrappingTextBoxFlag xmlns:ma14="http://schemas.microsoft.com/office/mac/drawingml/2011/main" val="1"/>
             </a:ext>
           </a:extLst>
         </p:spPr>
         <p:txBody>
           <a:bodyPr lIns="50800" tIns="50800" rIns="50800" bIns="50800" anchor="ctr">
-            <a:normAutofit/>
+            <a:normAutofit fontScale="100000" lnSpcReduction="0"/>
           </a:bodyPr>
           <a:lstStyle/>
           <a:p>
+            <a:pPr/>
             <a:r>
               <a:t>Body Level One</a:t>
             </a:r>
@@ -2405,9 +2400,7 @@
       <p:sp>
         <p:nvSpPr>
           <p:cNvPr id="6" name="Slide Number"/>
-          <p:cNvSpPr txBox="1">
-            <a:spLocks noGrp="1"/>
-          </p:cNvSpPr>
+          <p:cNvSpPr txBox="1"/>
           <p:nvPr>
             <p:ph type="sldNum" sz="quarter" idx="2"/>
           </p:nvPr>
@@ -2442,10 +2435,8 @@
             </a:lvl1pPr>
           </a:lstStyle>
           <a:p>
-            <a:fld id="{86CB4B4D-7CA3-9044-876B-883B54F8677D}" type="slidenum">
-              <a:t>‹#›</a:t>
-            </a:fld>
-            <a:endParaRPr/>
+            <a:pPr/>
+            <a:fld id="{86CB4B4D-7CA3-9044-876B-883B54F8677D}" type="slidenum"/>
           </a:p>
         </p:txBody>
       </p:sp>
@@ -2453,18 +2444,19 @@
   </p:cSld>
   <p:clrMap bg1="lt1" tx1="dk1" bg2="lt2" tx2="dk2" accent1="accent1" accent2="accent2" accent3="accent3" accent4="accent4" accent5="accent5" accent6="accent6" hlink="hlink" folHlink="folHlink"/>
   <p:sldLayoutIdLst>
-    <p:sldLayoutId id="2147483649" r:id="rId1"/>
-    <p:sldLayoutId id="2147483650" r:id="rId2"/>
-    <p:sldLayoutId id="2147483651" r:id="rId3"/>
-    <p:sldLayoutId id="2147483653" r:id="rId4"/>
-    <p:sldLayoutId id="2147483654" r:id="rId5"/>
-    <p:sldLayoutId id="2147483655" r:id="rId6"/>
-    <p:sldLayoutId id="2147483656" r:id="rId7"/>
-    <p:sldLayoutId id="2147483657" r:id="rId8"/>
-    <p:sldLayoutId id="2147483658" r:id="rId9"/>
-    <p:sldLayoutId id="2147483659" r:id="rId10"/>
+    <p:sldLayoutId id="2147483649" r:id="rId3"/>
+    <p:sldLayoutId id="2147483650" r:id="rId4"/>
+    <p:sldLayoutId id="2147483651" r:id="rId5"/>
+    <p:sldLayoutId id="2147483652" r:id="rId6"/>
+    <p:sldLayoutId id="2147483653" r:id="rId7"/>
+    <p:sldLayoutId id="2147483654" r:id="rId8"/>
+    <p:sldLayoutId id="2147483655" r:id="rId9"/>
+    <p:sldLayoutId id="2147483656" r:id="rId10"/>
+    <p:sldLayoutId id="2147483657" r:id="rId11"/>
+    <p:sldLayoutId id="2147483658" r:id="rId12"/>
+    <p:sldLayoutId id="2147483659" r:id="rId13"/>
   </p:sldLayoutIdLst>
-  <p:transition spd="med"/>
+  <p:transition xmlns:p14="http://schemas.microsoft.com/office/powerpoint/2010/main" spd="med" advClick="1"/>
   <p:txStyles>
     <p:titleStyle>
       <a:lvl1pPr marL="0" marR="0" indent="0" algn="ctr" defTabSz="584200" rtl="0" latinLnBrk="0">
@@ -2482,7 +2474,7 @@
         <a:buFontTx/>
         <a:buNone/>
         <a:tabLst/>
-        <a:defRPr sz="7000" b="0" i="0" u="none" strike="noStrike" cap="none" spc="0" baseline="0">
+        <a:defRPr b="0" baseline="0" cap="none" i="0" spc="0" strike="noStrike" sz="7000" u="none">
           <a:solidFill>
             <a:srgbClr val="FFC067"/>
           </a:solidFill>
@@ -2508,7 +2500,7 @@
         <a:buFontTx/>
         <a:buNone/>
         <a:tabLst/>
-        <a:defRPr sz="7000" b="0" i="0" u="none" strike="noStrike" cap="none" spc="0" baseline="0">
+        <a:defRPr b="0" baseline="0" cap="none" i="0" spc="0" strike="noStrike" sz="7000" u="none">
           <a:solidFill>
             <a:srgbClr val="FFC067"/>
           </a:solidFill>
@@ -2534,7 +2526,7 @@
         <a:buFontTx/>
         <a:buNone/>
         <a:tabLst/>
-        <a:defRPr sz="7000" b="0" i="0" u="none" strike="noStrike" cap="none" spc="0" baseline="0">
+        <a:defRPr b="0" baseline="0" cap="none" i="0" spc="0" strike="noStrike" sz="7000" u="none">
           <a:solidFill>
             <a:srgbClr val="FFC067"/>
           </a:solidFill>
@@ -2560,7 +2552,7 @@
         <a:buFontTx/>
         <a:buNone/>
         <a:tabLst/>
-        <a:defRPr sz="7000" b="0" i="0" u="none" strike="noStrike" cap="none" spc="0" baseline="0">
+        <a:defRPr b="0" baseline="0" cap="none" i="0" spc="0" strike="noStrike" sz="7000" u="none">
           <a:solidFill>
             <a:srgbClr val="FFC067"/>
           </a:solidFill>
@@ -2586,7 +2578,7 @@
         <a:buFontTx/>
         <a:buNone/>
         <a:tabLst/>
-        <a:defRPr sz="7000" b="0" i="0" u="none" strike="noStrike" cap="none" spc="0" baseline="0">
+        <a:defRPr b="0" baseline="0" cap="none" i="0" spc="0" strike="noStrike" sz="7000" u="none">
           <a:solidFill>
             <a:srgbClr val="FFC067"/>
           </a:solidFill>
@@ -2612,7 +2604,7 @@
         <a:buFontTx/>
         <a:buNone/>
         <a:tabLst/>
-        <a:defRPr sz="7000" b="0" i="0" u="none" strike="noStrike" cap="none" spc="0" baseline="0">
+        <a:defRPr b="0" baseline="0" cap="none" i="0" spc="0" strike="noStrike" sz="7000" u="none">
           <a:solidFill>
             <a:srgbClr val="FFC067"/>
           </a:solidFill>
@@ -2638,7 +2630,7 @@
         <a:buFontTx/>
         <a:buNone/>
         <a:tabLst/>
-        <a:defRPr sz="7000" b="0" i="0" u="none" strike="noStrike" cap="none" spc="0" baseline="0">
+        <a:defRPr b="0" baseline="0" cap="none" i="0" spc="0" strike="noStrike" sz="7000" u="none">
           <a:solidFill>
             <a:srgbClr val="FFC067"/>
           </a:solidFill>
@@ -2664,7 +2656,7 @@
         <a:buFontTx/>
         <a:buNone/>
         <a:tabLst/>
-        <a:defRPr sz="7000" b="0" i="0" u="none" strike="noStrike" cap="none" spc="0" baseline="0">
+        <a:defRPr b="0" baseline="0" cap="none" i="0" spc="0" strike="noStrike" sz="7000" u="none">
           <a:solidFill>
             <a:srgbClr val="FFC067"/>
           </a:solidFill>
@@ -2690,7 +2682,7 @@
         <a:buFontTx/>
         <a:buNone/>
         <a:tabLst/>
-        <a:defRPr sz="7000" b="0" i="0" u="none" strike="noStrike" cap="none" spc="0" baseline="0">
+        <a:defRPr b="0" baseline="0" cap="none" i="0" spc="0" strike="noStrike" sz="7000" u="none">
           <a:solidFill>
             <a:srgbClr val="FFC067"/>
           </a:solidFill>
@@ -2720,7 +2712,7 @@
         <a:buFont typeface="Zapf Dingbats"/>
         <a:buChar char="❖"/>
         <a:tabLst/>
-        <a:defRPr sz="3600" b="1" i="0" u="none" strike="noStrike" cap="none" spc="0" baseline="0">
+        <a:defRPr b="1" baseline="0" cap="none" i="0" spc="0" strike="noStrike" sz="3600" u="none">
           <a:solidFill>
             <a:srgbClr val="1A1A1A"/>
           </a:solidFill>
@@ -2748,7 +2740,7 @@
         <a:buFont typeface="Zapf Dingbats"/>
         <a:buChar char="❖"/>
         <a:tabLst/>
-        <a:defRPr sz="3600" b="1" i="0" u="none" strike="noStrike" cap="none" spc="0" baseline="0">
+        <a:defRPr b="1" baseline="0" cap="none" i="0" spc="0" strike="noStrike" sz="3600" u="none">
           <a:solidFill>
             <a:srgbClr val="1A1A1A"/>
           </a:solidFill>
@@ -2776,7 +2768,7 @@
         <a:buFont typeface="Zapf Dingbats"/>
         <a:buChar char="❖"/>
         <a:tabLst/>
-        <a:defRPr sz="3600" b="1" i="0" u="none" strike="noStrike" cap="none" spc="0" baseline="0">
+        <a:defRPr b="1" baseline="0" cap="none" i="0" spc="0" strike="noStrike" sz="3600" u="none">
           <a:solidFill>
             <a:srgbClr val="1A1A1A"/>
           </a:solidFill>
@@ -2804,7 +2796,7 @@
         <a:buFont typeface="Zapf Dingbats"/>
         <a:buChar char="❖"/>
         <a:tabLst/>
-        <a:defRPr sz="3600" b="1" i="0" u="none" strike="noStrike" cap="none" spc="0" baseline="0">
+        <a:defRPr b="1" baseline="0" cap="none" i="0" spc="0" strike="noStrike" sz="3600" u="none">
           <a:solidFill>
             <a:srgbClr val="1A1A1A"/>
           </a:solidFill>
@@ -2832,7 +2824,7 @@
         <a:buFont typeface="Zapf Dingbats"/>
         <a:buChar char="❖"/>
         <a:tabLst/>
-        <a:defRPr sz="3600" b="1" i="0" u="none" strike="noStrike" cap="none" spc="0" baseline="0">
+        <a:defRPr b="1" baseline="0" cap="none" i="0" spc="0" strike="noStrike" sz="3600" u="none">
           <a:solidFill>
             <a:srgbClr val="1A1A1A"/>
           </a:solidFill>
@@ -2860,7 +2852,7 @@
         <a:buFont typeface="Zapf Dingbats"/>
         <a:buChar char="❖"/>
         <a:tabLst/>
-        <a:defRPr sz="3600" b="1" i="0" u="none" strike="noStrike" cap="none" spc="0" baseline="0">
+        <a:defRPr b="1" baseline="0" cap="none" i="0" spc="0" strike="noStrike" sz="3600" u="none">
           <a:solidFill>
             <a:srgbClr val="1A1A1A"/>
           </a:solidFill>
@@ -2888,7 +2880,7 @@
         <a:buFont typeface="Zapf Dingbats"/>
         <a:buChar char="❖"/>
         <a:tabLst/>
-        <a:defRPr sz="3600" b="1" i="0" u="none" strike="noStrike" cap="none" spc="0" baseline="0">
+        <a:defRPr b="1" baseline="0" cap="none" i="0" spc="0" strike="noStrike" sz="3600" u="none">
           <a:solidFill>
             <a:srgbClr val="1A1A1A"/>
           </a:solidFill>
@@ -2916,7 +2908,7 @@
         <a:buFont typeface="Zapf Dingbats"/>
         <a:buChar char="❖"/>
         <a:tabLst/>
-        <a:defRPr sz="3600" b="1" i="0" u="none" strike="noStrike" cap="none" spc="0" baseline="0">
+        <a:defRPr b="1" baseline="0" cap="none" i="0" spc="0" strike="noStrike" sz="3600" u="none">
           <a:solidFill>
             <a:srgbClr val="1A1A1A"/>
           </a:solidFill>
@@ -2944,7 +2936,7 @@
         <a:buFont typeface="Zapf Dingbats"/>
         <a:buChar char="❖"/>
         <a:tabLst/>
-        <a:defRPr sz="3600" b="1" i="0" u="none" strike="noStrike" cap="none" spc="0" baseline="0">
+        <a:defRPr b="1" baseline="0" cap="none" i="0" spc="0" strike="noStrike" sz="3600" u="none">
           <a:solidFill>
             <a:srgbClr val="1A1A1A"/>
           </a:solidFill>
@@ -2972,7 +2964,7 @@
         <a:buFontTx/>
         <a:buNone/>
         <a:tabLst/>
-        <a:defRPr sz="1800" b="0" i="0" u="none" strike="noStrike" cap="none" spc="0" baseline="0">
+        <a:defRPr b="0" baseline="0" cap="none" i="0" spc="0" strike="noStrike" sz="1800" u="none">
           <a:solidFill>
             <a:schemeClr val="tx1"/>
           </a:solidFill>
@@ -2998,7 +2990,7 @@
         <a:buFontTx/>
         <a:buNone/>
         <a:tabLst/>
-        <a:defRPr sz="1800" b="0" i="0" u="none" strike="noStrike" cap="none" spc="0" baseline="0">
+        <a:defRPr b="0" baseline="0" cap="none" i="0" spc="0" strike="noStrike" sz="1800" u="none">
           <a:solidFill>
             <a:schemeClr val="tx1"/>
           </a:solidFill>
@@ -3024,7 +3016,7 @@
         <a:buFontTx/>
         <a:buNone/>
         <a:tabLst/>
-        <a:defRPr sz="1800" b="0" i="0" u="none" strike="noStrike" cap="none" spc="0" baseline="0">
+        <a:defRPr b="0" baseline="0" cap="none" i="0" spc="0" strike="noStrike" sz="1800" u="none">
           <a:solidFill>
             <a:schemeClr val="tx1"/>
           </a:solidFill>
@@ -3050,7 +3042,7 @@
         <a:buFontTx/>
         <a:buNone/>
         <a:tabLst/>
-        <a:defRPr sz="1800" b="0" i="0" u="none" strike="noStrike" cap="none" spc="0" baseline="0">
+        <a:defRPr b="0" baseline="0" cap="none" i="0" spc="0" strike="noStrike" sz="1800" u="none">
           <a:solidFill>
             <a:schemeClr val="tx1"/>
           </a:solidFill>
@@ -3076,7 +3068,7 @@
         <a:buFontTx/>
         <a:buNone/>
         <a:tabLst/>
-        <a:defRPr sz="1800" b="0" i="0" u="none" strike="noStrike" cap="none" spc="0" baseline="0">
+        <a:defRPr b="0" baseline="0" cap="none" i="0" spc="0" strike="noStrike" sz="1800" u="none">
           <a:solidFill>
             <a:schemeClr val="tx1"/>
           </a:solidFill>
@@ -3102,7 +3094,7 @@
         <a:buFontTx/>
         <a:buNone/>
         <a:tabLst/>
-        <a:defRPr sz="1800" b="0" i="0" u="none" strike="noStrike" cap="none" spc="0" baseline="0">
+        <a:defRPr b="0" baseline="0" cap="none" i="0" spc="0" strike="noStrike" sz="1800" u="none">
           <a:solidFill>
             <a:schemeClr val="tx1"/>
           </a:solidFill>
@@ -3128,7 +3120,7 @@
         <a:buFontTx/>
         <a:buNone/>
         <a:tabLst/>
-        <a:defRPr sz="1800" b="0" i="0" u="none" strike="noStrike" cap="none" spc="0" baseline="0">
+        <a:defRPr b="0" baseline="0" cap="none" i="0" spc="0" strike="noStrike" sz="1800" u="none">
           <a:solidFill>
             <a:schemeClr val="tx1"/>
           </a:solidFill>
@@ -3154,7 +3146,7 @@
         <a:buFontTx/>
         <a:buNone/>
         <a:tabLst/>
-        <a:defRPr sz="1800" b="0" i="0" u="none" strike="noStrike" cap="none" spc="0" baseline="0">
+        <a:defRPr b="0" baseline="0" cap="none" i="0" spc="0" strike="noStrike" sz="1800" u="none">
           <a:solidFill>
             <a:schemeClr val="tx1"/>
           </a:solidFill>
@@ -3180,7 +3172,7 @@
         <a:buFontTx/>
         <a:buNone/>
         <a:tabLst/>
-        <a:defRPr sz="1800" b="0" i="0" u="none" strike="noStrike" cap="none" spc="0" baseline="0">
+        <a:defRPr b="0" baseline="0" cap="none" i="0" spc="0" strike="noStrike" sz="1800" u="none">
           <a:solidFill>
             <a:schemeClr val="tx1"/>
           </a:solidFill>
@@ -3197,14 +3189,13 @@
 </file>
 
 <file path=ppt/slides/slide1.xml><?xml version="1.0" encoding="utf-8"?>
-<p:sld xmlns:a="http://schemas.openxmlformats.org/drawingml/2006/main" xmlns:r="http://schemas.openxmlformats.org/officeDocument/2006/relationships" xmlns:p="http://schemas.openxmlformats.org/presentationml/2006/main">
+<p:sld xmlns:a="http://schemas.openxmlformats.org/drawingml/2006/main" xmlns:r="http://schemas.openxmlformats.org/officeDocument/2006/relationships" xmlns:p="http://schemas.openxmlformats.org/presentationml/2006/main" xmlns:m="http://schemas.openxmlformats.org/officeDocument/2006/math" xmlns:a14="http://schemas.microsoft.com/office/drawing/2010/main" showMasterSp="1" showMasterPhAnim="1">
   <p:cSld>
     <p:bg>
       <p:bgPr>
         <a:solidFill>
           <a:srgbClr val="FFFFFF"/>
         </a:solidFill>
-        <a:effectLst/>
       </p:bgPr>
     </p:bg>
     <p:spTree>
@@ -3224,9 +3215,7 @@
       <p:sp>
         <p:nvSpPr>
           <p:cNvPr id="119" name="Protecting fMRI Data from Unforeseen Privacy Attacks in a Distributed Machine Learning Environment"/>
-          <p:cNvSpPr txBox="1">
-            <a:spLocks noGrp="1"/>
-          </p:cNvSpPr>
+          <p:cNvSpPr txBox="1"/>
           <p:nvPr>
             <p:ph type="title"/>
           </p:nvPr>
@@ -3274,9 +3263,7 @@
       <p:sp>
         <p:nvSpPr>
           <p:cNvPr id="120" name="Michael Ellis,…"/>
-          <p:cNvSpPr txBox="1">
-            <a:spLocks noGrp="1"/>
-          </p:cNvSpPr>
+          <p:cNvSpPr txBox="1"/>
           <p:nvPr>
             <p:ph type="body" sz="quarter" idx="1"/>
           </p:nvPr>
@@ -3298,7 +3285,7 @@
               <a:lnSpc>
                 <a:spcPct val="100000"/>
               </a:lnSpc>
-              <a:defRPr sz="1632" i="0"/>
+              <a:defRPr i="0" sz="1632"/>
             </a:pPr>
             <a:r>
               <a:t>Akash Meghani, </a:t>
@@ -3309,10 +3296,13 @@
               <a:lnSpc>
                 <a:spcPct val="100000"/>
               </a:lnSpc>
-              <a:defRPr sz="1632" i="0"/>
+              <a:defRPr i="0" sz="1632"/>
             </a:pPr>
             <a:r>
-              <a:t>Miguel Gaspar Utrera, </a:t>
+              <a:t>Miguel Gaspar Utrera</a:t>
+            </a:r>
+            <a:r>
+              <a:t>, </a:t>
             </a:r>
           </a:p>
           <a:p>
@@ -3320,7 +3310,7 @@
               <a:lnSpc>
                 <a:spcPct val="100000"/>
               </a:lnSpc>
-              <a:defRPr sz="1632" i="0"/>
+              <a:defRPr i="0" sz="1632"/>
             </a:pPr>
             <a:r>
               <a:t>Naseeb Thapaliya,</a:t>
@@ -3331,10 +3321,13 @@
               <a:lnSpc>
                 <a:spcPct val="100000"/>
               </a:lnSpc>
-              <a:defRPr sz="1632" i="0"/>
+              <a:defRPr i="0" sz="1632"/>
             </a:pPr>
             <a:r>
-              <a:t>Sultan Al Bogami,</a:t>
+              <a:t>Sultan Al Bogami</a:t>
+            </a:r>
+            <a:r>
+              <a:t>,</a:t>
             </a:r>
           </a:p>
           <a:p>
@@ -3342,7 +3335,7 @@
               <a:lnSpc>
                 <a:spcPct val="100000"/>
               </a:lnSpc>
-              <a:defRPr sz="1632" i="0"/>
+              <a:defRPr i="0" sz="1632"/>
             </a:pPr>
             <a:r>
               <a:t>Unnati Khivasara</a:t>
@@ -3353,16 +3346,15 @@
               <a:lnSpc>
                 <a:spcPct val="100000"/>
               </a:lnSpc>
-              <a:defRPr sz="1632" i="0"/>
+              <a:defRPr i="0" sz="1632"/>
             </a:pPr>
-            <a:endParaRPr/>
           </a:p>
           <a:p>
             <a:pPr defTabSz="397256">
               <a:lnSpc>
                 <a:spcPct val="100000"/>
               </a:lnSpc>
-              <a:defRPr sz="1632" i="0"/>
+              <a:defRPr i="0" sz="1632"/>
             </a:pPr>
             <a:r>
               <a:t>Mentors: Dr. Soumya Mohanty</a:t>
@@ -3373,7 +3365,7 @@
               <a:lnSpc>
                 <a:spcPct val="100000"/>
               </a:lnSpc>
-              <a:defRPr sz="1632" i="0"/>
+              <a:defRPr i="0" sz="1632"/>
             </a:pPr>
             <a:r>
               <a:t>                 Jason Jones (Guilford County)</a:t>
@@ -3390,7 +3382,9 @@
           <p:nvPr/>
         </p:nvPicPr>
         <p:blipFill>
-          <a:blip r:embed="rId2"/>
+          <a:blip r:embed="rId2">
+            <a:extLst/>
+          </a:blip>
           <a:stretch>
             <a:fillRect/>
           </a:stretch>
@@ -3413,19 +3407,18 @@
   <p:clrMapOvr>
     <a:masterClrMapping/>
   </p:clrMapOvr>
-  <p:transition spd="med"/>
+  <p:transition xmlns:p14="http://schemas.microsoft.com/office/powerpoint/2010/main" spd="med" advClick="1"/>
 </p:sld>
 </file>
 
 <file path=ppt/slides/slide10.xml><?xml version="1.0" encoding="utf-8"?>
-<p:sld xmlns:a="http://schemas.openxmlformats.org/drawingml/2006/main" xmlns:r="http://schemas.openxmlformats.org/officeDocument/2006/relationships" xmlns:p="http://schemas.openxmlformats.org/presentationml/2006/main">
+<p:sld xmlns:a="http://schemas.openxmlformats.org/drawingml/2006/main" xmlns:r="http://schemas.openxmlformats.org/officeDocument/2006/relationships" xmlns:p="http://schemas.openxmlformats.org/presentationml/2006/main" xmlns:m="http://schemas.openxmlformats.org/officeDocument/2006/math" xmlns:a14="http://schemas.microsoft.com/office/drawing/2010/main" showMasterSp="1" showMasterPhAnim="1">
   <p:cSld>
     <p:bg>
       <p:bgPr>
         <a:solidFill>
           <a:srgbClr val="FFFFFF"/>
         </a:solidFill>
-        <a:effectLst/>
       </p:bgPr>
     </p:bg>
     <p:spTree>
@@ -3445,9 +3438,7 @@
       <p:sp>
         <p:nvSpPr>
           <p:cNvPr id="155" name="Predictive Models Used"/>
-          <p:cNvSpPr txBox="1">
-            <a:spLocks noGrp="1"/>
-          </p:cNvSpPr>
+          <p:cNvSpPr txBox="1"/>
           <p:nvPr>
             <p:ph type="title"/>
           </p:nvPr>
@@ -3461,6 +3452,7 @@
           <a:bodyPr/>
           <a:lstStyle/>
           <a:p>
+            <a:pPr/>
             <a:r>
               <a:t>Topic Modelling</a:t>
             </a:r>
@@ -3476,7 +3468,9 @@
           <p:nvPr/>
         </p:nvPicPr>
         <p:blipFill>
-          <a:blip r:embed="rId2"/>
+          <a:blip r:embed="rId2">
+            <a:extLst/>
+          </a:blip>
           <a:stretch>
             <a:fillRect/>
           </a:stretch>
@@ -3503,7 +3497,9 @@
           <p:nvPr/>
         </p:nvPicPr>
         <p:blipFill>
-          <a:blip r:embed="rId3"/>
+          <a:blip r:embed="rId3">
+            <a:extLst/>
+          </a:blip>
           <a:stretch>
             <a:fillRect/>
           </a:stretch>
@@ -3540,7 +3536,7 @@
           </a:ln>
           <a:extLst>
             <a:ext uri="{C572A759-6A51-4108-AA02-DFA0A04FC94B}">
-              <ma14:wrappingTextBoxFlag xmlns:ma14="http://schemas.microsoft.com/office/mac/drawingml/2011/main" xmlns:a14="http://schemas.microsoft.com/office/drawing/2010/main" xmlns:m="http://schemas.openxmlformats.org/officeDocument/2006/math" xmlns="" val="1"/>
+              <ma14:wrappingTextBoxFlag xmlns:ma14="http://schemas.microsoft.com/office/mac/drawingml/2011/main" val="1"/>
             </a:ext>
           </a:extLst>
         </p:spPr>
@@ -3582,13 +3578,13 @@
   <p:clrMapOvr>
     <a:masterClrMapping/>
   </p:clrMapOvr>
-  <mc:AlternateContent xmlns:mc="http://schemas.openxmlformats.org/markup-compatibility/2006" xmlns:p14="http://schemas.microsoft.com/office/powerpoint/2010/main">
-    <mc:Choice Requires="p14">
-      <p:transition spd="slow" p14:dur="1200">
+  <mc:AlternateContent xmlns:mc="http://schemas.openxmlformats.org/markup-compatibility/2006">
+    <mc:Choice xmlns:p14="http://schemas.microsoft.com/office/powerpoint/2010/main" Requires="p14">
+      <p:transition spd="slow" advClick="1" p14:dur="1200">
         <p:dissolve/>
       </p:transition>
     </mc:Choice>
-    <mc:Fallback xmlns:a14="http://schemas.microsoft.com/office/drawing/2010/main" xmlns:m="http://schemas.openxmlformats.org/officeDocument/2006/math" xmlns="">
+    <mc:Fallback>
       <p:transition spd="slow">
         <p:fade/>
       </p:transition>
@@ -3598,14 +3594,13 @@
 </file>
 
 <file path=ppt/slides/slide11.xml><?xml version="1.0" encoding="utf-8"?>
-<p:sld xmlns:a="http://schemas.openxmlformats.org/drawingml/2006/main" xmlns:r="http://schemas.openxmlformats.org/officeDocument/2006/relationships" xmlns:p="http://schemas.openxmlformats.org/presentationml/2006/main">
+<p:sld xmlns:a="http://schemas.openxmlformats.org/drawingml/2006/main" xmlns:r="http://schemas.openxmlformats.org/officeDocument/2006/relationships" xmlns:p="http://schemas.openxmlformats.org/presentationml/2006/main" xmlns:m="http://schemas.openxmlformats.org/officeDocument/2006/math" xmlns:a14="http://schemas.microsoft.com/office/drawing/2010/main" showMasterSp="1" showMasterPhAnim="1">
   <p:cSld>
     <p:bg>
       <p:bgPr>
         <a:solidFill>
           <a:srgbClr val="FFFFFF"/>
         </a:solidFill>
-        <a:effectLst/>
       </p:bgPr>
     </p:bg>
     <p:spTree>
@@ -3625,9 +3620,7 @@
       <p:sp>
         <p:nvSpPr>
           <p:cNvPr id="160" name="Predictive Models Used"/>
-          <p:cNvSpPr txBox="1">
-            <a:spLocks noGrp="1"/>
-          </p:cNvSpPr>
+          <p:cNvSpPr txBox="1"/>
           <p:nvPr>
             <p:ph type="title"/>
           </p:nvPr>
@@ -3641,8 +3634,8 @@
           <a:bodyPr/>
           <a:lstStyle/>
           <a:p>
-            <a:r>
-              <a:rPr dirty="0"/>
+            <a:pPr/>
+            <a:r>
               <a:t>Emotion And Sentiment Analysis</a:t>
             </a:r>
           </a:p>
@@ -3657,7 +3650,9 @@
           <p:nvPr/>
         </p:nvPicPr>
         <p:blipFill>
-          <a:blip r:embed="rId2"/>
+          <a:blip r:embed="rId2">
+            <a:extLst/>
+          </a:blip>
           <a:stretch>
             <a:fillRect/>
           </a:stretch>
@@ -3694,7 +3689,7 @@
           </a:ln>
           <a:extLst>
             <a:ext uri="{C572A759-6A51-4108-AA02-DFA0A04FC94B}">
-              <ma14:wrappingTextBoxFlag xmlns:ma14="http://schemas.microsoft.com/office/mac/drawingml/2011/main" xmlns:a14="http://schemas.microsoft.com/office/drawing/2010/main" xmlns:m="http://schemas.openxmlformats.org/officeDocument/2006/math" xmlns="" val="1"/>
+              <ma14:wrappingTextBoxFlag xmlns:ma14="http://schemas.microsoft.com/office/mac/drawingml/2011/main" val="1"/>
             </a:ext>
           </a:extLst>
         </p:spPr>
@@ -3740,7 +3735,9 @@
           <p:nvPr/>
         </p:nvPicPr>
         <p:blipFill>
-          <a:blip r:embed="rId3"/>
+          <a:blip r:embed="rId3">
+            <a:extLst/>
+          </a:blip>
           <a:stretch>
             <a:fillRect/>
           </a:stretch>
@@ -3763,13 +3760,13 @@
   <p:clrMapOvr>
     <a:masterClrMapping/>
   </p:clrMapOvr>
-  <mc:AlternateContent xmlns:mc="http://schemas.openxmlformats.org/markup-compatibility/2006" xmlns:p14="http://schemas.microsoft.com/office/powerpoint/2010/main">
-    <mc:Choice Requires="p14">
-      <p:transition spd="slow" p14:dur="1200">
+  <mc:AlternateContent xmlns:mc="http://schemas.openxmlformats.org/markup-compatibility/2006">
+    <mc:Choice xmlns:p14="http://schemas.microsoft.com/office/powerpoint/2010/main" Requires="p14">
+      <p:transition spd="slow" advClick="1" p14:dur="1200">
         <p:dissolve/>
       </p:transition>
     </mc:Choice>
-    <mc:Fallback xmlns:a14="http://schemas.microsoft.com/office/drawing/2010/main" xmlns:m="http://schemas.openxmlformats.org/officeDocument/2006/math" xmlns="">
+    <mc:Fallback>
       <p:transition spd="slow">
         <p:fade/>
       </p:transition>
@@ -3779,357 +3776,13 @@
 </file>
 
 <file path=ppt/slides/slide12.xml><?xml version="1.0" encoding="utf-8"?>
-<p:sld xmlns:a="http://schemas.openxmlformats.org/drawingml/2006/main" xmlns:r="http://schemas.openxmlformats.org/officeDocument/2006/relationships" xmlns:p="http://schemas.openxmlformats.org/presentationml/2006/main">
+<p:sld xmlns:a="http://schemas.openxmlformats.org/drawingml/2006/main" xmlns:r="http://schemas.openxmlformats.org/officeDocument/2006/relationships" xmlns:p="http://schemas.openxmlformats.org/presentationml/2006/main" xmlns:m="http://schemas.openxmlformats.org/officeDocument/2006/math" xmlns:a14="http://schemas.microsoft.com/office/drawing/2010/main" showMasterSp="1" showMasterPhAnim="1">
   <p:cSld>
     <p:bg>
       <p:bgPr>
         <a:solidFill>
           <a:srgbClr val="FFFFFF"/>
         </a:solidFill>
-        <a:effectLst/>
-      </p:bgPr>
-    </p:bg>
-    <p:spTree>
-      <p:nvGrpSpPr>
-        <p:cNvPr id="1" name=""/>
-        <p:cNvGrpSpPr/>
-        <p:nvPr/>
-      </p:nvGrpSpPr>
-      <p:grpSpPr>
-        <a:xfrm>
-          <a:off x="0" y="0"/>
-          <a:ext cx="0" cy="0"/>
-          <a:chOff x="0" y="0"/>
-          <a:chExt cx="0" cy="0"/>
-        </a:xfrm>
-      </p:grpSpPr>
-      <p:sp>
-        <p:nvSpPr>
-          <p:cNvPr id="160" name="Predictive Models Used"/>
-          <p:cNvSpPr txBox="1">
-            <a:spLocks noGrp="1"/>
-          </p:cNvSpPr>
-          <p:nvPr>
-            <p:ph type="title"/>
-          </p:nvPr>
-        </p:nvSpPr>
-        <p:spPr>
-          <a:prstGeom prst="rect">
-            <a:avLst/>
-          </a:prstGeom>
-        </p:spPr>
-        <p:txBody>
-          <a:bodyPr/>
-          <a:lstStyle/>
-          <a:p>
-            <a:r>
-              <a:rPr dirty="0"/>
-              <a:t>Emotion And Sentiment Analysis</a:t>
-            </a:r>
-          </a:p>
-        </p:txBody>
-      </p:sp>
-      <p:sp>
-        <p:nvSpPr>
-          <p:cNvPr id="2" name="Text Placeholder 1">
-            <a:extLst>
-              <a:ext uri="{FF2B5EF4-FFF2-40B4-BE49-F238E27FC236}">
-                <a16:creationId xmlns:a16="http://schemas.microsoft.com/office/drawing/2014/main" id="{987B64E4-2433-436E-AA27-25DFC3C3EBA7}"/>
-              </a:ext>
-            </a:extLst>
-          </p:cNvPr>
-          <p:cNvSpPr>
-            <a:spLocks noGrp="1"/>
-          </p:cNvSpPr>
-          <p:nvPr>
-            <p:ph type="body" idx="1"/>
-          </p:nvPr>
-        </p:nvSpPr>
-        <p:spPr/>
-        <p:txBody>
-          <a:bodyPr/>
-          <a:lstStyle/>
-          <a:p>
-            <a:r>
-              <a:rPr lang="en-US" dirty="0"/>
-              <a:t>1) Tokenization</a:t>
-            </a:r>
-          </a:p>
-          <a:p>
-            <a:r>
-              <a:rPr lang="en-US" dirty="0"/>
-              <a:t>2) Cleaning the data</a:t>
-            </a:r>
-          </a:p>
-          <a:p>
-            <a:r>
-              <a:rPr lang="en-US" dirty="0"/>
-              <a:t>3) Removing stop words</a:t>
-            </a:r>
-          </a:p>
-          <a:p>
-            <a:r>
-              <a:rPr lang="en-US" dirty="0"/>
-              <a:t>4) Normalization</a:t>
-            </a:r>
-          </a:p>
-          <a:p>
-            <a:r>
-              <a:rPr lang="en-US" dirty="0"/>
-              <a:t>5) Supervised learning/Lexicon based approach</a:t>
-            </a:r>
-          </a:p>
-        </p:txBody>
-      </p:sp>
-      <p:pic>
-        <p:nvPicPr>
-          <p:cNvPr id="161" name="Screen Shot 2019-05-13 at 12.07.59.png" descr="Screen Shot 2019-05-13 at 12.07.59.png"/>
-          <p:cNvPicPr>
-            <a:picLocks noChangeAspect="1"/>
-          </p:cNvPicPr>
-          <p:nvPr/>
-        </p:nvPicPr>
-        <p:blipFill>
-          <a:blip r:embed="rId2"/>
-          <a:stretch>
-            <a:fillRect/>
-          </a:stretch>
-        </p:blipFill>
-        <p:spPr>
-          <a:xfrm>
-            <a:off x="32940" y="9116962"/>
-            <a:ext cx="1730545" cy="615307"/>
-          </a:xfrm>
-          <a:prstGeom prst="rect">
-            <a:avLst/>
-          </a:prstGeom>
-          <a:ln w="12700">
-            <a:miter lim="400000"/>
-          </a:ln>
-        </p:spPr>
-      </p:pic>
-    </p:spTree>
-    <p:extLst>
-      <p:ext uri="{BB962C8B-B14F-4D97-AF65-F5344CB8AC3E}">
-        <p14:creationId xmlns:p14="http://schemas.microsoft.com/office/powerpoint/2010/main" val="3673029653"/>
-      </p:ext>
-    </p:extLst>
-  </p:cSld>
-  <p:clrMapOvr>
-    <a:masterClrMapping/>
-  </p:clrMapOvr>
-  <mc:AlternateContent xmlns:mc="http://schemas.openxmlformats.org/markup-compatibility/2006" xmlns:p14="http://schemas.microsoft.com/office/powerpoint/2010/main">
-    <mc:Choice Requires="p14">
-      <p:transition spd="slow" p14:dur="1200">
-        <p:dissolve/>
-      </p:transition>
-    </mc:Choice>
-    <mc:Fallback xmlns:a14="http://schemas.microsoft.com/office/drawing/2010/main" xmlns:m="http://schemas.openxmlformats.org/officeDocument/2006/math" xmlns="">
-      <p:transition spd="slow">
-        <p:fade/>
-      </p:transition>
-    </mc:Fallback>
-  </mc:AlternateContent>
-</p:sld>
-</file>
-
-<file path=ppt/slides/slide13.xml><?xml version="1.0" encoding="utf-8"?>
-<p:sld xmlns:a="http://schemas.openxmlformats.org/drawingml/2006/main" xmlns:r="http://schemas.openxmlformats.org/officeDocument/2006/relationships" xmlns:p="http://schemas.openxmlformats.org/presentationml/2006/main">
-  <p:cSld>
-    <p:bg>
-      <p:bgPr>
-        <a:solidFill>
-          <a:srgbClr val="FFFFFF"/>
-        </a:solidFill>
-        <a:effectLst/>
-      </p:bgPr>
-    </p:bg>
-    <p:spTree>
-      <p:nvGrpSpPr>
-        <p:cNvPr id="1" name=""/>
-        <p:cNvGrpSpPr/>
-        <p:nvPr/>
-      </p:nvGrpSpPr>
-      <p:grpSpPr>
-        <a:xfrm>
-          <a:off x="0" y="0"/>
-          <a:ext cx="0" cy="0"/>
-          <a:chOff x="0" y="0"/>
-          <a:chExt cx="0" cy="0"/>
-        </a:xfrm>
-      </p:grpSpPr>
-      <p:sp>
-        <p:nvSpPr>
-          <p:cNvPr id="160" name="Predictive Models Used"/>
-          <p:cNvSpPr txBox="1">
-            <a:spLocks noGrp="1"/>
-          </p:cNvSpPr>
-          <p:nvPr>
-            <p:ph type="title"/>
-          </p:nvPr>
-        </p:nvSpPr>
-        <p:spPr>
-          <a:prstGeom prst="rect">
-            <a:avLst/>
-          </a:prstGeom>
-        </p:spPr>
-        <p:txBody>
-          <a:bodyPr/>
-          <a:lstStyle/>
-          <a:p>
-            <a:r>
-              <a:rPr dirty="0"/>
-              <a:t>Emotion And Sentiment Analysis</a:t>
-            </a:r>
-          </a:p>
-        </p:txBody>
-      </p:sp>
-      <p:sp>
-        <p:nvSpPr>
-          <p:cNvPr id="2" name="Text Placeholder 1">
-            <a:extLst>
-              <a:ext uri="{FF2B5EF4-FFF2-40B4-BE49-F238E27FC236}">
-                <a16:creationId xmlns:a16="http://schemas.microsoft.com/office/drawing/2014/main" id="{987B64E4-2433-436E-AA27-25DFC3C3EBA7}"/>
-              </a:ext>
-            </a:extLst>
-          </p:cNvPr>
-          <p:cNvSpPr>
-            <a:spLocks noGrp="1"/>
-          </p:cNvSpPr>
-          <p:nvPr>
-            <p:ph type="body" idx="1"/>
-          </p:nvPr>
-        </p:nvSpPr>
-        <p:spPr/>
-        <p:txBody>
-          <a:bodyPr/>
-          <a:lstStyle/>
-          <a:p>
-            <a:pPr marL="0" indent="0">
-              <a:buNone/>
-            </a:pPr>
-            <a:r>
-              <a:rPr lang="en-US" dirty="0"/>
-              <a:t>1) Text classification using spacy python package</a:t>
-            </a:r>
-          </a:p>
-          <a:p>
-            <a:pPr marL="0" indent="0">
-              <a:buNone/>
-            </a:pPr>
-            <a:r>
-              <a:rPr lang="en-US" dirty="0"/>
-              <a:t>2) Number of stop words in the list : 326</a:t>
-            </a:r>
-          </a:p>
-          <a:p>
-            <a:pPr marL="0" indent="0">
-              <a:buNone/>
-            </a:pPr>
-            <a:r>
-              <a:rPr lang="en-US" dirty="0"/>
-              <a:t>3) First ten stop words in Spacy:</a:t>
-            </a:r>
-          </a:p>
-          <a:p>
-            <a:pPr marL="0" indent="0">
-              <a:buNone/>
-            </a:pPr>
-            <a:endParaRPr lang="en-US" dirty="0"/>
-          </a:p>
-        </p:txBody>
-      </p:sp>
-      <p:pic>
-        <p:nvPicPr>
-          <p:cNvPr id="161" name="Screen Shot 2019-05-13 at 12.07.59.png" descr="Screen Shot 2019-05-13 at 12.07.59.png"/>
-          <p:cNvPicPr>
-            <a:picLocks noChangeAspect="1"/>
-          </p:cNvPicPr>
-          <p:nvPr/>
-        </p:nvPicPr>
-        <p:blipFill>
-          <a:blip r:embed="rId2"/>
-          <a:stretch>
-            <a:fillRect/>
-          </a:stretch>
-        </p:blipFill>
-        <p:spPr>
-          <a:xfrm>
-            <a:off x="32940" y="9116962"/>
-            <a:ext cx="1730545" cy="615307"/>
-          </a:xfrm>
-          <a:prstGeom prst="rect">
-            <a:avLst/>
-          </a:prstGeom>
-          <a:ln w="12700">
-            <a:miter lim="400000"/>
-          </a:ln>
-        </p:spPr>
-      </p:pic>
-      <p:pic>
-        <p:nvPicPr>
-          <p:cNvPr id="3" name="Picture 2">
-            <a:extLst>
-              <a:ext uri="{FF2B5EF4-FFF2-40B4-BE49-F238E27FC236}">
-                <a16:creationId xmlns:a16="http://schemas.microsoft.com/office/drawing/2014/main" id="{58C06049-C748-41E3-8078-B83F0AE985D6}"/>
-              </a:ext>
-            </a:extLst>
-          </p:cNvPr>
-          <p:cNvPicPr>
-            <a:picLocks noChangeAspect="1"/>
-          </p:cNvPicPr>
-          <p:nvPr/>
-        </p:nvPicPr>
-        <p:blipFill>
-          <a:blip r:embed="rId3"/>
-          <a:stretch>
-            <a:fillRect/>
-          </a:stretch>
-        </p:blipFill>
-        <p:spPr>
-          <a:xfrm>
-            <a:off x="1060747" y="6527110"/>
-            <a:ext cx="10979166" cy="1304925"/>
-          </a:xfrm>
-          <a:prstGeom prst="rect">
-            <a:avLst/>
-          </a:prstGeom>
-        </p:spPr>
-      </p:pic>
-    </p:spTree>
-    <p:extLst>
-      <p:ext uri="{BB962C8B-B14F-4D97-AF65-F5344CB8AC3E}">
-        <p14:creationId xmlns:p14="http://schemas.microsoft.com/office/powerpoint/2010/main" val="1450386555"/>
-      </p:ext>
-    </p:extLst>
-  </p:cSld>
-  <p:clrMapOvr>
-    <a:masterClrMapping/>
-  </p:clrMapOvr>
-  <mc:AlternateContent xmlns:mc="http://schemas.openxmlformats.org/markup-compatibility/2006" xmlns:p14="http://schemas.microsoft.com/office/powerpoint/2010/main">
-    <mc:Choice Requires="p14">
-      <p:transition spd="slow" p14:dur="1200">
-        <p:dissolve/>
-      </p:transition>
-    </mc:Choice>
-    <mc:Fallback xmlns:a14="http://schemas.microsoft.com/office/drawing/2010/main" xmlns:m="http://schemas.openxmlformats.org/officeDocument/2006/math" xmlns="">
-      <p:transition spd="slow">
-        <p:fade/>
-      </p:transition>
-    </mc:Fallback>
-  </mc:AlternateContent>
-</p:sld>
-</file>
-
-<file path=ppt/slides/slide14.xml><?xml version="1.0" encoding="utf-8"?>
-<p:sld xmlns:a="http://schemas.openxmlformats.org/drawingml/2006/main" xmlns:r="http://schemas.openxmlformats.org/officeDocument/2006/relationships" xmlns:p="http://schemas.openxmlformats.org/presentationml/2006/main">
-  <p:cSld>
-    <p:bg>
-      <p:bgPr>
-        <a:solidFill>
-          <a:srgbClr val="FFFFFF"/>
-        </a:solidFill>
-        <a:effectLst/>
       </p:bgPr>
     </p:bg>
     <p:spTree>
@@ -4149,9 +3802,7 @@
       <p:sp>
         <p:nvSpPr>
           <p:cNvPr id="165" name="Predictive Models Used"/>
-          <p:cNvSpPr txBox="1">
-            <a:spLocks noGrp="1"/>
-          </p:cNvSpPr>
+          <p:cNvSpPr txBox="1"/>
           <p:nvPr>
             <p:ph type="title"/>
           </p:nvPr>
@@ -4162,9 +3813,7 @@
           </a:prstGeom>
         </p:spPr>
         <p:txBody>
-          <a:bodyPr>
-            <a:normAutofit fontScale="90000"/>
-          </a:bodyPr>
+          <a:bodyPr/>
           <a:lstStyle>
             <a:lvl1pPr defTabSz="572516">
               <a:spcBef>
@@ -4174,6 +3823,7 @@
             </a:lvl1pPr>
           </a:lstStyle>
           <a:p>
+            <a:pPr/>
             <a:r>
               <a:t>Next Word Recommender(optional)</a:t>
             </a:r>
@@ -4189,7 +3839,9 @@
           <p:nvPr/>
         </p:nvPicPr>
         <p:blipFill>
-          <a:blip r:embed="rId2"/>
+          <a:blip r:embed="rId2">
+            <a:extLst/>
+          </a:blip>
           <a:stretch>
             <a:fillRect/>
           </a:stretch>
@@ -4226,7 +3878,7 @@
           </a:ln>
           <a:extLst>
             <a:ext uri="{C572A759-6A51-4108-AA02-DFA0A04FC94B}">
-              <ma14:wrappingTextBoxFlag xmlns:ma14="http://schemas.microsoft.com/office/mac/drawingml/2011/main" xmlns:a14="http://schemas.microsoft.com/office/drawing/2010/main" xmlns:m="http://schemas.openxmlformats.org/officeDocument/2006/math" xmlns="" val="1"/>
+              <ma14:wrappingTextBoxFlag xmlns:ma14="http://schemas.microsoft.com/office/mac/drawingml/2011/main" val="1"/>
             </a:ext>
           </a:extLst>
         </p:spPr>
@@ -4268,13 +3920,13 @@
   <p:clrMapOvr>
     <a:masterClrMapping/>
   </p:clrMapOvr>
-  <mc:AlternateContent xmlns:mc="http://schemas.openxmlformats.org/markup-compatibility/2006" xmlns:p14="http://schemas.microsoft.com/office/powerpoint/2010/main">
-    <mc:Choice Requires="p14">
-      <p:transition spd="slow" p14:dur="1200">
+  <mc:AlternateContent xmlns:mc="http://schemas.openxmlformats.org/markup-compatibility/2006">
+    <mc:Choice xmlns:p14="http://schemas.microsoft.com/office/powerpoint/2010/main" Requires="p14">
+      <p:transition spd="slow" advClick="1" p14:dur="1200">
         <p:dissolve/>
       </p:transition>
     </mc:Choice>
-    <mc:Fallback xmlns:a14="http://schemas.microsoft.com/office/drawing/2010/main" xmlns:m="http://schemas.openxmlformats.org/officeDocument/2006/math" xmlns="">
+    <mc:Fallback>
       <p:transition spd="slow">
         <p:fade/>
       </p:transition>
@@ -4283,15 +3935,14 @@
 </p:sld>
 </file>
 
-<file path=ppt/slides/slide15.xml><?xml version="1.0" encoding="utf-8"?>
-<p:sld xmlns:a="http://schemas.openxmlformats.org/drawingml/2006/main" xmlns:r="http://schemas.openxmlformats.org/officeDocument/2006/relationships" xmlns:p="http://schemas.openxmlformats.org/presentationml/2006/main">
+<file path=ppt/slides/slide13.xml><?xml version="1.0" encoding="utf-8"?>
+<p:sld xmlns:a="http://schemas.openxmlformats.org/drawingml/2006/main" xmlns:r="http://schemas.openxmlformats.org/officeDocument/2006/relationships" xmlns:p="http://schemas.openxmlformats.org/presentationml/2006/main" xmlns:m="http://schemas.openxmlformats.org/officeDocument/2006/math" xmlns:a14="http://schemas.microsoft.com/office/drawing/2010/main" showMasterSp="1" showMasterPhAnim="1">
   <p:cSld>
     <p:bg>
       <p:bgPr>
         <a:solidFill>
           <a:srgbClr val="FFFFFF"/>
         </a:solidFill>
-        <a:effectLst/>
       </p:bgPr>
     </p:bg>
     <p:spTree>
@@ -4311,9 +3962,7 @@
       <p:sp>
         <p:nvSpPr>
           <p:cNvPr id="169" name="Predictive Models Used"/>
-          <p:cNvSpPr txBox="1">
-            <a:spLocks noGrp="1"/>
-          </p:cNvSpPr>
+          <p:cNvSpPr txBox="1"/>
           <p:nvPr>
             <p:ph type="title"/>
           </p:nvPr>
@@ -4327,6 +3976,7 @@
           <a:bodyPr/>
           <a:lstStyle/>
           <a:p>
+            <a:pPr/>
             <a:r>
               <a:t>Relevant Work</a:t>
             </a:r>
@@ -4342,7 +3992,9 @@
           <p:nvPr/>
         </p:nvPicPr>
         <p:blipFill>
-          <a:blip r:embed="rId2"/>
+          <a:blip r:embed="rId2">
+            <a:extLst/>
+          </a:blip>
           <a:stretch>
             <a:fillRect/>
           </a:stretch>
@@ -4379,7 +4031,7 @@
           </a:ln>
           <a:extLst>
             <a:ext uri="{C572A759-6A51-4108-AA02-DFA0A04FC94B}">
-              <ma14:wrappingTextBoxFlag xmlns:ma14="http://schemas.microsoft.com/office/mac/drawingml/2011/main" xmlns:a14="http://schemas.microsoft.com/office/drawing/2010/main" xmlns:m="http://schemas.openxmlformats.org/officeDocument/2006/math" xmlns="" val="1"/>
+              <ma14:wrappingTextBoxFlag xmlns:ma14="http://schemas.microsoft.com/office/mac/drawingml/2011/main" val="1"/>
             </a:ext>
           </a:extLst>
         </p:spPr>
@@ -4398,7 +4050,7 @@
               </a:buClr>
               <a:buSzPct val="100000"/>
               <a:buChar char="•"/>
-              <a:defRPr sz="2900" b="1">
+              <a:defRPr b="1" sz="2900">
                 <a:solidFill>
                   <a:srgbClr val="000000"/>
                 </a:solidFill>
@@ -4415,7 +4067,7 @@
                     <a:srgbClr val="0000FF"/>
                   </a:solidFill>
                 </a:uFill>
-                <a:hlinkClick r:id="rId3"/>
+                <a:hlinkClick r:id="rId3" invalidUrl="" action="" tgtFrame="" tooltip="" history="1" highlightClick="0" endSnd="0"/>
               </a:rPr>
               <a:t>Emotion Sentiment Extraction Website by Jason.</a:t>
             </a:r>
@@ -4432,7 +4084,7 @@
                     <a:srgbClr val="0000FF"/>
                   </a:solidFill>
                 </a:uFill>
-                <a:hlinkClick r:id="rId3"/>
+                <a:hlinkClick r:id="rId3" invalidUrl="" action="" tgtFrame="" tooltip="" history="1" highlightClick="0" endSnd="0"/>
               </a:rPr>
               <a:t>https://jason-jones.shinyapps.io/Emotionizer/</a:t>
             </a:r>
@@ -4450,7 +4102,7 @@
               </a:buClr>
               <a:buSzPct val="100000"/>
               <a:buChar char="•"/>
-              <a:defRPr sz="2900" b="1">
+              <a:defRPr b="1" sz="2900">
                 <a:solidFill>
                   <a:srgbClr val="000000"/>
                 </a:solidFill>
@@ -4468,9 +4120,10 @@
               <a:t> -</a:t>
             </a:r>
             <a:r>
-              <a:rPr sz="3000" baseline="31999"/>
+              <a:rPr baseline="31999" sz="3000"/>
               <a:t>Varat Nayak</a:t>
             </a:r>
+            <a:endParaRPr baseline="31999" sz="3000"/>
           </a:p>
           <a:p>
             <a:pPr marL="200526" indent="-200526" algn="l" defTabSz="914400">
@@ -4479,7 +4132,7 @@
               </a:buClr>
               <a:buSzPct val="100000"/>
               <a:buChar char="•"/>
-              <a:defRPr sz="2900" b="1">
+              <a:defRPr b="1" sz="2900">
                 <a:solidFill>
                   <a:srgbClr val="000000"/>
                 </a:solidFill>
@@ -4489,7 +4142,6 @@
                 <a:sym typeface="Times New Roman"/>
               </a:defRPr>
             </a:pPr>
-            <a:endParaRPr sz="3000" baseline="31999"/>
           </a:p>
         </p:txBody>
       </p:sp>
@@ -4498,13 +4150,13 @@
   <p:clrMapOvr>
     <a:masterClrMapping/>
   </p:clrMapOvr>
-  <mc:AlternateContent xmlns:mc="http://schemas.openxmlformats.org/markup-compatibility/2006" xmlns:p14="http://schemas.microsoft.com/office/powerpoint/2010/main">
-    <mc:Choice Requires="p14">
-      <p:transition spd="slow" p14:dur="1200">
+  <mc:AlternateContent xmlns:mc="http://schemas.openxmlformats.org/markup-compatibility/2006">
+    <mc:Choice xmlns:p14="http://schemas.microsoft.com/office/powerpoint/2010/main" Requires="p14">
+      <p:transition spd="slow" advClick="1" p14:dur="1200">
         <p:dissolve/>
       </p:transition>
     </mc:Choice>
-    <mc:Fallback xmlns:a14="http://schemas.microsoft.com/office/drawing/2010/main" xmlns:m="http://schemas.openxmlformats.org/officeDocument/2006/math" xmlns="">
+    <mc:Fallback>
       <p:transition spd="slow">
         <p:fade/>
       </p:transition>
@@ -4514,14 +4166,13 @@
 </file>
 
 <file path=ppt/slides/slide2.xml><?xml version="1.0" encoding="utf-8"?>
-<p:sld xmlns:a="http://schemas.openxmlformats.org/drawingml/2006/main" xmlns:r="http://schemas.openxmlformats.org/officeDocument/2006/relationships" xmlns:p="http://schemas.openxmlformats.org/presentationml/2006/main">
+<p:sld xmlns:a="http://schemas.openxmlformats.org/drawingml/2006/main" xmlns:r="http://schemas.openxmlformats.org/officeDocument/2006/relationships" xmlns:p="http://schemas.openxmlformats.org/presentationml/2006/main" xmlns:m="http://schemas.openxmlformats.org/officeDocument/2006/math" xmlns:a14="http://schemas.microsoft.com/office/drawing/2010/main" showMasterSp="1" showMasterPhAnim="1">
   <p:cSld>
     <p:bg>
       <p:bgPr>
         <a:solidFill>
           <a:srgbClr val="FFFFFF"/>
         </a:solidFill>
-        <a:effectLst/>
       </p:bgPr>
     </p:bg>
     <p:spTree>
@@ -4541,9 +4192,7 @@
       <p:sp>
         <p:nvSpPr>
           <p:cNvPr id="123" name="fMRI (StarPlus ) Overview"/>
-          <p:cNvSpPr txBox="1">
-            <a:spLocks noGrp="1"/>
-          </p:cNvSpPr>
+          <p:cNvSpPr txBox="1"/>
           <p:nvPr>
             <p:ph type="title"/>
           </p:nvPr>
@@ -4557,6 +4206,7 @@
           <a:bodyPr/>
           <a:lstStyle/>
           <a:p>
+            <a:pPr/>
             <a:r>
               <a:t>Overview of the Project</a:t>
             </a:r>
@@ -4566,9 +4216,7 @@
       <p:sp>
         <p:nvSpPr>
           <p:cNvPr id="124" name="What is fMRI?…"/>
-          <p:cNvSpPr txBox="1">
-            <a:spLocks noGrp="1"/>
-          </p:cNvSpPr>
+          <p:cNvSpPr txBox="1"/>
           <p:nvPr>
             <p:ph type="body" idx="1"/>
           </p:nvPr>
@@ -4586,13 +4234,14 @@
           <a:bodyPr/>
           <a:lstStyle/>
           <a:p>
+            <a:pPr/>
             <a:r>
               <a:t> Budget text Analysis for counties and cities:</a:t>
             </a:r>
             <a:endParaRPr sz="2200"/>
           </a:p>
           <a:p>
-            <a:pPr marL="640080" lvl="1" indent="-274320" defTabSz="914400">
+            <a:pPr lvl="1" marL="640080" indent="-274320" defTabSz="914400">
               <a:lnSpc>
                 <a:spcPct val="90000"/>
               </a:lnSpc>
@@ -4605,7 +4254,7 @@
               <a:buSzPct val="76000"/>
               <a:buFont typeface="Arial"/>
               <a:buChar char="✦"/>
-              <a:defRPr sz="2200" b="0">
+              <a:defRPr b="0" sz="2200">
                 <a:solidFill>
                   <a:srgbClr val="3E3D2D"/>
                 </a:solidFill>
@@ -4620,7 +4269,7 @@
             </a:r>
           </a:p>
           <a:p>
-            <a:pPr marL="640080" lvl="1" indent="-274320" defTabSz="914400">
+            <a:pPr lvl="1" marL="640080" indent="-274320" defTabSz="914400">
               <a:lnSpc>
                 <a:spcPct val="90000"/>
               </a:lnSpc>
@@ -4633,7 +4282,7 @@
               <a:buSzPct val="76000"/>
               <a:buFont typeface="Arial"/>
               <a:buChar char="✦"/>
-              <a:defRPr sz="2200" b="0">
+              <a:defRPr b="0" sz="2200">
                 <a:solidFill>
                   <a:srgbClr val="3E3D2D"/>
                 </a:solidFill>
@@ -4648,7 +4297,7 @@
             </a:r>
           </a:p>
           <a:p>
-            <a:pPr marL="640080" lvl="1" indent="-274320" defTabSz="914400">
+            <a:pPr lvl="1" marL="640080" indent="-274320" defTabSz="914400">
               <a:lnSpc>
                 <a:spcPct val="90000"/>
               </a:lnSpc>
@@ -4661,7 +4310,7 @@
               <a:buSzPct val="76000"/>
               <a:buFont typeface="Arial"/>
               <a:buChar char="✦"/>
-              <a:defRPr sz="2200" b="0">
+              <a:defRPr b="0" sz="2200">
                 <a:solidFill>
                   <a:srgbClr val="3E3D2D"/>
                 </a:solidFill>
@@ -4676,7 +4325,7 @@
             </a:r>
           </a:p>
           <a:p>
-            <a:pPr marL="640080" lvl="1" indent="-274320" defTabSz="914400">
+            <a:pPr lvl="1" marL="640080" indent="-274320" defTabSz="914400">
               <a:lnSpc>
                 <a:spcPct val="90000"/>
               </a:lnSpc>
@@ -4689,7 +4338,7 @@
               <a:buSzPct val="76000"/>
               <a:buFont typeface="Arial"/>
               <a:buChar char="✦"/>
-              <a:defRPr sz="2200" b="0">
+              <a:defRPr b="0" sz="2200">
                 <a:solidFill>
                   <a:srgbClr val="3E3D2D"/>
                 </a:solidFill>
@@ -4704,7 +4353,7 @@
             </a:r>
           </a:p>
           <a:p>
-            <a:pPr marL="640080" lvl="1" indent="-274320" defTabSz="914400">
+            <a:pPr lvl="1" marL="640080" indent="-274320" defTabSz="914400">
               <a:lnSpc>
                 <a:spcPct val="90000"/>
               </a:lnSpc>
@@ -4717,7 +4366,7 @@
               <a:buSzPct val="76000"/>
               <a:buFont typeface="Arial"/>
               <a:buChar char="✦"/>
-              <a:defRPr sz="2200" b="0">
+              <a:defRPr b="0" sz="2200">
                 <a:solidFill>
                   <a:srgbClr val="3E3D2D"/>
                 </a:solidFill>
@@ -4732,7 +4381,7 @@
             </a:r>
           </a:p>
           <a:p>
-            <a:pPr marL="640080" lvl="1" indent="-274320" defTabSz="914400">
+            <a:pPr lvl="1" marL="640080" indent="-274320" defTabSz="914400">
               <a:lnSpc>
                 <a:spcPct val="90000"/>
               </a:lnSpc>
@@ -4745,7 +4394,7 @@
               <a:buSzPct val="76000"/>
               <a:buFont typeface="Arial"/>
               <a:buChar char="✦"/>
-              <a:defRPr sz="2200" b="0">
+              <a:defRPr b="0" sz="2200">
                 <a:solidFill>
                   <a:srgbClr val="3E3D2D"/>
                 </a:solidFill>
@@ -4760,7 +4409,7 @@
             </a:r>
           </a:p>
           <a:p>
-            <a:pPr marL="640080" lvl="1" indent="-274320" defTabSz="914400">
+            <a:pPr lvl="1" marL="640080" indent="-274320" defTabSz="914400">
               <a:lnSpc>
                 <a:spcPct val="90000"/>
               </a:lnSpc>
@@ -4773,7 +4422,7 @@
               <a:buSzPct val="76000"/>
               <a:buFont typeface="Arial"/>
               <a:buChar char="✦"/>
-              <a:defRPr sz="2200" b="0">
+              <a:defRPr b="0" sz="2200">
                 <a:solidFill>
                   <a:srgbClr val="3E3D2D"/>
                 </a:solidFill>
@@ -4794,13 +4443,13 @@
   <p:clrMapOvr>
     <a:masterClrMapping/>
   </p:clrMapOvr>
-  <mc:AlternateContent xmlns:mc="http://schemas.openxmlformats.org/markup-compatibility/2006" xmlns:p14="http://schemas.microsoft.com/office/powerpoint/2010/main">
-    <mc:Choice Requires="p14">
-      <p:transition spd="slow" p14:dur="1200">
+  <mc:AlternateContent xmlns:mc="http://schemas.openxmlformats.org/markup-compatibility/2006">
+    <mc:Choice xmlns:p14="http://schemas.microsoft.com/office/powerpoint/2010/main" Requires="p14">
+      <p:transition spd="slow" advClick="1" p14:dur="1200">
         <p:dissolve/>
       </p:transition>
     </mc:Choice>
-    <mc:Fallback xmlns:a14="http://schemas.microsoft.com/office/drawing/2010/main" xmlns:m="http://schemas.openxmlformats.org/officeDocument/2006/math" xmlns="">
+    <mc:Fallback>
       <p:transition spd="slow">
         <p:fade/>
       </p:transition>
@@ -4810,14 +4459,13 @@
 </file>
 
 <file path=ppt/slides/slide3.xml><?xml version="1.0" encoding="utf-8"?>
-<p:sld xmlns:a="http://schemas.openxmlformats.org/drawingml/2006/main" xmlns:r="http://schemas.openxmlformats.org/officeDocument/2006/relationships" xmlns:p="http://schemas.openxmlformats.org/presentationml/2006/main">
+<p:sld xmlns:a="http://schemas.openxmlformats.org/drawingml/2006/main" xmlns:r="http://schemas.openxmlformats.org/officeDocument/2006/relationships" xmlns:p="http://schemas.openxmlformats.org/presentationml/2006/main" xmlns:m="http://schemas.openxmlformats.org/officeDocument/2006/math" xmlns:a14="http://schemas.microsoft.com/office/drawing/2010/main" showMasterSp="1" showMasterPhAnim="1">
   <p:cSld>
     <p:bg>
       <p:bgPr>
         <a:solidFill>
           <a:srgbClr val="FFFFFF"/>
         </a:solidFill>
-        <a:effectLst/>
       </p:bgPr>
     </p:bg>
     <p:spTree>
@@ -4837,9 +4485,7 @@
       <p:sp>
         <p:nvSpPr>
           <p:cNvPr id="126" name="fMRI (StarPlus ) Overview"/>
-          <p:cNvSpPr txBox="1">
-            <a:spLocks noGrp="1"/>
-          </p:cNvSpPr>
+          <p:cNvSpPr txBox="1"/>
           <p:nvPr>
             <p:ph type="title"/>
           </p:nvPr>
@@ -4853,6 +4499,7 @@
           <a:bodyPr/>
           <a:lstStyle/>
           <a:p>
+            <a:pPr/>
             <a:r>
               <a:t>Goals</a:t>
             </a:r>
@@ -4862,9 +4509,7 @@
       <p:sp>
         <p:nvSpPr>
           <p:cNvPr id="127" name="What is fMRI?…"/>
-          <p:cNvSpPr txBox="1">
-            <a:spLocks noGrp="1"/>
-          </p:cNvSpPr>
+          <p:cNvSpPr txBox="1"/>
           <p:nvPr>
             <p:ph type="body" sz="half" idx="1"/>
           </p:nvPr>
@@ -4882,26 +4527,31 @@
           <a:bodyPr/>
           <a:lstStyle/>
           <a:p>
+            <a:pPr/>
             <a:r>
               <a:t>Understand the data </a:t>
             </a:r>
           </a:p>
           <a:p>
+            <a:pPr/>
             <a:r>
               <a:t>Data Cleaning/Pre-processing</a:t>
             </a:r>
           </a:p>
           <a:p>
+            <a:pPr/>
             <a:r>
               <a:t>Topic Modelling of  the textual data</a:t>
             </a:r>
           </a:p>
           <a:p>
+            <a:pPr/>
             <a:r>
               <a:t>Emotion and Sentiment Analysis of the budget texts to draw up public’s emotional engagement. </a:t>
             </a:r>
           </a:p>
           <a:p>
+            <a:pPr/>
             <a:r>
               <a:t>Next work recommender for the texts in budget.</a:t>
             </a:r>
@@ -4913,13 +4563,13 @@
   <p:clrMapOvr>
     <a:masterClrMapping/>
   </p:clrMapOvr>
-  <mc:AlternateContent xmlns:mc="http://schemas.openxmlformats.org/markup-compatibility/2006" xmlns:p14="http://schemas.microsoft.com/office/powerpoint/2010/main">
-    <mc:Choice Requires="p14">
-      <p:transition spd="slow" p14:dur="1200">
+  <mc:AlternateContent xmlns:mc="http://schemas.openxmlformats.org/markup-compatibility/2006">
+    <mc:Choice xmlns:p14="http://schemas.microsoft.com/office/powerpoint/2010/main" Requires="p14">
+      <p:transition spd="slow" advClick="1" p14:dur="1200">
         <p:dissolve/>
       </p:transition>
     </mc:Choice>
-    <mc:Fallback xmlns:a14="http://schemas.microsoft.com/office/drawing/2010/main" xmlns:m="http://schemas.openxmlformats.org/officeDocument/2006/math" xmlns="">
+    <mc:Fallback>
       <p:transition spd="slow">
         <p:fade/>
       </p:transition>
@@ -4929,14 +4579,13 @@
 </file>
 
 <file path=ppt/slides/slide4.xml><?xml version="1.0" encoding="utf-8"?>
-<p:sld xmlns:a="http://schemas.openxmlformats.org/drawingml/2006/main" xmlns:r="http://schemas.openxmlformats.org/officeDocument/2006/relationships" xmlns:p="http://schemas.openxmlformats.org/presentationml/2006/main">
+<p:sld xmlns:a="http://schemas.openxmlformats.org/drawingml/2006/main" xmlns:r="http://schemas.openxmlformats.org/officeDocument/2006/relationships" xmlns:p="http://schemas.openxmlformats.org/presentationml/2006/main" xmlns:m="http://schemas.openxmlformats.org/officeDocument/2006/math" xmlns:a14="http://schemas.microsoft.com/office/drawing/2010/main" showMasterSp="1" showMasterPhAnim="1">
   <p:cSld>
     <p:bg>
       <p:bgPr>
         <a:solidFill>
           <a:srgbClr val="FFFFFF"/>
         </a:solidFill>
-        <a:effectLst/>
       </p:bgPr>
     </p:bg>
     <p:spTree>
@@ -4956,9 +4605,7 @@
       <p:sp>
         <p:nvSpPr>
           <p:cNvPr id="129" name="Data Set- StarPlus Experiment Set Up"/>
-          <p:cNvSpPr txBox="1">
-            <a:spLocks noGrp="1"/>
-          </p:cNvSpPr>
+          <p:cNvSpPr txBox="1"/>
           <p:nvPr>
             <p:ph type="title"/>
           </p:nvPr>
@@ -4979,6 +4626,7 @@
             </a:lvl1pPr>
           </a:lstStyle>
           <a:p>
+            <a:pPr/>
             <a:r>
               <a:t>Team Structure</a:t>
             </a:r>
@@ -4988,9 +4636,7 @@
       <p:sp>
         <p:nvSpPr>
           <p:cNvPr id="130" name="6 Subjects Tested…"/>
-          <p:cNvSpPr txBox="1">
-            <a:spLocks noGrp="1"/>
-          </p:cNvSpPr>
+          <p:cNvSpPr txBox="1"/>
           <p:nvPr>
             <p:ph type="body" idx="1"/>
           </p:nvPr>
@@ -5008,7 +4654,7 @@
           <a:bodyPr/>
           <a:lstStyle/>
           <a:p>
-            <a:pPr marL="704850" lvl="1" indent="-352425" defTabSz="438150">
+            <a:pPr lvl="1" marL="704850" indent="-352425" defTabSz="438150">
               <a:spcBef>
                 <a:spcPts val="1800"/>
               </a:spcBef>
@@ -5019,7 +4665,7 @@
             </a:r>
           </a:p>
           <a:p>
-            <a:pPr marL="704850" lvl="1" indent="-352425" defTabSz="438150">
+            <a:pPr lvl="1" marL="704850" indent="-352425" defTabSz="438150">
               <a:spcBef>
                 <a:spcPts val="1800"/>
               </a:spcBef>
@@ -5030,7 +4676,7 @@
             </a:r>
           </a:p>
           <a:p>
-            <a:pPr marL="1292225" lvl="2" indent="-352425" defTabSz="438150">
+            <a:pPr lvl="2" marL="1292225" indent="-352425" defTabSz="438150">
               <a:spcBef>
                 <a:spcPts val="1800"/>
               </a:spcBef>
@@ -5069,7 +4715,7 @@
             </a:r>
           </a:p>
           <a:p>
-            <a:pPr marL="1292225" lvl="2" indent="-352425" defTabSz="438150">
+            <a:pPr lvl="2" marL="1292225" indent="-352425" defTabSz="438150">
               <a:spcBef>
                 <a:spcPts val="1800"/>
               </a:spcBef>
@@ -5111,7 +4757,9 @@
           <p:nvPr/>
         </p:nvPicPr>
         <p:blipFill>
-          <a:blip r:embed="rId2"/>
+          <a:blip r:embed="rId2">
+            <a:extLst/>
+          </a:blip>
           <a:stretch>
             <a:fillRect/>
           </a:stretch>
@@ -5134,13 +4782,13 @@
   <p:clrMapOvr>
     <a:masterClrMapping/>
   </p:clrMapOvr>
-  <mc:AlternateContent xmlns:mc="http://schemas.openxmlformats.org/markup-compatibility/2006" xmlns:p14="http://schemas.microsoft.com/office/powerpoint/2010/main">
-    <mc:Choice Requires="p14">
-      <p:transition spd="slow" p14:dur="1200">
+  <mc:AlternateContent xmlns:mc="http://schemas.openxmlformats.org/markup-compatibility/2006">
+    <mc:Choice xmlns:p14="http://schemas.microsoft.com/office/powerpoint/2010/main" Requires="p14">
+      <p:transition spd="slow" advClick="1" p14:dur="1200">
         <p:dissolve/>
       </p:transition>
     </mc:Choice>
-    <mc:Fallback xmlns:a14="http://schemas.microsoft.com/office/drawing/2010/main" xmlns:m="http://schemas.openxmlformats.org/officeDocument/2006/math" xmlns="">
+    <mc:Fallback>
       <p:transition spd="slow">
         <p:fade/>
       </p:transition>
@@ -5150,14 +4798,13 @@
 </file>
 
 <file path=ppt/slides/slide5.xml><?xml version="1.0" encoding="utf-8"?>
-<p:sld xmlns:a="http://schemas.openxmlformats.org/drawingml/2006/main" xmlns:r="http://schemas.openxmlformats.org/officeDocument/2006/relationships" xmlns:p="http://schemas.openxmlformats.org/presentationml/2006/main">
+<p:sld xmlns:a="http://schemas.openxmlformats.org/drawingml/2006/main" xmlns:r="http://schemas.openxmlformats.org/officeDocument/2006/relationships" xmlns:p="http://schemas.openxmlformats.org/presentationml/2006/main" xmlns:m="http://schemas.openxmlformats.org/officeDocument/2006/math" xmlns:a14="http://schemas.microsoft.com/office/drawing/2010/main" showMasterSp="1" showMasterPhAnim="1">
   <p:cSld>
     <p:bg>
       <p:bgPr>
         <a:solidFill>
           <a:srgbClr val="FFFFFF"/>
         </a:solidFill>
-        <a:effectLst/>
       </p:bgPr>
     </p:bg>
     <p:spTree>
@@ -5177,9 +4824,7 @@
       <p:sp>
         <p:nvSpPr>
           <p:cNvPr id="133" name="Data Set- Terminology"/>
-          <p:cNvSpPr txBox="1">
-            <a:spLocks noGrp="1"/>
-          </p:cNvSpPr>
+          <p:cNvSpPr txBox="1"/>
           <p:nvPr>
             <p:ph type="title"/>
           </p:nvPr>
@@ -5193,6 +4838,7 @@
           <a:bodyPr/>
           <a:lstStyle/>
           <a:p>
+            <a:pPr/>
             <a:r>
               <a:t>Data Overview</a:t>
             </a:r>
@@ -5202,9 +4848,7 @@
       <p:sp>
         <p:nvSpPr>
           <p:cNvPr id="134" name="Feature Space: # of images fMRI images taken (54) by the number of voxels in subjects trials (4,698)…"/>
-          <p:cNvSpPr txBox="1">
-            <a:spLocks noGrp="1"/>
-          </p:cNvSpPr>
+          <p:cNvSpPr txBox="1"/>
           <p:nvPr>
             <p:ph type="body" idx="1"/>
           </p:nvPr>
@@ -5222,16 +4866,19 @@
           <a:bodyPr/>
           <a:lstStyle/>
           <a:p>
+            <a:pPr/>
             <a:r>
               <a:t>Primarily, 7 pdf files ranging from 400-500 pages long  for each.</a:t>
             </a:r>
           </a:p>
           <a:p>
+            <a:pPr/>
             <a:r>
               <a:t>Each pdf is converted to csv files by extracting all the relevant budget texts(words) from the pdf file.</a:t>
             </a:r>
           </a:p>
           <a:p>
+            <a:pPr/>
             <a:r>
               <a:t>So, there are total of 638131 total words extracted from the budget files.</a:t>
             </a:r>
@@ -5247,7 +4894,9 @@
           <p:nvPr/>
         </p:nvPicPr>
         <p:blipFill>
-          <a:blip r:embed="rId2"/>
+          <a:blip r:embed="rId2">
+            <a:extLst/>
+          </a:blip>
           <a:stretch>
             <a:fillRect/>
           </a:stretch>
@@ -5270,13 +4919,13 @@
   <p:clrMapOvr>
     <a:masterClrMapping/>
   </p:clrMapOvr>
-  <mc:AlternateContent xmlns:mc="http://schemas.openxmlformats.org/markup-compatibility/2006" xmlns:p14="http://schemas.microsoft.com/office/powerpoint/2010/main">
-    <mc:Choice Requires="p14">
-      <p:transition spd="slow" p14:dur="1200">
+  <mc:AlternateContent xmlns:mc="http://schemas.openxmlformats.org/markup-compatibility/2006">
+    <mc:Choice xmlns:p14="http://schemas.microsoft.com/office/powerpoint/2010/main" Requires="p14">
+      <p:transition spd="slow" advClick="1" p14:dur="1200">
         <p:dissolve/>
       </p:transition>
     </mc:Choice>
-    <mc:Fallback xmlns:a14="http://schemas.microsoft.com/office/drawing/2010/main" xmlns:m="http://schemas.openxmlformats.org/officeDocument/2006/math" xmlns="">
+    <mc:Fallback>
       <p:transition spd="slow">
         <p:fade/>
       </p:transition>
@@ -5286,14 +4935,13 @@
 </file>
 
 <file path=ppt/slides/slide6.xml><?xml version="1.0" encoding="utf-8"?>
-<p:sld xmlns:a="http://schemas.openxmlformats.org/drawingml/2006/main" xmlns:r="http://schemas.openxmlformats.org/officeDocument/2006/relationships" xmlns:p="http://schemas.openxmlformats.org/presentationml/2006/main">
+<p:sld xmlns:a="http://schemas.openxmlformats.org/drawingml/2006/main" xmlns:r="http://schemas.openxmlformats.org/officeDocument/2006/relationships" xmlns:p="http://schemas.openxmlformats.org/presentationml/2006/main" xmlns:m="http://schemas.openxmlformats.org/officeDocument/2006/math" xmlns:a14="http://schemas.microsoft.com/office/drawing/2010/main" showMasterSp="1" showMasterPhAnim="1">
   <p:cSld>
     <p:bg>
       <p:bgPr>
         <a:solidFill>
           <a:srgbClr val="FFFFFF"/>
         </a:solidFill>
-        <a:effectLst/>
       </p:bgPr>
     </p:bg>
     <p:spTree>
@@ -5313,9 +4961,7 @@
       <p:sp>
         <p:nvSpPr>
           <p:cNvPr id="137" name="Data Set- Terminology"/>
-          <p:cNvSpPr txBox="1">
-            <a:spLocks noGrp="1"/>
-          </p:cNvSpPr>
+          <p:cNvSpPr txBox="1"/>
           <p:nvPr>
             <p:ph type="title"/>
           </p:nvPr>
@@ -5329,6 +4975,7 @@
           <a:bodyPr/>
           <a:lstStyle/>
           <a:p>
+            <a:pPr/>
             <a:r>
               <a:t>Data Source</a:t>
             </a:r>
@@ -5338,9 +4985,7 @@
       <p:sp>
         <p:nvSpPr>
           <p:cNvPr id="138" name="Feature Space: # of images fMRI images taken (54) by the number of voxels in subjects trials (4,698)…"/>
-          <p:cNvSpPr txBox="1">
-            <a:spLocks noGrp="1"/>
-          </p:cNvSpPr>
+          <p:cNvSpPr txBox="1"/>
           <p:nvPr>
             <p:ph type="body" idx="1"/>
           </p:nvPr>
@@ -5358,7 +5003,7 @@
           <a:bodyPr/>
           <a:lstStyle/>
           <a:p>
-            <a:endParaRPr/>
+            <a:pPr/>
           </a:p>
         </p:txBody>
       </p:sp>
@@ -5371,7 +5016,9 @@
           <p:nvPr/>
         </p:nvPicPr>
         <p:blipFill>
-          <a:blip r:embed="rId2"/>
+          <a:blip r:embed="rId2">
+            <a:extLst/>
+          </a:blip>
           <a:stretch>
             <a:fillRect/>
           </a:stretch>
@@ -5398,7 +5045,9 @@
           <p:nvPr/>
         </p:nvPicPr>
         <p:blipFill>
-          <a:blip r:embed="rId3"/>
+          <a:blip r:embed="rId3">
+            <a:extLst/>
+          </a:blip>
           <a:stretch>
             <a:fillRect/>
           </a:stretch>
@@ -5421,13 +5070,13 @@
   <p:clrMapOvr>
     <a:masterClrMapping/>
   </p:clrMapOvr>
-  <mc:AlternateContent xmlns:mc="http://schemas.openxmlformats.org/markup-compatibility/2006" xmlns:p14="http://schemas.microsoft.com/office/powerpoint/2010/main">
-    <mc:Choice Requires="p14">
-      <p:transition spd="slow" p14:dur="1200">
+  <mc:AlternateContent xmlns:mc="http://schemas.openxmlformats.org/markup-compatibility/2006">
+    <mc:Choice xmlns:p14="http://schemas.microsoft.com/office/powerpoint/2010/main" Requires="p14">
+      <p:transition spd="slow" advClick="1" p14:dur="1200">
         <p:dissolve/>
       </p:transition>
     </mc:Choice>
-    <mc:Fallback xmlns:a14="http://schemas.microsoft.com/office/drawing/2010/main" xmlns:m="http://schemas.openxmlformats.org/officeDocument/2006/math" xmlns="">
+    <mc:Fallback>
       <p:transition spd="slow">
         <p:fade/>
       </p:transition>
@@ -5437,14 +5086,13 @@
 </file>
 
 <file path=ppt/slides/slide7.xml><?xml version="1.0" encoding="utf-8"?>
-<p:sld xmlns:a="http://schemas.openxmlformats.org/drawingml/2006/main" xmlns:r="http://schemas.openxmlformats.org/officeDocument/2006/relationships" xmlns:p="http://schemas.openxmlformats.org/presentationml/2006/main">
+<p:sld xmlns:a="http://schemas.openxmlformats.org/drawingml/2006/main" xmlns:r="http://schemas.openxmlformats.org/officeDocument/2006/relationships" xmlns:p="http://schemas.openxmlformats.org/presentationml/2006/main" xmlns:m="http://schemas.openxmlformats.org/officeDocument/2006/math" xmlns:a14="http://schemas.microsoft.com/office/drawing/2010/main" showMasterSp="1" showMasterPhAnim="1">
   <p:cSld>
     <p:bg>
       <p:bgPr>
         <a:solidFill>
           <a:srgbClr val="FFFFFF"/>
         </a:solidFill>
-        <a:effectLst/>
       </p:bgPr>
     </p:bg>
     <p:spTree>
@@ -5464,9 +5112,7 @@
       <p:sp>
         <p:nvSpPr>
           <p:cNvPr id="142" name="Data Set- Terminology"/>
-          <p:cNvSpPr txBox="1">
-            <a:spLocks noGrp="1"/>
-          </p:cNvSpPr>
+          <p:cNvSpPr txBox="1"/>
           <p:nvPr>
             <p:ph type="title"/>
           </p:nvPr>
@@ -5480,6 +5126,7 @@
           <a:bodyPr/>
           <a:lstStyle/>
           <a:p>
+            <a:pPr/>
             <a:r>
               <a:t>Data Conversion</a:t>
             </a:r>
@@ -5489,9 +5136,7 @@
       <p:sp>
         <p:nvSpPr>
           <p:cNvPr id="143" name="Feature Space: # of images fMRI images taken (54) by the number of voxels in subjects trials (4,698)…"/>
-          <p:cNvSpPr txBox="1">
-            <a:spLocks noGrp="1"/>
-          </p:cNvSpPr>
+          <p:cNvSpPr txBox="1"/>
           <p:nvPr>
             <p:ph type="body" idx="1"/>
           </p:nvPr>
@@ -5515,7 +5160,6 @@
               </a:spcBef>
               <a:defRPr sz="1440"/>
             </a:pPr>
-            <a:endParaRPr/>
           </a:p>
         </p:txBody>
       </p:sp>
@@ -5528,7 +5172,9 @@
           <p:nvPr/>
         </p:nvPicPr>
         <p:blipFill>
-          <a:blip r:embed="rId2"/>
+          <a:blip r:embed="rId2">
+            <a:extLst/>
+          </a:blip>
           <a:stretch>
             <a:fillRect/>
           </a:stretch>
@@ -5555,7 +5201,9 @@
           <p:nvPr/>
         </p:nvPicPr>
         <p:blipFill>
-          <a:blip r:embed="rId3"/>
+          <a:blip r:embed="rId3">
+            <a:extLst/>
+          </a:blip>
           <a:stretch>
             <a:fillRect/>
           </a:stretch>
@@ -5578,13 +5226,13 @@
   <p:clrMapOvr>
     <a:masterClrMapping/>
   </p:clrMapOvr>
-  <mc:AlternateContent xmlns:mc="http://schemas.openxmlformats.org/markup-compatibility/2006" xmlns:p14="http://schemas.microsoft.com/office/powerpoint/2010/main">
-    <mc:Choice Requires="p14">
-      <p:transition spd="slow" p14:dur="1200">
+  <mc:AlternateContent xmlns:mc="http://schemas.openxmlformats.org/markup-compatibility/2006">
+    <mc:Choice xmlns:p14="http://schemas.microsoft.com/office/powerpoint/2010/main" Requires="p14">
+      <p:transition spd="slow" advClick="1" p14:dur="1200">
         <p:dissolve/>
       </p:transition>
     </mc:Choice>
-    <mc:Fallback xmlns:a14="http://schemas.microsoft.com/office/drawing/2010/main" xmlns:m="http://schemas.openxmlformats.org/officeDocument/2006/math" xmlns="">
+    <mc:Fallback>
       <p:transition spd="slow">
         <p:fade/>
       </p:transition>
@@ -5594,14 +5242,13 @@
 </file>
 
 <file path=ppt/slides/slide8.xml><?xml version="1.0" encoding="utf-8"?>
-<p:sld xmlns:a="http://schemas.openxmlformats.org/drawingml/2006/main" xmlns:r="http://schemas.openxmlformats.org/officeDocument/2006/relationships" xmlns:p="http://schemas.openxmlformats.org/presentationml/2006/main">
+<p:sld xmlns:a="http://schemas.openxmlformats.org/drawingml/2006/main" xmlns:r="http://schemas.openxmlformats.org/officeDocument/2006/relationships" xmlns:p="http://schemas.openxmlformats.org/presentationml/2006/main" xmlns:m="http://schemas.openxmlformats.org/officeDocument/2006/math" xmlns:a14="http://schemas.microsoft.com/office/drawing/2010/main" showMasterSp="1" showMasterPhAnim="1">
   <p:cSld>
     <p:bg>
       <p:bgPr>
         <a:solidFill>
           <a:srgbClr val="FFFFFF"/>
         </a:solidFill>
-        <a:effectLst/>
       </p:bgPr>
     </p:bg>
     <p:spTree>
@@ -5621,9 +5268,7 @@
       <p:sp>
         <p:nvSpPr>
           <p:cNvPr id="147" name="Data Set- Terminology"/>
-          <p:cNvSpPr txBox="1">
-            <a:spLocks noGrp="1"/>
-          </p:cNvSpPr>
+          <p:cNvSpPr txBox="1"/>
           <p:nvPr>
             <p:ph type="title"/>
           </p:nvPr>
@@ -5637,6 +5282,7 @@
           <a:bodyPr/>
           <a:lstStyle/>
           <a:p>
+            <a:pPr/>
             <a:r>
               <a:t>Data Transformation</a:t>
             </a:r>
@@ -5652,7 +5298,9 @@
           <p:nvPr/>
         </p:nvPicPr>
         <p:blipFill>
-          <a:blip r:embed="rId2"/>
+          <a:blip r:embed="rId2">
+            <a:extLst/>
+          </a:blip>
           <a:stretch>
             <a:fillRect/>
           </a:stretch>
@@ -5679,7 +5327,9 @@
           <p:nvPr/>
         </p:nvPicPr>
         <p:blipFill>
-          <a:blip r:embed="rId3"/>
+          <a:blip r:embed="rId3">
+            <a:extLst/>
+          </a:blip>
           <a:stretch>
             <a:fillRect/>
           </a:stretch>
@@ -5702,13 +5352,13 @@
   <p:clrMapOvr>
     <a:masterClrMapping/>
   </p:clrMapOvr>
-  <mc:AlternateContent xmlns:mc="http://schemas.openxmlformats.org/markup-compatibility/2006" xmlns:p14="http://schemas.microsoft.com/office/powerpoint/2010/main">
-    <mc:Choice Requires="p14">
-      <p:transition spd="slow" p14:dur="1200">
+  <mc:AlternateContent xmlns:mc="http://schemas.openxmlformats.org/markup-compatibility/2006">
+    <mc:Choice xmlns:p14="http://schemas.microsoft.com/office/powerpoint/2010/main" Requires="p14">
+      <p:transition spd="slow" advClick="1" p14:dur="1200">
         <p:dissolve/>
       </p:transition>
     </mc:Choice>
-    <mc:Fallback xmlns:a14="http://schemas.microsoft.com/office/drawing/2010/main" xmlns:m="http://schemas.openxmlformats.org/officeDocument/2006/math" xmlns="">
+    <mc:Fallback>
       <p:transition spd="slow">
         <p:fade/>
       </p:transition>
@@ -5718,14 +5368,13 @@
 </file>
 
 <file path=ppt/slides/slide9.xml><?xml version="1.0" encoding="utf-8"?>
-<p:sld xmlns:a="http://schemas.openxmlformats.org/drawingml/2006/main" xmlns:r="http://schemas.openxmlformats.org/officeDocument/2006/relationships" xmlns:p="http://schemas.openxmlformats.org/presentationml/2006/main">
+<p:sld xmlns:a="http://schemas.openxmlformats.org/drawingml/2006/main" xmlns:r="http://schemas.openxmlformats.org/officeDocument/2006/relationships" xmlns:p="http://schemas.openxmlformats.org/presentationml/2006/main" xmlns:m="http://schemas.openxmlformats.org/officeDocument/2006/math" xmlns:a14="http://schemas.microsoft.com/office/drawing/2010/main" showMasterSp="1" showMasterPhAnim="1">
   <p:cSld>
     <p:bg>
       <p:bgPr>
         <a:solidFill>
           <a:srgbClr val="FFFFFF"/>
         </a:solidFill>
-        <a:effectLst/>
       </p:bgPr>
     </p:bg>
     <p:spTree>
@@ -5745,9 +5394,7 @@
       <p:sp>
         <p:nvSpPr>
           <p:cNvPr id="151" name="Data Set- Terminology"/>
-          <p:cNvSpPr txBox="1">
-            <a:spLocks noGrp="1"/>
-          </p:cNvSpPr>
+          <p:cNvSpPr txBox="1"/>
           <p:nvPr>
             <p:ph type="title"/>
           </p:nvPr>
@@ -5761,6 +5408,7 @@
           <a:bodyPr/>
           <a:lstStyle/>
           <a:p>
+            <a:pPr/>
             <a:r>
               <a:t>Data Analysis</a:t>
             </a:r>
@@ -5776,7 +5424,9 @@
           <p:nvPr/>
         </p:nvPicPr>
         <p:blipFill>
-          <a:blip r:embed="rId2"/>
+          <a:blip r:embed="rId2">
+            <a:extLst/>
+          </a:blip>
           <a:stretch>
             <a:fillRect/>
           </a:stretch>
@@ -5803,7 +5453,9 @@
           <p:nvPr/>
         </p:nvPicPr>
         <p:blipFill>
-          <a:blip r:embed="rId3"/>
+          <a:blip r:embed="rId3">
+            <a:extLst/>
+          </a:blip>
           <a:stretch>
             <a:fillRect/>
           </a:stretch>
@@ -5826,13 +5478,13 @@
   <p:clrMapOvr>
     <a:masterClrMapping/>
   </p:clrMapOvr>
-  <mc:AlternateContent xmlns:mc="http://schemas.openxmlformats.org/markup-compatibility/2006" xmlns:p14="http://schemas.microsoft.com/office/powerpoint/2010/main">
-    <mc:Choice Requires="p14">
-      <p:transition spd="slow" p14:dur="1200">
+  <mc:AlternateContent xmlns:mc="http://schemas.openxmlformats.org/markup-compatibility/2006">
+    <mc:Choice xmlns:p14="http://schemas.microsoft.com/office/powerpoint/2010/main" Requires="p14">
+      <p:transition spd="slow" advClick="1" p14:dur="1200">
         <p:dissolve/>
       </p:transition>
     </mc:Choice>
-    <mc:Fallback xmlns:a14="http://schemas.microsoft.com/office/drawing/2010/main" xmlns:m="http://schemas.openxmlformats.org/officeDocument/2006/math" xmlns="">
+    <mc:Fallback>
       <p:transition spd="slow">
         <p:fade/>
       </p:transition>
@@ -5842,7 +5494,7 @@
 </file>
 
 <file path=ppt/theme/theme1.xml><?xml version="1.0" encoding="utf-8"?>
-<a:theme xmlns:a="http://schemas.openxmlformats.org/drawingml/2006/main" name="New_Template4">
+<a:theme xmlns:a="http://schemas.openxmlformats.org/drawingml/2006/main" xmlns:r="http://schemas.openxmlformats.org/officeDocument/2006/relationships" name="New_Template4">
   <a:themeElements>
     <a:clrScheme name="New_Template4">
       <a:dk1>
@@ -6044,7 +5696,7 @@
         <a:effectLst/>
         <a:sp3d/>
       </a:spPr>
-      <a:bodyPr rot="0" spcFirstLastPara="1" vertOverflow="overflow" horzOverflow="overflow" vert="horz" wrap="square" lIns="50800" tIns="50800" rIns="50800" bIns="50800" numCol="1" spcCol="38100" rtlCol="0" anchor="ctr">
+      <a:bodyPr rot="0" spcFirstLastPara="1" vertOverflow="overflow" horzOverflow="overflow" vert="horz" wrap="square" lIns="50800" tIns="50800" rIns="50800" bIns="50800" numCol="1" spcCol="38100" rtlCol="0" anchor="ctr" upright="0">
         <a:spAutoFit/>
       </a:bodyPr>
       <a:lstStyle>
@@ -6063,7 +5715,7 @@
           <a:buFontTx/>
           <a:buNone/>
           <a:tabLst/>
-          <a:defRPr kumimoji="0" sz="2400" b="0" i="0" u="none" strike="noStrike" cap="none" spc="0" normalizeH="0" baseline="0">
+          <a:defRPr b="0" baseline="0" cap="none" i="0" spc="0" strike="noStrike" sz="2400" u="none" kumimoji="0" normalizeH="0">
             <a:ln>
               <a:noFill/>
             </a:ln>
@@ -6093,7 +5745,7 @@
           <a:buFontTx/>
           <a:buNone/>
           <a:tabLst/>
-          <a:defRPr kumimoji="0" sz="1800" b="0" i="0" u="none" strike="noStrike" cap="none" spc="0" normalizeH="0" baseline="0">
+          <a:defRPr b="0" baseline="0" cap="none" i="0" spc="0" strike="noStrike" sz="1800" u="none" kumimoji="0" normalizeH="0">
             <a:ln>
               <a:noFill/>
             </a:ln>
@@ -6119,7 +5771,7 @@
           <a:buFontTx/>
           <a:buNone/>
           <a:tabLst/>
-          <a:defRPr kumimoji="0" sz="1800" b="0" i="0" u="none" strike="noStrike" cap="none" spc="0" normalizeH="0" baseline="0">
+          <a:defRPr b="0" baseline="0" cap="none" i="0" spc="0" strike="noStrike" sz="1800" u="none" kumimoji="0" normalizeH="0">
             <a:ln>
               <a:noFill/>
             </a:ln>
@@ -6145,7 +5797,7 @@
           <a:buFontTx/>
           <a:buNone/>
           <a:tabLst/>
-          <a:defRPr kumimoji="0" sz="1800" b="0" i="0" u="none" strike="noStrike" cap="none" spc="0" normalizeH="0" baseline="0">
+          <a:defRPr b="0" baseline="0" cap="none" i="0" spc="0" strike="noStrike" sz="1800" u="none" kumimoji="0" normalizeH="0">
             <a:ln>
               <a:noFill/>
             </a:ln>
@@ -6171,7 +5823,7 @@
           <a:buFontTx/>
           <a:buNone/>
           <a:tabLst/>
-          <a:defRPr kumimoji="0" sz="1800" b="0" i="0" u="none" strike="noStrike" cap="none" spc="0" normalizeH="0" baseline="0">
+          <a:defRPr b="0" baseline="0" cap="none" i="0" spc="0" strike="noStrike" sz="1800" u="none" kumimoji="0" normalizeH="0">
             <a:ln>
               <a:noFill/>
             </a:ln>
@@ -6197,7 +5849,7 @@
           <a:buFontTx/>
           <a:buNone/>
           <a:tabLst/>
-          <a:defRPr kumimoji="0" sz="1800" b="0" i="0" u="none" strike="noStrike" cap="none" spc="0" normalizeH="0" baseline="0">
+          <a:defRPr b="0" baseline="0" cap="none" i="0" spc="0" strike="noStrike" sz="1800" u="none" kumimoji="0" normalizeH="0">
             <a:ln>
               <a:noFill/>
             </a:ln>
@@ -6223,7 +5875,7 @@
           <a:buFontTx/>
           <a:buNone/>
           <a:tabLst/>
-          <a:defRPr kumimoji="0" sz="1800" b="0" i="0" u="none" strike="noStrike" cap="none" spc="0" normalizeH="0" baseline="0">
+          <a:defRPr b="0" baseline="0" cap="none" i="0" spc="0" strike="noStrike" sz="1800" u="none" kumimoji="0" normalizeH="0">
             <a:ln>
               <a:noFill/>
             </a:ln>
@@ -6249,7 +5901,7 @@
           <a:buFontTx/>
           <a:buNone/>
           <a:tabLst/>
-          <a:defRPr kumimoji="0" sz="1800" b="0" i="0" u="none" strike="noStrike" cap="none" spc="0" normalizeH="0" baseline="0">
+          <a:defRPr b="0" baseline="0" cap="none" i="0" spc="0" strike="noStrike" sz="1800" u="none" kumimoji="0" normalizeH="0">
             <a:ln>
               <a:noFill/>
             </a:ln>
@@ -6275,7 +5927,7 @@
           <a:buFontTx/>
           <a:buNone/>
           <a:tabLst/>
-          <a:defRPr kumimoji="0" sz="1800" b="0" i="0" u="none" strike="noStrike" cap="none" spc="0" normalizeH="0" baseline="0">
+          <a:defRPr b="0" baseline="0" cap="none" i="0" spc="0" strike="noStrike" sz="1800" u="none" kumimoji="0" normalizeH="0">
             <a:ln>
               <a:noFill/>
             </a:ln>
@@ -6301,7 +5953,7 @@
           <a:buFontTx/>
           <a:buNone/>
           <a:tabLst/>
-          <a:defRPr kumimoji="0" sz="1800" b="0" i="0" u="none" strike="noStrike" cap="none" spc="0" normalizeH="0" baseline="0">
+          <a:defRPr b="0" baseline="0" cap="none" i="0" spc="0" strike="noStrike" sz="1800" u="none" kumimoji="0" normalizeH="0">
             <a:ln>
               <a:noFill/>
             </a:ln>
@@ -6314,15 +5966,9 @@
         </a:lvl9pPr>
       </a:lstStyle>
       <a:style>
-        <a:lnRef idx="0">
-          <a:scrgbClr r="0" g="0" b="0"/>
-        </a:lnRef>
-        <a:fillRef idx="0">
-          <a:scrgbClr r="0" g="0" b="0"/>
-        </a:fillRef>
-        <a:effectRef idx="0">
-          <a:scrgbClr r="0" g="0" b="0"/>
-        </a:effectRef>
+        <a:lnRef idx="0"/>
+        <a:fillRef idx="0"/>
+        <a:effectRef idx="0"/>
         <a:fontRef idx="none"/>
       </a:style>
     </a:spDef>
@@ -6339,7 +5985,7 @@
         <a:effectLst/>
         <a:sp3d/>
       </a:spPr>
-      <a:bodyPr rot="0" spcFirstLastPara="1" vertOverflow="overflow" horzOverflow="overflow" vert="horz" wrap="square" lIns="91439" tIns="45719" rIns="91439" bIns="45719" numCol="1" spcCol="38100" rtlCol="0" anchor="t">
+      <a:bodyPr rot="0" spcFirstLastPara="1" vertOverflow="overflow" horzOverflow="overflow" vert="horz" wrap="square" lIns="91439" tIns="45719" rIns="91439" bIns="45719" numCol="1" spcCol="38100" rtlCol="0" anchor="t" upright="0">
         <a:noAutofit/>
       </a:bodyPr>
       <a:lstStyle>
@@ -6358,7 +6004,7 @@
           <a:buFontTx/>
           <a:buNone/>
           <a:tabLst/>
-          <a:defRPr kumimoji="0" sz="1800" b="0" i="0" u="none" strike="noStrike" cap="none" spc="0" normalizeH="0" baseline="0">
+          <a:defRPr b="0" baseline="0" cap="none" i="0" spc="0" strike="noStrike" sz="1800" u="none" kumimoji="0" normalizeH="0">
             <a:ln>
               <a:noFill/>
             </a:ln>
@@ -6384,7 +6030,7 @@
           <a:buFontTx/>
           <a:buNone/>
           <a:tabLst/>
-          <a:defRPr kumimoji="0" sz="1800" b="0" i="0" u="none" strike="noStrike" cap="none" spc="0" normalizeH="0" baseline="0">
+          <a:defRPr b="0" baseline="0" cap="none" i="0" spc="0" strike="noStrike" sz="1800" u="none" kumimoji="0" normalizeH="0">
             <a:ln>
               <a:noFill/>
             </a:ln>
@@ -6410,7 +6056,7 @@
           <a:buFontTx/>
           <a:buNone/>
           <a:tabLst/>
-          <a:defRPr kumimoji="0" sz="1800" b="0" i="0" u="none" strike="noStrike" cap="none" spc="0" normalizeH="0" baseline="0">
+          <a:defRPr b="0" baseline="0" cap="none" i="0" spc="0" strike="noStrike" sz="1800" u="none" kumimoji="0" normalizeH="0">
             <a:ln>
               <a:noFill/>
             </a:ln>
@@ -6436,7 +6082,7 @@
           <a:buFontTx/>
           <a:buNone/>
           <a:tabLst/>
-          <a:defRPr kumimoji="0" sz="1800" b="0" i="0" u="none" strike="noStrike" cap="none" spc="0" normalizeH="0" baseline="0">
+          <a:defRPr b="0" baseline="0" cap="none" i="0" spc="0" strike="noStrike" sz="1800" u="none" kumimoji="0" normalizeH="0">
             <a:ln>
               <a:noFill/>
             </a:ln>
@@ -6462,7 +6108,7 @@
           <a:buFontTx/>
           <a:buNone/>
           <a:tabLst/>
-          <a:defRPr kumimoji="0" sz="1800" b="0" i="0" u="none" strike="noStrike" cap="none" spc="0" normalizeH="0" baseline="0">
+          <a:defRPr b="0" baseline="0" cap="none" i="0" spc="0" strike="noStrike" sz="1800" u="none" kumimoji="0" normalizeH="0">
             <a:ln>
               <a:noFill/>
             </a:ln>
@@ -6488,7 +6134,7 @@
           <a:buFontTx/>
           <a:buNone/>
           <a:tabLst/>
-          <a:defRPr kumimoji="0" sz="1800" b="0" i="0" u="none" strike="noStrike" cap="none" spc="0" normalizeH="0" baseline="0">
+          <a:defRPr b="0" baseline="0" cap="none" i="0" spc="0" strike="noStrike" sz="1800" u="none" kumimoji="0" normalizeH="0">
             <a:ln>
               <a:noFill/>
             </a:ln>
@@ -6514,7 +6160,7 @@
           <a:buFontTx/>
           <a:buNone/>
           <a:tabLst/>
-          <a:defRPr kumimoji="0" sz="1800" b="0" i="0" u="none" strike="noStrike" cap="none" spc="0" normalizeH="0" baseline="0">
+          <a:defRPr b="0" baseline="0" cap="none" i="0" spc="0" strike="noStrike" sz="1800" u="none" kumimoji="0" normalizeH="0">
             <a:ln>
               <a:noFill/>
             </a:ln>
@@ -6540,7 +6186,7 @@
           <a:buFontTx/>
           <a:buNone/>
           <a:tabLst/>
-          <a:defRPr kumimoji="0" sz="1800" b="0" i="0" u="none" strike="noStrike" cap="none" spc="0" normalizeH="0" baseline="0">
+          <a:defRPr b="0" baseline="0" cap="none" i="0" spc="0" strike="noStrike" sz="1800" u="none" kumimoji="0" normalizeH="0">
             <a:ln>
               <a:noFill/>
             </a:ln>
@@ -6566,7 +6212,7 @@
           <a:buFontTx/>
           <a:buNone/>
           <a:tabLst/>
-          <a:defRPr kumimoji="0" sz="1800" b="0" i="0" u="none" strike="noStrike" cap="none" spc="0" normalizeH="0" baseline="0">
+          <a:defRPr b="0" baseline="0" cap="none" i="0" spc="0" strike="noStrike" sz="1800" u="none" kumimoji="0" normalizeH="0">
             <a:ln>
               <a:noFill/>
             </a:ln>
@@ -6592,7 +6238,7 @@
           <a:buFontTx/>
           <a:buNone/>
           <a:tabLst/>
-          <a:defRPr kumimoji="0" sz="1800" b="0" i="0" u="none" strike="noStrike" cap="none" spc="0" normalizeH="0" baseline="0">
+          <a:defRPr b="0" baseline="0" cap="none" i="0" spc="0" strike="noStrike" sz="1800" u="none" kumimoji="0" normalizeH="0">
             <a:ln>
               <a:noFill/>
             </a:ln>
@@ -6605,15 +6251,9 @@
         </a:lvl9pPr>
       </a:lstStyle>
       <a:style>
-        <a:lnRef idx="0">
-          <a:scrgbClr r="0" g="0" b="0"/>
-        </a:lnRef>
-        <a:fillRef idx="0">
-          <a:scrgbClr r="0" g="0" b="0"/>
-        </a:fillRef>
-        <a:effectRef idx="0">
-          <a:scrgbClr r="0" g="0" b="0"/>
-        </a:effectRef>
+        <a:lnRef idx="0"/>
+        <a:fillRef idx="0"/>
+        <a:effectRef idx="0"/>
         <a:fontRef idx="none"/>
       </a:style>
     </a:lnDef>
@@ -6627,7 +6267,7 @@
         <a:effectLst/>
         <a:sp3d/>
       </a:spPr>
-      <a:bodyPr rot="0" spcFirstLastPara="1" vertOverflow="overflow" horzOverflow="overflow" vert="horz" wrap="square" lIns="50800" tIns="50800" rIns="50800" bIns="50800" numCol="1" spcCol="38100" rtlCol="0" anchor="ctr">
+      <a:bodyPr rot="0" spcFirstLastPara="1" vertOverflow="overflow" horzOverflow="overflow" vert="horz" wrap="square" lIns="50800" tIns="50800" rIns="50800" bIns="50800" numCol="1" spcCol="38100" rtlCol="0" anchor="ctr" upright="0">
         <a:spAutoFit/>
       </a:bodyPr>
       <a:lstStyle>
@@ -6646,7 +6286,7 @@
           <a:buFontTx/>
           <a:buNone/>
           <a:tabLst/>
-          <a:defRPr kumimoji="0" sz="2400" b="0" i="0" u="none" strike="noStrike" cap="none" spc="0" normalizeH="0" baseline="0">
+          <a:defRPr b="0" baseline="0" cap="none" i="0" spc="0" strike="noStrike" sz="2400" u="none" kumimoji="0" normalizeH="0">
             <a:ln>
               <a:noFill/>
             </a:ln>
@@ -6676,7 +6316,7 @@
           <a:buFontTx/>
           <a:buNone/>
           <a:tabLst/>
-          <a:defRPr kumimoji="0" sz="1800" b="0" i="0" u="none" strike="noStrike" cap="none" spc="0" normalizeH="0" baseline="0">
+          <a:defRPr b="0" baseline="0" cap="none" i="0" spc="0" strike="noStrike" sz="1800" u="none" kumimoji="0" normalizeH="0">
             <a:ln>
               <a:noFill/>
             </a:ln>
@@ -6702,7 +6342,7 @@
           <a:buFontTx/>
           <a:buNone/>
           <a:tabLst/>
-          <a:defRPr kumimoji="0" sz="1800" b="0" i="0" u="none" strike="noStrike" cap="none" spc="0" normalizeH="0" baseline="0">
+          <a:defRPr b="0" baseline="0" cap="none" i="0" spc="0" strike="noStrike" sz="1800" u="none" kumimoji="0" normalizeH="0">
             <a:ln>
               <a:noFill/>
             </a:ln>
@@ -6728,7 +6368,7 @@
           <a:buFontTx/>
           <a:buNone/>
           <a:tabLst/>
-          <a:defRPr kumimoji="0" sz="1800" b="0" i="0" u="none" strike="noStrike" cap="none" spc="0" normalizeH="0" baseline="0">
+          <a:defRPr b="0" baseline="0" cap="none" i="0" spc="0" strike="noStrike" sz="1800" u="none" kumimoji="0" normalizeH="0">
             <a:ln>
               <a:noFill/>
             </a:ln>
@@ -6754,7 +6394,7 @@
           <a:buFontTx/>
           <a:buNone/>
           <a:tabLst/>
-          <a:defRPr kumimoji="0" sz="1800" b="0" i="0" u="none" strike="noStrike" cap="none" spc="0" normalizeH="0" baseline="0">
+          <a:defRPr b="0" baseline="0" cap="none" i="0" spc="0" strike="noStrike" sz="1800" u="none" kumimoji="0" normalizeH="0">
             <a:ln>
               <a:noFill/>
             </a:ln>
@@ -6780,7 +6420,7 @@
           <a:buFontTx/>
           <a:buNone/>
           <a:tabLst/>
-          <a:defRPr kumimoji="0" sz="1800" b="0" i="0" u="none" strike="noStrike" cap="none" spc="0" normalizeH="0" baseline="0">
+          <a:defRPr b="0" baseline="0" cap="none" i="0" spc="0" strike="noStrike" sz="1800" u="none" kumimoji="0" normalizeH="0">
             <a:ln>
               <a:noFill/>
             </a:ln>
@@ -6806,7 +6446,7 @@
           <a:buFontTx/>
           <a:buNone/>
           <a:tabLst/>
-          <a:defRPr kumimoji="0" sz="1800" b="0" i="0" u="none" strike="noStrike" cap="none" spc="0" normalizeH="0" baseline="0">
+          <a:defRPr b="0" baseline="0" cap="none" i="0" spc="0" strike="noStrike" sz="1800" u="none" kumimoji="0" normalizeH="0">
             <a:ln>
               <a:noFill/>
             </a:ln>
@@ -6832,7 +6472,7 @@
           <a:buFontTx/>
           <a:buNone/>
           <a:tabLst/>
-          <a:defRPr kumimoji="0" sz="1800" b="0" i="0" u="none" strike="noStrike" cap="none" spc="0" normalizeH="0" baseline="0">
+          <a:defRPr b="0" baseline="0" cap="none" i="0" spc="0" strike="noStrike" sz="1800" u="none" kumimoji="0" normalizeH="0">
             <a:ln>
               <a:noFill/>
             </a:ln>
@@ -6858,7 +6498,7 @@
           <a:buFontTx/>
           <a:buNone/>
           <a:tabLst/>
-          <a:defRPr kumimoji="0" sz="1800" b="0" i="0" u="none" strike="noStrike" cap="none" spc="0" normalizeH="0" baseline="0">
+          <a:defRPr b="0" baseline="0" cap="none" i="0" spc="0" strike="noStrike" sz="1800" u="none" kumimoji="0" normalizeH="0">
             <a:ln>
               <a:noFill/>
             </a:ln>
@@ -6884,7 +6524,7 @@
           <a:buFontTx/>
           <a:buNone/>
           <a:tabLst/>
-          <a:defRPr kumimoji="0" sz="1800" b="0" i="0" u="none" strike="noStrike" cap="none" spc="0" normalizeH="0" baseline="0">
+          <a:defRPr b="0" baseline="0" cap="none" i="0" spc="0" strike="noStrike" sz="1800" u="none" kumimoji="0" normalizeH="0">
             <a:ln>
               <a:noFill/>
             </a:ln>
@@ -6897,25 +6537,18 @@
         </a:lvl9pPr>
       </a:lstStyle>
       <a:style>
-        <a:lnRef idx="0">
-          <a:scrgbClr r="0" g="0" b="0"/>
-        </a:lnRef>
-        <a:fillRef idx="0">
-          <a:scrgbClr r="0" g="0" b="0"/>
-        </a:fillRef>
-        <a:effectRef idx="0">
-          <a:scrgbClr r="0" g="0" b="0"/>
-        </a:effectRef>
+        <a:lnRef idx="0"/>
+        <a:fillRef idx="0"/>
+        <a:effectRef idx="0"/>
         <a:fontRef idx="none"/>
       </a:style>
     </a:txDef>
   </a:objectDefaults>
-  <a:extraClrSchemeLst/>
 </a:theme>
 </file>
 
 <file path=ppt/theme/theme2.xml><?xml version="1.0" encoding="utf-8"?>
-<a:theme xmlns:a="http://schemas.openxmlformats.org/drawingml/2006/main" name="New_Template4">
+<a:theme xmlns:a="http://schemas.openxmlformats.org/drawingml/2006/main" xmlns:r="http://schemas.openxmlformats.org/officeDocument/2006/relationships" name="New_Template4">
   <a:themeElements>
     <a:clrScheme name="New_Template4">
       <a:dk1>
@@ -7117,7 +6750,7 @@
         <a:effectLst/>
         <a:sp3d/>
       </a:spPr>
-      <a:bodyPr rot="0" spcFirstLastPara="1" vertOverflow="overflow" horzOverflow="overflow" vert="horz" wrap="square" lIns="50800" tIns="50800" rIns="50800" bIns="50800" numCol="1" spcCol="38100" rtlCol="0" anchor="ctr">
+      <a:bodyPr rot="0" spcFirstLastPara="1" vertOverflow="overflow" horzOverflow="overflow" vert="horz" wrap="square" lIns="50800" tIns="50800" rIns="50800" bIns="50800" numCol="1" spcCol="38100" rtlCol="0" anchor="ctr" upright="0">
         <a:spAutoFit/>
       </a:bodyPr>
       <a:lstStyle>
@@ -7136,7 +6769,7 @@
           <a:buFontTx/>
           <a:buNone/>
           <a:tabLst/>
-          <a:defRPr kumimoji="0" sz="2400" b="0" i="0" u="none" strike="noStrike" cap="none" spc="0" normalizeH="0" baseline="0">
+          <a:defRPr b="0" baseline="0" cap="none" i="0" spc="0" strike="noStrike" sz="2400" u="none" kumimoji="0" normalizeH="0">
             <a:ln>
               <a:noFill/>
             </a:ln>
@@ -7166,7 +6799,7 @@
           <a:buFontTx/>
           <a:buNone/>
           <a:tabLst/>
-          <a:defRPr kumimoji="0" sz="1800" b="0" i="0" u="none" strike="noStrike" cap="none" spc="0" normalizeH="0" baseline="0">
+          <a:defRPr b="0" baseline="0" cap="none" i="0" spc="0" strike="noStrike" sz="1800" u="none" kumimoji="0" normalizeH="0">
             <a:ln>
               <a:noFill/>
             </a:ln>
@@ -7192,7 +6825,7 @@
           <a:buFontTx/>
           <a:buNone/>
           <a:tabLst/>
-          <a:defRPr kumimoji="0" sz="1800" b="0" i="0" u="none" strike="noStrike" cap="none" spc="0" normalizeH="0" baseline="0">
+          <a:defRPr b="0" baseline="0" cap="none" i="0" spc="0" strike="noStrike" sz="1800" u="none" kumimoji="0" normalizeH="0">
             <a:ln>
               <a:noFill/>
             </a:ln>
@@ -7218,7 +6851,7 @@
           <a:buFontTx/>
           <a:buNone/>
           <a:tabLst/>
-          <a:defRPr kumimoji="0" sz="1800" b="0" i="0" u="none" strike="noStrike" cap="none" spc="0" normalizeH="0" baseline="0">
+          <a:defRPr b="0" baseline="0" cap="none" i="0" spc="0" strike="noStrike" sz="1800" u="none" kumimoji="0" normalizeH="0">
             <a:ln>
               <a:noFill/>
             </a:ln>
@@ -7244,7 +6877,7 @@
           <a:buFontTx/>
           <a:buNone/>
           <a:tabLst/>
-          <a:defRPr kumimoji="0" sz="1800" b="0" i="0" u="none" strike="noStrike" cap="none" spc="0" normalizeH="0" baseline="0">
+          <a:defRPr b="0" baseline="0" cap="none" i="0" spc="0" strike="noStrike" sz="1800" u="none" kumimoji="0" normalizeH="0">
             <a:ln>
               <a:noFill/>
             </a:ln>
@@ -7270,7 +6903,7 @@
           <a:buFontTx/>
           <a:buNone/>
           <a:tabLst/>
-          <a:defRPr kumimoji="0" sz="1800" b="0" i="0" u="none" strike="noStrike" cap="none" spc="0" normalizeH="0" baseline="0">
+          <a:defRPr b="0" baseline="0" cap="none" i="0" spc="0" strike="noStrike" sz="1800" u="none" kumimoji="0" normalizeH="0">
             <a:ln>
               <a:noFill/>
             </a:ln>
@@ -7296,7 +6929,7 @@
           <a:buFontTx/>
           <a:buNone/>
           <a:tabLst/>
-          <a:defRPr kumimoji="0" sz="1800" b="0" i="0" u="none" strike="noStrike" cap="none" spc="0" normalizeH="0" baseline="0">
+          <a:defRPr b="0" baseline="0" cap="none" i="0" spc="0" strike="noStrike" sz="1800" u="none" kumimoji="0" normalizeH="0">
             <a:ln>
               <a:noFill/>
             </a:ln>
@@ -7322,7 +6955,7 @@
           <a:buFontTx/>
           <a:buNone/>
           <a:tabLst/>
-          <a:defRPr kumimoji="0" sz="1800" b="0" i="0" u="none" strike="noStrike" cap="none" spc="0" normalizeH="0" baseline="0">
+          <a:defRPr b="0" baseline="0" cap="none" i="0" spc="0" strike="noStrike" sz="1800" u="none" kumimoji="0" normalizeH="0">
             <a:ln>
               <a:noFill/>
             </a:ln>
@@ -7348,7 +6981,7 @@
           <a:buFontTx/>
           <a:buNone/>
           <a:tabLst/>
-          <a:defRPr kumimoji="0" sz="1800" b="0" i="0" u="none" strike="noStrike" cap="none" spc="0" normalizeH="0" baseline="0">
+          <a:defRPr b="0" baseline="0" cap="none" i="0" spc="0" strike="noStrike" sz="1800" u="none" kumimoji="0" normalizeH="0">
             <a:ln>
               <a:noFill/>
             </a:ln>
@@ -7374,7 +7007,7 @@
           <a:buFontTx/>
           <a:buNone/>
           <a:tabLst/>
-          <a:defRPr kumimoji="0" sz="1800" b="0" i="0" u="none" strike="noStrike" cap="none" spc="0" normalizeH="0" baseline="0">
+          <a:defRPr b="0" baseline="0" cap="none" i="0" spc="0" strike="noStrike" sz="1800" u="none" kumimoji="0" normalizeH="0">
             <a:ln>
               <a:noFill/>
             </a:ln>
@@ -7387,15 +7020,9 @@
         </a:lvl9pPr>
       </a:lstStyle>
       <a:style>
-        <a:lnRef idx="0">
-          <a:scrgbClr r="0" g="0" b="0"/>
-        </a:lnRef>
-        <a:fillRef idx="0">
-          <a:scrgbClr r="0" g="0" b="0"/>
-        </a:fillRef>
-        <a:effectRef idx="0">
-          <a:scrgbClr r="0" g="0" b="0"/>
-        </a:effectRef>
+        <a:lnRef idx="0"/>
+        <a:fillRef idx="0"/>
+        <a:effectRef idx="0"/>
         <a:fontRef idx="none"/>
       </a:style>
     </a:spDef>
@@ -7412,7 +7039,7 @@
         <a:effectLst/>
         <a:sp3d/>
       </a:spPr>
-      <a:bodyPr rot="0" spcFirstLastPara="1" vertOverflow="overflow" horzOverflow="overflow" vert="horz" wrap="square" lIns="91439" tIns="45719" rIns="91439" bIns="45719" numCol="1" spcCol="38100" rtlCol="0" anchor="t">
+      <a:bodyPr rot="0" spcFirstLastPara="1" vertOverflow="overflow" horzOverflow="overflow" vert="horz" wrap="square" lIns="91439" tIns="45719" rIns="91439" bIns="45719" numCol="1" spcCol="38100" rtlCol="0" anchor="t" upright="0">
         <a:noAutofit/>
       </a:bodyPr>
       <a:lstStyle>
@@ -7431,7 +7058,7 @@
           <a:buFontTx/>
           <a:buNone/>
           <a:tabLst/>
-          <a:defRPr kumimoji="0" sz="1800" b="0" i="0" u="none" strike="noStrike" cap="none" spc="0" normalizeH="0" baseline="0">
+          <a:defRPr b="0" baseline="0" cap="none" i="0" spc="0" strike="noStrike" sz="1800" u="none" kumimoji="0" normalizeH="0">
             <a:ln>
               <a:noFill/>
             </a:ln>
@@ -7457,7 +7084,7 @@
           <a:buFontTx/>
           <a:buNone/>
           <a:tabLst/>
-          <a:defRPr kumimoji="0" sz="1800" b="0" i="0" u="none" strike="noStrike" cap="none" spc="0" normalizeH="0" baseline="0">
+          <a:defRPr b="0" baseline="0" cap="none" i="0" spc="0" strike="noStrike" sz="1800" u="none" kumimoji="0" normalizeH="0">
             <a:ln>
               <a:noFill/>
             </a:ln>
@@ -7483,7 +7110,7 @@
           <a:buFontTx/>
           <a:buNone/>
           <a:tabLst/>
-          <a:defRPr kumimoji="0" sz="1800" b="0" i="0" u="none" strike="noStrike" cap="none" spc="0" normalizeH="0" baseline="0">
+          <a:defRPr b="0" baseline="0" cap="none" i="0" spc="0" strike="noStrike" sz="1800" u="none" kumimoji="0" normalizeH="0">
             <a:ln>
               <a:noFill/>
             </a:ln>
@@ -7509,7 +7136,7 @@
           <a:buFontTx/>
           <a:buNone/>
           <a:tabLst/>
-          <a:defRPr kumimoji="0" sz="1800" b="0" i="0" u="none" strike="noStrike" cap="none" spc="0" normalizeH="0" baseline="0">
+          <a:defRPr b="0" baseline="0" cap="none" i="0" spc="0" strike="noStrike" sz="1800" u="none" kumimoji="0" normalizeH="0">
             <a:ln>
               <a:noFill/>
             </a:ln>
@@ -7535,7 +7162,7 @@
           <a:buFontTx/>
           <a:buNone/>
           <a:tabLst/>
-          <a:defRPr kumimoji="0" sz="1800" b="0" i="0" u="none" strike="noStrike" cap="none" spc="0" normalizeH="0" baseline="0">
+          <a:defRPr b="0" baseline="0" cap="none" i="0" spc="0" strike="noStrike" sz="1800" u="none" kumimoji="0" normalizeH="0">
             <a:ln>
               <a:noFill/>
             </a:ln>
@@ -7561,7 +7188,7 @@
           <a:buFontTx/>
           <a:buNone/>
           <a:tabLst/>
-          <a:defRPr kumimoji="0" sz="1800" b="0" i="0" u="none" strike="noStrike" cap="none" spc="0" normalizeH="0" baseline="0">
+          <a:defRPr b="0" baseline="0" cap="none" i="0" spc="0" strike="noStrike" sz="1800" u="none" kumimoji="0" normalizeH="0">
             <a:ln>
               <a:noFill/>
             </a:ln>
@@ -7587,7 +7214,7 @@
           <a:buFontTx/>
           <a:buNone/>
           <a:tabLst/>
-          <a:defRPr kumimoji="0" sz="1800" b="0" i="0" u="none" strike="noStrike" cap="none" spc="0" normalizeH="0" baseline="0">
+          <a:defRPr b="0" baseline="0" cap="none" i="0" spc="0" strike="noStrike" sz="1800" u="none" kumimoji="0" normalizeH="0">
             <a:ln>
               <a:noFill/>
             </a:ln>
@@ -7613,7 +7240,7 @@
           <a:buFontTx/>
           <a:buNone/>
           <a:tabLst/>
-          <a:defRPr kumimoji="0" sz="1800" b="0" i="0" u="none" strike="noStrike" cap="none" spc="0" normalizeH="0" baseline="0">
+          <a:defRPr b="0" baseline="0" cap="none" i="0" spc="0" strike="noStrike" sz="1800" u="none" kumimoji="0" normalizeH="0">
             <a:ln>
               <a:noFill/>
             </a:ln>
@@ -7639,7 +7266,7 @@
           <a:buFontTx/>
           <a:buNone/>
           <a:tabLst/>
-          <a:defRPr kumimoji="0" sz="1800" b="0" i="0" u="none" strike="noStrike" cap="none" spc="0" normalizeH="0" baseline="0">
+          <a:defRPr b="0" baseline="0" cap="none" i="0" spc="0" strike="noStrike" sz="1800" u="none" kumimoji="0" normalizeH="0">
             <a:ln>
               <a:noFill/>
             </a:ln>
@@ -7665,7 +7292,7 @@
           <a:buFontTx/>
           <a:buNone/>
           <a:tabLst/>
-          <a:defRPr kumimoji="0" sz="1800" b="0" i="0" u="none" strike="noStrike" cap="none" spc="0" normalizeH="0" baseline="0">
+          <a:defRPr b="0" baseline="0" cap="none" i="0" spc="0" strike="noStrike" sz="1800" u="none" kumimoji="0" normalizeH="0">
             <a:ln>
               <a:noFill/>
             </a:ln>
@@ -7678,15 +7305,9 @@
         </a:lvl9pPr>
       </a:lstStyle>
       <a:style>
-        <a:lnRef idx="0">
-          <a:scrgbClr r="0" g="0" b="0"/>
-        </a:lnRef>
-        <a:fillRef idx="0">
-          <a:scrgbClr r="0" g="0" b="0"/>
-        </a:fillRef>
-        <a:effectRef idx="0">
-          <a:scrgbClr r="0" g="0" b="0"/>
-        </a:effectRef>
+        <a:lnRef idx="0"/>
+        <a:fillRef idx="0"/>
+        <a:effectRef idx="0"/>
         <a:fontRef idx="none"/>
       </a:style>
     </a:lnDef>
@@ -7700,7 +7321,7 @@
         <a:effectLst/>
         <a:sp3d/>
       </a:spPr>
-      <a:bodyPr rot="0" spcFirstLastPara="1" vertOverflow="overflow" horzOverflow="overflow" vert="horz" wrap="square" lIns="50800" tIns="50800" rIns="50800" bIns="50800" numCol="1" spcCol="38100" rtlCol="0" anchor="ctr">
+      <a:bodyPr rot="0" spcFirstLastPara="1" vertOverflow="overflow" horzOverflow="overflow" vert="horz" wrap="square" lIns="50800" tIns="50800" rIns="50800" bIns="50800" numCol="1" spcCol="38100" rtlCol="0" anchor="ctr" upright="0">
         <a:spAutoFit/>
       </a:bodyPr>
       <a:lstStyle>
@@ -7719,7 +7340,7 @@
           <a:buFontTx/>
           <a:buNone/>
           <a:tabLst/>
-          <a:defRPr kumimoji="0" sz="2400" b="0" i="0" u="none" strike="noStrike" cap="none" spc="0" normalizeH="0" baseline="0">
+          <a:defRPr b="0" baseline="0" cap="none" i="0" spc="0" strike="noStrike" sz="2400" u="none" kumimoji="0" normalizeH="0">
             <a:ln>
               <a:noFill/>
             </a:ln>
@@ -7749,7 +7370,7 @@
           <a:buFontTx/>
           <a:buNone/>
           <a:tabLst/>
-          <a:defRPr kumimoji="0" sz="1800" b="0" i="0" u="none" strike="noStrike" cap="none" spc="0" normalizeH="0" baseline="0">
+          <a:defRPr b="0" baseline="0" cap="none" i="0" spc="0" strike="noStrike" sz="1800" u="none" kumimoji="0" normalizeH="0">
             <a:ln>
               <a:noFill/>
             </a:ln>
@@ -7775,7 +7396,7 @@
           <a:buFontTx/>
           <a:buNone/>
           <a:tabLst/>
-          <a:defRPr kumimoji="0" sz="1800" b="0" i="0" u="none" strike="noStrike" cap="none" spc="0" normalizeH="0" baseline="0">
+          <a:defRPr b="0" baseline="0" cap="none" i="0" spc="0" strike="noStrike" sz="1800" u="none" kumimoji="0" normalizeH="0">
             <a:ln>
               <a:noFill/>
             </a:ln>
@@ -7801,7 +7422,7 @@
           <a:buFontTx/>
           <a:buNone/>
           <a:tabLst/>
-          <a:defRPr kumimoji="0" sz="1800" b="0" i="0" u="none" strike="noStrike" cap="none" spc="0" normalizeH="0" baseline="0">
+          <a:defRPr b="0" baseline="0" cap="none" i="0" spc="0" strike="noStrike" sz="1800" u="none" kumimoji="0" normalizeH="0">
             <a:ln>
               <a:noFill/>
             </a:ln>
@@ -7827,7 +7448,7 @@
           <a:buFontTx/>
           <a:buNone/>
           <a:tabLst/>
-          <a:defRPr kumimoji="0" sz="1800" b="0" i="0" u="none" strike="noStrike" cap="none" spc="0" normalizeH="0" baseline="0">
+          <a:defRPr b="0" baseline="0" cap="none" i="0" spc="0" strike="noStrike" sz="1800" u="none" kumimoji="0" normalizeH="0">
             <a:ln>
               <a:noFill/>
             </a:ln>
@@ -7853,7 +7474,7 @@
           <a:buFontTx/>
           <a:buNone/>
           <a:tabLst/>
-          <a:defRPr kumimoji="0" sz="1800" b="0" i="0" u="none" strike="noStrike" cap="none" spc="0" normalizeH="0" baseline="0">
+          <a:defRPr b="0" baseline="0" cap="none" i="0" spc="0" strike="noStrike" sz="1800" u="none" kumimoji="0" normalizeH="0">
             <a:ln>
               <a:noFill/>
             </a:ln>
@@ -7879,7 +7500,7 @@
           <a:buFontTx/>
           <a:buNone/>
           <a:tabLst/>
-          <a:defRPr kumimoji="0" sz="1800" b="0" i="0" u="none" strike="noStrike" cap="none" spc="0" normalizeH="0" baseline="0">
+          <a:defRPr b="0" baseline="0" cap="none" i="0" spc="0" strike="noStrike" sz="1800" u="none" kumimoji="0" normalizeH="0">
             <a:ln>
               <a:noFill/>
             </a:ln>
@@ -7905,7 +7526,7 @@
           <a:buFontTx/>
           <a:buNone/>
           <a:tabLst/>
-          <a:defRPr kumimoji="0" sz="1800" b="0" i="0" u="none" strike="noStrike" cap="none" spc="0" normalizeH="0" baseline="0">
+          <a:defRPr b="0" baseline="0" cap="none" i="0" spc="0" strike="noStrike" sz="1800" u="none" kumimoji="0" normalizeH="0">
             <a:ln>
               <a:noFill/>
             </a:ln>
@@ -7931,7 +7552,7 @@
           <a:buFontTx/>
           <a:buNone/>
           <a:tabLst/>
-          <a:defRPr kumimoji="0" sz="1800" b="0" i="0" u="none" strike="noStrike" cap="none" spc="0" normalizeH="0" baseline="0">
+          <a:defRPr b="0" baseline="0" cap="none" i="0" spc="0" strike="noStrike" sz="1800" u="none" kumimoji="0" normalizeH="0">
             <a:ln>
               <a:noFill/>
             </a:ln>
@@ -7957,7 +7578,7 @@
           <a:buFontTx/>
           <a:buNone/>
           <a:tabLst/>
-          <a:defRPr kumimoji="0" sz="1800" b="0" i="0" u="none" strike="noStrike" cap="none" spc="0" normalizeH="0" baseline="0">
+          <a:defRPr b="0" baseline="0" cap="none" i="0" spc="0" strike="noStrike" sz="1800" u="none" kumimoji="0" normalizeH="0">
             <a:ln>
               <a:noFill/>
             </a:ln>
@@ -7970,19 +7591,12 @@
         </a:lvl9pPr>
       </a:lstStyle>
       <a:style>
-        <a:lnRef idx="0">
-          <a:scrgbClr r="0" g="0" b="0"/>
-        </a:lnRef>
-        <a:fillRef idx="0">
-          <a:scrgbClr r="0" g="0" b="0"/>
-        </a:fillRef>
-        <a:effectRef idx="0">
-          <a:scrgbClr r="0" g="0" b="0"/>
-        </a:effectRef>
+        <a:lnRef idx="0"/>
+        <a:fillRef idx="0"/>
+        <a:effectRef idx="0"/>
         <a:fontRef idx="none"/>
       </a:style>
     </a:txDef>
   </a:objectDefaults>
-  <a:extraClrSchemeLst/>
 </a:theme>
 </file>
--- a/doc/Presentations/Budget_Text_ProjectPresentation.pptx
+++ b/doc/Presentations/Budget_Text_ProjectPresentation.pptx
@@ -21,6 +21,10 @@
     <p:sldId id="266" r:id="rId18"/>
     <p:sldId id="267" r:id="rId19"/>
     <p:sldId id="268" r:id="rId20"/>
+    <p:sldId id="269" r:id="rId21"/>
+    <p:sldId id="270" r:id="rId22"/>
+    <p:sldId id="271" r:id="rId23"/>
+    <p:sldId id="272" r:id="rId24"/>
   </p:sldIdLst>
   <p:sldSz cx="13004800" cy="9753600"/>
   <p:notesSz cx="6858000" cy="9144000"/>
@@ -75,10 +79,10 @@
         </a:solidFill>
         <a:effectLst/>
         <a:uFillTx/>
-        <a:latin typeface="+mj-lt"/>
-        <a:ea typeface="+mj-ea"/>
-        <a:cs typeface="+mj-cs"/>
-        <a:sym typeface="Helvetica Neue"/>
+        <a:latin typeface="+mn-lt"/>
+        <a:ea typeface="+mn-ea"/>
+        <a:cs typeface="+mn-cs"/>
+        <a:sym typeface="Helvetica"/>
       </a:defRPr>
     </a:lvl1pPr>
     <a:lvl2pPr marL="0" marR="0" indent="0" algn="ctr" defTabSz="584200" rtl="0" fontAlgn="auto" latinLnBrk="0" hangingPunct="0">
@@ -105,10 +109,10 @@
         </a:solidFill>
         <a:effectLst/>
         <a:uFillTx/>
-        <a:latin typeface="+mj-lt"/>
-        <a:ea typeface="+mj-ea"/>
-        <a:cs typeface="+mj-cs"/>
-        <a:sym typeface="Helvetica Neue"/>
+        <a:latin typeface="+mn-lt"/>
+        <a:ea typeface="+mn-ea"/>
+        <a:cs typeface="+mn-cs"/>
+        <a:sym typeface="Helvetica"/>
       </a:defRPr>
     </a:lvl2pPr>
     <a:lvl3pPr marL="0" marR="0" indent="0" algn="ctr" defTabSz="584200" rtl="0" fontAlgn="auto" latinLnBrk="0" hangingPunct="0">
@@ -135,10 +139,10 @@
         </a:solidFill>
         <a:effectLst/>
         <a:uFillTx/>
-        <a:latin typeface="+mj-lt"/>
-        <a:ea typeface="+mj-ea"/>
-        <a:cs typeface="+mj-cs"/>
-        <a:sym typeface="Helvetica Neue"/>
+        <a:latin typeface="+mn-lt"/>
+        <a:ea typeface="+mn-ea"/>
+        <a:cs typeface="+mn-cs"/>
+        <a:sym typeface="Helvetica"/>
       </a:defRPr>
     </a:lvl3pPr>
     <a:lvl4pPr marL="0" marR="0" indent="0" algn="ctr" defTabSz="584200" rtl="0" fontAlgn="auto" latinLnBrk="0" hangingPunct="0">
@@ -165,10 +169,10 @@
         </a:solidFill>
         <a:effectLst/>
         <a:uFillTx/>
-        <a:latin typeface="+mj-lt"/>
-        <a:ea typeface="+mj-ea"/>
-        <a:cs typeface="+mj-cs"/>
-        <a:sym typeface="Helvetica Neue"/>
+        <a:latin typeface="+mn-lt"/>
+        <a:ea typeface="+mn-ea"/>
+        <a:cs typeface="+mn-cs"/>
+        <a:sym typeface="Helvetica"/>
       </a:defRPr>
     </a:lvl4pPr>
     <a:lvl5pPr marL="0" marR="0" indent="0" algn="ctr" defTabSz="584200" rtl="0" fontAlgn="auto" latinLnBrk="0" hangingPunct="0">
@@ -195,10 +199,10 @@
         </a:solidFill>
         <a:effectLst/>
         <a:uFillTx/>
-        <a:latin typeface="+mj-lt"/>
-        <a:ea typeface="+mj-ea"/>
-        <a:cs typeface="+mj-cs"/>
-        <a:sym typeface="Helvetica Neue"/>
+        <a:latin typeface="+mn-lt"/>
+        <a:ea typeface="+mn-ea"/>
+        <a:cs typeface="+mn-cs"/>
+        <a:sym typeface="Helvetica"/>
       </a:defRPr>
     </a:lvl5pPr>
     <a:lvl6pPr marL="0" marR="0" indent="0" algn="ctr" defTabSz="584200" rtl="0" fontAlgn="auto" latinLnBrk="0" hangingPunct="0">
@@ -225,10 +229,10 @@
         </a:solidFill>
         <a:effectLst/>
         <a:uFillTx/>
-        <a:latin typeface="+mj-lt"/>
-        <a:ea typeface="+mj-ea"/>
-        <a:cs typeface="+mj-cs"/>
-        <a:sym typeface="Helvetica Neue"/>
+        <a:latin typeface="+mn-lt"/>
+        <a:ea typeface="+mn-ea"/>
+        <a:cs typeface="+mn-cs"/>
+        <a:sym typeface="Helvetica"/>
       </a:defRPr>
     </a:lvl6pPr>
     <a:lvl7pPr marL="0" marR="0" indent="0" algn="ctr" defTabSz="584200" rtl="0" fontAlgn="auto" latinLnBrk="0" hangingPunct="0">
@@ -255,10 +259,10 @@
         </a:solidFill>
         <a:effectLst/>
         <a:uFillTx/>
-        <a:latin typeface="+mj-lt"/>
-        <a:ea typeface="+mj-ea"/>
-        <a:cs typeface="+mj-cs"/>
-        <a:sym typeface="Helvetica Neue"/>
+        <a:latin typeface="+mn-lt"/>
+        <a:ea typeface="+mn-ea"/>
+        <a:cs typeface="+mn-cs"/>
+        <a:sym typeface="Helvetica"/>
       </a:defRPr>
     </a:lvl7pPr>
     <a:lvl8pPr marL="0" marR="0" indent="0" algn="ctr" defTabSz="584200" rtl="0" fontAlgn="auto" latinLnBrk="0" hangingPunct="0">
@@ -285,10 +289,10 @@
         </a:solidFill>
         <a:effectLst/>
         <a:uFillTx/>
-        <a:latin typeface="+mj-lt"/>
-        <a:ea typeface="+mj-ea"/>
-        <a:cs typeface="+mj-cs"/>
-        <a:sym typeface="Helvetica Neue"/>
+        <a:latin typeface="+mn-lt"/>
+        <a:ea typeface="+mn-ea"/>
+        <a:cs typeface="+mn-cs"/>
+        <a:sym typeface="Helvetica"/>
       </a:defRPr>
     </a:lvl8pPr>
     <a:lvl9pPr marL="0" marR="0" indent="0" algn="ctr" defTabSz="584200" rtl="0" fontAlgn="auto" latinLnBrk="0" hangingPunct="0">
@@ -315,10 +319,10 @@
         </a:solidFill>
         <a:effectLst/>
         <a:uFillTx/>
-        <a:latin typeface="+mj-lt"/>
-        <a:ea typeface="+mj-ea"/>
-        <a:cs typeface="+mj-cs"/>
-        <a:sym typeface="Helvetica Neue"/>
+        <a:latin typeface="+mn-lt"/>
+        <a:ea typeface="+mn-ea"/>
+        <a:cs typeface="+mn-cs"/>
+        <a:sym typeface="Helvetica"/>
       </a:defRPr>
     </a:lvl9pPr>
   </p:defaultTextStyle>
@@ -559,8 +563,8 @@
         </p:nvSpPr>
         <p:spPr>
           <a:xfrm>
-            <a:off x="507998" y="4089400"/>
-            <a:ext cx="12000023" cy="0"/>
+            <a:off x="507997" y="4089400"/>
+            <a:ext cx="12000025" cy="0"/>
           </a:xfrm>
           <a:prstGeom prst="line">
             <a:avLst/>
@@ -590,8 +594,8 @@
         </p:nvSpPr>
         <p:spPr>
           <a:xfrm flipV="1">
-            <a:off x="7994301" y="4526255"/>
-            <a:ext cx="3" cy="1642761"/>
+            <a:off x="7994300" y="4526255"/>
+            <a:ext cx="4" cy="1642762"/>
           </a:xfrm>
           <a:prstGeom prst="line">
             <a:avLst/>
@@ -665,7 +669,7 @@
                 </a:solidFill>
               </a:defRPr>
             </a:lvl2pPr>
-            <a:lvl3pPr marL="1253065" indent="-313265">
+            <a:lvl3pPr marL="1253064" indent="-313264">
               <a:lnSpc>
                 <a:spcPct val="110000"/>
               </a:lnSpc>
@@ -680,7 +684,7 @@
                 </a:solidFill>
               </a:defRPr>
             </a:lvl3pPr>
-            <a:lvl4pPr marL="1722965" indent="-313265">
+            <a:lvl4pPr marL="1722964" indent="-313264">
               <a:lnSpc>
                 <a:spcPct val="110000"/>
               </a:lnSpc>
@@ -695,7 +699,7 @@
                 </a:solidFill>
               </a:defRPr>
             </a:lvl4pPr>
-            <a:lvl5pPr marL="2192865" indent="-313265">
+            <a:lvl5pPr marL="2192864" indent="-313264">
               <a:lnSpc>
                 <a:spcPct val="110000"/>
               </a:lnSpc>
@@ -1060,7 +1064,7 @@
         <p:spPr>
           <a:xfrm>
             <a:off x="507998" y="4876800"/>
-            <a:ext cx="5676378" cy="0"/>
+            <a:ext cx="5676379" cy="0"/>
           </a:xfrm>
           <a:prstGeom prst="line">
             <a:avLst/>
@@ -1090,8 +1094,8 @@
         </p:nvSpPr>
         <p:spPr>
           <a:xfrm>
-            <a:off x="508000" y="2768600"/>
-            <a:ext cx="5676317" cy="0"/>
+            <a:off x="507999" y="2768600"/>
+            <a:ext cx="5676319" cy="0"/>
           </a:xfrm>
           <a:prstGeom prst="line">
             <a:avLst/>
@@ -1165,7 +1169,7 @@
                 </a:solidFill>
               </a:defRPr>
             </a:lvl2pPr>
-            <a:lvl3pPr marL="1253065" indent="-313265">
+            <a:lvl3pPr marL="1253064" indent="-313264">
               <a:lnSpc>
                 <a:spcPct val="110000"/>
               </a:lnSpc>
@@ -1180,7 +1184,7 @@
                 </a:solidFill>
               </a:defRPr>
             </a:lvl3pPr>
-            <a:lvl4pPr marL="1722965" indent="-313265">
+            <a:lvl4pPr marL="1722964" indent="-313264">
               <a:lnSpc>
                 <a:spcPct val="110000"/>
               </a:lnSpc>
@@ -1195,7 +1199,7 @@
                 </a:solidFill>
               </a:defRPr>
             </a:lvl4pPr>
-            <a:lvl5pPr marL="2192865" indent="-313265">
+            <a:lvl5pPr marL="2192864" indent="-313264">
               <a:lnSpc>
                 <a:spcPct val="110000"/>
               </a:lnSpc>
@@ -1254,7 +1258,7 @@
         <p:spPr>
           <a:xfrm>
             <a:off x="6818217" y="647698"/>
-            <a:ext cx="5588003" cy="8331203"/>
+            <a:ext cx="5588004" cy="8331204"/>
           </a:xfrm>
           <a:prstGeom prst="rect">
             <a:avLst/>
@@ -1748,8 +1752,8 @@
         </p:blipFill>
         <p:spPr>
           <a:xfrm>
-            <a:off x="49409" y="9179748"/>
-            <a:ext cx="1709118" cy="607687"/>
+            <a:off x="49408" y="9179748"/>
+            <a:ext cx="1709119" cy="607688"/>
           </a:xfrm>
           <a:prstGeom prst="rect">
             <a:avLst/>
@@ -1918,7 +1922,7 @@
         <p:spPr>
           <a:xfrm>
             <a:off x="6856317" y="4772797"/>
-            <a:ext cx="5499103" cy="4229104"/>
+            <a:ext cx="5499104" cy="4229104"/>
           </a:xfrm>
           <a:prstGeom prst="rect">
             <a:avLst/>
@@ -1972,7 +1976,7 @@
         <p:spPr>
           <a:xfrm>
             <a:off x="557117" y="609598"/>
-            <a:ext cx="5588005" cy="8394703"/>
+            <a:ext cx="5588006" cy="8394704"/>
           </a:xfrm>
           <a:prstGeom prst="rect">
             <a:avLst/>
@@ -2243,8 +2247,8 @@
         </p:nvSpPr>
         <p:spPr>
           <a:xfrm>
-            <a:off x="507998" y="2171700"/>
-            <a:ext cx="11997296" cy="0"/>
+            <a:off x="507997" y="2171700"/>
+            <a:ext cx="11997298" cy="0"/>
           </a:xfrm>
           <a:prstGeom prst="line">
             <a:avLst/>
@@ -2274,8 +2278,8 @@
         </p:nvSpPr>
         <p:spPr>
           <a:xfrm>
-            <a:off x="507998" y="635000"/>
-            <a:ext cx="11997296" cy="0"/>
+            <a:off x="507997" y="635000"/>
+            <a:ext cx="11997298" cy="0"/>
           </a:xfrm>
           <a:prstGeom prst="line">
             <a:avLst/>
@@ -3285,7 +3289,7 @@
               <a:lnSpc>
                 <a:spcPct val="100000"/>
               </a:lnSpc>
-              <a:defRPr i="0" sz="1632"/>
+              <a:defRPr i="0" sz="1600"/>
             </a:pPr>
             <a:r>
               <a:t>Akash Meghani, </a:t>
@@ -3296,13 +3300,10 @@
               <a:lnSpc>
                 <a:spcPct val="100000"/>
               </a:lnSpc>
-              <a:defRPr i="0" sz="1632"/>
+              <a:defRPr i="0" sz="1600"/>
             </a:pPr>
             <a:r>
-              <a:t>Miguel Gaspar Utrera</a:t>
-            </a:r>
-            <a:r>
-              <a:t>, </a:t>
+              <a:t>Miguel Gaspar Utrera, </a:t>
             </a:r>
           </a:p>
           <a:p>
@@ -3310,7 +3311,7 @@
               <a:lnSpc>
                 <a:spcPct val="100000"/>
               </a:lnSpc>
-              <a:defRPr i="0" sz="1632"/>
+              <a:defRPr i="0" sz="1600"/>
             </a:pPr>
             <a:r>
               <a:t>Naseeb Thapaliya,</a:t>
@@ -3321,13 +3322,10 @@
               <a:lnSpc>
                 <a:spcPct val="100000"/>
               </a:lnSpc>
-              <a:defRPr i="0" sz="1632"/>
+              <a:defRPr i="0" sz="1600"/>
             </a:pPr>
             <a:r>
-              <a:t>Sultan Al Bogami</a:t>
-            </a:r>
-            <a:r>
-              <a:t>,</a:t>
+              <a:t>Sultan Al Bogami,</a:t>
             </a:r>
           </a:p>
           <a:p>
@@ -3335,7 +3333,7 @@
               <a:lnSpc>
                 <a:spcPct val="100000"/>
               </a:lnSpc>
-              <a:defRPr i="0" sz="1632"/>
+              <a:defRPr i="0" sz="1600"/>
             </a:pPr>
             <a:r>
               <a:t>Unnati Khivasara</a:t>
@@ -3346,7 +3344,7 @@
               <a:lnSpc>
                 <a:spcPct val="100000"/>
               </a:lnSpc>
-              <a:defRPr i="0" sz="1632"/>
+              <a:defRPr i="0" sz="1600"/>
             </a:pPr>
           </a:p>
           <a:p>
@@ -3354,7 +3352,7 @@
               <a:lnSpc>
                 <a:spcPct val="100000"/>
               </a:lnSpc>
-              <a:defRPr i="0" sz="1632"/>
+              <a:defRPr i="0" sz="1600"/>
             </a:pPr>
             <a:r>
               <a:t>Mentors: Dr. Soumya Mohanty</a:t>
@@ -3365,7 +3363,7 @@
               <a:lnSpc>
                 <a:spcPct val="100000"/>
               </a:lnSpc>
-              <a:defRPr i="0" sz="1632"/>
+              <a:defRPr i="0" sz="1600"/>
             </a:pPr>
             <a:r>
               <a:t>                 Jason Jones (Guilford County)</a:t>
@@ -3392,7 +3390,7 @@
         <p:spPr>
           <a:xfrm>
             <a:off x="6666" y="9157899"/>
-            <a:ext cx="1756417" cy="624506"/>
+            <a:ext cx="1756418" cy="624507"/>
           </a:xfrm>
           <a:prstGeom prst="rect">
             <a:avLst/>
@@ -3437,7 +3435,7 @@
       </p:grpSpPr>
       <p:sp>
         <p:nvSpPr>
-          <p:cNvPr id="155" name="Predictive Models Used"/>
+          <p:cNvPr id="153" name="Data Set- Terminology"/>
           <p:cNvSpPr txBox="1"/>
           <p:nvPr>
             <p:ph type="title"/>
@@ -3454,14 +3452,14 @@
           <a:p>
             <a:pPr/>
             <a:r>
-              <a:t>Topic Modelling</a:t>
+              <a:t>Data Transformation</a:t>
             </a:r>
           </a:p>
         </p:txBody>
       </p:sp>
       <p:pic>
         <p:nvPicPr>
-          <p:cNvPr id="156" name="Screen Shot 2019-05-13 at 12.07.59.png" descr="Screen Shot 2019-05-13 at 12.07.59.png"/>
+          <p:cNvPr id="154" name="Screen Shot 2019-05-13 at 12.07.59.png" descr="Screen Shot 2019-05-13 at 12.07.59.png"/>
           <p:cNvPicPr>
             <a:picLocks noChangeAspect="1"/>
           </p:cNvPicPr>
@@ -3477,8 +3475,8 @@
         </p:blipFill>
         <p:spPr>
           <a:xfrm>
-            <a:off x="32940" y="9116962"/>
-            <a:ext cx="1730545" cy="615307"/>
+            <a:off x="42961" y="9143065"/>
+            <a:ext cx="1786757" cy="635293"/>
           </a:xfrm>
           <a:prstGeom prst="rect">
             <a:avLst/>
@@ -3490,7 +3488,7 @@
       </p:pic>
       <p:pic>
         <p:nvPicPr>
-          <p:cNvPr id="157" name="Content Placeholder 4" descr="Content Placeholder 4"/>
+          <p:cNvPr id="155" name="Screen Shot 2019-09-24 at 11.23.55.png" descr="Screen Shot 2019-09-24 at 11.23.55.png"/>
           <p:cNvPicPr>
             <a:picLocks noChangeAspect="1"/>
           </p:cNvPicPr>
@@ -3506,8 +3504,8 @@
         </p:blipFill>
         <p:spPr>
           <a:xfrm>
-            <a:off x="219175" y="3199855"/>
-            <a:ext cx="7028430" cy="4736553"/>
+            <a:off x="1033164" y="4290864"/>
+            <a:ext cx="10938472" cy="5604517"/>
           </a:xfrm>
           <a:prstGeom prst="rect">
             <a:avLst/>
@@ -3517,16 +3515,26 @@
           </a:ln>
         </p:spPr>
       </p:pic>
-      <p:sp>
-        <p:nvSpPr>
-          <p:cNvPr id="158" name="Finding a group of words (i.e topic) from a collection of documents that best represents the information in the collection."/>
-          <p:cNvSpPr txBox="1"/>
+      <p:pic>
+        <p:nvPicPr>
+          <p:cNvPr id="156" name="Screen Shot 2019-09-24 at 12.57.21.png" descr="Screen Shot 2019-09-24 at 12.57.21.png"/>
+          <p:cNvPicPr>
+            <a:picLocks noChangeAspect="1"/>
+          </p:cNvPicPr>
           <p:nvPr/>
-        </p:nvSpPr>
+        </p:nvPicPr>
+        <p:blipFill>
+          <a:blip r:embed="rId4">
+            <a:extLst/>
+          </a:blip>
+          <a:stretch>
+            <a:fillRect/>
+          </a:stretch>
+        </p:blipFill>
         <p:spPr>
           <a:xfrm>
-            <a:off x="8544743" y="3429654"/>
-            <a:ext cx="2504493" cy="4276955"/>
+            <a:off x="1179592" y="2130283"/>
+            <a:ext cx="10645616" cy="2228927"/>
           </a:xfrm>
           <a:prstGeom prst="rect">
             <a:avLst/>
@@ -3534,45 +3542,8 @@
           <a:ln w="12700">
             <a:miter lim="400000"/>
           </a:ln>
-          <a:extLst>
-            <a:ext uri="{C572A759-6A51-4108-AA02-DFA0A04FC94B}">
-              <ma14:wrappingTextBoxFlag xmlns:ma14="http://schemas.microsoft.com/office/mac/drawingml/2011/main" val="1"/>
-            </a:ext>
-          </a:extLst>
-        </p:spPr>
-        <p:txBody>
-          <a:bodyPr lIns="50800" tIns="50800" rIns="50800" bIns="50800" anchor="ctr">
-            <a:spAutoFit/>
-          </a:bodyPr>
-          <a:lstStyle>
-            <a:lvl1pPr marL="200526" indent="-200526" algn="l" defTabSz="914400">
-              <a:buClr>
-                <a:srgbClr val="000000"/>
-              </a:buClr>
-              <a:buSzPct val="100000"/>
-              <a:buChar char="•"/>
-              <a:defRPr sz="2900">
-                <a:solidFill>
-                  <a:srgbClr val="000000"/>
-                </a:solidFill>
-                <a:latin typeface="Times New Roman"/>
-                <a:ea typeface="Times New Roman"/>
-                <a:cs typeface="Times New Roman"/>
-                <a:sym typeface="Times New Roman"/>
-              </a:defRPr>
-            </a:lvl1pPr>
-          </a:lstStyle>
-          <a:p>
-            <a:pPr>
-              <a:defRPr b="1"/>
-            </a:pPr>
-            <a:r>
-              <a:rPr b="0"/>
-              <a:t>Finding a group of words (i.e topic) from a collection of documents that best represents the information in the collection.</a:t>
-            </a:r>
-          </a:p>
-        </p:txBody>
-      </p:sp>
+        </p:spPr>
+      </p:pic>
     </p:spTree>
   </p:cSld>
   <p:clrMapOvr>
@@ -3619,7 +3590,7 @@
       </p:grpSpPr>
       <p:sp>
         <p:nvSpPr>
-          <p:cNvPr id="160" name="Predictive Models Used"/>
+          <p:cNvPr id="158" name="Data Set- Terminology"/>
           <p:cNvSpPr txBox="1"/>
           <p:nvPr>
             <p:ph type="title"/>
@@ -3636,14 +3607,14 @@
           <a:p>
             <a:pPr/>
             <a:r>
-              <a:t>Emotion And Sentiment Analysis</a:t>
+              <a:t>Data Analysis</a:t>
             </a:r>
           </a:p>
         </p:txBody>
       </p:sp>
       <p:pic>
         <p:nvPicPr>
-          <p:cNvPr id="161" name="Screen Shot 2019-05-13 at 12.07.59.png" descr="Screen Shot 2019-05-13 at 12.07.59.png"/>
+          <p:cNvPr id="159" name="Screen Shot 2019-05-13 at 12.07.59.png" descr="Screen Shot 2019-05-13 at 12.07.59.png"/>
           <p:cNvPicPr>
             <a:picLocks noChangeAspect="1"/>
           </p:cNvPicPr>
@@ -3659,8 +3630,8 @@
         </p:blipFill>
         <p:spPr>
           <a:xfrm>
-            <a:off x="32940" y="9116962"/>
-            <a:ext cx="1730545" cy="615307"/>
+            <a:off x="42961" y="9143065"/>
+            <a:ext cx="1786757" cy="635293"/>
           </a:xfrm>
           <a:prstGeom prst="rect">
             <a:avLst/>
@@ -3670,65 +3641,9 @@
           </a:ln>
         </p:spPr>
       </p:pic>
-      <p:sp>
-        <p:nvSpPr>
-          <p:cNvPr id="162" name="Sentiment analysis and emotional analysis are two key methods experts use to quantify audiences’ emotional engagement."/>
-          <p:cNvSpPr txBox="1"/>
-          <p:nvPr/>
-        </p:nvSpPr>
-        <p:spPr>
-          <a:xfrm>
-            <a:off x="8544743" y="3220104"/>
-            <a:ext cx="2504493" cy="4696055"/>
-          </a:xfrm>
-          <a:prstGeom prst="rect">
-            <a:avLst/>
-          </a:prstGeom>
-          <a:ln w="12700">
-            <a:miter lim="400000"/>
-          </a:ln>
-          <a:extLst>
-            <a:ext uri="{C572A759-6A51-4108-AA02-DFA0A04FC94B}">
-              <ma14:wrappingTextBoxFlag xmlns:ma14="http://schemas.microsoft.com/office/mac/drawingml/2011/main" val="1"/>
-            </a:ext>
-          </a:extLst>
-        </p:spPr>
-        <p:txBody>
-          <a:bodyPr lIns="50800" tIns="50800" rIns="50800" bIns="50800" anchor="ctr">
-            <a:spAutoFit/>
-          </a:bodyPr>
-          <a:lstStyle>
-            <a:lvl1pPr marL="200526" indent="-200526" algn="l" defTabSz="914400">
-              <a:buClr>
-                <a:srgbClr val="000000"/>
-              </a:buClr>
-              <a:buSzPct val="100000"/>
-              <a:buChar char="•"/>
-              <a:defRPr sz="2900">
-                <a:solidFill>
-                  <a:srgbClr val="000000"/>
-                </a:solidFill>
-                <a:latin typeface="Times New Roman"/>
-                <a:ea typeface="Times New Roman"/>
-                <a:cs typeface="Times New Roman"/>
-                <a:sym typeface="Times New Roman"/>
-              </a:defRPr>
-            </a:lvl1pPr>
-          </a:lstStyle>
-          <a:p>
-            <a:pPr>
-              <a:defRPr b="1"/>
-            </a:pPr>
-            <a:r>
-              <a:rPr b="0"/>
-              <a:t>Sentiment analysis and emotional analysis are two key methods experts use to quantify audiences’ emotional engagement. </a:t>
-            </a:r>
-          </a:p>
-        </p:txBody>
-      </p:sp>
       <p:pic>
         <p:nvPicPr>
-          <p:cNvPr id="163" name="Content Placeholder 4" descr="Content Placeholder 4"/>
+          <p:cNvPr id="160" name="Screen Shot 2019-09-24 at 11.11.37.png" descr="Screen Shot 2019-09-24 at 11.11.37.png"/>
           <p:cNvPicPr>
             <a:picLocks noChangeAspect="1"/>
           </p:cNvPicPr>
@@ -3744,8 +3659,8 @@
         </p:blipFill>
         <p:spPr>
           <a:xfrm>
-            <a:off x="946485" y="3496839"/>
-            <a:ext cx="5562901" cy="4142585"/>
+            <a:off x="-437653" y="2543872"/>
+            <a:ext cx="14111981" cy="6233372"/>
           </a:xfrm>
           <a:prstGeom prst="rect">
             <a:avLst/>
@@ -3801,7 +3716,7 @@
       </p:grpSpPr>
       <p:sp>
         <p:nvSpPr>
-          <p:cNvPr id="165" name="Predictive Models Used"/>
+          <p:cNvPr id="162" name="Predictive Models Used"/>
           <p:cNvSpPr txBox="1"/>
           <p:nvPr>
             <p:ph type="title"/>
@@ -3814,25 +3729,18 @@
         </p:spPr>
         <p:txBody>
           <a:bodyPr/>
-          <a:lstStyle>
-            <a:lvl1pPr defTabSz="572516">
-              <a:spcBef>
-                <a:spcPts val="1500"/>
-              </a:spcBef>
-              <a:defRPr sz="6860"/>
-            </a:lvl1pPr>
-          </a:lstStyle>
+          <a:lstStyle/>
           <a:p>
             <a:pPr/>
             <a:r>
-              <a:t>Next Word Recommender(optional)</a:t>
+              <a:t>Topic Modelling</a:t>
             </a:r>
           </a:p>
         </p:txBody>
       </p:sp>
       <p:pic>
         <p:nvPicPr>
-          <p:cNvPr id="166" name="Screen Shot 2019-05-13 at 12.07.59.png" descr="Screen Shot 2019-05-13 at 12.07.59.png"/>
+          <p:cNvPr id="163" name="Screen Shot 2019-05-13 at 12.07.59.png" descr="Screen Shot 2019-05-13 at 12.07.59.png"/>
           <p:cNvPicPr>
             <a:picLocks noChangeAspect="1"/>
           </p:cNvPicPr>
@@ -3849,7 +3757,7 @@
         <p:spPr>
           <a:xfrm>
             <a:off x="32940" y="9116962"/>
-            <a:ext cx="1730545" cy="615307"/>
+            <a:ext cx="1730545" cy="615308"/>
           </a:xfrm>
           <a:prstGeom prst="rect">
             <a:avLst/>
@@ -3859,16 +3767,45 @@
           </a:ln>
         </p:spPr>
       </p:pic>
+      <p:pic>
+        <p:nvPicPr>
+          <p:cNvPr id="164" name="Content Placeholder 4" descr="Content Placeholder 4"/>
+          <p:cNvPicPr>
+            <a:picLocks noChangeAspect="1"/>
+          </p:cNvPicPr>
+          <p:nvPr/>
+        </p:nvPicPr>
+        <p:blipFill>
+          <a:blip r:embed="rId3">
+            <a:extLst/>
+          </a:blip>
+          <a:stretch>
+            <a:fillRect/>
+          </a:stretch>
+        </p:blipFill>
+        <p:spPr>
+          <a:xfrm>
+            <a:off x="219174" y="3199855"/>
+            <a:ext cx="7028431" cy="4736554"/>
+          </a:xfrm>
+          <a:prstGeom prst="rect">
+            <a:avLst/>
+          </a:prstGeom>
+          <a:ln w="12700">
+            <a:miter lim="400000"/>
+          </a:ln>
+        </p:spPr>
+      </p:pic>
       <p:sp>
         <p:nvSpPr>
-          <p:cNvPr id="167" name="Whenever a user tries to enter a word/s suggest the next word based on combination of words used as input in previous searches."/>
+          <p:cNvPr id="165" name="Finding a group of words (i.e topic) from a collection of documents that best represents the information in the collection."/>
           <p:cNvSpPr txBox="1"/>
           <p:nvPr/>
         </p:nvSpPr>
         <p:spPr>
           <a:xfrm>
-            <a:off x="651925" y="3086815"/>
-            <a:ext cx="9948008" cy="1343255"/>
+            <a:off x="8544742" y="3429654"/>
+            <a:ext cx="2504494" cy="4276955"/>
           </a:xfrm>
           <a:prstGeom prst="rect">
             <a:avLst/>
@@ -3887,7 +3824,7 @@
             <a:spAutoFit/>
           </a:bodyPr>
           <a:lstStyle>
-            <a:lvl1pPr marL="200526" indent="-200526" algn="l" defTabSz="914400">
+            <a:lvl1pPr marL="200525" indent="-200525" algn="l" defTabSz="914400">
               <a:buClr>
                 <a:srgbClr val="000000"/>
               </a:buClr>
@@ -3905,12 +3842,9 @@
             </a:lvl1pPr>
           </a:lstStyle>
           <a:p>
-            <a:pPr>
-              <a:defRPr b="1"/>
-            </a:pPr>
-            <a:r>
-              <a:rPr b="0"/>
-              <a:t>Whenever a user tries to enter a word/s suggest the next word based on combination of words used as input in previous searches.</a:t>
+            <a:pPr/>
+            <a:r>
+              <a:t>Finding a group of words (i.e topic) from a collection of documents that best represents the information in the collection.</a:t>
             </a:r>
           </a:p>
         </p:txBody>
@@ -3961,7 +3895,7 @@
       </p:grpSpPr>
       <p:sp>
         <p:nvSpPr>
-          <p:cNvPr id="169" name="Predictive Models Used"/>
+          <p:cNvPr id="167" name="Predictive Models Used"/>
           <p:cNvSpPr txBox="1"/>
           <p:nvPr>
             <p:ph type="title"/>
@@ -3978,14 +3912,14 @@
           <a:p>
             <a:pPr/>
             <a:r>
-              <a:t>Relevant Work</a:t>
+              <a:t>Emotion And Sentiment Analysis</a:t>
             </a:r>
           </a:p>
         </p:txBody>
       </p:sp>
       <p:pic>
         <p:nvPicPr>
-          <p:cNvPr id="170" name="Screen Shot 2019-05-13 at 12.07.59.png" descr="Screen Shot 2019-05-13 at 12.07.59.png"/>
+          <p:cNvPr id="168" name="Screen Shot 2019-05-13 at 12.07.59.png" descr="Screen Shot 2019-05-13 at 12.07.59.png"/>
           <p:cNvPicPr>
             <a:picLocks noChangeAspect="1"/>
           </p:cNvPicPr>
@@ -4002,7 +3936,7 @@
         <p:spPr>
           <a:xfrm>
             <a:off x="32940" y="9116962"/>
-            <a:ext cx="1730545" cy="615307"/>
+            <a:ext cx="1730545" cy="615308"/>
           </a:xfrm>
           <a:prstGeom prst="rect">
             <a:avLst/>
@@ -4014,14 +3948,14 @@
       </p:pic>
       <p:sp>
         <p:nvSpPr>
-          <p:cNvPr id="171" name="Emotion Sentiment Extraction Website by Jason.(https://jason-jones.shinyapps.io/Emotionizer/)…"/>
+          <p:cNvPr id="169" name="Sentiment analysis and emotional analysis are two key methods experts use to quantify audiences’ emotional engagement."/>
           <p:cNvSpPr txBox="1"/>
           <p:nvPr/>
         </p:nvSpPr>
         <p:spPr>
           <a:xfrm>
-            <a:off x="1528396" y="2466474"/>
-            <a:ext cx="9948008" cy="2883471"/>
+            <a:off x="8544742" y="3220104"/>
+            <a:ext cx="2504494" cy="4696055"/>
           </a:xfrm>
           <a:prstGeom prst="rect">
             <a:avLst/>
@@ -4039,9 +3973,736 @@
           <a:bodyPr lIns="50800" tIns="50800" rIns="50800" bIns="50800" anchor="ctr">
             <a:spAutoFit/>
           </a:bodyPr>
+          <a:lstStyle>
+            <a:lvl1pPr marL="200525" indent="-200525" algn="l" defTabSz="914400">
+              <a:buClr>
+                <a:srgbClr val="000000"/>
+              </a:buClr>
+              <a:buSzPct val="100000"/>
+              <a:buChar char="•"/>
+              <a:defRPr sz="2900">
+                <a:solidFill>
+                  <a:srgbClr val="000000"/>
+                </a:solidFill>
+                <a:latin typeface="Times New Roman"/>
+                <a:ea typeface="Times New Roman"/>
+                <a:cs typeface="Times New Roman"/>
+                <a:sym typeface="Times New Roman"/>
+              </a:defRPr>
+            </a:lvl1pPr>
+          </a:lstStyle>
+          <a:p>
+            <a:pPr/>
+            <a:r>
+              <a:t>Sentiment analysis and emotional analysis are two key methods experts use to quantify audiences’ emotional engagement. </a:t>
+            </a:r>
+          </a:p>
+        </p:txBody>
+      </p:sp>
+      <p:pic>
+        <p:nvPicPr>
+          <p:cNvPr id="170" name="Content Placeholder 4" descr="Content Placeholder 4"/>
+          <p:cNvPicPr>
+            <a:picLocks noChangeAspect="1"/>
+          </p:cNvPicPr>
+          <p:nvPr/>
+        </p:nvPicPr>
+        <p:blipFill>
+          <a:blip r:embed="rId3">
+            <a:extLst/>
+          </a:blip>
+          <a:stretch>
+            <a:fillRect/>
+          </a:stretch>
+        </p:blipFill>
+        <p:spPr>
+          <a:xfrm>
+            <a:off x="946484" y="3496838"/>
+            <a:ext cx="5562903" cy="4142587"/>
+          </a:xfrm>
+          <a:prstGeom prst="rect">
+            <a:avLst/>
+          </a:prstGeom>
+          <a:ln w="12700">
+            <a:miter lim="400000"/>
+          </a:ln>
+        </p:spPr>
+      </p:pic>
+    </p:spTree>
+  </p:cSld>
+  <p:clrMapOvr>
+    <a:masterClrMapping/>
+  </p:clrMapOvr>
+  <mc:AlternateContent xmlns:mc="http://schemas.openxmlformats.org/markup-compatibility/2006">
+    <mc:Choice xmlns:p14="http://schemas.microsoft.com/office/powerpoint/2010/main" Requires="p14">
+      <p:transition spd="slow" advClick="1" p14:dur="1200">
+        <p:dissolve/>
+      </p:transition>
+    </mc:Choice>
+    <mc:Fallback>
+      <p:transition spd="slow">
+        <p:fade/>
+      </p:transition>
+    </mc:Fallback>
+  </mc:AlternateContent>
+</p:sld>
+</file>
+
+<file path=ppt/slides/slide14.xml><?xml version="1.0" encoding="utf-8"?>
+<p:sld xmlns:a="http://schemas.openxmlformats.org/drawingml/2006/main" xmlns:r="http://schemas.openxmlformats.org/officeDocument/2006/relationships" xmlns:p="http://schemas.openxmlformats.org/presentationml/2006/main" xmlns:m="http://schemas.openxmlformats.org/officeDocument/2006/math" xmlns:a14="http://schemas.microsoft.com/office/drawing/2010/main" showMasterSp="1" showMasterPhAnim="1">
+  <p:cSld>
+    <p:bg>
+      <p:bgPr>
+        <a:solidFill>
+          <a:srgbClr val="FFFFFF"/>
+        </a:solidFill>
+      </p:bgPr>
+    </p:bg>
+    <p:spTree>
+      <p:nvGrpSpPr>
+        <p:cNvPr id="1" name=""/>
+        <p:cNvGrpSpPr/>
+        <p:nvPr/>
+      </p:nvGrpSpPr>
+      <p:grpSpPr>
+        <a:xfrm>
+          <a:off x="0" y="0"/>
+          <a:ext cx="0" cy="0"/>
+          <a:chOff x="0" y="0"/>
+          <a:chExt cx="0" cy="0"/>
+        </a:xfrm>
+      </p:grpSpPr>
+      <p:sp>
+        <p:nvSpPr>
+          <p:cNvPr id="172" name="Predictive Models Used"/>
+          <p:cNvSpPr txBox="1"/>
+          <p:nvPr>
+            <p:ph type="title"/>
+          </p:nvPr>
+        </p:nvSpPr>
+        <p:spPr>
+          <a:prstGeom prst="rect">
+            <a:avLst/>
+          </a:prstGeom>
+        </p:spPr>
+        <p:txBody>
+          <a:bodyPr/>
           <a:lstStyle/>
           <a:p>
-            <a:pPr marL="200526" indent="-200526" algn="l" defTabSz="914400">
+            <a:pPr/>
+            <a:r>
+              <a:t>Emotion And Sentiment Analysis</a:t>
+            </a:r>
+          </a:p>
+        </p:txBody>
+      </p:sp>
+      <p:sp>
+        <p:nvSpPr>
+          <p:cNvPr id="173" name="Text Placeholder 1"/>
+          <p:cNvSpPr txBox="1"/>
+          <p:nvPr>
+            <p:ph type="body" idx="1"/>
+          </p:nvPr>
+        </p:nvSpPr>
+        <p:spPr>
+          <a:prstGeom prst="rect">
+            <a:avLst/>
+          </a:prstGeom>
+        </p:spPr>
+        <p:txBody>
+          <a:bodyPr/>
+          <a:lstStyle/>
+          <a:p>
+            <a:pPr/>
+            <a:r>
+              <a:t>1) Tokenization</a:t>
+            </a:r>
+          </a:p>
+          <a:p>
+            <a:pPr/>
+            <a:r>
+              <a:t>2) Cleaning the data</a:t>
+            </a:r>
+          </a:p>
+          <a:p>
+            <a:pPr/>
+            <a:r>
+              <a:t>3) Removing stop words</a:t>
+            </a:r>
+          </a:p>
+          <a:p>
+            <a:pPr/>
+            <a:r>
+              <a:t>4) Normalization</a:t>
+            </a:r>
+          </a:p>
+          <a:p>
+            <a:pPr/>
+            <a:r>
+              <a:t>5) Supervised learning/Lexicon based approach</a:t>
+            </a:r>
+          </a:p>
+        </p:txBody>
+      </p:sp>
+      <p:pic>
+        <p:nvPicPr>
+          <p:cNvPr id="174" name="Screen Shot 2019-05-13 at 12.07.59.png" descr="Screen Shot 2019-05-13 at 12.07.59.png"/>
+          <p:cNvPicPr>
+            <a:picLocks noChangeAspect="1"/>
+          </p:cNvPicPr>
+          <p:nvPr/>
+        </p:nvPicPr>
+        <p:blipFill>
+          <a:blip r:embed="rId2">
+            <a:extLst/>
+          </a:blip>
+          <a:stretch>
+            <a:fillRect/>
+          </a:stretch>
+        </p:blipFill>
+        <p:spPr>
+          <a:xfrm>
+            <a:off x="32940" y="9116962"/>
+            <a:ext cx="1730545" cy="615308"/>
+          </a:xfrm>
+          <a:prstGeom prst="rect">
+            <a:avLst/>
+          </a:prstGeom>
+          <a:ln w="12700">
+            <a:miter lim="400000"/>
+          </a:ln>
+        </p:spPr>
+      </p:pic>
+    </p:spTree>
+  </p:cSld>
+  <p:clrMapOvr>
+    <a:masterClrMapping/>
+  </p:clrMapOvr>
+  <mc:AlternateContent xmlns:mc="http://schemas.openxmlformats.org/markup-compatibility/2006">
+    <mc:Choice xmlns:p14="http://schemas.microsoft.com/office/powerpoint/2010/main" Requires="p14">
+      <p:transition spd="slow" advClick="1" p14:dur="1200">
+        <p:dissolve/>
+      </p:transition>
+    </mc:Choice>
+    <mc:Fallback>
+      <p:transition spd="slow">
+        <p:fade/>
+      </p:transition>
+    </mc:Fallback>
+  </mc:AlternateContent>
+</p:sld>
+</file>
+
+<file path=ppt/slides/slide15.xml><?xml version="1.0" encoding="utf-8"?>
+<p:sld xmlns:a="http://schemas.openxmlformats.org/drawingml/2006/main" xmlns:r="http://schemas.openxmlformats.org/officeDocument/2006/relationships" xmlns:p="http://schemas.openxmlformats.org/presentationml/2006/main" xmlns:m="http://schemas.openxmlformats.org/officeDocument/2006/math" xmlns:a14="http://schemas.microsoft.com/office/drawing/2010/main" showMasterSp="1" showMasterPhAnim="1">
+  <p:cSld>
+    <p:bg>
+      <p:bgPr>
+        <a:solidFill>
+          <a:srgbClr val="FFFFFF"/>
+        </a:solidFill>
+      </p:bgPr>
+    </p:bg>
+    <p:spTree>
+      <p:nvGrpSpPr>
+        <p:cNvPr id="1" name=""/>
+        <p:cNvGrpSpPr/>
+        <p:nvPr/>
+      </p:nvGrpSpPr>
+      <p:grpSpPr>
+        <a:xfrm>
+          <a:off x="0" y="0"/>
+          <a:ext cx="0" cy="0"/>
+          <a:chOff x="0" y="0"/>
+          <a:chExt cx="0" cy="0"/>
+        </a:xfrm>
+      </p:grpSpPr>
+      <p:sp>
+        <p:nvSpPr>
+          <p:cNvPr id="176" name="Predictive Models Used"/>
+          <p:cNvSpPr txBox="1"/>
+          <p:nvPr>
+            <p:ph type="title"/>
+          </p:nvPr>
+        </p:nvSpPr>
+        <p:spPr>
+          <a:prstGeom prst="rect">
+            <a:avLst/>
+          </a:prstGeom>
+        </p:spPr>
+        <p:txBody>
+          <a:bodyPr/>
+          <a:lstStyle/>
+          <a:p>
+            <a:pPr/>
+            <a:r>
+              <a:t>Emotion And Sentiment Analysis</a:t>
+            </a:r>
+          </a:p>
+        </p:txBody>
+      </p:sp>
+      <p:sp>
+        <p:nvSpPr>
+          <p:cNvPr id="177" name="Text Placeholder 1"/>
+          <p:cNvSpPr txBox="1"/>
+          <p:nvPr>
+            <p:ph type="body" idx="1"/>
+          </p:nvPr>
+        </p:nvSpPr>
+        <p:spPr>
+          <a:prstGeom prst="rect">
+            <a:avLst/>
+          </a:prstGeom>
+        </p:spPr>
+        <p:txBody>
+          <a:bodyPr/>
+          <a:lstStyle/>
+          <a:p>
+            <a:pPr marL="0" indent="0">
+              <a:buSzTx/>
+              <a:buNone/>
+            </a:pPr>
+            <a:r>
+              <a:t>1) Text classification using spacy python package</a:t>
+            </a:r>
+          </a:p>
+          <a:p>
+            <a:pPr marL="0" indent="0">
+              <a:buSzTx/>
+              <a:buNone/>
+            </a:pPr>
+            <a:r>
+              <a:t>2) Number of stop words in the list : 326</a:t>
+            </a:r>
+          </a:p>
+          <a:p>
+            <a:pPr marL="0" indent="0">
+              <a:buSzTx/>
+              <a:buNone/>
+            </a:pPr>
+            <a:r>
+              <a:t>3) First ten stop words in Spacy:</a:t>
+            </a:r>
+          </a:p>
+        </p:txBody>
+      </p:sp>
+      <p:pic>
+        <p:nvPicPr>
+          <p:cNvPr id="178" name="Screen Shot 2019-05-13 at 12.07.59.png" descr="Screen Shot 2019-05-13 at 12.07.59.png"/>
+          <p:cNvPicPr>
+            <a:picLocks noChangeAspect="1"/>
+          </p:cNvPicPr>
+          <p:nvPr/>
+        </p:nvPicPr>
+        <p:blipFill>
+          <a:blip r:embed="rId2">
+            <a:extLst/>
+          </a:blip>
+          <a:stretch>
+            <a:fillRect/>
+          </a:stretch>
+        </p:blipFill>
+        <p:spPr>
+          <a:xfrm>
+            <a:off x="32940" y="9116962"/>
+            <a:ext cx="1730545" cy="615308"/>
+          </a:xfrm>
+          <a:prstGeom prst="rect">
+            <a:avLst/>
+          </a:prstGeom>
+          <a:ln w="12700">
+            <a:miter lim="400000"/>
+          </a:ln>
+        </p:spPr>
+      </p:pic>
+      <p:pic>
+        <p:nvPicPr>
+          <p:cNvPr id="179" name="Picture 2" descr="Picture 2"/>
+          <p:cNvPicPr>
+            <a:picLocks noChangeAspect="1"/>
+          </p:cNvPicPr>
+          <p:nvPr/>
+        </p:nvPicPr>
+        <p:blipFill>
+          <a:blip r:embed="rId3">
+            <a:extLst/>
+          </a:blip>
+          <a:stretch>
+            <a:fillRect/>
+          </a:stretch>
+        </p:blipFill>
+        <p:spPr>
+          <a:xfrm>
+            <a:off x="1060746" y="6527110"/>
+            <a:ext cx="10979168" cy="1304926"/>
+          </a:xfrm>
+          <a:prstGeom prst="rect">
+            <a:avLst/>
+          </a:prstGeom>
+          <a:ln w="12700">
+            <a:miter lim="400000"/>
+          </a:ln>
+        </p:spPr>
+      </p:pic>
+    </p:spTree>
+  </p:cSld>
+  <p:clrMapOvr>
+    <a:masterClrMapping/>
+  </p:clrMapOvr>
+  <mc:AlternateContent xmlns:mc="http://schemas.openxmlformats.org/markup-compatibility/2006">
+    <mc:Choice xmlns:p14="http://schemas.microsoft.com/office/powerpoint/2010/main" Requires="p14">
+      <p:transition spd="slow" advClick="1" p14:dur="1200">
+        <p:dissolve/>
+      </p:transition>
+    </mc:Choice>
+    <mc:Fallback>
+      <p:transition spd="slow">
+        <p:fade/>
+      </p:transition>
+    </mc:Fallback>
+  </mc:AlternateContent>
+</p:sld>
+</file>
+
+<file path=ppt/slides/slide16.xml><?xml version="1.0" encoding="utf-8"?>
+<p:sld xmlns:a="http://schemas.openxmlformats.org/drawingml/2006/main" xmlns:r="http://schemas.openxmlformats.org/officeDocument/2006/relationships" xmlns:p="http://schemas.openxmlformats.org/presentationml/2006/main" xmlns:m="http://schemas.openxmlformats.org/officeDocument/2006/math" xmlns:a14="http://schemas.microsoft.com/office/drawing/2010/main" showMasterSp="1" showMasterPhAnim="1">
+  <p:cSld>
+    <p:bg>
+      <p:bgPr>
+        <a:solidFill>
+          <a:srgbClr val="FFFFFF"/>
+        </a:solidFill>
+      </p:bgPr>
+    </p:bg>
+    <p:spTree>
+      <p:nvGrpSpPr>
+        <p:cNvPr id="1" name=""/>
+        <p:cNvGrpSpPr/>
+        <p:nvPr/>
+      </p:nvGrpSpPr>
+      <p:grpSpPr>
+        <a:xfrm>
+          <a:off x="0" y="0"/>
+          <a:ext cx="0" cy="0"/>
+          <a:chOff x="0" y="0"/>
+          <a:chExt cx="0" cy="0"/>
+        </a:xfrm>
+      </p:grpSpPr>
+      <p:sp>
+        <p:nvSpPr>
+          <p:cNvPr id="181" name="Predictive Models Used"/>
+          <p:cNvSpPr txBox="1"/>
+          <p:nvPr>
+            <p:ph type="title"/>
+          </p:nvPr>
+        </p:nvSpPr>
+        <p:spPr>
+          <a:prstGeom prst="rect">
+            <a:avLst/>
+          </a:prstGeom>
+        </p:spPr>
+        <p:txBody>
+          <a:bodyPr/>
+          <a:lstStyle>
+            <a:lvl1pPr defTabSz="572516">
+              <a:spcBef>
+                <a:spcPts val="1500"/>
+              </a:spcBef>
+              <a:defRPr sz="6800"/>
+            </a:lvl1pPr>
+          </a:lstStyle>
+          <a:p>
+            <a:pPr/>
+            <a:r>
+              <a:t>Next Word Recommender</a:t>
+            </a:r>
+          </a:p>
+        </p:txBody>
+      </p:sp>
+      <p:pic>
+        <p:nvPicPr>
+          <p:cNvPr id="182" name="Screen Shot 2019-05-13 at 12.07.59.png" descr="Screen Shot 2019-05-13 at 12.07.59.png"/>
+          <p:cNvPicPr>
+            <a:picLocks noChangeAspect="1"/>
+          </p:cNvPicPr>
+          <p:nvPr/>
+        </p:nvPicPr>
+        <p:blipFill>
+          <a:blip r:embed="rId2">
+            <a:extLst/>
+          </a:blip>
+          <a:stretch>
+            <a:fillRect/>
+          </a:stretch>
+        </p:blipFill>
+        <p:spPr>
+          <a:xfrm>
+            <a:off x="32940" y="9116962"/>
+            <a:ext cx="1730545" cy="615308"/>
+          </a:xfrm>
+          <a:prstGeom prst="rect">
+            <a:avLst/>
+          </a:prstGeom>
+          <a:ln w="12700">
+            <a:miter lim="400000"/>
+          </a:ln>
+        </p:spPr>
+      </p:pic>
+      <p:sp>
+        <p:nvSpPr>
+          <p:cNvPr id="183" name="Whenever a user tries to enter a word/s suggest the next word based on combination of words used as input in previous searches."/>
+          <p:cNvSpPr txBox="1"/>
+          <p:nvPr/>
+        </p:nvSpPr>
+        <p:spPr>
+          <a:xfrm>
+            <a:off x="651924" y="2667715"/>
+            <a:ext cx="9948010" cy="2181455"/>
+          </a:xfrm>
+          <a:prstGeom prst="rect">
+            <a:avLst/>
+          </a:prstGeom>
+          <a:ln w="12700">
+            <a:miter lim="400000"/>
+          </a:ln>
+          <a:extLst>
+            <a:ext uri="{C572A759-6A51-4108-AA02-DFA0A04FC94B}">
+              <ma14:wrappingTextBoxFlag xmlns:ma14="http://schemas.microsoft.com/office/mac/drawingml/2011/main" val="1"/>
+            </a:ext>
+          </a:extLst>
+        </p:spPr>
+        <p:txBody>
+          <a:bodyPr lIns="50800" tIns="50800" rIns="50800" bIns="50800" anchor="ctr">
+            <a:spAutoFit/>
+          </a:bodyPr>
+          <a:lstStyle/>
+          <a:p>
+            <a:pPr marL="200525" indent="-200525" algn="l" defTabSz="914400">
+              <a:buClr>
+                <a:srgbClr val="000000"/>
+              </a:buClr>
+              <a:buSzPct val="100000"/>
+              <a:buChar char="•"/>
+              <a:defRPr sz="2900">
+                <a:solidFill>
+                  <a:srgbClr val="000000"/>
+                </a:solidFill>
+                <a:latin typeface="Times New Roman"/>
+                <a:ea typeface="Times New Roman"/>
+                <a:cs typeface="Times New Roman"/>
+                <a:sym typeface="Times New Roman"/>
+              </a:defRPr>
+            </a:pPr>
+            <a:r>
+              <a:t>Whenever a user tries to enter a word/s suggest the next word based on combination of words used as input in previous searches.</a:t>
+            </a:r>
+          </a:p>
+          <a:p>
+            <a:pPr marL="200525" indent="-200525" algn="l" defTabSz="914400">
+              <a:buClr>
+                <a:srgbClr val="000000"/>
+              </a:buClr>
+              <a:buSzPct val="100000"/>
+              <a:buChar char="•"/>
+              <a:defRPr sz="2900">
+                <a:solidFill>
+                  <a:srgbClr val="000000"/>
+                </a:solidFill>
+                <a:latin typeface="Times New Roman"/>
+                <a:ea typeface="Times New Roman"/>
+                <a:cs typeface="Times New Roman"/>
+                <a:sym typeface="Times New Roman"/>
+              </a:defRPr>
+            </a:pPr>
+            <a:r>
+              <a:t>Use results from Topic modeling to predict the recommended word/topic which are important.</a:t>
+            </a:r>
+          </a:p>
+        </p:txBody>
+      </p:sp>
+    </p:spTree>
+  </p:cSld>
+  <p:clrMapOvr>
+    <a:masterClrMapping/>
+  </p:clrMapOvr>
+  <mc:AlternateContent xmlns:mc="http://schemas.openxmlformats.org/markup-compatibility/2006">
+    <mc:Choice xmlns:p14="http://schemas.microsoft.com/office/powerpoint/2010/main" Requires="p14">
+      <p:transition spd="slow" advClick="1" p14:dur="1200">
+        <p:dissolve/>
+      </p:transition>
+    </mc:Choice>
+    <mc:Fallback>
+      <p:transition spd="slow">
+        <p:fade/>
+      </p:transition>
+    </mc:Fallback>
+  </mc:AlternateContent>
+</p:sld>
+</file>
+
+<file path=ppt/slides/slide17.xml><?xml version="1.0" encoding="utf-8"?>
+<p:sld xmlns:a="http://schemas.openxmlformats.org/drawingml/2006/main" xmlns:r="http://schemas.openxmlformats.org/officeDocument/2006/relationships" xmlns:p="http://schemas.openxmlformats.org/presentationml/2006/main" xmlns:m="http://schemas.openxmlformats.org/officeDocument/2006/math" xmlns:a14="http://schemas.microsoft.com/office/drawing/2010/main" showMasterSp="1" showMasterPhAnim="1">
+  <p:cSld>
+    <p:bg>
+      <p:bgPr>
+        <a:solidFill>
+          <a:srgbClr val="FFFFFF"/>
+        </a:solidFill>
+      </p:bgPr>
+    </p:bg>
+    <p:spTree>
+      <p:nvGrpSpPr>
+        <p:cNvPr id="1" name=""/>
+        <p:cNvGrpSpPr/>
+        <p:nvPr/>
+      </p:nvGrpSpPr>
+      <p:grpSpPr>
+        <a:xfrm>
+          <a:off x="0" y="0"/>
+          <a:ext cx="0" cy="0"/>
+          <a:chOff x="0" y="0"/>
+          <a:chExt cx="0" cy="0"/>
+        </a:xfrm>
+      </p:grpSpPr>
+      <p:sp>
+        <p:nvSpPr>
+          <p:cNvPr id="185" name="Predictive Models Used"/>
+          <p:cNvSpPr txBox="1"/>
+          <p:nvPr>
+            <p:ph type="title"/>
+          </p:nvPr>
+        </p:nvSpPr>
+        <p:spPr>
+          <a:prstGeom prst="rect">
+            <a:avLst/>
+          </a:prstGeom>
+        </p:spPr>
+        <p:txBody>
+          <a:bodyPr/>
+          <a:lstStyle/>
+          <a:p>
+            <a:pPr/>
+            <a:r>
+              <a:t>Relevant Work</a:t>
+            </a:r>
+          </a:p>
+        </p:txBody>
+      </p:sp>
+      <p:pic>
+        <p:nvPicPr>
+          <p:cNvPr id="186" name="Screen Shot 2019-05-13 at 12.07.59.png" descr="Screen Shot 2019-05-13 at 12.07.59.png"/>
+          <p:cNvPicPr>
+            <a:picLocks noChangeAspect="1"/>
+          </p:cNvPicPr>
+          <p:nvPr/>
+        </p:nvPicPr>
+        <p:blipFill>
+          <a:blip r:embed="rId2">
+            <a:extLst/>
+          </a:blip>
+          <a:stretch>
+            <a:fillRect/>
+          </a:stretch>
+        </p:blipFill>
+        <p:spPr>
+          <a:xfrm>
+            <a:off x="32940" y="9116962"/>
+            <a:ext cx="1730545" cy="615308"/>
+          </a:xfrm>
+          <a:prstGeom prst="rect">
+            <a:avLst/>
+          </a:prstGeom>
+          <a:ln w="12700">
+            <a:miter lim="400000"/>
+          </a:ln>
+        </p:spPr>
+      </p:pic>
+      <p:sp>
+        <p:nvSpPr>
+          <p:cNvPr id="187" name="Emotion Sentiment Extraction Website by Jason.(https://jason-jones.shinyapps.io/Emotionizer/)…"/>
+          <p:cNvSpPr txBox="1"/>
+          <p:nvPr/>
+        </p:nvSpPr>
+        <p:spPr>
+          <a:xfrm>
+            <a:off x="1528395" y="2561155"/>
+            <a:ext cx="9948010" cy="2694109"/>
+          </a:xfrm>
+          <a:prstGeom prst="rect">
+            <a:avLst/>
+          </a:prstGeom>
+          <a:ln w="12700">
+            <a:miter lim="400000"/>
+          </a:ln>
+          <a:extLst>
+            <a:ext uri="{C572A759-6A51-4108-AA02-DFA0A04FC94B}">
+              <ma14:wrappingTextBoxFlag xmlns:ma14="http://schemas.microsoft.com/office/mac/drawingml/2011/main" val="1"/>
+            </a:ext>
+          </a:extLst>
+        </p:spPr>
+        <p:txBody>
+          <a:bodyPr lIns="50800" tIns="50800" rIns="50800" bIns="50800" anchor="ctr">
+            <a:spAutoFit/>
+          </a:bodyPr>
+          <a:lstStyle/>
+          <a:p>
+            <a:pPr marL="200525" indent="-200525" algn="l" defTabSz="914400">
+              <a:lnSpc>
+                <a:spcPct val="130000"/>
+              </a:lnSpc>
+              <a:buClr>
+                <a:srgbClr val="000000"/>
+              </a:buClr>
+              <a:buSzPct val="100000"/>
+              <a:buChar char="•"/>
+              <a:defRPr b="1" sz="2900" u="sng">
+                <a:solidFill>
+                  <a:srgbClr val="000000"/>
+                </a:solidFill>
+                <a:uFill>
+                  <a:solidFill>
+                    <a:srgbClr val="0000FF"/>
+                  </a:solidFill>
+                </a:uFill>
+                <a:latin typeface="Times New Roman"/>
+                <a:ea typeface="Times New Roman"/>
+                <a:cs typeface="Times New Roman"/>
+                <a:sym typeface="Times New Roman"/>
+              </a:defRPr>
+            </a:pPr>
+            <a:r>
+              <a:rPr>
+                <a:solidFill>
+                  <a:srgbClr val="0000FF"/>
+                </a:solidFill>
+                <a:hlinkClick r:id="rId3" invalidUrl="" action="" tgtFrame="" tooltip="" history="1" highlightClick="0" endSnd="0"/>
+              </a:rPr>
+              <a:t>Emotion Sentiment Extraction Website by Jason.</a:t>
+            </a:r>
+            <a:r>
+              <a:rPr u="none">
+                <a:uFillTx/>
+              </a:rPr>
+              <a:t>(</a:t>
+            </a:r>
+            <a:r>
+              <a:rPr>
+                <a:solidFill>
+                  <a:srgbClr val="0000FF"/>
+                </a:solidFill>
+                <a:hlinkClick r:id="rId3" invalidUrl="" action="" tgtFrame="" tooltip="" history="1" highlightClick="0" endSnd="0"/>
+              </a:rPr>
+              <a:t>https://jason-jones.shinyapps.io/Emotionizer/</a:t>
+            </a:r>
+            <a:r>
+              <a:rPr u="none">
+                <a:uFillTx/>
+              </a:rPr>
+              <a:t>)</a:t>
+            </a:r>
+          </a:p>
+          <a:p>
+            <a:pPr marL="200525" indent="-200525" algn="l" defTabSz="914400">
               <a:lnSpc>
                 <a:spcPct val="130000"/>
               </a:lnSpc>
@@ -4061,58 +4722,6 @@
               </a:defRPr>
             </a:pPr>
             <a:r>
-              <a:rPr u="sng">
-                <a:uFill>
-                  <a:solidFill>
-                    <a:srgbClr val="0000FF"/>
-                  </a:solidFill>
-                </a:uFill>
-                <a:hlinkClick r:id="rId3" invalidUrl="" action="" tgtFrame="" tooltip="" history="1" highlightClick="0" endSnd="0"/>
-              </a:rPr>
-              <a:t>Emotion Sentiment Extraction Website by Jason.</a:t>
-            </a:r>
-            <a:r>
-              <a:t>(</a:t>
-            </a:r>
-            <a:r>
-              <a:rPr u="sng">
-                <a:solidFill>
-                  <a:srgbClr val="0000FF"/>
-                </a:solidFill>
-                <a:uFill>
-                  <a:solidFill>
-                    <a:srgbClr val="0000FF"/>
-                  </a:solidFill>
-                </a:uFill>
-                <a:hlinkClick r:id="rId3" invalidUrl="" action="" tgtFrame="" tooltip="" history="1" highlightClick="0" endSnd="0"/>
-              </a:rPr>
-              <a:t>https://jason-jones.shinyapps.io/Emotionizer/</a:t>
-            </a:r>
-            <a:r>
-              <a:t>)</a:t>
-            </a:r>
-          </a:p>
-          <a:p>
-            <a:pPr marL="200526" indent="-200526" algn="l" defTabSz="914400">
-              <a:lnSpc>
-                <a:spcPct val="130000"/>
-              </a:lnSpc>
-              <a:buClr>
-                <a:srgbClr val="000000"/>
-              </a:buClr>
-              <a:buSzPct val="100000"/>
-              <a:buChar char="•"/>
-              <a:defRPr b="1" sz="2900">
-                <a:solidFill>
-                  <a:srgbClr val="000000"/>
-                </a:solidFill>
-                <a:latin typeface="Times New Roman"/>
-                <a:ea typeface="Times New Roman"/>
-                <a:cs typeface="Times New Roman"/>
-                <a:sym typeface="Times New Roman"/>
-              </a:defRPr>
-            </a:pPr>
-            <a:r>
               <a:t>“Peoples Opinion on Indian Budget Using Sentiment Analysis”</a:t>
             </a:r>
             <a:r>
@@ -4124,24 +4733,6 @@
               <a:t>Varat Nayak</a:t>
             </a:r>
             <a:endParaRPr baseline="31999" sz="3000"/>
-          </a:p>
-          <a:p>
-            <a:pPr marL="200526" indent="-200526" algn="l" defTabSz="914400">
-              <a:buClr>
-                <a:srgbClr val="000000"/>
-              </a:buClr>
-              <a:buSzPct val="100000"/>
-              <a:buChar char="•"/>
-              <a:defRPr b="1" sz="2900">
-                <a:solidFill>
-                  <a:srgbClr val="000000"/>
-                </a:solidFill>
-                <a:latin typeface="Times New Roman"/>
-                <a:ea typeface="Times New Roman"/>
-                <a:cs typeface="Times New Roman"/>
-                <a:sym typeface="Times New Roman"/>
-              </a:defRPr>
-            </a:pPr>
           </a:p>
         </p:txBody>
       </p:sp>
@@ -4223,8 +4814,8 @@
         </p:nvSpPr>
         <p:spPr>
           <a:xfrm>
-            <a:off x="583608" y="1628426"/>
-            <a:ext cx="11837583" cy="7325074"/>
+            <a:off x="583608" y="1628425"/>
+            <a:ext cx="11837583" cy="7325075"/>
           </a:xfrm>
           <a:prstGeom prst="rect">
             <a:avLst/>
@@ -4501,63 +5092,40 @@
           <a:p>
             <a:pPr/>
             <a:r>
-              <a:t>Goals</a:t>
+              <a:t>Overview of the Project</a:t>
             </a:r>
           </a:p>
         </p:txBody>
       </p:sp>
-      <p:sp>
-        <p:nvSpPr>
-          <p:cNvPr id="127" name="What is fMRI?…"/>
-          <p:cNvSpPr txBox="1"/>
-          <p:nvPr>
-            <p:ph type="body" sz="half" idx="1"/>
-          </p:nvPr>
-        </p:nvSpPr>
+      <p:pic>
+        <p:nvPicPr>
+          <p:cNvPr id="127" name="Process Diagram.png" descr="Process Diagram.png"/>
+          <p:cNvPicPr>
+            <a:picLocks noChangeAspect="1"/>
+          </p:cNvPicPr>
+          <p:nvPr/>
+        </p:nvPicPr>
+        <p:blipFill>
+          <a:blip r:embed="rId2">
+            <a:extLst/>
+          </a:blip>
+          <a:stretch>
+            <a:fillRect/>
+          </a:stretch>
+        </p:blipFill>
         <p:spPr>
           <a:xfrm>
-            <a:off x="576757" y="2178050"/>
-            <a:ext cx="6891837" cy="7325074"/>
+            <a:off x="2679651" y="2324100"/>
+            <a:ext cx="7913392" cy="7609031"/>
           </a:xfrm>
           <a:prstGeom prst="rect">
             <a:avLst/>
           </a:prstGeom>
-        </p:spPr>
-        <p:txBody>
-          <a:bodyPr/>
-          <a:lstStyle/>
-          <a:p>
-            <a:pPr/>
-            <a:r>
-              <a:t>Understand the data </a:t>
-            </a:r>
-          </a:p>
-          <a:p>
-            <a:pPr/>
-            <a:r>
-              <a:t>Data Cleaning/Pre-processing</a:t>
-            </a:r>
-          </a:p>
-          <a:p>
-            <a:pPr/>
-            <a:r>
-              <a:t>Topic Modelling of  the textual data</a:t>
-            </a:r>
-          </a:p>
-          <a:p>
-            <a:pPr/>
-            <a:r>
-              <a:t>Emotion and Sentiment Analysis of the budget texts to draw up public’s emotional engagement. </a:t>
-            </a:r>
-          </a:p>
-          <a:p>
-            <a:pPr/>
-            <a:r>
-              <a:t>Next work recommender for the texts in budget.</a:t>
-            </a:r>
-          </a:p>
-        </p:txBody>
-      </p:sp>
+          <a:ln w="12700">
+            <a:miter lim="400000"/>
+          </a:ln>
+        </p:spPr>
+      </p:pic>
     </p:spTree>
   </p:cSld>
   <p:clrMapOvr>
@@ -4604,7 +5172,7 @@
       </p:grpSpPr>
       <p:sp>
         <p:nvSpPr>
-          <p:cNvPr id="129" name="Data Set- StarPlus Experiment Set Up"/>
+          <p:cNvPr id="129" name="fMRI (StarPlus ) Overview"/>
           <p:cNvSpPr txBox="1"/>
           <p:nvPr>
             <p:ph type="title"/>
@@ -4617,25 +5185,18 @@
         </p:spPr>
         <p:txBody>
           <a:bodyPr/>
-          <a:lstStyle>
-            <a:lvl1pPr defTabSz="549148">
-              <a:spcBef>
-                <a:spcPts val="1500"/>
-              </a:spcBef>
-              <a:defRPr sz="6500"/>
-            </a:lvl1pPr>
-          </a:lstStyle>
+          <a:lstStyle/>
           <a:p>
             <a:pPr/>
             <a:r>
-              <a:t>Team Structure</a:t>
+              <a:t>Goals</a:t>
             </a:r>
           </a:p>
         </p:txBody>
       </p:sp>
       <p:sp>
         <p:nvSpPr>
-          <p:cNvPr id="130" name="6 Subjects Tested…"/>
+          <p:cNvPr id="130" name="What is fMRI?…"/>
           <p:cNvSpPr txBox="1"/>
           <p:nvPr>
             <p:ph type="body" idx="1"/>
@@ -4643,8 +5204,8 @@
         </p:nvSpPr>
         <p:spPr>
           <a:xfrm>
-            <a:off x="508000" y="2326361"/>
-            <a:ext cx="11651209" cy="6701078"/>
+            <a:off x="583608" y="2178049"/>
+            <a:ext cx="11525471" cy="6775451"/>
           </a:xfrm>
           <a:prstGeom prst="rect">
             <a:avLst/>
@@ -4654,129 +5215,71 @@
           <a:bodyPr/>
           <a:lstStyle/>
           <a:p>
-            <a:pPr lvl="1" marL="704850" indent="-352425" defTabSz="438150">
+            <a:pPr marL="356429" indent="-356429" defTabSz="566674">
               <a:spcBef>
-                <a:spcPts val="1800"/>
+                <a:spcPts val="1700"/>
               </a:spcBef>
-              <a:defRPr sz="2700"/>
+              <a:defRPr sz="2716"/>
             </a:pPr>
-            <a:r>
-              <a:t>All the individuals will work on preparing data i.e. Perform Data cleaning and Data preprocessing.</a:t>
-            </a:r>
-          </a:p>
-          <a:p>
-            <a:pPr lvl="1" marL="704850" indent="-352425" defTabSz="438150">
+          </a:p>
+          <a:p>
+            <a:pPr marL="356429" indent="-356429" defTabSz="566674">
               <a:spcBef>
-                <a:spcPts val="1800"/>
+                <a:spcPts val="1700"/>
               </a:spcBef>
-              <a:defRPr sz="2700"/>
+              <a:defRPr sz="2716"/>
             </a:pPr>
             <a:r>
-              <a:t>Team will be divided into 2 groups to perform different tasks:</a:t>
-            </a:r>
-          </a:p>
-          <a:p>
-            <a:pPr lvl="2" marL="1292225" indent="-352425" defTabSz="438150">
+              <a:t>Understand the budget text data according to different counties, and their relationships, similarities/dissimilarities.</a:t>
+            </a:r>
+          </a:p>
+          <a:p>
+            <a:pPr marL="356429" indent="-356429" defTabSz="566674">
               <a:spcBef>
-                <a:spcPts val="1800"/>
+                <a:spcPts val="1700"/>
               </a:spcBef>
-              <a:buSzPct val="65000"/>
-              <a:buChar char="๏"/>
-              <a:defRPr sz="2700"/>
+              <a:defRPr sz="2716"/>
             </a:pPr>
             <a:r>
-              <a:t>Team 1: Topic Modelling</a:t>
+              <a:t>Data Cleaning/Pre-processing: Removing stopwords, unwanted words, and lemmatizing the texts for further analysis.</a:t>
+            </a:r>
+          </a:p>
+          <a:p>
+            <a:pPr marL="356429" indent="-356429" defTabSz="566674">
+              <a:spcBef>
+                <a:spcPts val="1700"/>
+              </a:spcBef>
+              <a:defRPr sz="2716"/>
+            </a:pPr>
+            <a:r>
+              <a:t>Topic Modelling of  the textual data. Compare how the important topics in budget documents has changed with time (From 2009 to 2019).</a:t>
+            </a:r>
+          </a:p>
+          <a:p>
+            <a:pPr marL="356429" indent="-356429" defTabSz="566674">
+              <a:spcBef>
+                <a:spcPts val="1700"/>
+              </a:spcBef>
+              <a:defRPr sz="2716"/>
+            </a:pPr>
+            <a:r>
+              <a:t>Emotion and Sentiment Analysis of the budget texts to draw up public’s emotional engagement over the years.</a:t>
+            </a:r>
+          </a:p>
+          <a:p>
+            <a:pPr marL="356429" indent="-356429" defTabSz="566674">
+              <a:spcBef>
+                <a:spcPts val="1700"/>
+              </a:spcBef>
+              <a:defRPr sz="2716"/>
+            </a:pPr>
+            <a:r>
+              <a:t>Next words recommender for the texts in budget when searching. </a:t>
             </a:r>
             <a:br/>
-            <a:r>
-              <a:t> Members:</a:t>
-            </a:r>
-            <a:br/>
-            <a:r>
-              <a:t> </a:t>
-            </a:r>
-            <a:r>
-              <a:rPr sz="2800"/>
-              <a:t>  1. Naseeb Thapaliya</a:t>
-            </a:r>
-            <a:br>
-              <a:rPr sz="2800"/>
-            </a:br>
-            <a:r>
-              <a:rPr sz="2800"/>
-              <a:t>   2. Miguel Gasper Utrera</a:t>
-            </a:r>
-            <a:br>
-              <a:rPr sz="2800"/>
-            </a:br>
-            <a:r>
-              <a:rPr sz="2800"/>
-              <a:t>   3. Sultan Al Bogami</a:t>
-            </a:r>
-          </a:p>
-          <a:p>
-            <a:pPr lvl="2" marL="1292225" indent="-352425" defTabSz="438150">
-              <a:spcBef>
-                <a:spcPts val="1800"/>
-              </a:spcBef>
-              <a:buSzPct val="65000"/>
-              <a:buChar char="๏"/>
-              <a:defRPr sz="2700"/>
-            </a:pPr>
-            <a:r>
-              <a:t>Team 2: Emotion and Sentiment Analysis</a:t>
-            </a:r>
-            <a:br/>
-            <a:r>
-              <a:rPr sz="2800"/>
-              <a:t> Members:</a:t>
-            </a:r>
-            <a:br>
-              <a:rPr sz="2800"/>
-            </a:br>
-            <a:r>
-              <a:rPr sz="2800"/>
-              <a:t>   1. Akash Meghani</a:t>
-            </a:r>
-            <a:br>
-              <a:rPr sz="2800"/>
-            </a:br>
-            <a:r>
-              <a:rPr sz="2800"/>
-              <a:t>   2. Unnati Khivasara</a:t>
-            </a:r>
           </a:p>
         </p:txBody>
       </p:sp>
-      <p:pic>
-        <p:nvPicPr>
-          <p:cNvPr id="131" name="Screen Shot 2019-05-13 at 12.07.59.png" descr="Screen Shot 2019-05-13 at 12.07.59.png"/>
-          <p:cNvPicPr>
-            <a:picLocks noChangeAspect="1"/>
-          </p:cNvPicPr>
-          <p:nvPr/>
-        </p:nvPicPr>
-        <p:blipFill>
-          <a:blip r:embed="rId2">
-            <a:extLst/>
-          </a:blip>
-          <a:stretch>
-            <a:fillRect/>
-          </a:stretch>
-        </p:blipFill>
-        <p:spPr>
-          <a:xfrm>
-            <a:off x="17512" y="9173488"/>
-            <a:ext cx="1712664" cy="608948"/>
-          </a:xfrm>
-          <a:prstGeom prst="rect">
-            <a:avLst/>
-          </a:prstGeom>
-          <a:ln w="12700">
-            <a:miter lim="400000"/>
-          </a:ln>
-        </p:spPr>
-      </p:pic>
     </p:spTree>
   </p:cSld>
   <p:clrMapOvr>
@@ -4823,7 +5326,7 @@
       </p:grpSpPr>
       <p:sp>
         <p:nvSpPr>
-          <p:cNvPr id="133" name="Data Set- Terminology"/>
+          <p:cNvPr id="132" name="Data Set- StarPlus Experiment Set Up"/>
           <p:cNvSpPr txBox="1"/>
           <p:nvPr>
             <p:ph type="title"/>
@@ -4836,18 +5339,25 @@
         </p:spPr>
         <p:txBody>
           <a:bodyPr/>
-          <a:lstStyle/>
+          <a:lstStyle>
+            <a:lvl1pPr defTabSz="549148">
+              <a:spcBef>
+                <a:spcPts val="1500"/>
+              </a:spcBef>
+              <a:defRPr sz="6500"/>
+            </a:lvl1pPr>
+          </a:lstStyle>
           <a:p>
             <a:pPr/>
             <a:r>
-              <a:t>Data Overview</a:t>
+              <a:t>Team Structure</a:t>
             </a:r>
           </a:p>
         </p:txBody>
       </p:sp>
       <p:sp>
         <p:nvSpPr>
-          <p:cNvPr id="134" name="Feature Space: # of images fMRI images taken (54) by the number of voxels in subjects trials (4,698)…"/>
+          <p:cNvPr id="133" name="6 Subjects Tested…"/>
           <p:cNvSpPr txBox="1"/>
           <p:nvPr>
             <p:ph type="body" idx="1"/>
@@ -4855,8 +5365,8 @@
         </p:nvSpPr>
         <p:spPr>
           <a:xfrm>
-            <a:off x="932852" y="2324099"/>
-            <a:ext cx="11596296" cy="5864454"/>
+            <a:off x="508000" y="2326361"/>
+            <a:ext cx="11651209" cy="6701078"/>
           </a:xfrm>
           <a:prstGeom prst="rect">
             <a:avLst/>
@@ -4866,28 +5376,103 @@
           <a:bodyPr/>
           <a:lstStyle/>
           <a:p>
-            <a:pPr/>
-            <a:r>
-              <a:t>Primarily, 7 pdf files ranging from 400-500 pages long  for each.</a:t>
-            </a:r>
-          </a:p>
-          <a:p>
-            <a:pPr/>
-            <a:r>
-              <a:t>Each pdf is converted to csv files by extracting all the relevant budget texts(words) from the pdf file.</a:t>
-            </a:r>
-          </a:p>
-          <a:p>
-            <a:pPr/>
-            <a:r>
-              <a:t>So, there are total of 638131 total words extracted from the budget files.</a:t>
+            <a:pPr lvl="1" marL="704850" indent="-352425" defTabSz="438150">
+              <a:spcBef>
+                <a:spcPts val="1800"/>
+              </a:spcBef>
+              <a:defRPr sz="2700"/>
+            </a:pPr>
+            <a:r>
+              <a:t>All the individuals will work on preparing data i.e. Perform Data cleaning and Data preprocessing.</a:t>
+            </a:r>
+          </a:p>
+          <a:p>
+            <a:pPr lvl="1" marL="704850" indent="-352425" defTabSz="438150">
+              <a:spcBef>
+                <a:spcPts val="1800"/>
+              </a:spcBef>
+              <a:defRPr sz="2700"/>
+            </a:pPr>
+            <a:r>
+              <a:t>Team will be divided into 2 groups to perform different tasks:</a:t>
+            </a:r>
+          </a:p>
+          <a:p>
+            <a:pPr lvl="2" marL="1292225" indent="-352425" defTabSz="438150">
+              <a:spcBef>
+                <a:spcPts val="1800"/>
+              </a:spcBef>
+              <a:buSzPct val="65000"/>
+              <a:buChar char="๏"/>
+              <a:defRPr sz="2700"/>
+            </a:pPr>
+            <a:r>
+              <a:t>Team 1: Topic Modelling</a:t>
+            </a:r>
+            <a:br/>
+            <a:r>
+              <a:t> Members:</a:t>
+            </a:r>
+            <a:br/>
+            <a:r>
+              <a:t> </a:t>
+            </a:r>
+            <a:r>
+              <a:rPr sz="2800"/>
+              <a:t>  1. Naseeb Thapaliya</a:t>
+            </a:r>
+            <a:br>
+              <a:rPr sz="2800"/>
+            </a:br>
+            <a:r>
+              <a:rPr sz="2800"/>
+              <a:t>   2. Miguel Gasper Utrera</a:t>
+            </a:r>
+            <a:br>
+              <a:rPr sz="2800"/>
+            </a:br>
+            <a:r>
+              <a:rPr sz="2800"/>
+              <a:t>   3. Sultan Al Bogami</a:t>
+            </a:r>
+          </a:p>
+          <a:p>
+            <a:pPr lvl="2" marL="1292225" indent="-352425" defTabSz="438150">
+              <a:spcBef>
+                <a:spcPts val="1800"/>
+              </a:spcBef>
+              <a:buSzPct val="65000"/>
+              <a:buChar char="๏"/>
+              <a:defRPr sz="2700"/>
+            </a:pPr>
+            <a:r>
+              <a:t>Team 2: Emotion and Sentiment Analysis</a:t>
+            </a:r>
+            <a:br/>
+            <a:r>
+              <a:rPr sz="2800"/>
+              <a:t> Members:</a:t>
+            </a:r>
+            <a:br>
+              <a:rPr sz="2800"/>
+            </a:br>
+            <a:r>
+              <a:rPr sz="2800"/>
+              <a:t>   1. Akash Meghani</a:t>
+            </a:r>
+            <a:br>
+              <a:rPr sz="2800"/>
+            </a:br>
+            <a:r>
+              <a:rPr sz="2800"/>
+              <a:t>   2. Unnati Khivasara</a:t>
             </a:r>
           </a:p>
         </p:txBody>
       </p:sp>
       <p:pic>
         <p:nvPicPr>
-          <p:cNvPr id="135" name="Screen Shot 2019-05-13 at 12.07.59.png" descr="Screen Shot 2019-05-13 at 12.07.59.png"/>
+          <p:cNvPr id="134" name="Screen Shot 2019-05-13 at 12.07.59.png" descr="Screen Shot 2019-05-13 at 12.07.59.png"/>
           <p:cNvPicPr>
             <a:picLocks noChangeAspect="1"/>
           </p:cNvPicPr>
@@ -4903,8 +5488,8 @@
         </p:blipFill>
         <p:spPr>
           <a:xfrm>
-            <a:off x="42961" y="9143065"/>
-            <a:ext cx="1786756" cy="635292"/>
+            <a:off x="17512" y="9173488"/>
+            <a:ext cx="1712665" cy="608949"/>
           </a:xfrm>
           <a:prstGeom prst="rect">
             <a:avLst/>
@@ -4960,13 +5545,17 @@
       </p:grpSpPr>
       <p:sp>
         <p:nvSpPr>
-          <p:cNvPr id="137" name="Data Set- Terminology"/>
+          <p:cNvPr id="136" name="fMRI (StarPlus ) Overview"/>
           <p:cNvSpPr txBox="1"/>
           <p:nvPr>
             <p:ph type="title"/>
           </p:nvPr>
         </p:nvSpPr>
         <p:spPr>
+          <a:xfrm>
+            <a:off x="508000" y="812800"/>
+            <a:ext cx="11988800" cy="1219200"/>
+          </a:xfrm>
           <a:prstGeom prst="rect">
             <a:avLst/>
           </a:prstGeom>
@@ -4977,14 +5566,14 @@
           <a:p>
             <a:pPr/>
             <a:r>
-              <a:t>Data Source</a:t>
+              <a:t>Individual Tasks Done</a:t>
             </a:r>
           </a:p>
         </p:txBody>
       </p:sp>
       <p:sp>
         <p:nvSpPr>
-          <p:cNvPr id="138" name="Feature Space: # of images fMRI images taken (54) by the number of voxels in subjects trials (4,698)…"/>
+          <p:cNvPr id="137" name="What is fMRI?…"/>
           <p:cNvSpPr txBox="1"/>
           <p:nvPr>
             <p:ph type="body" idx="1"/>
@@ -4992,8 +5581,8 @@
         </p:nvSpPr>
         <p:spPr>
           <a:xfrm>
-            <a:off x="932852" y="2324100"/>
-            <a:ext cx="11596296" cy="5864453"/>
+            <a:off x="583608" y="2178049"/>
+            <a:ext cx="11525471" cy="6775451"/>
           </a:xfrm>
           <a:prstGeom prst="rect">
             <a:avLst/>
@@ -5003,68 +5592,115 @@
           <a:bodyPr/>
           <a:lstStyle/>
           <a:p>
-            <a:pPr/>
+            <a:pPr marL="238844" indent="-238844" defTabSz="379729">
+              <a:spcBef>
+                <a:spcPts val="1100"/>
+              </a:spcBef>
+              <a:defRPr sz="1819"/>
+            </a:pPr>
+          </a:p>
+          <a:p>
+            <a:pPr marL="238844" indent="-238844" defTabSz="379729">
+              <a:spcBef>
+                <a:spcPts val="1100"/>
+              </a:spcBef>
+              <a:defRPr sz="1819"/>
+            </a:pPr>
+            <a:r>
+              <a:t>Sultan Al Bogami</a:t>
+            </a:r>
+            <a:br/>
+            <a:r>
+              <a:t>  1.  Collected Budget Documents from all the different Counties websites and other sources.</a:t>
+            </a:r>
+            <a:br/>
+            <a:r>
+              <a:t>  2.  Converted the pdf documents to csv formats. Extract words from the documents using online tool, and </a:t>
+            </a:r>
+            <a:br/>
+            <a:r>
+              <a:t>       classify them for further processing.</a:t>
+            </a:r>
+          </a:p>
+          <a:p>
+            <a:pPr marL="238844" indent="-238844" defTabSz="379729">
+              <a:spcBef>
+                <a:spcPts val="1100"/>
+              </a:spcBef>
+              <a:defRPr sz="1819"/>
+            </a:pPr>
+            <a:r>
+              <a:t>Naseeb Thapaliya</a:t>
+            </a:r>
+            <a:br/>
+            <a:r>
+              <a:t>  1. Combine all the csv datasets from all the counties, and assign labels to identify the counties.</a:t>
+            </a:r>
+            <a:br/>
+            <a:r>
+              <a:t>  3. Analyze the combined data sets to identify data dictionaries and volume.</a:t>
+            </a:r>
+          </a:p>
+          <a:p>
+            <a:pPr marL="238844" indent="-238844" defTabSz="379729">
+              <a:spcBef>
+                <a:spcPts val="1100"/>
+              </a:spcBef>
+              <a:defRPr sz="1819"/>
+            </a:pPr>
+            <a:r>
+              <a:t>Miguel Gasper Utrera</a:t>
+            </a:r>
+            <a:br/>
+            <a:r>
+              <a:t>  1. Analyze the Datasets individually and keep the consistent data structure for all the counties.</a:t>
+            </a:r>
+            <a:br/>
+            <a:r>
+              <a:t>  2. Started looking into how topic modelling works, and find resources for topic modelling.</a:t>
+            </a:r>
+          </a:p>
+          <a:p>
+            <a:pPr marL="238844" indent="-238844" defTabSz="379729">
+              <a:spcBef>
+                <a:spcPts val="1100"/>
+              </a:spcBef>
+              <a:defRPr sz="1819"/>
+            </a:pPr>
+            <a:r>
+              <a:t>Unnati Khivasera</a:t>
+            </a:r>
+            <a:br/>
+            <a:r>
+              <a:t>  1. Organize and Coordinate data and documents for all the team members to access them when required.</a:t>
+            </a:r>
+            <a:br/>
+            <a:r>
+              <a:t>  2. Research on finalizing suitable approach /techniques used for Emotion and Sentiment analysis:</a:t>
+            </a:r>
+          </a:p>
+          <a:p>
+            <a:pPr marL="238844" indent="-238844" defTabSz="379729">
+              <a:spcBef>
+                <a:spcPts val="1100"/>
+              </a:spcBef>
+              <a:defRPr sz="1819"/>
+            </a:pPr>
+            <a:r>
+              <a:t>Akash Meghani</a:t>
+            </a:r>
+            <a:br/>
+            <a:r>
+              <a:t>  1. Collect Emotions csv data from the budget text documents.</a:t>
+            </a:r>
+            <a:br/>
+            <a:r>
+              <a:t>  2. Carry out individual analysis of the county documents to discover emotions in words.</a:t>
+            </a:r>
+            <a:br/>
           </a:p>
         </p:txBody>
       </p:sp>
-      <p:pic>
-        <p:nvPicPr>
-          <p:cNvPr id="139" name="Screen Shot 2019-05-13 at 12.07.59.png" descr="Screen Shot 2019-05-13 at 12.07.59.png"/>
-          <p:cNvPicPr>
-            <a:picLocks noChangeAspect="1"/>
-          </p:cNvPicPr>
-          <p:nvPr/>
-        </p:nvPicPr>
-        <p:blipFill>
-          <a:blip r:embed="rId2">
-            <a:extLst/>
-          </a:blip>
-          <a:stretch>
-            <a:fillRect/>
-          </a:stretch>
-        </p:blipFill>
-        <p:spPr>
-          <a:xfrm>
-            <a:off x="42961" y="9143065"/>
-            <a:ext cx="1786756" cy="635292"/>
-          </a:xfrm>
-          <a:prstGeom prst="rect">
-            <a:avLst/>
-          </a:prstGeom>
-          <a:ln w="12700">
-            <a:miter lim="400000"/>
-          </a:ln>
-        </p:spPr>
-      </p:pic>
-      <p:pic>
-        <p:nvPicPr>
-          <p:cNvPr id="140" name="Screen Shot 2019-09-24 at 11.21.04.png" descr="Screen Shot 2019-09-24 at 11.21.04.png"/>
-          <p:cNvPicPr>
-            <a:picLocks noChangeAspect="1"/>
-          </p:cNvPicPr>
-          <p:nvPr/>
-        </p:nvPicPr>
-        <p:blipFill>
-          <a:blip r:embed="rId3">
-            <a:extLst/>
-          </a:blip>
-          <a:stretch>
-            <a:fillRect/>
-          </a:stretch>
-        </p:blipFill>
-        <p:spPr>
-          <a:xfrm>
-            <a:off x="370185" y="2324100"/>
-            <a:ext cx="13004801" cy="7180676"/>
-          </a:xfrm>
-          <a:prstGeom prst="rect">
-            <a:avLst/>
-          </a:prstGeom>
-          <a:ln w="12700">
-            <a:miter lim="400000"/>
-          </a:ln>
-        </p:spPr>
-      </p:pic>
     </p:spTree>
   </p:cSld>
   <p:clrMapOvr>
@@ -5111,7 +5747,7 @@
       </p:grpSpPr>
       <p:sp>
         <p:nvSpPr>
-          <p:cNvPr id="142" name="Data Set- Terminology"/>
+          <p:cNvPr id="139" name="Data Set- Terminology"/>
           <p:cNvSpPr txBox="1"/>
           <p:nvPr>
             <p:ph type="title"/>
@@ -5128,14 +5764,14 @@
           <a:p>
             <a:pPr/>
             <a:r>
-              <a:t>Data Conversion</a:t>
+              <a:t>Data Overview</a:t>
             </a:r>
           </a:p>
         </p:txBody>
       </p:sp>
       <p:sp>
         <p:nvSpPr>
-          <p:cNvPr id="143" name="Feature Space: # of images fMRI images taken (54) by the number of voxels in subjects trials (4,698)…"/>
+          <p:cNvPr id="140" name="Feature Space: # of images fMRI images taken (54) by the number of voxels in subjects trials (4,698)…"/>
           <p:cNvSpPr txBox="1"/>
           <p:nvPr>
             <p:ph type="body" idx="1"/>
@@ -5143,8 +5779,8 @@
         </p:nvSpPr>
         <p:spPr>
           <a:xfrm>
-            <a:off x="1207426" y="2561231"/>
-            <a:ext cx="11596295" cy="6613242"/>
+            <a:off x="932851" y="2324099"/>
+            <a:ext cx="11596298" cy="5864455"/>
           </a:xfrm>
           <a:prstGeom prst="rect">
             <a:avLst/>
@@ -5154,18 +5790,28 @@
           <a:bodyPr/>
           <a:lstStyle/>
           <a:p>
-            <a:pPr marL="187960" indent="-187960" defTabSz="233679">
-              <a:spcBef>
-                <a:spcPts val="900"/>
-              </a:spcBef>
-              <a:defRPr sz="1440"/>
-            </a:pPr>
+            <a:pPr/>
+            <a:r>
+              <a:t>Primarily, 7 pdf files ranging from 400-500 pages long  for each.</a:t>
+            </a:r>
+          </a:p>
+          <a:p>
+            <a:pPr/>
+            <a:r>
+              <a:t>Each pdf is converted to csv files by extracting all the relevant budget texts(words) from the pdf file.</a:t>
+            </a:r>
+          </a:p>
+          <a:p>
+            <a:pPr/>
+            <a:r>
+              <a:t>So, there are total of 638131 total words extracted from the budget files.</a:t>
+            </a:r>
           </a:p>
         </p:txBody>
       </p:sp>
       <p:pic>
         <p:nvPicPr>
-          <p:cNvPr id="144" name="Screen Shot 2019-09-24 at 11.06.34.png" descr="Screen Shot 2019-09-24 at 11.06.34.png"/>
+          <p:cNvPr id="141" name="Screen Shot 2019-05-13 at 12.07.59.png" descr="Screen Shot 2019-05-13 at 12.07.59.png"/>
           <p:cNvPicPr>
             <a:picLocks noChangeAspect="1"/>
           </p:cNvPicPr>
@@ -5181,37 +5827,8 @@
         </p:blipFill>
         <p:spPr>
           <a:xfrm>
-            <a:off x="1207426" y="2561231"/>
-            <a:ext cx="10776611" cy="6483979"/>
-          </a:xfrm>
-          <a:prstGeom prst="rect">
-            <a:avLst/>
-          </a:prstGeom>
-          <a:ln w="12700">
-            <a:miter lim="400000"/>
-          </a:ln>
-        </p:spPr>
-      </p:pic>
-      <p:pic>
-        <p:nvPicPr>
-          <p:cNvPr id="145" name="Screen Shot 2019-05-13 at 12.07.59.png" descr="Screen Shot 2019-05-13 at 12.07.59.png"/>
-          <p:cNvPicPr>
-            <a:picLocks noChangeAspect="1"/>
-          </p:cNvPicPr>
-          <p:nvPr/>
-        </p:nvPicPr>
-        <p:blipFill>
-          <a:blip r:embed="rId3">
-            <a:extLst/>
-          </a:blip>
-          <a:stretch>
-            <a:fillRect/>
-          </a:stretch>
-        </p:blipFill>
-        <p:spPr>
-          <a:xfrm>
             <a:off x="42961" y="9143065"/>
-            <a:ext cx="1786756" cy="635292"/>
+            <a:ext cx="1786757" cy="635293"/>
           </a:xfrm>
           <a:prstGeom prst="rect">
             <a:avLst/>
@@ -5267,7 +5884,7 @@
       </p:grpSpPr>
       <p:sp>
         <p:nvSpPr>
-          <p:cNvPr id="147" name="Data Set- Terminology"/>
+          <p:cNvPr id="143" name="Data Set- Terminology"/>
           <p:cNvSpPr txBox="1"/>
           <p:nvPr>
             <p:ph type="title"/>
@@ -5284,14 +5901,39 @@
           <a:p>
             <a:pPr/>
             <a:r>
-              <a:t>Data Transformation</a:t>
-            </a:r>
+              <a:t>Data Source</a:t>
+            </a:r>
+          </a:p>
+        </p:txBody>
+      </p:sp>
+      <p:sp>
+        <p:nvSpPr>
+          <p:cNvPr id="144" name="Feature Space: # of images fMRI images taken (54) by the number of voxels in subjects trials (4,698)…"/>
+          <p:cNvSpPr txBox="1"/>
+          <p:nvPr>
+            <p:ph type="body" idx="1"/>
+          </p:nvPr>
+        </p:nvSpPr>
+        <p:spPr>
+          <a:xfrm>
+            <a:off x="932851" y="2324100"/>
+            <a:ext cx="11596298" cy="5864453"/>
+          </a:xfrm>
+          <a:prstGeom prst="rect">
+            <a:avLst/>
+          </a:prstGeom>
+        </p:spPr>
+        <p:txBody>
+          <a:bodyPr/>
+          <a:lstStyle/>
+          <a:p>
+            <a:pPr/>
           </a:p>
         </p:txBody>
       </p:sp>
       <p:pic>
         <p:nvPicPr>
-          <p:cNvPr id="148" name="Screen Shot 2019-05-13 at 12.07.59.png" descr="Screen Shot 2019-05-13 at 12.07.59.png"/>
+          <p:cNvPr id="145" name="Screen Shot 2019-05-13 at 12.07.59.png" descr="Screen Shot 2019-05-13 at 12.07.59.png"/>
           <p:cNvPicPr>
             <a:picLocks noChangeAspect="1"/>
           </p:cNvPicPr>
@@ -5308,7 +5950,7 @@
         <p:spPr>
           <a:xfrm>
             <a:off x="42961" y="9143065"/>
-            <a:ext cx="1786756" cy="635292"/>
+            <a:ext cx="1786757" cy="635293"/>
           </a:xfrm>
           <a:prstGeom prst="rect">
             <a:avLst/>
@@ -5320,7 +5962,7 @@
       </p:pic>
       <p:pic>
         <p:nvPicPr>
-          <p:cNvPr id="149" name="Screen Shot 2019-09-24 at 11.23.55.png" descr="Screen Shot 2019-09-24 at 11.23.55.png"/>
+          <p:cNvPr id="146" name="Screen Shot 2019-09-24 at 11.21.04.png" descr="Screen Shot 2019-09-24 at 11.21.04.png"/>
           <p:cNvPicPr>
             <a:picLocks noChangeAspect="1"/>
           </p:cNvPicPr>
@@ -5336,8 +5978,8 @@
         </p:blipFill>
         <p:spPr>
           <a:xfrm>
-            <a:off x="575327" y="2328939"/>
-            <a:ext cx="13004801" cy="6663237"/>
+            <a:off x="370185" y="2324100"/>
+            <a:ext cx="13004802" cy="7180676"/>
           </a:xfrm>
           <a:prstGeom prst="rect">
             <a:avLst/>
@@ -5393,7 +6035,7 @@
       </p:grpSpPr>
       <p:sp>
         <p:nvSpPr>
-          <p:cNvPr id="151" name="Data Set- Terminology"/>
+          <p:cNvPr id="148" name="Data Set- Terminology"/>
           <p:cNvSpPr txBox="1"/>
           <p:nvPr>
             <p:ph type="title"/>
@@ -5410,14 +6052,44 @@
           <a:p>
             <a:pPr/>
             <a:r>
-              <a:t>Data Analysis</a:t>
-            </a:r>
+              <a:t>Data Conversion</a:t>
+            </a:r>
+          </a:p>
+        </p:txBody>
+      </p:sp>
+      <p:sp>
+        <p:nvSpPr>
+          <p:cNvPr id="149" name="Feature Space: # of images fMRI images taken (54) by the number of voxels in subjects trials (4,698)…"/>
+          <p:cNvSpPr txBox="1"/>
+          <p:nvPr>
+            <p:ph type="body" idx="1"/>
+          </p:nvPr>
+        </p:nvSpPr>
+        <p:spPr>
+          <a:xfrm>
+            <a:off x="1207425" y="2561231"/>
+            <a:ext cx="11596297" cy="6613243"/>
+          </a:xfrm>
+          <a:prstGeom prst="rect">
+            <a:avLst/>
+          </a:prstGeom>
+        </p:spPr>
+        <p:txBody>
+          <a:bodyPr/>
+          <a:lstStyle/>
+          <a:p>
+            <a:pPr marL="187960" indent="-187960" defTabSz="233679">
+              <a:spcBef>
+                <a:spcPts val="900"/>
+              </a:spcBef>
+              <a:defRPr sz="1400"/>
+            </a:pPr>
           </a:p>
         </p:txBody>
       </p:sp>
       <p:pic>
         <p:nvPicPr>
-          <p:cNvPr id="152" name="Screen Shot 2019-05-13 at 12.07.59.png" descr="Screen Shot 2019-05-13 at 12.07.59.png"/>
+          <p:cNvPr id="150" name="Screen Shot 2019-09-24 at 11.06.34.png" descr="Screen Shot 2019-09-24 at 11.06.34.png"/>
           <p:cNvPicPr>
             <a:picLocks noChangeAspect="1"/>
           </p:cNvPicPr>
@@ -5433,8 +6105,8 @@
         </p:blipFill>
         <p:spPr>
           <a:xfrm>
-            <a:off x="42961" y="9143065"/>
-            <a:ext cx="1786756" cy="635292"/>
+            <a:off x="1207426" y="2561231"/>
+            <a:ext cx="10776612" cy="6483980"/>
           </a:xfrm>
           <a:prstGeom prst="rect">
             <a:avLst/>
@@ -5446,7 +6118,7 @@
       </p:pic>
       <p:pic>
         <p:nvPicPr>
-          <p:cNvPr id="153" name="Screen Shot 2019-09-24 at 11.11.37.png" descr="Screen Shot 2019-09-24 at 11.11.37.png"/>
+          <p:cNvPr id="151" name="Screen Shot 2019-05-13 at 12.07.59.png" descr="Screen Shot 2019-05-13 at 12.07.59.png"/>
           <p:cNvPicPr>
             <a:picLocks noChangeAspect="1"/>
           </p:cNvPicPr>
@@ -5462,8 +6134,8 @@
         </p:blipFill>
         <p:spPr>
           <a:xfrm>
-            <a:off x="-437653" y="2543872"/>
-            <a:ext cx="14111980" cy="6233371"/>
+            <a:off x="42961" y="9143065"/>
+            <a:ext cx="1786757" cy="635293"/>
           </a:xfrm>
           <a:prstGeom prst="rect">
             <a:avLst/>
@@ -5724,10 +6396,10 @@
             </a:solidFill>
             <a:effectLst/>
             <a:uFillTx/>
-            <a:latin typeface="+mj-lt"/>
-            <a:ea typeface="+mj-ea"/>
-            <a:cs typeface="+mj-cs"/>
-            <a:sym typeface="Helvetica Neue"/>
+            <a:latin typeface="+mn-lt"/>
+            <a:ea typeface="+mn-ea"/>
+            <a:cs typeface="+mn-cs"/>
+            <a:sym typeface="Helvetica"/>
           </a:defRPr>
         </a:defPPr>
         <a:lvl1pPr marL="0" marR="0" indent="0" algn="l" defTabSz="914400" rtl="0" fontAlgn="auto" latinLnBrk="1" hangingPunct="0">
@@ -6295,10 +6967,10 @@
             </a:solidFill>
             <a:effectLst/>
             <a:uFillTx/>
-            <a:latin typeface="+mj-lt"/>
-            <a:ea typeface="+mj-ea"/>
-            <a:cs typeface="+mj-cs"/>
-            <a:sym typeface="Helvetica Neue"/>
+            <a:latin typeface="+mn-lt"/>
+            <a:ea typeface="+mn-ea"/>
+            <a:cs typeface="+mn-cs"/>
+            <a:sym typeface="Helvetica"/>
           </a:defRPr>
         </a:defPPr>
         <a:lvl1pPr marL="0" marR="0" indent="0" algn="l" defTabSz="914400" rtl="0" fontAlgn="auto" latinLnBrk="1" hangingPunct="0">
@@ -6778,10 +7450,10 @@
             </a:solidFill>
             <a:effectLst/>
             <a:uFillTx/>
-            <a:latin typeface="+mj-lt"/>
-            <a:ea typeface="+mj-ea"/>
-            <a:cs typeface="+mj-cs"/>
-            <a:sym typeface="Helvetica Neue"/>
+            <a:latin typeface="+mn-lt"/>
+            <a:ea typeface="+mn-ea"/>
+            <a:cs typeface="+mn-cs"/>
+            <a:sym typeface="Helvetica"/>
           </a:defRPr>
         </a:defPPr>
         <a:lvl1pPr marL="0" marR="0" indent="0" algn="l" defTabSz="914400" rtl="0" fontAlgn="auto" latinLnBrk="1" hangingPunct="0">
@@ -7349,10 +8021,10 @@
             </a:solidFill>
             <a:effectLst/>
             <a:uFillTx/>
-            <a:latin typeface="+mj-lt"/>
-            <a:ea typeface="+mj-ea"/>
-            <a:cs typeface="+mj-cs"/>
-            <a:sym typeface="Helvetica Neue"/>
+            <a:latin typeface="+mn-lt"/>
+            <a:ea typeface="+mn-ea"/>
+            <a:cs typeface="+mn-cs"/>
+            <a:sym typeface="Helvetica"/>
           </a:defRPr>
         </a:defPPr>
         <a:lvl1pPr marL="0" marR="0" indent="0" algn="l" defTabSz="914400" rtl="0" fontAlgn="auto" latinLnBrk="1" hangingPunct="0">
